--- a/Reference/Master Jupyter/Climate Data.pptx
+++ b/Reference/Master Jupyter/Climate Data.pptx
@@ -1,51 +1,51 @@
 
 <file path=ppt/presentation.xml><?xml version="1.0" encoding="utf-8"?>
-<p:presentation xmlns:a="http://schemas.openxmlformats.org/drawingml/2006/main" xmlns:r="http://schemas.openxmlformats.org/officeDocument/2006/relationships" xmlns:mc="http://schemas.openxmlformats.org/markup-compatibility/2006" xmlns:mv="urn:schemas-microsoft-com:mac:vml" xmlns:p="http://schemas.openxmlformats.org/presentationml/2006/main" xmlns:c="http://schemas.openxmlformats.org/drawingml/2006/chart" xmlns:dgm="http://schemas.openxmlformats.org/drawingml/2006/diagram" xmlns:o="urn:schemas-microsoft-com:office:office" xmlns:v="urn:schemas-microsoft-com:vml" xmlns:pvml="urn:schemas-microsoft-com:office:powerpoint" xmlns:com="http://schemas.openxmlformats.org/drawingml/2006/compatibility" xmlns:p14="http://schemas.microsoft.com/office/powerpoint/2010/main" xmlns:p15="http://schemas.microsoft.com/office/powerpoint/2012/main" autoCompressPictures="0" embedTrueTypeFonts="1" strictFirstAndLastChars="0" saveSubsetFonts="1">
+<p:presentation xmlns:a="http://schemas.openxmlformats.org/drawingml/2006/main" xmlns:r="http://schemas.openxmlformats.org/officeDocument/2006/relationships" xmlns:p="http://schemas.openxmlformats.org/presentationml/2006/main" strictFirstAndLastChars="0" embedTrueTypeFonts="1" saveSubsetFonts="1" autoCompressPictures="0">
   <p:sldMasterIdLst>
-    <p:sldMasterId id="2147483659" r:id="rId5"/>
+    <p:sldMasterId id="2147483659" r:id="rId1"/>
   </p:sldMasterIdLst>
   <p:notesMasterIdLst>
-    <p:notesMasterId r:id="rId6"/>
+    <p:notesMasterId r:id="rId19"/>
   </p:notesMasterIdLst>
   <p:sldIdLst>
-    <p:sldId id="256" r:id="rId7"/>
-    <p:sldId id="257" r:id="rId8"/>
-    <p:sldId id="258" r:id="rId9"/>
-    <p:sldId id="259" r:id="rId10"/>
-    <p:sldId id="260" r:id="rId11"/>
-    <p:sldId id="261" r:id="rId12"/>
-    <p:sldId id="262" r:id="rId13"/>
-    <p:sldId id="263" r:id="rId14"/>
-    <p:sldId id="264" r:id="rId15"/>
-    <p:sldId id="265" r:id="rId16"/>
-    <p:sldId id="266" r:id="rId17"/>
-    <p:sldId id="267" r:id="rId18"/>
-    <p:sldId id="268" r:id="rId19"/>
-    <p:sldId id="269" r:id="rId20"/>
-    <p:sldId id="270" r:id="rId21"/>
-    <p:sldId id="271" r:id="rId22"/>
-    <p:sldId id="272" r:id="rId23"/>
+    <p:sldId id="256" r:id="rId2"/>
+    <p:sldId id="257" r:id="rId3"/>
+    <p:sldId id="258" r:id="rId4"/>
+    <p:sldId id="259" r:id="rId5"/>
+    <p:sldId id="260" r:id="rId6"/>
+    <p:sldId id="261" r:id="rId7"/>
+    <p:sldId id="262" r:id="rId8"/>
+    <p:sldId id="263" r:id="rId9"/>
+    <p:sldId id="264" r:id="rId10"/>
+    <p:sldId id="265" r:id="rId11"/>
+    <p:sldId id="266" r:id="rId12"/>
+    <p:sldId id="267" r:id="rId13"/>
+    <p:sldId id="268" r:id="rId14"/>
+    <p:sldId id="269" r:id="rId15"/>
+    <p:sldId id="270" r:id="rId16"/>
+    <p:sldId id="271" r:id="rId17"/>
+    <p:sldId id="272" r:id="rId18"/>
   </p:sldIdLst>
-  <p:sldSz cy="5143500" cx="9144000"/>
+  <p:sldSz cx="9144000" cy="5143500" type="screen16x9"/>
   <p:notesSz cx="6858000" cy="9144000"/>
   <p:embeddedFontLst>
     <p:embeddedFont>
-      <p:font typeface="Raleway"/>
+      <p:font typeface="Lato" panose="020B0604020202020204" charset="0"/>
+      <p:regular r:id="rId20"/>
+      <p:bold r:id="rId21"/>
+      <p:italic r:id="rId22"/>
+      <p:boldItalic r:id="rId23"/>
+    </p:embeddedFont>
+    <p:embeddedFont>
+      <p:font typeface="Raleway" panose="020B0604020202020204" charset="0"/>
       <p:regular r:id="rId24"/>
       <p:bold r:id="rId25"/>
       <p:italic r:id="rId26"/>
       <p:boldItalic r:id="rId27"/>
     </p:embeddedFont>
-    <p:embeddedFont>
-      <p:font typeface="Lato"/>
-      <p:regular r:id="rId28"/>
-      <p:bold r:id="rId29"/>
-      <p:italic r:id="rId30"/>
-      <p:boldItalic r:id="rId31"/>
-    </p:embeddedFont>
   </p:embeddedFontLst>
   <p:defaultTextStyle>
-    <a:defPPr lvl="0" marR="0" rtl="0" algn="l">
+    <a:defPPr marR="0" lvl="0" algn="l" rtl="0">
       <a:lnSpc>
         <a:spcPct val="100000"/>
       </a:lnSpc>
@@ -56,7 +56,7 @@
         <a:spcPts val="0"/>
       </a:spcAft>
     </a:defPPr>
-    <a:lvl1pPr lvl="0" marR="0" rtl="0" algn="l">
+    <a:lvl1pPr marR="0" lvl="0" algn="l" rtl="0">
       <a:lnSpc>
         <a:spcPct val="100000"/>
       </a:lnSpc>
@@ -70,7 +70,7 @@
         <a:srgbClr val="000000"/>
       </a:buClr>
       <a:buFont typeface="Arial"/>
-      <a:defRPr b="0" i="0" sz="1400" u="none" cap="none" strike="noStrike">
+      <a:defRPr sz="1400" b="0" i="0" u="none" strike="noStrike" cap="none">
         <a:solidFill>
           <a:srgbClr val="000000"/>
         </a:solidFill>
@@ -80,7 +80,7 @@
         <a:sym typeface="Arial"/>
       </a:defRPr>
     </a:lvl1pPr>
-    <a:lvl2pPr lvl="1" marR="0" rtl="0" algn="l">
+    <a:lvl2pPr marR="0" lvl="1" algn="l" rtl="0">
       <a:lnSpc>
         <a:spcPct val="100000"/>
       </a:lnSpc>
@@ -94,7 +94,7 @@
         <a:srgbClr val="000000"/>
       </a:buClr>
       <a:buFont typeface="Arial"/>
-      <a:defRPr b="0" i="0" sz="1400" u="none" cap="none" strike="noStrike">
+      <a:defRPr sz="1400" b="0" i="0" u="none" strike="noStrike" cap="none">
         <a:solidFill>
           <a:srgbClr val="000000"/>
         </a:solidFill>
@@ -104,7 +104,7 @@
         <a:sym typeface="Arial"/>
       </a:defRPr>
     </a:lvl2pPr>
-    <a:lvl3pPr lvl="2" marR="0" rtl="0" algn="l">
+    <a:lvl3pPr marR="0" lvl="2" algn="l" rtl="0">
       <a:lnSpc>
         <a:spcPct val="100000"/>
       </a:lnSpc>
@@ -118,7 +118,7 @@
         <a:srgbClr val="000000"/>
       </a:buClr>
       <a:buFont typeface="Arial"/>
-      <a:defRPr b="0" i="0" sz="1400" u="none" cap="none" strike="noStrike">
+      <a:defRPr sz="1400" b="0" i="0" u="none" strike="noStrike" cap="none">
         <a:solidFill>
           <a:srgbClr val="000000"/>
         </a:solidFill>
@@ -128,7 +128,7 @@
         <a:sym typeface="Arial"/>
       </a:defRPr>
     </a:lvl3pPr>
-    <a:lvl4pPr lvl="3" marR="0" rtl="0" algn="l">
+    <a:lvl4pPr marR="0" lvl="3" algn="l" rtl="0">
       <a:lnSpc>
         <a:spcPct val="100000"/>
       </a:lnSpc>
@@ -142,7 +142,7 @@
         <a:srgbClr val="000000"/>
       </a:buClr>
       <a:buFont typeface="Arial"/>
-      <a:defRPr b="0" i="0" sz="1400" u="none" cap="none" strike="noStrike">
+      <a:defRPr sz="1400" b="0" i="0" u="none" strike="noStrike" cap="none">
         <a:solidFill>
           <a:srgbClr val="000000"/>
         </a:solidFill>
@@ -152,7 +152,7 @@
         <a:sym typeface="Arial"/>
       </a:defRPr>
     </a:lvl4pPr>
-    <a:lvl5pPr lvl="4" marR="0" rtl="0" algn="l">
+    <a:lvl5pPr marR="0" lvl="4" algn="l" rtl="0">
       <a:lnSpc>
         <a:spcPct val="100000"/>
       </a:lnSpc>
@@ -166,7 +166,7 @@
         <a:srgbClr val="000000"/>
       </a:buClr>
       <a:buFont typeface="Arial"/>
-      <a:defRPr b="0" i="0" sz="1400" u="none" cap="none" strike="noStrike">
+      <a:defRPr sz="1400" b="0" i="0" u="none" strike="noStrike" cap="none">
         <a:solidFill>
           <a:srgbClr val="000000"/>
         </a:solidFill>
@@ -176,7 +176,7 @@
         <a:sym typeface="Arial"/>
       </a:defRPr>
     </a:lvl5pPr>
-    <a:lvl6pPr lvl="5" marR="0" rtl="0" algn="l">
+    <a:lvl6pPr marR="0" lvl="5" algn="l" rtl="0">
       <a:lnSpc>
         <a:spcPct val="100000"/>
       </a:lnSpc>
@@ -190,7 +190,7 @@
         <a:srgbClr val="000000"/>
       </a:buClr>
       <a:buFont typeface="Arial"/>
-      <a:defRPr b="0" i="0" sz="1400" u="none" cap="none" strike="noStrike">
+      <a:defRPr sz="1400" b="0" i="0" u="none" strike="noStrike" cap="none">
         <a:solidFill>
           <a:srgbClr val="000000"/>
         </a:solidFill>
@@ -200,7 +200,7 @@
         <a:sym typeface="Arial"/>
       </a:defRPr>
     </a:lvl6pPr>
-    <a:lvl7pPr lvl="6" marR="0" rtl="0" algn="l">
+    <a:lvl7pPr marR="0" lvl="6" algn="l" rtl="0">
       <a:lnSpc>
         <a:spcPct val="100000"/>
       </a:lnSpc>
@@ -214,7 +214,7 @@
         <a:srgbClr val="000000"/>
       </a:buClr>
       <a:buFont typeface="Arial"/>
-      <a:defRPr b="0" i="0" sz="1400" u="none" cap="none" strike="noStrike">
+      <a:defRPr sz="1400" b="0" i="0" u="none" strike="noStrike" cap="none">
         <a:solidFill>
           <a:srgbClr val="000000"/>
         </a:solidFill>
@@ -224,7 +224,7 @@
         <a:sym typeface="Arial"/>
       </a:defRPr>
     </a:lvl7pPr>
-    <a:lvl8pPr lvl="7" marR="0" rtl="0" algn="l">
+    <a:lvl8pPr marR="0" lvl="7" algn="l" rtl="0">
       <a:lnSpc>
         <a:spcPct val="100000"/>
       </a:lnSpc>
@@ -238,7 +238,7 @@
         <a:srgbClr val="000000"/>
       </a:buClr>
       <a:buFont typeface="Arial"/>
-      <a:defRPr b="0" i="0" sz="1400" u="none" cap="none" strike="noStrike">
+      <a:defRPr sz="1400" b="0" i="0" u="none" strike="noStrike" cap="none">
         <a:solidFill>
           <a:srgbClr val="000000"/>
         </a:solidFill>
@@ -248,7 +248,7 @@
         <a:sym typeface="Arial"/>
       </a:defRPr>
     </a:lvl8pPr>
-    <a:lvl9pPr lvl="8" marR="0" rtl="0" algn="l">
+    <a:lvl9pPr marR="0" lvl="8" algn="l" rtl="0">
       <a:lnSpc>
         <a:spcPct val="100000"/>
       </a:lnSpc>
@@ -262,7 +262,7 @@
         <a:srgbClr val="000000"/>
       </a:buClr>
       <a:buFont typeface="Arial"/>
-      <a:defRPr b="0" i="0" sz="1400" u="none" cap="none" strike="noStrike">
+      <a:defRPr sz="1400" b="0" i="0" u="none" strike="noStrike" cap="none">
         <a:solidFill>
           <a:srgbClr val="000000"/>
         </a:solidFill>
@@ -275,7 +275,7 @@
   </p:defaultTextStyle>
   <p:extLst>
     <p:ext uri="{EFAFB233-063F-42B5-8137-9DF3F51BA10A}">
-      <p15:sldGuideLst>
+      <p15:sldGuideLst xmlns:p15="http://schemas.microsoft.com/office/powerpoint/2012/main">
         <p15:guide id="1" orient="horz" pos="1620">
           <p15:clr>
             <a:srgbClr val="A4A3A4"/>
@@ -293,19 +293,19 @@
 </file>
 
 <file path=ppt/commentAuthors.xml><?xml version="1.0" encoding="utf-8"?>
-<p:cmAuthorLst xmlns:a="http://schemas.openxmlformats.org/drawingml/2006/main" xmlns:r="http://schemas.openxmlformats.org/officeDocument/2006/relationships" xmlns:mc="http://schemas.openxmlformats.org/markup-compatibility/2006" xmlns:mv="urn:schemas-microsoft-com:mac:vml" xmlns:p="http://schemas.openxmlformats.org/presentationml/2006/main" xmlns:c="http://schemas.openxmlformats.org/drawingml/2006/chart" xmlns:dgm="http://schemas.openxmlformats.org/drawingml/2006/diagram" xmlns:o="urn:schemas-microsoft-com:office:office" xmlns:v="urn:schemas-microsoft-com:vml" xmlns:pvml="urn:schemas-microsoft-com:office:powerpoint" xmlns:com="http://schemas.openxmlformats.org/drawingml/2006/compatibility" xmlns:p14="http://schemas.microsoft.com/office/powerpoint/2010/main" xmlns:p15="http://schemas.microsoft.com/office/powerpoint/2012/main">
-  <p:cmAuthor clrIdx="0" id="0" initials="" lastIdx="1" name="Ekamjit Deol"/>
-  <p:cmAuthor clrIdx="1" id="1" initials="" lastIdx="1" name="Dave Eum"/>
+<p:cmAuthorLst xmlns:a="http://schemas.openxmlformats.org/drawingml/2006/main" xmlns:r="http://schemas.openxmlformats.org/officeDocument/2006/relationships" xmlns:p="http://schemas.openxmlformats.org/presentationml/2006/main">
+  <p:cmAuthor id="0" name="Ekamjit Deol" initials="" lastIdx="1" clrIdx="0"/>
+  <p:cmAuthor id="1" name="Dave Eum" initials="" lastIdx="1" clrIdx="1"/>
 </p:cmAuthorLst>
 </file>
 
 <file path=ppt/comments/comment1.xml><?xml version="1.0" encoding="utf-8"?>
-<p:cmLst xmlns:a="http://schemas.openxmlformats.org/drawingml/2006/main" xmlns:r="http://schemas.openxmlformats.org/officeDocument/2006/relationships" xmlns:mc="http://schemas.openxmlformats.org/markup-compatibility/2006" xmlns:mv="urn:schemas-microsoft-com:mac:vml" xmlns:p="http://schemas.openxmlformats.org/presentationml/2006/main" xmlns:c="http://schemas.openxmlformats.org/drawingml/2006/chart" xmlns:dgm="http://schemas.openxmlformats.org/drawingml/2006/diagram" xmlns:o="urn:schemas-microsoft-com:office:office" xmlns:v="urn:schemas-microsoft-com:vml" xmlns:pvml="urn:schemas-microsoft-com:office:powerpoint" xmlns:com="http://schemas.openxmlformats.org/drawingml/2006/compatibility" xmlns:p14="http://schemas.microsoft.com/office/powerpoint/2010/main" xmlns:p15="http://schemas.microsoft.com/office/powerpoint/2012/main">
-  <p:cm authorId="0" idx="1" dt="2019-11-13T01:11:39.447">
+<p:cmLst xmlns:a="http://schemas.openxmlformats.org/drawingml/2006/main" xmlns:r="http://schemas.openxmlformats.org/officeDocument/2006/relationships" xmlns:p="http://schemas.openxmlformats.org/presentationml/2006/main">
+  <p:cm authorId="0" dt="2019-11-13T01:11:39.447" idx="1">
     <p:pos x="178" y="121"/>
     <p:text>Should we scrap this slide because it is the same as data and methodology</p:text>
   </p:cm>
-  <p:cm authorId="1" idx="1" dt="2019-11-13T01:11:39.447">
+  <p:cm authorId="1" dt="2019-11-13T01:11:39.447" idx="1">
     <p:pos x="178" y="121"/>
     <p:text>in slide 11</p:text>
   </p:cm>
@@ -313,11 +313,16 @@
 </file>
 
 <file path=ppt/notesMasters/notesMaster1.xml><?xml version="1.0" encoding="utf-8"?>
-<p:notesMaster xmlns:a="http://schemas.openxmlformats.org/drawingml/2006/main" xmlns:r="http://schemas.openxmlformats.org/officeDocument/2006/relationships" xmlns:mc="http://schemas.openxmlformats.org/markup-compatibility/2006" xmlns:mv="urn:schemas-microsoft-com:mac:vml" xmlns:p="http://schemas.openxmlformats.org/presentationml/2006/main" xmlns:c="http://schemas.openxmlformats.org/drawingml/2006/chart" xmlns:dgm="http://schemas.openxmlformats.org/drawingml/2006/diagram" xmlns:o="urn:schemas-microsoft-com:office:office" xmlns:v="urn:schemas-microsoft-com:vml" xmlns:pvml="urn:schemas-microsoft-com:office:powerpoint" xmlns:com="http://schemas.openxmlformats.org/drawingml/2006/compatibility" xmlns:p14="http://schemas.microsoft.com/office/powerpoint/2010/main" xmlns:p15="http://schemas.microsoft.com/office/powerpoint/2012/main">
+<p:notesMaster xmlns:a="http://schemas.openxmlformats.org/drawingml/2006/main" xmlns:r="http://schemas.openxmlformats.org/officeDocument/2006/relationships" xmlns:p="http://schemas.openxmlformats.org/presentationml/2006/main">
   <p:cSld>
+    <p:bg>
+      <p:bgRef idx="1001">
+        <a:schemeClr val="bg1"/>
+      </p:bgRef>
+    </p:bg>
     <p:spTree>
       <p:nvGrpSpPr>
-        <p:cNvPr id="2" name="Shape 2"/>
+        <p:cNvPr id="1" name="Shape 2"/>
         <p:cNvGrpSpPr/>
         <p:nvPr/>
       </p:nvGrpSpPr>
@@ -332,9 +337,11 @@
       <p:sp>
         <p:nvSpPr>
           <p:cNvPr id="3" name="Google Shape;3;n"/>
-          <p:cNvSpPr/>
+          <p:cNvSpPr>
+            <a:spLocks noGrp="1" noRot="1" noChangeAspect="1"/>
+          </p:cNvSpPr>
           <p:nvPr>
-            <p:ph idx="2" type="sldImg"/>
+            <p:ph type="sldImg" idx="2"/>
           </p:nvPr>
         </p:nvSpPr>
         <p:spPr>
@@ -343,9 +350,13 @@
             <a:ext cx="6096075" cy="3429000"/>
           </a:xfrm>
           <a:custGeom>
-            <a:rect b="b" l="l" r="r" t="t"/>
+            <a:avLst/>
+            <a:gdLst/>
+            <a:ahLst/>
+            <a:cxnLst/>
+            <a:rect l="l" t="t" r="r" b="b"/>
             <a:pathLst>
-              <a:path extrusionOk="0" h="120000" w="120000">
+              <a:path w="120000" h="120000" extrusionOk="0">
                 <a:moveTo>
                   <a:pt x="0" y="0"/>
                 </a:moveTo>
@@ -363,23 +374,25 @@
             </a:pathLst>
           </a:custGeom>
           <a:noFill/>
-          <a:ln cap="flat" cmpd="sng" w="9525">
+          <a:ln w="9525" cap="flat" cmpd="sng">
             <a:solidFill>
               <a:srgbClr val="000000"/>
             </a:solidFill>
             <a:prstDash val="solid"/>
             <a:round/>
-            <a:headEnd len="sm" w="sm" type="none"/>
-            <a:tailEnd len="sm" w="sm" type="none"/>
+            <a:headEnd type="none" w="sm" len="sm"/>
+            <a:tailEnd type="none" w="sm" len="sm"/>
           </a:ln>
         </p:spPr>
       </p:sp>
       <p:sp>
         <p:nvSpPr>
           <p:cNvPr id="4" name="Google Shape;4;n"/>
-          <p:cNvSpPr txBox="1"/>
+          <p:cNvSpPr txBox="1">
+            <a:spLocks noGrp="1"/>
+          </p:cNvSpPr>
           <p:nvPr>
-            <p:ph idx="1" type="body"/>
+            <p:ph type="body" idx="1"/>
           </p:nvPr>
         </p:nvSpPr>
         <p:spPr>
@@ -396,11 +409,11 @@
           </a:ln>
         </p:spPr>
         <p:txBody>
-          <a:bodyPr anchorCtr="0" anchor="t" bIns="91425" lIns="91425" spcFirstLastPara="1" rIns="91425" wrap="square" tIns="91425">
+          <a:bodyPr spcFirstLastPara="1" wrap="square" lIns="91425" tIns="91425" rIns="91425" bIns="91425" anchor="t" anchorCtr="0">
             <a:noAutofit/>
           </a:bodyPr>
           <a:lstStyle>
-            <a:lvl1pPr indent="-317500" lvl="0" marL="457200">
+            <a:lvl1pPr marL="457200" lvl="0" indent="-317500">
               <a:spcBef>
                 <a:spcPts val="0"/>
               </a:spcBef>
@@ -411,7 +424,7 @@
               <a:buChar char="●"/>
               <a:defRPr sz="1100"/>
             </a:lvl1pPr>
-            <a:lvl2pPr indent="-317500" lvl="1" marL="914400">
+            <a:lvl2pPr marL="914400" lvl="1" indent="-317500">
               <a:spcBef>
                 <a:spcPts val="0"/>
               </a:spcBef>
@@ -422,7 +435,7 @@
               <a:buChar char="○"/>
               <a:defRPr sz="1100"/>
             </a:lvl2pPr>
-            <a:lvl3pPr indent="-317500" lvl="2" marL="1371600">
+            <a:lvl3pPr marL="1371600" lvl="2" indent="-317500">
               <a:spcBef>
                 <a:spcPts val="0"/>
               </a:spcBef>
@@ -433,7 +446,7 @@
               <a:buChar char="■"/>
               <a:defRPr sz="1100"/>
             </a:lvl3pPr>
-            <a:lvl4pPr indent="-317500" lvl="3" marL="1828800">
+            <a:lvl4pPr marL="1828800" lvl="3" indent="-317500">
               <a:spcBef>
                 <a:spcPts val="0"/>
               </a:spcBef>
@@ -444,7 +457,7 @@
               <a:buChar char="●"/>
               <a:defRPr sz="1100"/>
             </a:lvl4pPr>
-            <a:lvl5pPr indent="-317500" lvl="4" marL="2286000">
+            <a:lvl5pPr marL="2286000" lvl="4" indent="-317500">
               <a:spcBef>
                 <a:spcPts val="0"/>
               </a:spcBef>
@@ -455,7 +468,7 @@
               <a:buChar char="○"/>
               <a:defRPr sz="1100"/>
             </a:lvl5pPr>
-            <a:lvl6pPr indent="-317500" lvl="5" marL="2743200">
+            <a:lvl6pPr marL="2743200" lvl="5" indent="-317500">
               <a:spcBef>
                 <a:spcPts val="0"/>
               </a:spcBef>
@@ -466,7 +479,7 @@
               <a:buChar char="■"/>
               <a:defRPr sz="1100"/>
             </a:lvl6pPr>
-            <a:lvl7pPr indent="-317500" lvl="6" marL="3200400">
+            <a:lvl7pPr marL="3200400" lvl="6" indent="-317500">
               <a:spcBef>
                 <a:spcPts val="0"/>
               </a:spcBef>
@@ -477,7 +490,7 @@
               <a:buChar char="●"/>
               <a:defRPr sz="1100"/>
             </a:lvl7pPr>
-            <a:lvl8pPr indent="-317500" lvl="7" marL="3657600">
+            <a:lvl8pPr marL="3657600" lvl="7" indent="-317500">
               <a:spcBef>
                 <a:spcPts val="0"/>
               </a:spcBef>
@@ -488,7 +501,7 @@
               <a:buChar char="○"/>
               <a:defRPr sz="1100"/>
             </a:lvl8pPr>
-            <a:lvl9pPr indent="-317500" lvl="8" marL="4114800">
+            <a:lvl9pPr marL="4114800" lvl="8" indent="-317500">
               <a:spcBef>
                 <a:spcPts val="0"/>
               </a:spcBef>
@@ -500,14 +513,16 @@
               <a:defRPr sz="1100"/>
             </a:lvl9pPr>
           </a:lstStyle>
-          <a:p/>
+          <a:p>
+            <a:endParaRPr/>
+          </a:p>
         </p:txBody>
       </p:sp>
     </p:spTree>
   </p:cSld>
-  <p:clrMap accent1="accent1" accent2="accent2" accent3="accent3" accent4="accent4" accent5="accent5" accent6="accent6" bg1="lt1" bg2="dk2" tx1="dk1" tx2="lt2" folHlink="folHlink" hlink="hlink"/>
+  <p:clrMap bg1="lt1" tx1="dk1" bg2="dk2" tx2="lt2" accent1="accent1" accent2="accent2" accent3="accent3" accent4="accent4" accent5="accent5" accent6="accent6" hlink="hlink" folHlink="folHlink"/>
   <p:notesStyle>
-    <a:defPPr lvl="0" marR="0" rtl="0" algn="l">
+    <a:defPPr marR="0" lvl="0" algn="l" rtl="0">
       <a:lnSpc>
         <a:spcPct val="100000"/>
       </a:lnSpc>
@@ -518,7 +533,7 @@
         <a:spcPts val="0"/>
       </a:spcAft>
     </a:defPPr>
-    <a:lvl1pPr lvl="0" marR="0" rtl="0" algn="l">
+    <a:lvl1pPr marR="0" lvl="0" algn="l" rtl="0">
       <a:lnSpc>
         <a:spcPct val="100000"/>
       </a:lnSpc>
@@ -532,7 +547,7 @@
         <a:srgbClr val="000000"/>
       </a:buClr>
       <a:buFont typeface="Arial"/>
-      <a:defRPr b="0" i="0" sz="1400" u="none" cap="none" strike="noStrike">
+      <a:defRPr sz="1400" b="0" i="0" u="none" strike="noStrike" cap="none">
         <a:solidFill>
           <a:srgbClr val="000000"/>
         </a:solidFill>
@@ -542,7 +557,7 @@
         <a:sym typeface="Arial"/>
       </a:defRPr>
     </a:lvl1pPr>
-    <a:lvl2pPr lvl="1" marR="0" rtl="0" algn="l">
+    <a:lvl2pPr marR="0" lvl="1" algn="l" rtl="0">
       <a:lnSpc>
         <a:spcPct val="100000"/>
       </a:lnSpc>
@@ -556,7 +571,7 @@
         <a:srgbClr val="000000"/>
       </a:buClr>
       <a:buFont typeface="Arial"/>
-      <a:defRPr b="0" i="0" sz="1400" u="none" cap="none" strike="noStrike">
+      <a:defRPr sz="1400" b="0" i="0" u="none" strike="noStrike" cap="none">
         <a:solidFill>
           <a:srgbClr val="000000"/>
         </a:solidFill>
@@ -566,7 +581,7 @@
         <a:sym typeface="Arial"/>
       </a:defRPr>
     </a:lvl2pPr>
-    <a:lvl3pPr lvl="2" marR="0" rtl="0" algn="l">
+    <a:lvl3pPr marR="0" lvl="2" algn="l" rtl="0">
       <a:lnSpc>
         <a:spcPct val="100000"/>
       </a:lnSpc>
@@ -580,7 +595,7 @@
         <a:srgbClr val="000000"/>
       </a:buClr>
       <a:buFont typeface="Arial"/>
-      <a:defRPr b="0" i="0" sz="1400" u="none" cap="none" strike="noStrike">
+      <a:defRPr sz="1400" b="0" i="0" u="none" strike="noStrike" cap="none">
         <a:solidFill>
           <a:srgbClr val="000000"/>
         </a:solidFill>
@@ -590,7 +605,7 @@
         <a:sym typeface="Arial"/>
       </a:defRPr>
     </a:lvl3pPr>
-    <a:lvl4pPr lvl="3" marR="0" rtl="0" algn="l">
+    <a:lvl4pPr marR="0" lvl="3" algn="l" rtl="0">
       <a:lnSpc>
         <a:spcPct val="100000"/>
       </a:lnSpc>
@@ -604,7 +619,7 @@
         <a:srgbClr val="000000"/>
       </a:buClr>
       <a:buFont typeface="Arial"/>
-      <a:defRPr b="0" i="0" sz="1400" u="none" cap="none" strike="noStrike">
+      <a:defRPr sz="1400" b="0" i="0" u="none" strike="noStrike" cap="none">
         <a:solidFill>
           <a:srgbClr val="000000"/>
         </a:solidFill>
@@ -614,7 +629,7 @@
         <a:sym typeface="Arial"/>
       </a:defRPr>
     </a:lvl4pPr>
-    <a:lvl5pPr lvl="4" marR="0" rtl="0" algn="l">
+    <a:lvl5pPr marR="0" lvl="4" algn="l" rtl="0">
       <a:lnSpc>
         <a:spcPct val="100000"/>
       </a:lnSpc>
@@ -628,7 +643,7 @@
         <a:srgbClr val="000000"/>
       </a:buClr>
       <a:buFont typeface="Arial"/>
-      <a:defRPr b="0" i="0" sz="1400" u="none" cap="none" strike="noStrike">
+      <a:defRPr sz="1400" b="0" i="0" u="none" strike="noStrike" cap="none">
         <a:solidFill>
           <a:srgbClr val="000000"/>
         </a:solidFill>
@@ -638,7 +653,7 @@
         <a:sym typeface="Arial"/>
       </a:defRPr>
     </a:lvl5pPr>
-    <a:lvl6pPr lvl="5" marR="0" rtl="0" algn="l">
+    <a:lvl6pPr marR="0" lvl="5" algn="l" rtl="0">
       <a:lnSpc>
         <a:spcPct val="100000"/>
       </a:lnSpc>
@@ -652,7 +667,7 @@
         <a:srgbClr val="000000"/>
       </a:buClr>
       <a:buFont typeface="Arial"/>
-      <a:defRPr b="0" i="0" sz="1400" u="none" cap="none" strike="noStrike">
+      <a:defRPr sz="1400" b="0" i="0" u="none" strike="noStrike" cap="none">
         <a:solidFill>
           <a:srgbClr val="000000"/>
         </a:solidFill>
@@ -662,7 +677,7 @@
         <a:sym typeface="Arial"/>
       </a:defRPr>
     </a:lvl6pPr>
-    <a:lvl7pPr lvl="6" marR="0" rtl="0" algn="l">
+    <a:lvl7pPr marR="0" lvl="6" algn="l" rtl="0">
       <a:lnSpc>
         <a:spcPct val="100000"/>
       </a:lnSpc>
@@ -676,7 +691,7 @@
         <a:srgbClr val="000000"/>
       </a:buClr>
       <a:buFont typeface="Arial"/>
-      <a:defRPr b="0" i="0" sz="1400" u="none" cap="none" strike="noStrike">
+      <a:defRPr sz="1400" b="0" i="0" u="none" strike="noStrike" cap="none">
         <a:solidFill>
           <a:srgbClr val="000000"/>
         </a:solidFill>
@@ -686,7 +701,7 @@
         <a:sym typeface="Arial"/>
       </a:defRPr>
     </a:lvl7pPr>
-    <a:lvl8pPr lvl="7" marR="0" rtl="0" algn="l">
+    <a:lvl8pPr marR="0" lvl="7" algn="l" rtl="0">
       <a:lnSpc>
         <a:spcPct val="100000"/>
       </a:lnSpc>
@@ -700,7 +715,7 @@
         <a:srgbClr val="000000"/>
       </a:buClr>
       <a:buFont typeface="Arial"/>
-      <a:defRPr b="0" i="0" sz="1400" u="none" cap="none" strike="noStrike">
+      <a:defRPr sz="1400" b="0" i="0" u="none" strike="noStrike" cap="none">
         <a:solidFill>
           <a:srgbClr val="000000"/>
         </a:solidFill>
@@ -710,7 +725,7 @@
         <a:sym typeface="Arial"/>
       </a:defRPr>
     </a:lvl8pPr>
-    <a:lvl9pPr lvl="8" marR="0" rtl="0" algn="l">
+    <a:lvl9pPr marR="0" lvl="8" algn="l" rtl="0">
       <a:lnSpc>
         <a:spcPct val="100000"/>
       </a:lnSpc>
@@ -724,7 +739,7 @@
         <a:srgbClr val="000000"/>
       </a:buClr>
       <a:buFont typeface="Arial"/>
-      <a:defRPr b="0" i="0" sz="1400" u="none" cap="none" strike="noStrike">
+      <a:defRPr sz="1400" b="0" i="0" u="none" strike="noStrike" cap="none">
         <a:solidFill>
           <a:srgbClr val="000000"/>
         </a:solidFill>
@@ -739,11 +754,11 @@
 </file>
 
 <file path=ppt/notesSlides/notesSlide1.xml><?xml version="1.0" encoding="utf-8"?>
-<p:notes xmlns:a="http://schemas.openxmlformats.org/drawingml/2006/main" xmlns:r="http://schemas.openxmlformats.org/officeDocument/2006/relationships" xmlns:mc="http://schemas.openxmlformats.org/markup-compatibility/2006" xmlns:mv="urn:schemas-microsoft-com:mac:vml" xmlns:p="http://schemas.openxmlformats.org/presentationml/2006/main" xmlns:c="http://schemas.openxmlformats.org/drawingml/2006/chart" xmlns:dgm="http://schemas.openxmlformats.org/drawingml/2006/diagram" xmlns:o="urn:schemas-microsoft-com:office:office" xmlns:v="urn:schemas-microsoft-com:vml" xmlns:pvml="urn:schemas-microsoft-com:office:powerpoint" xmlns:com="http://schemas.openxmlformats.org/drawingml/2006/compatibility" xmlns:p14="http://schemas.microsoft.com/office/powerpoint/2010/main" xmlns:p15="http://schemas.microsoft.com/office/powerpoint/2012/main" showMasterPhAnim="0" showMasterSp="0">
+<p:notes xmlns:a="http://schemas.openxmlformats.org/drawingml/2006/main" xmlns:r="http://schemas.openxmlformats.org/officeDocument/2006/relationships" xmlns:p="http://schemas.openxmlformats.org/presentationml/2006/main" showMasterSp="0" showMasterPhAnim="0">
   <p:cSld>
     <p:spTree>
       <p:nvGrpSpPr>
-        <p:cNvPr id="68" name="Shape 68"/>
+        <p:cNvPr id="1" name="Shape 68"/>
         <p:cNvGrpSpPr/>
         <p:nvPr/>
       </p:nvGrpSpPr>
@@ -758,9 +773,11 @@
       <p:sp>
         <p:nvSpPr>
           <p:cNvPr id="69" name="Google Shape;69;gcb9a0b074_1_0:notes"/>
-          <p:cNvSpPr/>
+          <p:cNvSpPr>
+            <a:spLocks noGrp="1" noRot="1" noChangeAspect="1"/>
+          </p:cNvSpPr>
           <p:nvPr>
-            <p:ph idx="2" type="sldImg"/>
+            <p:ph type="sldImg" idx="2"/>
           </p:nvPr>
         </p:nvSpPr>
         <p:spPr>
@@ -769,9 +786,13 @@
             <a:ext cx="6096000" cy="3429000"/>
           </a:xfrm>
           <a:custGeom>
-            <a:rect b="b" l="l" r="r" t="t"/>
+            <a:avLst/>
+            <a:gdLst/>
+            <a:ahLst/>
+            <a:cxnLst/>
+            <a:rect l="l" t="t" r="r" b="b"/>
             <a:pathLst>
-              <a:path extrusionOk="0" h="120000" w="120000">
+              <a:path w="120000" h="120000" extrusionOk="0">
                 <a:moveTo>
                   <a:pt x="0" y="0"/>
                 </a:moveTo>
@@ -793,9 +814,11 @@
       <p:sp>
         <p:nvSpPr>
           <p:cNvPr id="70" name="Google Shape;70;gcb9a0b074_1_0:notes"/>
-          <p:cNvSpPr txBox="1"/>
+          <p:cNvSpPr txBox="1">
+            <a:spLocks noGrp="1"/>
+          </p:cNvSpPr>
           <p:nvPr>
-            <p:ph idx="1" type="body"/>
+            <p:ph type="body" idx="1"/>
           </p:nvPr>
         </p:nvSpPr>
         <p:spPr>
@@ -808,12 +831,12 @@
           </a:prstGeom>
         </p:spPr>
         <p:txBody>
-          <a:bodyPr anchorCtr="0" anchor="t" bIns="91425" lIns="91425" spcFirstLastPara="1" rIns="91425" wrap="square" tIns="91425">
+          <a:bodyPr spcFirstLastPara="1" wrap="square" lIns="91425" tIns="91425" rIns="91425" bIns="91425" anchor="t" anchorCtr="0">
             <a:noAutofit/>
           </a:bodyPr>
           <a:lstStyle/>
           <a:p>
-            <a:pPr indent="0" lvl="0" marL="0" rtl="0" algn="l">
+            <a:pPr marL="0" lvl="0" indent="0" algn="l" rtl="0">
               <a:spcBef>
                 <a:spcPts val="0"/>
               </a:spcBef>
@@ -829,7 +852,7 @@
             <a:endParaRPr/>
           </a:p>
           <a:p>
-            <a:pPr indent="0" lvl="0" marL="0" rtl="0" algn="l">
+            <a:pPr marL="0" lvl="0" indent="0" algn="l" rtl="0">
               <a:spcBef>
                 <a:spcPts val="0"/>
               </a:spcBef>
@@ -845,7 +868,7 @@
             <a:endParaRPr/>
           </a:p>
           <a:p>
-            <a:pPr indent="0" lvl="0" marL="0" rtl="0" algn="l">
+            <a:pPr marL="0" lvl="0" indent="0" algn="l" rtl="0">
               <a:spcBef>
                 <a:spcPts val="0"/>
               </a:spcBef>
@@ -871,11 +894,11 @@
 </file>
 
 <file path=ppt/notesSlides/notesSlide10.xml><?xml version="1.0" encoding="utf-8"?>
-<p:notes xmlns:a="http://schemas.openxmlformats.org/drawingml/2006/main" xmlns:r="http://schemas.openxmlformats.org/officeDocument/2006/relationships" xmlns:mc="http://schemas.openxmlformats.org/markup-compatibility/2006" xmlns:mv="urn:schemas-microsoft-com:mac:vml" xmlns:p="http://schemas.openxmlformats.org/presentationml/2006/main" xmlns:c="http://schemas.openxmlformats.org/drawingml/2006/chart" xmlns:dgm="http://schemas.openxmlformats.org/drawingml/2006/diagram" xmlns:o="urn:schemas-microsoft-com:office:office" xmlns:v="urn:schemas-microsoft-com:vml" xmlns:pvml="urn:schemas-microsoft-com:office:powerpoint" xmlns:com="http://schemas.openxmlformats.org/drawingml/2006/compatibility" xmlns:p14="http://schemas.microsoft.com/office/powerpoint/2010/main" xmlns:p15="http://schemas.microsoft.com/office/powerpoint/2012/main" showMasterPhAnim="0" showMasterSp="0">
+<p:notes xmlns:a="http://schemas.openxmlformats.org/drawingml/2006/main" xmlns:r="http://schemas.openxmlformats.org/officeDocument/2006/relationships" xmlns:p="http://schemas.openxmlformats.org/presentationml/2006/main" showMasterSp="0" showMasterPhAnim="0">
   <p:cSld>
     <p:spTree>
       <p:nvGrpSpPr>
-        <p:cNvPr id="132" name="Shape 132"/>
+        <p:cNvPr id="1" name="Shape 132"/>
         <p:cNvGrpSpPr/>
         <p:nvPr/>
       </p:nvGrpSpPr>
@@ -890,9 +913,11 @@
       <p:sp>
         <p:nvSpPr>
           <p:cNvPr id="133" name="Google Shape;133;g741baf6085_0_1:notes"/>
-          <p:cNvSpPr/>
+          <p:cNvSpPr>
+            <a:spLocks noGrp="1" noRot="1" noChangeAspect="1"/>
+          </p:cNvSpPr>
           <p:nvPr>
-            <p:ph idx="2" type="sldImg"/>
+            <p:ph type="sldImg" idx="2"/>
           </p:nvPr>
         </p:nvSpPr>
         <p:spPr>
@@ -901,9 +926,13 @@
             <a:ext cx="6096000" cy="3429000"/>
           </a:xfrm>
           <a:custGeom>
-            <a:rect b="b" l="l" r="r" t="t"/>
+            <a:avLst/>
+            <a:gdLst/>
+            <a:ahLst/>
+            <a:cxnLst/>
+            <a:rect l="l" t="t" r="r" b="b"/>
             <a:pathLst>
-              <a:path extrusionOk="0" h="120000" w="120000">
+              <a:path w="120000" h="120000" extrusionOk="0">
                 <a:moveTo>
                   <a:pt x="0" y="0"/>
                 </a:moveTo>
@@ -925,9 +954,11 @@
       <p:sp>
         <p:nvSpPr>
           <p:cNvPr id="134" name="Google Shape;134;g741baf6085_0_1:notes"/>
-          <p:cNvSpPr txBox="1"/>
+          <p:cNvSpPr txBox="1">
+            <a:spLocks noGrp="1"/>
+          </p:cNvSpPr>
           <p:nvPr>
-            <p:ph idx="1" type="body"/>
+            <p:ph type="body" idx="1"/>
           </p:nvPr>
         </p:nvSpPr>
         <p:spPr>
@@ -940,12 +971,12 @@
           </a:prstGeom>
         </p:spPr>
         <p:txBody>
-          <a:bodyPr anchorCtr="0" anchor="t" bIns="91425" lIns="91425" spcFirstLastPara="1" rIns="91425" wrap="square" tIns="91425">
+          <a:bodyPr spcFirstLastPara="1" wrap="square" lIns="91425" tIns="91425" rIns="91425" bIns="91425" anchor="t" anchorCtr="0">
             <a:noAutofit/>
           </a:bodyPr>
           <a:lstStyle/>
           <a:p>
-            <a:pPr indent="0" lvl="0" marL="0" rtl="0" algn="l">
+            <a:pPr marL="0" lvl="0" indent="0" algn="l" rtl="0">
               <a:spcBef>
                 <a:spcPts val="0"/>
               </a:spcBef>
@@ -961,7 +992,7 @@
             <a:endParaRPr/>
           </a:p>
           <a:p>
-            <a:pPr indent="-317500" lvl="0" marL="457200" rtl="0" algn="l">
+            <a:pPr marL="457200" lvl="0" indent="-317500" algn="l" rtl="0">
               <a:spcBef>
                 <a:spcPts val="0"/>
               </a:spcBef>
@@ -978,7 +1009,7 @@
             <a:endParaRPr/>
           </a:p>
           <a:p>
-            <a:pPr indent="-317500" lvl="0" marL="457200" rtl="0" algn="l">
+            <a:pPr marL="457200" lvl="0" indent="-317500" algn="l" rtl="0">
               <a:spcBef>
                 <a:spcPts val="0"/>
               </a:spcBef>
@@ -995,7 +1026,7 @@
             <a:endParaRPr/>
           </a:p>
           <a:p>
-            <a:pPr indent="-317500" lvl="0" marL="457200" rtl="0" algn="l">
+            <a:pPr marL="457200" lvl="0" indent="-317500" algn="l" rtl="0">
               <a:spcBef>
                 <a:spcPts val="0"/>
               </a:spcBef>
@@ -1022,11 +1053,11 @@
 </file>
 
 <file path=ppt/notesSlides/notesSlide11.xml><?xml version="1.0" encoding="utf-8"?>
-<p:notes xmlns:a="http://schemas.openxmlformats.org/drawingml/2006/main" xmlns:r="http://schemas.openxmlformats.org/officeDocument/2006/relationships" xmlns:mc="http://schemas.openxmlformats.org/markup-compatibility/2006" xmlns:mv="urn:schemas-microsoft-com:mac:vml" xmlns:p="http://schemas.openxmlformats.org/presentationml/2006/main" xmlns:c="http://schemas.openxmlformats.org/drawingml/2006/chart" xmlns:dgm="http://schemas.openxmlformats.org/drawingml/2006/diagram" xmlns:o="urn:schemas-microsoft-com:office:office" xmlns:v="urn:schemas-microsoft-com:vml" xmlns:pvml="urn:schemas-microsoft-com:office:powerpoint" xmlns:com="http://schemas.openxmlformats.org/drawingml/2006/compatibility" xmlns:p14="http://schemas.microsoft.com/office/powerpoint/2010/main" xmlns:p15="http://schemas.microsoft.com/office/powerpoint/2012/main" showMasterPhAnim="0" showMasterSp="0">
+<p:notes xmlns:a="http://schemas.openxmlformats.org/drawingml/2006/main" xmlns:r="http://schemas.openxmlformats.org/officeDocument/2006/relationships" xmlns:p="http://schemas.openxmlformats.org/presentationml/2006/main" showMasterSp="0" showMasterPhAnim="0">
   <p:cSld>
     <p:spTree>
       <p:nvGrpSpPr>
-        <p:cNvPr id="138" name="Shape 138"/>
+        <p:cNvPr id="1" name="Shape 138"/>
         <p:cNvGrpSpPr/>
         <p:nvPr/>
       </p:nvGrpSpPr>
@@ -1041,9 +1072,11 @@
       <p:sp>
         <p:nvSpPr>
           <p:cNvPr id="139" name="Google Shape;139;g741baf6085_0_6:notes"/>
-          <p:cNvSpPr/>
+          <p:cNvSpPr>
+            <a:spLocks noGrp="1" noRot="1" noChangeAspect="1"/>
+          </p:cNvSpPr>
           <p:nvPr>
-            <p:ph idx="2" type="sldImg"/>
+            <p:ph type="sldImg" idx="2"/>
           </p:nvPr>
         </p:nvSpPr>
         <p:spPr>
@@ -1052,9 +1085,13 @@
             <a:ext cx="6096000" cy="3429000"/>
           </a:xfrm>
           <a:custGeom>
-            <a:rect b="b" l="l" r="r" t="t"/>
+            <a:avLst/>
+            <a:gdLst/>
+            <a:ahLst/>
+            <a:cxnLst/>
+            <a:rect l="l" t="t" r="r" b="b"/>
             <a:pathLst>
-              <a:path extrusionOk="0" h="120000" w="120000">
+              <a:path w="120000" h="120000" extrusionOk="0">
                 <a:moveTo>
                   <a:pt x="0" y="0"/>
                 </a:moveTo>
@@ -1076,9 +1113,11 @@
       <p:sp>
         <p:nvSpPr>
           <p:cNvPr id="140" name="Google Shape;140;g741baf6085_0_6:notes"/>
-          <p:cNvSpPr txBox="1"/>
+          <p:cNvSpPr txBox="1">
+            <a:spLocks noGrp="1"/>
+          </p:cNvSpPr>
           <p:nvPr>
-            <p:ph idx="1" type="body"/>
+            <p:ph type="body" idx="1"/>
           </p:nvPr>
         </p:nvSpPr>
         <p:spPr>
@@ -1091,12 +1130,12 @@
           </a:prstGeom>
         </p:spPr>
         <p:txBody>
-          <a:bodyPr anchorCtr="0" anchor="t" bIns="91425" lIns="91425" spcFirstLastPara="1" rIns="91425" wrap="square" tIns="91425">
+          <a:bodyPr spcFirstLastPara="1" wrap="square" lIns="91425" tIns="91425" rIns="91425" bIns="91425" anchor="t" anchorCtr="0">
             <a:noAutofit/>
           </a:bodyPr>
           <a:lstStyle/>
           <a:p>
-            <a:pPr indent="0" lvl="0" marL="0" rtl="0" algn="l">
+            <a:pPr marL="0" lvl="0" indent="0" algn="l" rtl="0">
               <a:spcBef>
                 <a:spcPts val="0"/>
               </a:spcBef>
@@ -1112,22 +1151,19 @@
             <a:endParaRPr/>
           </a:p>
           <a:p>
-            <a:pPr indent="0" lvl="0" marL="0" rtl="0" algn="l">
-              <a:spcBef>
-                <a:spcPts val="0"/>
-              </a:spcBef>
-              <a:spcAft>
-                <a:spcPts val="0"/>
-              </a:spcAft>
-              <a:buNone/>
-            </a:pPr>
-            <a:r>
-              <a:t/>
-            </a:r>
+            <a:pPr marL="0" lvl="0" indent="0" algn="l" rtl="0">
+              <a:spcBef>
+                <a:spcPts val="0"/>
+              </a:spcBef>
+              <a:spcAft>
+                <a:spcPts val="0"/>
+              </a:spcAft>
+              <a:buNone/>
+            </a:pPr>
             <a:endParaRPr/>
           </a:p>
           <a:p>
-            <a:pPr indent="0" lvl="0" marL="0" rtl="0" algn="l">
+            <a:pPr marL="0" lvl="0" indent="0" algn="l" rtl="0">
               <a:spcBef>
                 <a:spcPts val="0"/>
               </a:spcBef>
@@ -1153,11 +1189,11 @@
 </file>
 
 <file path=ppt/notesSlides/notesSlide12.xml><?xml version="1.0" encoding="utf-8"?>
-<p:notes xmlns:a="http://schemas.openxmlformats.org/drawingml/2006/main" xmlns:r="http://schemas.openxmlformats.org/officeDocument/2006/relationships" xmlns:mc="http://schemas.openxmlformats.org/markup-compatibility/2006" xmlns:mv="urn:schemas-microsoft-com:mac:vml" xmlns:p="http://schemas.openxmlformats.org/presentationml/2006/main" xmlns:c="http://schemas.openxmlformats.org/drawingml/2006/chart" xmlns:dgm="http://schemas.openxmlformats.org/drawingml/2006/diagram" xmlns:o="urn:schemas-microsoft-com:office:office" xmlns:v="urn:schemas-microsoft-com:vml" xmlns:pvml="urn:schemas-microsoft-com:office:powerpoint" xmlns:com="http://schemas.openxmlformats.org/drawingml/2006/compatibility" xmlns:p14="http://schemas.microsoft.com/office/powerpoint/2010/main" xmlns:p15="http://schemas.microsoft.com/office/powerpoint/2012/main" showMasterPhAnim="0" showMasterSp="0">
+<p:notes xmlns:a="http://schemas.openxmlformats.org/drawingml/2006/main" xmlns:r="http://schemas.openxmlformats.org/officeDocument/2006/relationships" xmlns:p="http://schemas.openxmlformats.org/presentationml/2006/main" showMasterSp="0" showMasterPhAnim="0">
   <p:cSld>
     <p:spTree>
       <p:nvGrpSpPr>
-        <p:cNvPr id="146" name="Shape 146"/>
+        <p:cNvPr id="1" name="Shape 146"/>
         <p:cNvGrpSpPr/>
         <p:nvPr/>
       </p:nvGrpSpPr>
@@ -1172,9 +1208,11 @@
       <p:sp>
         <p:nvSpPr>
           <p:cNvPr id="147" name="Google Shape;147;g741baf6085_0_14:notes"/>
-          <p:cNvSpPr/>
+          <p:cNvSpPr>
+            <a:spLocks noGrp="1" noRot="1" noChangeAspect="1"/>
+          </p:cNvSpPr>
           <p:nvPr>
-            <p:ph idx="2" type="sldImg"/>
+            <p:ph type="sldImg" idx="2"/>
           </p:nvPr>
         </p:nvSpPr>
         <p:spPr>
@@ -1183,9 +1221,13 @@
             <a:ext cx="6096000" cy="3429000"/>
           </a:xfrm>
           <a:custGeom>
-            <a:rect b="b" l="l" r="r" t="t"/>
+            <a:avLst/>
+            <a:gdLst/>
+            <a:ahLst/>
+            <a:cxnLst/>
+            <a:rect l="l" t="t" r="r" b="b"/>
             <a:pathLst>
-              <a:path extrusionOk="0" h="120000" w="120000">
+              <a:path w="120000" h="120000" extrusionOk="0">
                 <a:moveTo>
                   <a:pt x="0" y="0"/>
                 </a:moveTo>
@@ -1207,9 +1249,11 @@
       <p:sp>
         <p:nvSpPr>
           <p:cNvPr id="148" name="Google Shape;148;g741baf6085_0_14:notes"/>
-          <p:cNvSpPr txBox="1"/>
+          <p:cNvSpPr txBox="1">
+            <a:spLocks noGrp="1"/>
+          </p:cNvSpPr>
           <p:nvPr>
-            <p:ph idx="1" type="body"/>
+            <p:ph type="body" idx="1"/>
           </p:nvPr>
         </p:nvSpPr>
         <p:spPr>
@@ -1222,12 +1266,12 @@
           </a:prstGeom>
         </p:spPr>
         <p:txBody>
-          <a:bodyPr anchorCtr="0" anchor="t" bIns="91425" lIns="91425" spcFirstLastPara="1" rIns="91425" wrap="square" tIns="91425">
+          <a:bodyPr spcFirstLastPara="1" wrap="square" lIns="91425" tIns="91425" rIns="91425" bIns="91425" anchor="t" anchorCtr="0">
             <a:noAutofit/>
           </a:bodyPr>
           <a:lstStyle/>
           <a:p>
-            <a:pPr indent="0" lvl="0" marL="0" rtl="0" algn="l">
+            <a:pPr marL="0" lvl="0" indent="0" algn="l" rtl="0">
               <a:spcBef>
                 <a:spcPts val="0"/>
               </a:spcBef>
@@ -1253,11 +1297,11 @@
 </file>
 
 <file path=ppt/notesSlides/notesSlide13.xml><?xml version="1.0" encoding="utf-8"?>
-<p:notes xmlns:a="http://schemas.openxmlformats.org/drawingml/2006/main" xmlns:r="http://schemas.openxmlformats.org/officeDocument/2006/relationships" xmlns:mc="http://schemas.openxmlformats.org/markup-compatibility/2006" xmlns:mv="urn:schemas-microsoft-com:mac:vml" xmlns:p="http://schemas.openxmlformats.org/presentationml/2006/main" xmlns:c="http://schemas.openxmlformats.org/drawingml/2006/chart" xmlns:dgm="http://schemas.openxmlformats.org/drawingml/2006/diagram" xmlns:o="urn:schemas-microsoft-com:office:office" xmlns:v="urn:schemas-microsoft-com:vml" xmlns:pvml="urn:schemas-microsoft-com:office:powerpoint" xmlns:com="http://schemas.openxmlformats.org/drawingml/2006/compatibility" xmlns:p14="http://schemas.microsoft.com/office/powerpoint/2010/main" xmlns:p15="http://schemas.microsoft.com/office/powerpoint/2012/main" showMasterPhAnim="0" showMasterSp="0">
+<p:notes xmlns:a="http://schemas.openxmlformats.org/drawingml/2006/main" xmlns:r="http://schemas.openxmlformats.org/officeDocument/2006/relationships" xmlns:p="http://schemas.openxmlformats.org/presentationml/2006/main" showMasterSp="0" showMasterPhAnim="0">
   <p:cSld>
     <p:spTree>
       <p:nvGrpSpPr>
-        <p:cNvPr id="154" name="Shape 154"/>
+        <p:cNvPr id="1" name="Shape 154"/>
         <p:cNvGrpSpPr/>
         <p:nvPr/>
       </p:nvGrpSpPr>
@@ -1272,9 +1316,11 @@
       <p:sp>
         <p:nvSpPr>
           <p:cNvPr id="155" name="Google Shape;155;g741baf6085_0_18:notes"/>
-          <p:cNvSpPr/>
+          <p:cNvSpPr>
+            <a:spLocks noGrp="1" noRot="1" noChangeAspect="1"/>
+          </p:cNvSpPr>
           <p:nvPr>
-            <p:ph idx="2" type="sldImg"/>
+            <p:ph type="sldImg" idx="2"/>
           </p:nvPr>
         </p:nvSpPr>
         <p:spPr>
@@ -1283,9 +1329,13 @@
             <a:ext cx="6096000" cy="3429000"/>
           </a:xfrm>
           <a:custGeom>
-            <a:rect b="b" l="l" r="r" t="t"/>
+            <a:avLst/>
+            <a:gdLst/>
+            <a:ahLst/>
+            <a:cxnLst/>
+            <a:rect l="l" t="t" r="r" b="b"/>
             <a:pathLst>
-              <a:path extrusionOk="0" h="120000" w="120000">
+              <a:path w="120000" h="120000" extrusionOk="0">
                 <a:moveTo>
                   <a:pt x="0" y="0"/>
                 </a:moveTo>
@@ -1307,9 +1357,11 @@
       <p:sp>
         <p:nvSpPr>
           <p:cNvPr id="156" name="Google Shape;156;g741baf6085_0_18:notes"/>
-          <p:cNvSpPr txBox="1"/>
+          <p:cNvSpPr txBox="1">
+            <a:spLocks noGrp="1"/>
+          </p:cNvSpPr>
           <p:nvPr>
-            <p:ph idx="1" type="body"/>
+            <p:ph type="body" idx="1"/>
           </p:nvPr>
         </p:nvSpPr>
         <p:spPr>
@@ -1322,12 +1374,12 @@
           </a:prstGeom>
         </p:spPr>
         <p:txBody>
-          <a:bodyPr anchorCtr="0" anchor="t" bIns="91425" lIns="91425" spcFirstLastPara="1" rIns="91425" wrap="square" tIns="91425">
+          <a:bodyPr spcFirstLastPara="1" wrap="square" lIns="91425" tIns="91425" rIns="91425" bIns="91425" anchor="t" anchorCtr="0">
             <a:noAutofit/>
           </a:bodyPr>
           <a:lstStyle/>
           <a:p>
-            <a:pPr indent="0" lvl="0" marL="0" rtl="0" algn="l">
+            <a:pPr marL="0" lvl="0" indent="0" algn="l" rtl="0">
               <a:spcBef>
                 <a:spcPts val="0"/>
               </a:spcBef>
@@ -1341,9 +1393,6 @@
               <a:buFont typeface="Arial"/>
               <a:buNone/>
             </a:pPr>
-            <a:r>
-              <a:t/>
-            </a:r>
             <a:endParaRPr>
               <a:solidFill>
                 <a:schemeClr val="dk2"/>
@@ -1351,7 +1400,7 @@
             </a:endParaRPr>
           </a:p>
           <a:p>
-            <a:pPr indent="0" lvl="0" marL="0" rtl="0" algn="l">
+            <a:pPr marL="0" lvl="0" indent="0" algn="l" rtl="0">
               <a:spcBef>
                 <a:spcPts val="0"/>
               </a:spcBef>
@@ -1377,11 +1426,11 @@
 </file>
 
 <file path=ppt/notesSlides/notesSlide14.xml><?xml version="1.0" encoding="utf-8"?>
-<p:notes xmlns:a="http://schemas.openxmlformats.org/drawingml/2006/main" xmlns:r="http://schemas.openxmlformats.org/officeDocument/2006/relationships" xmlns:mc="http://schemas.openxmlformats.org/markup-compatibility/2006" xmlns:mv="urn:schemas-microsoft-com:mac:vml" xmlns:p="http://schemas.openxmlformats.org/presentationml/2006/main" xmlns:c="http://schemas.openxmlformats.org/drawingml/2006/chart" xmlns:dgm="http://schemas.openxmlformats.org/drawingml/2006/diagram" xmlns:o="urn:schemas-microsoft-com:office:office" xmlns:v="urn:schemas-microsoft-com:vml" xmlns:pvml="urn:schemas-microsoft-com:office:powerpoint" xmlns:com="http://schemas.openxmlformats.org/drawingml/2006/compatibility" xmlns:p14="http://schemas.microsoft.com/office/powerpoint/2010/main" xmlns:p15="http://schemas.microsoft.com/office/powerpoint/2012/main" showMasterPhAnim="0" showMasterSp="0">
+<p:notes xmlns:a="http://schemas.openxmlformats.org/drawingml/2006/main" xmlns:r="http://schemas.openxmlformats.org/officeDocument/2006/relationships" xmlns:p="http://schemas.openxmlformats.org/presentationml/2006/main" showMasterSp="0" showMasterPhAnim="0">
   <p:cSld>
     <p:spTree>
       <p:nvGrpSpPr>
-        <p:cNvPr id="162" name="Shape 162"/>
+        <p:cNvPr id="1" name="Shape 162"/>
         <p:cNvGrpSpPr/>
         <p:nvPr/>
       </p:nvGrpSpPr>
@@ -1396,9 +1445,11 @@
       <p:sp>
         <p:nvSpPr>
           <p:cNvPr id="163" name="Google Shape;163;g741baf6085_0_10:notes"/>
-          <p:cNvSpPr/>
+          <p:cNvSpPr>
+            <a:spLocks noGrp="1" noRot="1" noChangeAspect="1"/>
+          </p:cNvSpPr>
           <p:nvPr>
-            <p:ph idx="2" type="sldImg"/>
+            <p:ph type="sldImg" idx="2"/>
           </p:nvPr>
         </p:nvSpPr>
         <p:spPr>
@@ -1407,9 +1458,13 @@
             <a:ext cx="6096000" cy="3429000"/>
           </a:xfrm>
           <a:custGeom>
-            <a:rect b="b" l="l" r="r" t="t"/>
+            <a:avLst/>
+            <a:gdLst/>
+            <a:ahLst/>
+            <a:cxnLst/>
+            <a:rect l="l" t="t" r="r" b="b"/>
             <a:pathLst>
-              <a:path extrusionOk="0" h="120000" w="120000">
+              <a:path w="120000" h="120000" extrusionOk="0">
                 <a:moveTo>
                   <a:pt x="0" y="0"/>
                 </a:moveTo>
@@ -1431,9 +1486,11 @@
       <p:sp>
         <p:nvSpPr>
           <p:cNvPr id="164" name="Google Shape;164;g741baf6085_0_10:notes"/>
-          <p:cNvSpPr txBox="1"/>
+          <p:cNvSpPr txBox="1">
+            <a:spLocks noGrp="1"/>
+          </p:cNvSpPr>
           <p:nvPr>
-            <p:ph idx="1" type="body"/>
+            <p:ph type="body" idx="1"/>
           </p:nvPr>
         </p:nvSpPr>
         <p:spPr>
@@ -1446,12 +1503,12 @@
           </a:prstGeom>
         </p:spPr>
         <p:txBody>
-          <a:bodyPr anchorCtr="0" anchor="t" bIns="91425" lIns="91425" spcFirstLastPara="1" rIns="91425" wrap="square" tIns="91425">
+          <a:bodyPr spcFirstLastPara="1" wrap="square" lIns="91425" tIns="91425" rIns="91425" bIns="91425" anchor="t" anchorCtr="0">
             <a:noAutofit/>
           </a:bodyPr>
           <a:lstStyle/>
           <a:p>
-            <a:pPr indent="0" lvl="0" marL="0" rtl="0" algn="l">
+            <a:pPr marL="0" lvl="0" indent="0" algn="l" rtl="0">
               <a:spcBef>
                 <a:spcPts val="0"/>
               </a:spcBef>
@@ -1477,11 +1534,11 @@
 </file>
 
 <file path=ppt/notesSlides/notesSlide15.xml><?xml version="1.0" encoding="utf-8"?>
-<p:notes xmlns:a="http://schemas.openxmlformats.org/drawingml/2006/main" xmlns:r="http://schemas.openxmlformats.org/officeDocument/2006/relationships" xmlns:mc="http://schemas.openxmlformats.org/markup-compatibility/2006" xmlns:mv="urn:schemas-microsoft-com:mac:vml" xmlns:p="http://schemas.openxmlformats.org/presentationml/2006/main" xmlns:c="http://schemas.openxmlformats.org/drawingml/2006/chart" xmlns:dgm="http://schemas.openxmlformats.org/drawingml/2006/diagram" xmlns:o="urn:schemas-microsoft-com:office:office" xmlns:v="urn:schemas-microsoft-com:vml" xmlns:pvml="urn:schemas-microsoft-com:office:powerpoint" xmlns:com="http://schemas.openxmlformats.org/drawingml/2006/compatibility" xmlns:p14="http://schemas.microsoft.com/office/powerpoint/2010/main" xmlns:p15="http://schemas.microsoft.com/office/powerpoint/2012/main" showMasterPhAnim="0" showMasterSp="0">
+<p:notes xmlns:a="http://schemas.openxmlformats.org/drawingml/2006/main" xmlns:r="http://schemas.openxmlformats.org/officeDocument/2006/relationships" xmlns:p="http://schemas.openxmlformats.org/presentationml/2006/main" showMasterSp="0" showMasterPhAnim="0">
   <p:cSld>
     <p:spTree>
       <p:nvGrpSpPr>
-        <p:cNvPr id="170" name="Shape 170"/>
+        <p:cNvPr id="1" name="Shape 170"/>
         <p:cNvGrpSpPr/>
         <p:nvPr/>
       </p:nvGrpSpPr>
@@ -1496,9 +1553,11 @@
       <p:sp>
         <p:nvSpPr>
           <p:cNvPr id="171" name="Google Shape;171;g743ab513b6_1_26:notes"/>
-          <p:cNvSpPr/>
+          <p:cNvSpPr>
+            <a:spLocks noGrp="1" noRot="1" noChangeAspect="1"/>
+          </p:cNvSpPr>
           <p:nvPr>
-            <p:ph idx="2" type="sldImg"/>
+            <p:ph type="sldImg" idx="2"/>
           </p:nvPr>
         </p:nvSpPr>
         <p:spPr>
@@ -1507,9 +1566,13 @@
             <a:ext cx="6096000" cy="3429000"/>
           </a:xfrm>
           <a:custGeom>
-            <a:rect b="b" l="l" r="r" t="t"/>
+            <a:avLst/>
+            <a:gdLst/>
+            <a:ahLst/>
+            <a:cxnLst/>
+            <a:rect l="l" t="t" r="r" b="b"/>
             <a:pathLst>
-              <a:path extrusionOk="0" h="120000" w="120000">
+              <a:path w="120000" h="120000" extrusionOk="0">
                 <a:moveTo>
                   <a:pt x="0" y="0"/>
                 </a:moveTo>
@@ -1531,9 +1594,11 @@
       <p:sp>
         <p:nvSpPr>
           <p:cNvPr id="172" name="Google Shape;172;g743ab513b6_1_26:notes"/>
-          <p:cNvSpPr txBox="1"/>
+          <p:cNvSpPr txBox="1">
+            <a:spLocks noGrp="1"/>
+          </p:cNvSpPr>
           <p:nvPr>
-            <p:ph idx="1" type="body"/>
+            <p:ph type="body" idx="1"/>
           </p:nvPr>
         </p:nvSpPr>
         <p:spPr>
@@ -1546,12 +1611,12 @@
           </a:prstGeom>
         </p:spPr>
         <p:txBody>
-          <a:bodyPr anchorCtr="0" anchor="t" bIns="91425" lIns="91425" spcFirstLastPara="1" rIns="91425" wrap="square" tIns="91425">
+          <a:bodyPr spcFirstLastPara="1" wrap="square" lIns="91425" tIns="91425" rIns="91425" bIns="91425" anchor="t" anchorCtr="0">
             <a:noAutofit/>
           </a:bodyPr>
           <a:lstStyle/>
           <a:p>
-            <a:pPr indent="0" lvl="0" marL="0" rtl="0" algn="l">
+            <a:pPr marL="0" lvl="0" indent="0" algn="l" rtl="0">
               <a:spcBef>
                 <a:spcPts val="0"/>
               </a:spcBef>
@@ -1567,22 +1632,19 @@
             <a:endParaRPr/>
           </a:p>
           <a:p>
-            <a:pPr indent="0" lvl="0" marL="0" rtl="0" algn="l">
-              <a:spcBef>
-                <a:spcPts val="0"/>
-              </a:spcBef>
-              <a:spcAft>
-                <a:spcPts val="0"/>
-              </a:spcAft>
-              <a:buNone/>
-            </a:pPr>
-            <a:r>
-              <a:t/>
-            </a:r>
+            <a:pPr marL="0" lvl="0" indent="0" algn="l" rtl="0">
+              <a:spcBef>
+                <a:spcPts val="0"/>
+              </a:spcBef>
+              <a:spcAft>
+                <a:spcPts val="0"/>
+              </a:spcAft>
+              <a:buNone/>
+            </a:pPr>
             <a:endParaRPr/>
           </a:p>
           <a:p>
-            <a:pPr indent="0" lvl="0" marL="0" rtl="0" algn="l">
+            <a:pPr marL="0" lvl="0" indent="0" algn="l" rtl="0">
               <a:spcBef>
                 <a:spcPts val="0"/>
               </a:spcBef>
@@ -1598,7 +1660,7 @@
             <a:endParaRPr/>
           </a:p>
           <a:p>
-            <a:pPr indent="0" lvl="0" marL="0" rtl="0" algn="l">
+            <a:pPr marL="0" lvl="0" indent="0" algn="l" rtl="0">
               <a:spcBef>
                 <a:spcPts val="0"/>
               </a:spcBef>
@@ -1627,11 +1689,11 @@
 </file>
 
 <file path=ppt/notesSlides/notesSlide16.xml><?xml version="1.0" encoding="utf-8"?>
-<p:notes xmlns:a="http://schemas.openxmlformats.org/drawingml/2006/main" xmlns:r="http://schemas.openxmlformats.org/officeDocument/2006/relationships" xmlns:mc="http://schemas.openxmlformats.org/markup-compatibility/2006" xmlns:mv="urn:schemas-microsoft-com:mac:vml" xmlns:p="http://schemas.openxmlformats.org/presentationml/2006/main" xmlns:c="http://schemas.openxmlformats.org/drawingml/2006/chart" xmlns:dgm="http://schemas.openxmlformats.org/drawingml/2006/diagram" xmlns:o="urn:schemas-microsoft-com:office:office" xmlns:v="urn:schemas-microsoft-com:vml" xmlns:pvml="urn:schemas-microsoft-com:office:powerpoint" xmlns:com="http://schemas.openxmlformats.org/drawingml/2006/compatibility" xmlns:p14="http://schemas.microsoft.com/office/powerpoint/2010/main" xmlns:p15="http://schemas.microsoft.com/office/powerpoint/2012/main" showMasterPhAnim="0" showMasterSp="0">
+<p:notes xmlns:a="http://schemas.openxmlformats.org/drawingml/2006/main" xmlns:r="http://schemas.openxmlformats.org/officeDocument/2006/relationships" xmlns:p="http://schemas.openxmlformats.org/presentationml/2006/main" showMasterSp="0" showMasterPhAnim="0">
   <p:cSld>
     <p:spTree>
       <p:nvGrpSpPr>
-        <p:cNvPr id="177" name="Shape 177"/>
+        <p:cNvPr id="1" name="Shape 177"/>
         <p:cNvGrpSpPr/>
         <p:nvPr/>
       </p:nvGrpSpPr>
@@ -1646,9 +1708,11 @@
       <p:sp>
         <p:nvSpPr>
           <p:cNvPr id="178" name="Google Shape;178;g741baf6085_0_22:notes"/>
-          <p:cNvSpPr/>
+          <p:cNvSpPr>
+            <a:spLocks noGrp="1" noRot="1" noChangeAspect="1"/>
+          </p:cNvSpPr>
           <p:nvPr>
-            <p:ph idx="2" type="sldImg"/>
+            <p:ph type="sldImg" idx="2"/>
           </p:nvPr>
         </p:nvSpPr>
         <p:spPr>
@@ -1657,9 +1721,13 @@
             <a:ext cx="6096000" cy="3429000"/>
           </a:xfrm>
           <a:custGeom>
-            <a:rect b="b" l="l" r="r" t="t"/>
+            <a:avLst/>
+            <a:gdLst/>
+            <a:ahLst/>
+            <a:cxnLst/>
+            <a:rect l="l" t="t" r="r" b="b"/>
             <a:pathLst>
-              <a:path extrusionOk="0" h="120000" w="120000">
+              <a:path w="120000" h="120000" extrusionOk="0">
                 <a:moveTo>
                   <a:pt x="0" y="0"/>
                 </a:moveTo>
@@ -1681,9 +1749,11 @@
       <p:sp>
         <p:nvSpPr>
           <p:cNvPr id="179" name="Google Shape;179;g741baf6085_0_22:notes"/>
-          <p:cNvSpPr txBox="1"/>
+          <p:cNvSpPr txBox="1">
+            <a:spLocks noGrp="1"/>
+          </p:cNvSpPr>
           <p:nvPr>
-            <p:ph idx="1" type="body"/>
+            <p:ph type="body" idx="1"/>
           </p:nvPr>
         </p:nvSpPr>
         <p:spPr>
@@ -1696,12 +1766,12 @@
           </a:prstGeom>
         </p:spPr>
         <p:txBody>
-          <a:bodyPr anchorCtr="0" anchor="t" bIns="91425" lIns="91425" spcFirstLastPara="1" rIns="91425" wrap="square" tIns="91425">
+          <a:bodyPr spcFirstLastPara="1" wrap="square" lIns="91425" tIns="91425" rIns="91425" bIns="91425" anchor="t" anchorCtr="0">
             <a:noAutofit/>
           </a:bodyPr>
           <a:lstStyle/>
           <a:p>
-            <a:pPr indent="0" lvl="0" marL="0" rtl="0" algn="l">
+            <a:pPr marL="0" lvl="0" indent="0" algn="l" rtl="0">
               <a:spcBef>
                 <a:spcPts val="0"/>
               </a:spcBef>
@@ -1727,11 +1797,11 @@
 </file>
 
 <file path=ppt/notesSlides/notesSlide17.xml><?xml version="1.0" encoding="utf-8"?>
-<p:notes xmlns:a="http://schemas.openxmlformats.org/drawingml/2006/main" xmlns:r="http://schemas.openxmlformats.org/officeDocument/2006/relationships" xmlns:mc="http://schemas.openxmlformats.org/markup-compatibility/2006" xmlns:mv="urn:schemas-microsoft-com:mac:vml" xmlns:p="http://schemas.openxmlformats.org/presentationml/2006/main" xmlns:c="http://schemas.openxmlformats.org/drawingml/2006/chart" xmlns:dgm="http://schemas.openxmlformats.org/drawingml/2006/diagram" xmlns:o="urn:schemas-microsoft-com:office:office" xmlns:v="urn:schemas-microsoft-com:vml" xmlns:pvml="urn:schemas-microsoft-com:office:powerpoint" xmlns:com="http://schemas.openxmlformats.org/drawingml/2006/compatibility" xmlns:p14="http://schemas.microsoft.com/office/powerpoint/2010/main" xmlns:p15="http://schemas.microsoft.com/office/powerpoint/2012/main" showMasterPhAnim="0" showMasterSp="0">
+<p:notes xmlns:a="http://schemas.openxmlformats.org/drawingml/2006/main" xmlns:r="http://schemas.openxmlformats.org/officeDocument/2006/relationships" xmlns:p="http://schemas.openxmlformats.org/presentationml/2006/main" showMasterSp="0" showMasterPhAnim="0">
   <p:cSld>
     <p:spTree>
       <p:nvGrpSpPr>
-        <p:cNvPr id="183" name="Shape 183"/>
+        <p:cNvPr id="1" name="Shape 183"/>
         <p:cNvGrpSpPr/>
         <p:nvPr/>
       </p:nvGrpSpPr>
@@ -1746,20 +1816,26 @@
       <p:sp>
         <p:nvSpPr>
           <p:cNvPr id="184" name="Google Shape;184;g7432387db7_4_7:notes"/>
-          <p:cNvSpPr/>
+          <p:cNvSpPr>
+            <a:spLocks noGrp="1" noRot="1" noChangeAspect="1"/>
+          </p:cNvSpPr>
           <p:nvPr>
-            <p:ph idx="2" type="sldImg"/>
+            <p:ph type="sldImg" idx="2"/>
           </p:nvPr>
         </p:nvSpPr>
         <p:spPr>
           <a:xfrm>
-            <a:off x="381300" y="685800"/>
+            <a:off x="381000" y="685800"/>
             <a:ext cx="6096000" cy="3429000"/>
           </a:xfrm>
           <a:custGeom>
-            <a:rect b="b" l="l" r="r" t="t"/>
+            <a:avLst/>
+            <a:gdLst/>
+            <a:ahLst/>
+            <a:cxnLst/>
+            <a:rect l="l" t="t" r="r" b="b"/>
             <a:pathLst>
-              <a:path extrusionOk="0" h="120000" w="120000">
+              <a:path w="120000" h="120000" extrusionOk="0">
                 <a:moveTo>
                   <a:pt x="0" y="0"/>
                 </a:moveTo>
@@ -1781,9 +1857,11 @@
       <p:sp>
         <p:nvSpPr>
           <p:cNvPr id="185" name="Google Shape;185;g7432387db7_4_7:notes"/>
-          <p:cNvSpPr txBox="1"/>
+          <p:cNvSpPr txBox="1">
+            <a:spLocks noGrp="1"/>
+          </p:cNvSpPr>
           <p:nvPr>
-            <p:ph idx="1" type="body"/>
+            <p:ph type="body" idx="1"/>
           </p:nvPr>
         </p:nvSpPr>
         <p:spPr>
@@ -1796,23 +1874,20 @@
           </a:prstGeom>
         </p:spPr>
         <p:txBody>
-          <a:bodyPr anchorCtr="0" anchor="t" bIns="91425" lIns="91425" spcFirstLastPara="1" rIns="91425" wrap="square" tIns="91425">
+          <a:bodyPr spcFirstLastPara="1" wrap="square" lIns="91425" tIns="91425" rIns="91425" bIns="91425" anchor="t" anchorCtr="0">
             <a:noAutofit/>
           </a:bodyPr>
           <a:lstStyle/>
           <a:p>
-            <a:pPr indent="0" lvl="0" marL="0" rtl="0" algn="l">
-              <a:spcBef>
-                <a:spcPts val="0"/>
-              </a:spcBef>
-              <a:spcAft>
-                <a:spcPts val="0"/>
-              </a:spcAft>
-              <a:buNone/>
-            </a:pPr>
-            <a:r>
-              <a:t/>
-            </a:r>
+            <a:pPr marL="0" lvl="0" indent="0" algn="l" rtl="0">
+              <a:spcBef>
+                <a:spcPts val="0"/>
+              </a:spcBef>
+              <a:spcAft>
+                <a:spcPts val="0"/>
+              </a:spcAft>
+              <a:buNone/>
+            </a:pPr>
             <a:endParaRPr/>
           </a:p>
         </p:txBody>
@@ -1826,11 +1901,11 @@
 </file>
 
 <file path=ppt/notesSlides/notesSlide2.xml><?xml version="1.0" encoding="utf-8"?>
-<p:notes xmlns:a="http://schemas.openxmlformats.org/drawingml/2006/main" xmlns:r="http://schemas.openxmlformats.org/officeDocument/2006/relationships" xmlns:mc="http://schemas.openxmlformats.org/markup-compatibility/2006" xmlns:mv="urn:schemas-microsoft-com:mac:vml" xmlns:p="http://schemas.openxmlformats.org/presentationml/2006/main" xmlns:c="http://schemas.openxmlformats.org/drawingml/2006/chart" xmlns:dgm="http://schemas.openxmlformats.org/drawingml/2006/diagram" xmlns:o="urn:schemas-microsoft-com:office:office" xmlns:v="urn:schemas-microsoft-com:vml" xmlns:pvml="urn:schemas-microsoft-com:office:powerpoint" xmlns:com="http://schemas.openxmlformats.org/drawingml/2006/compatibility" xmlns:p14="http://schemas.microsoft.com/office/powerpoint/2010/main" xmlns:p15="http://schemas.microsoft.com/office/powerpoint/2012/main" showMasterPhAnim="0" showMasterSp="0">
+<p:notes xmlns:a="http://schemas.openxmlformats.org/drawingml/2006/main" xmlns:r="http://schemas.openxmlformats.org/officeDocument/2006/relationships" xmlns:p="http://schemas.openxmlformats.org/presentationml/2006/main" showMasterSp="0" showMasterPhAnim="0">
   <p:cSld>
     <p:spTree>
       <p:nvGrpSpPr>
-        <p:cNvPr id="75" name="Shape 75"/>
+        <p:cNvPr id="1" name="Shape 75"/>
         <p:cNvGrpSpPr/>
         <p:nvPr/>
       </p:nvGrpSpPr>
@@ -1845,9 +1920,11 @@
       <p:sp>
         <p:nvSpPr>
           <p:cNvPr id="76" name="Google Shape;76;gd5b15f0a3_5_26:notes"/>
-          <p:cNvSpPr/>
+          <p:cNvSpPr>
+            <a:spLocks noGrp="1" noRot="1" noChangeAspect="1"/>
+          </p:cNvSpPr>
           <p:nvPr>
-            <p:ph idx="2" type="sldImg"/>
+            <p:ph type="sldImg" idx="2"/>
           </p:nvPr>
         </p:nvSpPr>
         <p:spPr>
@@ -1856,9 +1933,13 @@
             <a:ext cx="6096000" cy="3429000"/>
           </a:xfrm>
           <a:custGeom>
-            <a:rect b="b" l="l" r="r" t="t"/>
+            <a:avLst/>
+            <a:gdLst/>
+            <a:ahLst/>
+            <a:cxnLst/>
+            <a:rect l="l" t="t" r="r" b="b"/>
             <a:pathLst>
-              <a:path extrusionOk="0" h="120000" w="120000">
+              <a:path w="120000" h="120000" extrusionOk="0">
                 <a:moveTo>
                   <a:pt x="0" y="0"/>
                 </a:moveTo>
@@ -1880,9 +1961,11 @@
       <p:sp>
         <p:nvSpPr>
           <p:cNvPr id="77" name="Google Shape;77;gd5b15f0a3_5_26:notes"/>
-          <p:cNvSpPr txBox="1"/>
+          <p:cNvSpPr txBox="1">
+            <a:spLocks noGrp="1"/>
+          </p:cNvSpPr>
           <p:nvPr>
-            <p:ph idx="1" type="body"/>
+            <p:ph type="body" idx="1"/>
           </p:nvPr>
         </p:nvSpPr>
         <p:spPr>
@@ -1895,12 +1978,12 @@
           </a:prstGeom>
         </p:spPr>
         <p:txBody>
-          <a:bodyPr anchorCtr="0" anchor="t" bIns="91425" lIns="91425" spcFirstLastPara="1" rIns="91425" wrap="square" tIns="91425">
+          <a:bodyPr spcFirstLastPara="1" wrap="square" lIns="91425" tIns="91425" rIns="91425" bIns="91425" anchor="t" anchorCtr="0">
             <a:noAutofit/>
           </a:bodyPr>
           <a:lstStyle/>
           <a:p>
-            <a:pPr indent="0" lvl="0" marL="0" rtl="0" algn="l">
+            <a:pPr marL="0" lvl="0" indent="0" algn="l" rtl="0">
               <a:spcBef>
                 <a:spcPts val="0"/>
               </a:spcBef>
@@ -1916,7 +1999,7 @@
             <a:endParaRPr/>
           </a:p>
           <a:p>
-            <a:pPr indent="0" lvl="0" marL="0" rtl="0" algn="l">
+            <a:pPr marL="0" lvl="0" indent="0" algn="l" rtl="0">
               <a:spcBef>
                 <a:spcPts val="0"/>
               </a:spcBef>
@@ -1932,7 +2015,7 @@
             <a:endParaRPr/>
           </a:p>
           <a:p>
-            <a:pPr indent="0" lvl="0" marL="0" rtl="0" algn="l">
+            <a:pPr marL="0" lvl="0" indent="0" algn="l" rtl="0">
               <a:spcBef>
                 <a:spcPts val="0"/>
               </a:spcBef>
@@ -1948,7 +2031,7 @@
             <a:endParaRPr/>
           </a:p>
           <a:p>
-            <a:pPr indent="0" lvl="0" marL="0" rtl="0" algn="l">
+            <a:pPr marL="0" lvl="0" indent="0" algn="l" rtl="0">
               <a:spcBef>
                 <a:spcPts val="0"/>
               </a:spcBef>
@@ -1959,79 +2042,52 @@
             </a:pPr>
             <a:r>
               <a:rPr lang="en"/>
-              <a:t>Second we will go over our </a:t>
+              <a:t>Second we will go over our initial hypotheses for our presentation </a:t>
             </a:r>
+            <a:endParaRPr/>
+          </a:p>
+          <a:p>
+            <a:pPr marL="0" lvl="0" indent="0" algn="l" rtl="0">
+              <a:spcBef>
+                <a:spcPts val="0"/>
+              </a:spcBef>
+              <a:spcAft>
+                <a:spcPts val="0"/>
+              </a:spcAft>
+              <a:buNone/>
+            </a:pPr>
             <a:r>
               <a:rPr lang="en"/>
-              <a:t>initial</a:t>
+              <a:t>Third we will go into the data we selected (cities and their significance) as well as the analysis performed on the data.</a:t>
             </a:r>
+            <a:endParaRPr/>
+          </a:p>
+          <a:p>
+            <a:pPr marL="0" lvl="0" indent="0" algn="l" rtl="0">
+              <a:spcBef>
+                <a:spcPts val="0"/>
+              </a:spcBef>
+              <a:spcAft>
+                <a:spcPts val="0"/>
+              </a:spcAft>
+              <a:buNone/>
+            </a:pPr>
             <a:r>
               <a:rPr lang="en"/>
-              <a:t> hypotheses for our presentation </a:t>
+              <a:t>Lastly we will go over our results and explain the broader significance of our results, and opportunities for future projects</a:t>
             </a:r>
             <a:endParaRPr/>
           </a:p>
           <a:p>
-            <a:pPr indent="0" lvl="0" marL="0" rtl="0" algn="l">
-              <a:spcBef>
-                <a:spcPts val="0"/>
-              </a:spcBef>
-              <a:spcAft>
-                <a:spcPts val="0"/>
-              </a:spcAft>
-              <a:buNone/>
-            </a:pPr>
-            <a:r>
-              <a:rPr lang="en"/>
-              <a:t>Third we will go into the data we selected (cities and their </a:t>
-            </a:r>
-            <a:r>
-              <a:rPr lang="en"/>
-              <a:t>significance</a:t>
-            </a:r>
-            <a:r>
-              <a:rPr lang="en"/>
-              <a:t>) as well as the analysis performed on the data.</a:t>
-            </a:r>
-            <a:endParaRPr/>
-          </a:p>
-          <a:p>
-            <a:pPr indent="0" lvl="0" marL="0" rtl="0" algn="l">
-              <a:spcBef>
-                <a:spcPts val="0"/>
-              </a:spcBef>
-              <a:spcAft>
-                <a:spcPts val="0"/>
-              </a:spcAft>
-              <a:buNone/>
-            </a:pPr>
-            <a:r>
-              <a:rPr lang="en"/>
-              <a:t>Lastly we will go over our results and explain the broader </a:t>
-            </a:r>
-            <a:r>
-              <a:rPr lang="en"/>
-              <a:t>significance</a:t>
-            </a:r>
-            <a:r>
-              <a:rPr lang="en"/>
-              <a:t> of our results, and opportunities for future projects</a:t>
-            </a:r>
-            <a:endParaRPr/>
-          </a:p>
-          <a:p>
-            <a:pPr indent="0" lvl="0" marL="0" rtl="0" algn="l">
-              <a:spcBef>
-                <a:spcPts val="0"/>
-              </a:spcBef>
-              <a:spcAft>
-                <a:spcPts val="0"/>
-              </a:spcAft>
-              <a:buNone/>
-            </a:pPr>
-            <a:r>
-              <a:t/>
-            </a:r>
+            <a:pPr marL="0" lvl="0" indent="0" algn="l" rtl="0">
+              <a:spcBef>
+                <a:spcPts val="0"/>
+              </a:spcBef>
+              <a:spcAft>
+                <a:spcPts val="0"/>
+              </a:spcAft>
+              <a:buNone/>
+            </a:pPr>
             <a:endParaRPr/>
           </a:p>
         </p:txBody>
@@ -2045,11 +2101,11 @@
 </file>
 
 <file path=ppt/notesSlides/notesSlide3.xml><?xml version="1.0" encoding="utf-8"?>
-<p:notes xmlns:a="http://schemas.openxmlformats.org/drawingml/2006/main" xmlns:r="http://schemas.openxmlformats.org/officeDocument/2006/relationships" xmlns:mc="http://schemas.openxmlformats.org/markup-compatibility/2006" xmlns:mv="urn:schemas-microsoft-com:mac:vml" xmlns:p="http://schemas.openxmlformats.org/presentationml/2006/main" xmlns:c="http://schemas.openxmlformats.org/drawingml/2006/chart" xmlns:dgm="http://schemas.openxmlformats.org/drawingml/2006/diagram" xmlns:o="urn:schemas-microsoft-com:office:office" xmlns:v="urn:schemas-microsoft-com:vml" xmlns:pvml="urn:schemas-microsoft-com:office:powerpoint" xmlns:com="http://schemas.openxmlformats.org/drawingml/2006/compatibility" xmlns:p14="http://schemas.microsoft.com/office/powerpoint/2010/main" xmlns:p15="http://schemas.microsoft.com/office/powerpoint/2012/main" showMasterPhAnim="0" showMasterSp="0">
+<p:notes xmlns:a="http://schemas.openxmlformats.org/drawingml/2006/main" xmlns:r="http://schemas.openxmlformats.org/officeDocument/2006/relationships" xmlns:p="http://schemas.openxmlformats.org/presentationml/2006/main" showMasterSp="0" showMasterPhAnim="0">
   <p:cSld>
     <p:spTree>
       <p:nvGrpSpPr>
-        <p:cNvPr id="82" name="Shape 82"/>
+        <p:cNvPr id="1" name="Shape 82"/>
         <p:cNvGrpSpPr/>
         <p:nvPr/>
       </p:nvGrpSpPr>
@@ -2064,9 +2120,11 @@
       <p:sp>
         <p:nvSpPr>
           <p:cNvPr id="83" name="Google Shape;83;g723630543_3_0:notes"/>
-          <p:cNvSpPr/>
+          <p:cNvSpPr>
+            <a:spLocks noGrp="1" noRot="1" noChangeAspect="1"/>
+          </p:cNvSpPr>
           <p:nvPr>
-            <p:ph idx="2" type="sldImg"/>
+            <p:ph type="sldImg" idx="2"/>
           </p:nvPr>
         </p:nvSpPr>
         <p:spPr>
@@ -2075,9 +2133,13 @@
             <a:ext cx="6096000" cy="3429000"/>
           </a:xfrm>
           <a:custGeom>
-            <a:rect b="b" l="l" r="r" t="t"/>
+            <a:avLst/>
+            <a:gdLst/>
+            <a:ahLst/>
+            <a:cxnLst/>
+            <a:rect l="l" t="t" r="r" b="b"/>
             <a:pathLst>
-              <a:path extrusionOk="0" h="120000" w="120000">
+              <a:path w="120000" h="120000" extrusionOk="0">
                 <a:moveTo>
                   <a:pt x="0" y="0"/>
                 </a:moveTo>
@@ -2099,9 +2161,11 @@
       <p:sp>
         <p:nvSpPr>
           <p:cNvPr id="84" name="Google Shape;84;g723630543_3_0:notes"/>
-          <p:cNvSpPr txBox="1"/>
+          <p:cNvSpPr txBox="1">
+            <a:spLocks noGrp="1"/>
+          </p:cNvSpPr>
           <p:nvPr>
-            <p:ph idx="1" type="body"/>
+            <p:ph type="body" idx="1"/>
           </p:nvPr>
         </p:nvSpPr>
         <p:spPr>
@@ -2114,12 +2178,12 @@
           </a:prstGeom>
         </p:spPr>
         <p:txBody>
-          <a:bodyPr anchorCtr="0" anchor="t" bIns="91425" lIns="91425" spcFirstLastPara="1" rIns="91425" wrap="square" tIns="91425">
+          <a:bodyPr spcFirstLastPara="1" wrap="square" lIns="91425" tIns="91425" rIns="91425" bIns="91425" anchor="t" anchorCtr="0">
             <a:noAutofit/>
           </a:bodyPr>
           <a:lstStyle/>
           <a:p>
-            <a:pPr indent="0" lvl="0" marL="0" rtl="0" algn="l">
+            <a:pPr marL="0" lvl="0" indent="0" algn="l" rtl="0">
               <a:spcBef>
                 <a:spcPts val="0"/>
               </a:spcBef>
@@ -2135,7 +2199,7 @@
             <a:endParaRPr/>
           </a:p>
           <a:p>
-            <a:pPr indent="-317500" lvl="0" marL="457200" rtl="0" algn="l">
+            <a:pPr marL="457200" lvl="0" indent="-317500" algn="l" rtl="0">
               <a:spcBef>
                 <a:spcPts val="0"/>
               </a:spcBef>
@@ -2152,7 +2216,7 @@
             <a:endParaRPr/>
           </a:p>
           <a:p>
-            <a:pPr indent="-317500" lvl="0" marL="457200" rtl="0" algn="l">
+            <a:pPr marL="457200" lvl="0" indent="-317500" algn="l" rtl="0">
               <a:spcBef>
                 <a:spcPts val="0"/>
               </a:spcBef>
@@ -2179,11 +2243,11 @@
 </file>
 
 <file path=ppt/notesSlides/notesSlide4.xml><?xml version="1.0" encoding="utf-8"?>
-<p:notes xmlns:a="http://schemas.openxmlformats.org/drawingml/2006/main" xmlns:r="http://schemas.openxmlformats.org/officeDocument/2006/relationships" xmlns:mc="http://schemas.openxmlformats.org/markup-compatibility/2006" xmlns:mv="urn:schemas-microsoft-com:mac:vml" xmlns:p="http://schemas.openxmlformats.org/presentationml/2006/main" xmlns:c="http://schemas.openxmlformats.org/drawingml/2006/chart" xmlns:dgm="http://schemas.openxmlformats.org/drawingml/2006/diagram" xmlns:o="urn:schemas-microsoft-com:office:office" xmlns:v="urn:schemas-microsoft-com:vml" xmlns:pvml="urn:schemas-microsoft-com:office:powerpoint" xmlns:com="http://schemas.openxmlformats.org/drawingml/2006/compatibility" xmlns:p14="http://schemas.microsoft.com/office/powerpoint/2010/main" xmlns:p15="http://schemas.microsoft.com/office/powerpoint/2012/main" showMasterPhAnim="0" showMasterSp="0">
+<p:notes xmlns:a="http://schemas.openxmlformats.org/drawingml/2006/main" xmlns:r="http://schemas.openxmlformats.org/officeDocument/2006/relationships" xmlns:p="http://schemas.openxmlformats.org/presentationml/2006/main" showMasterSp="0" showMasterPhAnim="0">
   <p:cSld>
     <p:spTree>
       <p:nvGrpSpPr>
-        <p:cNvPr id="91" name="Shape 91"/>
+        <p:cNvPr id="1" name="Shape 91"/>
         <p:cNvGrpSpPr/>
         <p:nvPr/>
       </p:nvGrpSpPr>
@@ -2198,9 +2262,11 @@
       <p:sp>
         <p:nvSpPr>
           <p:cNvPr id="92" name="Google Shape;92;g7432387db7_1_4:notes"/>
-          <p:cNvSpPr/>
+          <p:cNvSpPr>
+            <a:spLocks noGrp="1" noRot="1" noChangeAspect="1"/>
+          </p:cNvSpPr>
           <p:nvPr>
-            <p:ph idx="2" type="sldImg"/>
+            <p:ph type="sldImg" idx="2"/>
           </p:nvPr>
         </p:nvSpPr>
         <p:spPr>
@@ -2209,9 +2275,13 @@
             <a:ext cx="6096000" cy="3429000"/>
           </a:xfrm>
           <a:custGeom>
-            <a:rect b="b" l="l" r="r" t="t"/>
+            <a:avLst/>
+            <a:gdLst/>
+            <a:ahLst/>
+            <a:cxnLst/>
+            <a:rect l="l" t="t" r="r" b="b"/>
             <a:pathLst>
-              <a:path extrusionOk="0" h="120000" w="120000">
+              <a:path w="120000" h="120000" extrusionOk="0">
                 <a:moveTo>
                   <a:pt x="0" y="0"/>
                 </a:moveTo>
@@ -2233,9 +2303,11 @@
       <p:sp>
         <p:nvSpPr>
           <p:cNvPr id="93" name="Google Shape;93;g7432387db7_1_4:notes"/>
-          <p:cNvSpPr txBox="1"/>
+          <p:cNvSpPr txBox="1">
+            <a:spLocks noGrp="1"/>
+          </p:cNvSpPr>
           <p:nvPr>
-            <p:ph idx="1" type="body"/>
+            <p:ph type="body" idx="1"/>
           </p:nvPr>
         </p:nvSpPr>
         <p:spPr>
@@ -2248,12 +2320,12 @@
           </a:prstGeom>
         </p:spPr>
         <p:txBody>
-          <a:bodyPr anchorCtr="0" anchor="t" bIns="91425" lIns="91425" spcFirstLastPara="1" rIns="91425" wrap="square" tIns="91425">
+          <a:bodyPr spcFirstLastPara="1" wrap="square" lIns="91425" tIns="91425" rIns="91425" bIns="91425" anchor="t" anchorCtr="0">
             <a:noAutofit/>
           </a:bodyPr>
           <a:lstStyle/>
           <a:p>
-            <a:pPr indent="0" lvl="0" marL="0" rtl="0" algn="l">
+            <a:pPr marL="0" lvl="0" indent="0" algn="l" rtl="0">
               <a:spcBef>
                 <a:spcPts val="0"/>
               </a:spcBef>
@@ -2269,22 +2341,19 @@
             <a:endParaRPr/>
           </a:p>
           <a:p>
-            <a:pPr indent="0" lvl="0" marL="0" rtl="0" algn="l">
-              <a:spcBef>
-                <a:spcPts val="0"/>
-              </a:spcBef>
-              <a:spcAft>
-                <a:spcPts val="0"/>
-              </a:spcAft>
-              <a:buNone/>
-            </a:pPr>
-            <a:r>
-              <a:t/>
-            </a:r>
+            <a:pPr marL="0" lvl="0" indent="0" algn="l" rtl="0">
+              <a:spcBef>
+                <a:spcPts val="0"/>
+              </a:spcBef>
+              <a:spcAft>
+                <a:spcPts val="0"/>
+              </a:spcAft>
+              <a:buNone/>
+            </a:pPr>
             <a:endParaRPr/>
           </a:p>
           <a:p>
-            <a:pPr indent="0" lvl="0" marL="0" rtl="0" algn="l">
+            <a:pPr marL="0" lvl="0" indent="0" algn="l" rtl="0">
               <a:spcBef>
                 <a:spcPts val="0"/>
               </a:spcBef>
@@ -2295,15 +2364,7 @@
             </a:pPr>
             <a:r>
               <a:rPr lang="en"/>
-              <a:t>We </a:t>
-            </a:r>
-            <a:r>
-              <a:rPr lang="en"/>
-              <a:t>incorporated</a:t>
-            </a:r>
-            <a:r>
-              <a:rPr lang="en"/>
-              <a:t> a variety of different data sources to have the most well-rounded, and complete project we could given our time line, and resources. </a:t>
+              <a:t>We incorporated a variety of different data sources to have the most well-rounded, and complete project we could given our time line, and resources. </a:t>
             </a:r>
             <a:endParaRPr/>
           </a:p>
@@ -2318,11 +2379,11 @@
 </file>
 
 <file path=ppt/notesSlides/notesSlide5.xml><?xml version="1.0" encoding="utf-8"?>
-<p:notes xmlns:a="http://schemas.openxmlformats.org/drawingml/2006/main" xmlns:r="http://schemas.openxmlformats.org/officeDocument/2006/relationships" xmlns:mc="http://schemas.openxmlformats.org/markup-compatibility/2006" xmlns:mv="urn:schemas-microsoft-com:mac:vml" xmlns:p="http://schemas.openxmlformats.org/presentationml/2006/main" xmlns:c="http://schemas.openxmlformats.org/drawingml/2006/chart" xmlns:dgm="http://schemas.openxmlformats.org/drawingml/2006/diagram" xmlns:o="urn:schemas-microsoft-com:office:office" xmlns:v="urn:schemas-microsoft-com:vml" xmlns:pvml="urn:schemas-microsoft-com:office:powerpoint" xmlns:com="http://schemas.openxmlformats.org/drawingml/2006/compatibility" xmlns:p14="http://schemas.microsoft.com/office/powerpoint/2010/main" xmlns:p15="http://schemas.microsoft.com/office/powerpoint/2012/main" showMasterPhAnim="0" showMasterSp="0">
+<p:notes xmlns:a="http://schemas.openxmlformats.org/drawingml/2006/main" xmlns:r="http://schemas.openxmlformats.org/officeDocument/2006/relationships" xmlns:p="http://schemas.openxmlformats.org/presentationml/2006/main" showMasterSp="0" showMasterPhAnim="0">
   <p:cSld>
     <p:spTree>
       <p:nvGrpSpPr>
-        <p:cNvPr id="97" name="Shape 97"/>
+        <p:cNvPr id="1" name="Shape 97"/>
         <p:cNvGrpSpPr/>
         <p:nvPr/>
       </p:nvGrpSpPr>
@@ -2337,9 +2398,11 @@
       <p:sp>
         <p:nvSpPr>
           <p:cNvPr id="98" name="Google Shape;98;g7432387db7_2_0:notes"/>
-          <p:cNvSpPr/>
+          <p:cNvSpPr>
+            <a:spLocks noGrp="1" noRot="1" noChangeAspect="1"/>
+          </p:cNvSpPr>
           <p:nvPr>
-            <p:ph idx="2" type="sldImg"/>
+            <p:ph type="sldImg" idx="2"/>
           </p:nvPr>
         </p:nvSpPr>
         <p:spPr>
@@ -2348,9 +2411,13 @@
             <a:ext cx="6096000" cy="3429000"/>
           </a:xfrm>
           <a:custGeom>
-            <a:rect b="b" l="l" r="r" t="t"/>
+            <a:avLst/>
+            <a:gdLst/>
+            <a:ahLst/>
+            <a:cxnLst/>
+            <a:rect l="l" t="t" r="r" b="b"/>
             <a:pathLst>
-              <a:path extrusionOk="0" h="120000" w="120000">
+              <a:path w="120000" h="120000" extrusionOk="0">
                 <a:moveTo>
                   <a:pt x="0" y="0"/>
                 </a:moveTo>
@@ -2372,9 +2439,11 @@
       <p:sp>
         <p:nvSpPr>
           <p:cNvPr id="99" name="Google Shape;99;g7432387db7_2_0:notes"/>
-          <p:cNvSpPr txBox="1"/>
+          <p:cNvSpPr txBox="1">
+            <a:spLocks noGrp="1"/>
+          </p:cNvSpPr>
           <p:nvPr>
-            <p:ph idx="1" type="body"/>
+            <p:ph type="body" idx="1"/>
           </p:nvPr>
         </p:nvSpPr>
         <p:spPr>
@@ -2387,12 +2456,12 @@
           </a:prstGeom>
         </p:spPr>
         <p:txBody>
-          <a:bodyPr anchorCtr="0" anchor="t" bIns="91425" lIns="91425" spcFirstLastPara="1" rIns="91425" wrap="square" tIns="91425">
+          <a:bodyPr spcFirstLastPara="1" wrap="square" lIns="91425" tIns="91425" rIns="91425" bIns="91425" anchor="t" anchorCtr="0">
             <a:noAutofit/>
           </a:bodyPr>
           <a:lstStyle/>
           <a:p>
-            <a:pPr indent="0" lvl="0" marL="0" rtl="0" algn="l">
+            <a:pPr marL="0" lvl="0" indent="0" algn="l" rtl="0">
               <a:spcBef>
                 <a:spcPts val="0"/>
               </a:spcBef>
@@ -2408,7 +2477,7 @@
             <a:endParaRPr/>
           </a:p>
           <a:p>
-            <a:pPr indent="0" lvl="0" marL="0" rtl="0" algn="l">
+            <a:pPr marL="0" lvl="0" indent="0" algn="l" rtl="0">
               <a:spcBef>
                 <a:spcPts val="0"/>
               </a:spcBef>
@@ -2419,31 +2488,20 @@
             </a:pPr>
             <a:r>
               <a:rPr lang="en"/>
-              <a:t>Climate change is a story that has been playing out since our planets origins nearly 4.6 billion years ago. In the past 150 years since the industrial revolution, there has been a realization that </a:t>
-            </a:r>
-            <a:r>
-              <a:rPr lang="en"/>
-              <a:t>anthropogenic</a:t>
-            </a:r>
-            <a:r>
-              <a:rPr lang="en"/>
-              <a:t> causes is leading to rapid climate change. This sudden change in climate, threatens ecosystems, and civilizations around the globe.</a:t>
+              <a:t>Climate change is a story that has been playing out since our planets origins nearly 4.6 billion years ago. In the past 150 years since the industrial revolution, there has been a realization that anthropogenic causes is leading to rapid climate change. This sudden change in climate, threatens ecosystems, and civilizations around the globe.</a:t>
             </a:r>
             <a:endParaRPr/>
           </a:p>
           <a:p>
-            <a:pPr indent="0" lvl="0" marL="0" rtl="0" algn="l">
-              <a:spcBef>
-                <a:spcPts val="0"/>
-              </a:spcBef>
-              <a:spcAft>
-                <a:spcPts val="0"/>
-              </a:spcAft>
-              <a:buNone/>
-            </a:pPr>
-            <a:r>
-              <a:t/>
-            </a:r>
+            <a:pPr marL="0" lvl="0" indent="0" algn="l" rtl="0">
+              <a:spcBef>
+                <a:spcPts val="0"/>
+              </a:spcBef>
+              <a:spcAft>
+                <a:spcPts val="0"/>
+              </a:spcAft>
+              <a:buNone/>
+            </a:pPr>
             <a:endParaRPr/>
           </a:p>
         </p:txBody>
@@ -2457,11 +2515,11 @@
 </file>
 
 <file path=ppt/notesSlides/notesSlide6.xml><?xml version="1.0" encoding="utf-8"?>
-<p:notes xmlns:a="http://schemas.openxmlformats.org/drawingml/2006/main" xmlns:r="http://schemas.openxmlformats.org/officeDocument/2006/relationships" xmlns:mc="http://schemas.openxmlformats.org/markup-compatibility/2006" xmlns:mv="urn:schemas-microsoft-com:mac:vml" xmlns:p="http://schemas.openxmlformats.org/presentationml/2006/main" xmlns:c="http://schemas.openxmlformats.org/drawingml/2006/chart" xmlns:dgm="http://schemas.openxmlformats.org/drawingml/2006/diagram" xmlns:o="urn:schemas-microsoft-com:office:office" xmlns:v="urn:schemas-microsoft-com:vml" xmlns:pvml="urn:schemas-microsoft-com:office:powerpoint" xmlns:com="http://schemas.openxmlformats.org/drawingml/2006/compatibility" xmlns:p14="http://schemas.microsoft.com/office/powerpoint/2010/main" xmlns:p15="http://schemas.microsoft.com/office/powerpoint/2012/main" showMasterPhAnim="0" showMasterSp="0">
+<p:notes xmlns:a="http://schemas.openxmlformats.org/drawingml/2006/main" xmlns:r="http://schemas.openxmlformats.org/officeDocument/2006/relationships" xmlns:p="http://schemas.openxmlformats.org/presentationml/2006/main" showMasterSp="0" showMasterPhAnim="0">
   <p:cSld>
     <p:spTree>
       <p:nvGrpSpPr>
-        <p:cNvPr id="104" name="Shape 104"/>
+        <p:cNvPr id="1" name="Shape 104"/>
         <p:cNvGrpSpPr/>
         <p:nvPr/>
       </p:nvGrpSpPr>
@@ -2476,9 +2534,11 @@
       <p:sp>
         <p:nvSpPr>
           <p:cNvPr id="105" name="Google Shape;105;gd251bb473_0_600:notes"/>
-          <p:cNvSpPr/>
+          <p:cNvSpPr>
+            <a:spLocks noGrp="1" noRot="1" noChangeAspect="1"/>
+          </p:cNvSpPr>
           <p:nvPr>
-            <p:ph idx="2" type="sldImg"/>
+            <p:ph type="sldImg" idx="2"/>
           </p:nvPr>
         </p:nvSpPr>
         <p:spPr>
@@ -2487,9 +2547,13 @@
             <a:ext cx="6096000" cy="3429000"/>
           </a:xfrm>
           <a:custGeom>
-            <a:rect b="b" l="l" r="r" t="t"/>
+            <a:avLst/>
+            <a:gdLst/>
+            <a:ahLst/>
+            <a:cxnLst/>
+            <a:rect l="l" t="t" r="r" b="b"/>
             <a:pathLst>
-              <a:path extrusionOk="0" h="120000" w="120000">
+              <a:path w="120000" h="120000" extrusionOk="0">
                 <a:moveTo>
                   <a:pt x="0" y="0"/>
                 </a:moveTo>
@@ -2511,9 +2575,11 @@
       <p:sp>
         <p:nvSpPr>
           <p:cNvPr id="106" name="Google Shape;106;gd251bb473_0_600:notes"/>
-          <p:cNvSpPr txBox="1"/>
+          <p:cNvSpPr txBox="1">
+            <a:spLocks noGrp="1"/>
+          </p:cNvSpPr>
           <p:nvPr>
-            <p:ph idx="1" type="body"/>
+            <p:ph type="body" idx="1"/>
           </p:nvPr>
         </p:nvSpPr>
         <p:spPr>
@@ -2526,12 +2592,12 @@
           </a:prstGeom>
         </p:spPr>
         <p:txBody>
-          <a:bodyPr anchorCtr="0" anchor="t" bIns="91425" lIns="91425" spcFirstLastPara="1" rIns="91425" wrap="square" tIns="91425">
+          <a:bodyPr spcFirstLastPara="1" wrap="square" lIns="91425" tIns="91425" rIns="91425" bIns="91425" anchor="t" anchorCtr="0">
             <a:noAutofit/>
           </a:bodyPr>
           <a:lstStyle/>
           <a:p>
-            <a:pPr indent="0" lvl="0" marL="0" rtl="0" algn="l">
+            <a:pPr marL="0" lvl="0" indent="0" algn="l" rtl="0">
               <a:spcBef>
                 <a:spcPts val="0"/>
               </a:spcBef>
@@ -2542,15 +2608,7 @@
             </a:pPr>
             <a:r>
               <a:rPr lang="en"/>
-              <a:t>(Jennifer) Climate change is a long term trend that is observed over many decades, centuries and perhaps million of years. Anomalies can occur, take for example our recent snowstorm in the </a:t>
-            </a:r>
-            <a:r>
-              <a:rPr lang="en"/>
-              <a:t>beginning</a:t>
-            </a:r>
-            <a:r>
-              <a:rPr lang="en"/>
-              <a:t> of November. </a:t>
+              <a:t>(Jennifer) Climate change is a long term trend that is observed over many decades, centuries and perhaps million of years. Anomalies can occur, take for example our recent snowstorm in the beginning of November. </a:t>
             </a:r>
             <a:endParaRPr/>
           </a:p>
@@ -2565,11 +2623,11 @@
 </file>
 
 <file path=ppt/notesSlides/notesSlide7.xml><?xml version="1.0" encoding="utf-8"?>
-<p:notes xmlns:a="http://schemas.openxmlformats.org/drawingml/2006/main" xmlns:r="http://schemas.openxmlformats.org/officeDocument/2006/relationships" xmlns:mc="http://schemas.openxmlformats.org/markup-compatibility/2006" xmlns:mv="urn:schemas-microsoft-com:mac:vml" xmlns:p="http://schemas.openxmlformats.org/presentationml/2006/main" xmlns:c="http://schemas.openxmlformats.org/drawingml/2006/chart" xmlns:dgm="http://schemas.openxmlformats.org/drawingml/2006/diagram" xmlns:o="urn:schemas-microsoft-com:office:office" xmlns:v="urn:schemas-microsoft-com:vml" xmlns:pvml="urn:schemas-microsoft-com:office:powerpoint" xmlns:com="http://schemas.openxmlformats.org/drawingml/2006/compatibility" xmlns:p14="http://schemas.microsoft.com/office/powerpoint/2010/main" xmlns:p15="http://schemas.microsoft.com/office/powerpoint/2012/main" showMasterPhAnim="0" showMasterSp="0">
+<p:notes xmlns:a="http://schemas.openxmlformats.org/drawingml/2006/main" xmlns:r="http://schemas.openxmlformats.org/officeDocument/2006/relationships" xmlns:p="http://schemas.openxmlformats.org/presentationml/2006/main" showMasterSp="0" showMasterPhAnim="0">
   <p:cSld>
     <p:spTree>
       <p:nvGrpSpPr>
-        <p:cNvPr id="111" name="Shape 111"/>
+        <p:cNvPr id="1" name="Shape 111"/>
         <p:cNvGrpSpPr/>
         <p:nvPr/>
       </p:nvGrpSpPr>
@@ -2584,9 +2642,11 @@
       <p:sp>
         <p:nvSpPr>
           <p:cNvPr id="112" name="Google Shape;112;g7432387db7_2_8:notes"/>
-          <p:cNvSpPr/>
+          <p:cNvSpPr>
+            <a:spLocks noGrp="1" noRot="1" noChangeAspect="1"/>
+          </p:cNvSpPr>
           <p:nvPr>
-            <p:ph idx="2" type="sldImg"/>
+            <p:ph type="sldImg" idx="2"/>
           </p:nvPr>
         </p:nvSpPr>
         <p:spPr>
@@ -2595,9 +2655,13 @@
             <a:ext cx="6096000" cy="3429000"/>
           </a:xfrm>
           <a:custGeom>
-            <a:rect b="b" l="l" r="r" t="t"/>
+            <a:avLst/>
+            <a:gdLst/>
+            <a:ahLst/>
+            <a:cxnLst/>
+            <a:rect l="l" t="t" r="r" b="b"/>
             <a:pathLst>
-              <a:path extrusionOk="0" h="120000" w="120000">
+              <a:path w="120000" h="120000" extrusionOk="0">
                 <a:moveTo>
                   <a:pt x="0" y="0"/>
                 </a:moveTo>
@@ -2619,9 +2683,11 @@
       <p:sp>
         <p:nvSpPr>
           <p:cNvPr id="113" name="Google Shape;113;g7432387db7_2_8:notes"/>
-          <p:cNvSpPr txBox="1"/>
+          <p:cNvSpPr txBox="1">
+            <a:spLocks noGrp="1"/>
+          </p:cNvSpPr>
           <p:nvPr>
-            <p:ph idx="1" type="body"/>
+            <p:ph type="body" idx="1"/>
           </p:nvPr>
         </p:nvSpPr>
         <p:spPr>
@@ -2634,12 +2700,12 @@
           </a:prstGeom>
         </p:spPr>
         <p:txBody>
-          <a:bodyPr anchorCtr="0" anchor="t" bIns="91425" lIns="91425" spcFirstLastPara="1" rIns="91425" wrap="square" tIns="91425">
+          <a:bodyPr spcFirstLastPara="1" wrap="square" lIns="91425" tIns="91425" rIns="91425" bIns="91425" anchor="t" anchorCtr="0">
             <a:noAutofit/>
           </a:bodyPr>
           <a:lstStyle/>
           <a:p>
-            <a:pPr indent="0" lvl="0" marL="0" rtl="0" algn="l">
+            <a:pPr marL="0" lvl="0" indent="0" algn="l" rtl="0">
               <a:spcBef>
                 <a:spcPts val="0"/>
               </a:spcBef>
@@ -2650,16 +2716,12 @@
             </a:pPr>
             <a:r>
               <a:rPr lang="en"/>
-              <a:t>Omar</a:t>
-            </a:r>
-            <a:r>
-              <a:rPr lang="en"/>
-              <a:t>:  As you can tell from the graph the global temperature anomaly from the baseline year of 1880 has been on an upward trend. </a:t>
+              <a:t>Omar:  As you can tell from the graph the global temperature anomaly from the baseline year of 1880 has been on an upward trend. </a:t>
             </a:r>
             <a:endParaRPr/>
           </a:p>
           <a:p>
-            <a:pPr indent="0" lvl="0" marL="0" rtl="0" algn="l">
+            <a:pPr marL="0" lvl="0" indent="0" algn="l" rtl="0">
               <a:spcBef>
                 <a:spcPts val="0"/>
               </a:spcBef>
@@ -2685,11 +2747,11 @@
 </file>
 
 <file path=ppt/notesSlides/notesSlide8.xml><?xml version="1.0" encoding="utf-8"?>
-<p:notes xmlns:a="http://schemas.openxmlformats.org/drawingml/2006/main" xmlns:r="http://schemas.openxmlformats.org/officeDocument/2006/relationships" xmlns:mc="http://schemas.openxmlformats.org/markup-compatibility/2006" xmlns:mv="urn:schemas-microsoft-com:mac:vml" xmlns:p="http://schemas.openxmlformats.org/presentationml/2006/main" xmlns:c="http://schemas.openxmlformats.org/drawingml/2006/chart" xmlns:dgm="http://schemas.openxmlformats.org/drawingml/2006/diagram" xmlns:o="urn:schemas-microsoft-com:office:office" xmlns:v="urn:schemas-microsoft-com:vml" xmlns:pvml="urn:schemas-microsoft-com:office:powerpoint" xmlns:com="http://schemas.openxmlformats.org/drawingml/2006/compatibility" xmlns:p14="http://schemas.microsoft.com/office/powerpoint/2010/main" xmlns:p15="http://schemas.microsoft.com/office/powerpoint/2012/main" showMasterPhAnim="0" showMasterSp="0">
+<p:notes xmlns:a="http://schemas.openxmlformats.org/drawingml/2006/main" xmlns:r="http://schemas.openxmlformats.org/officeDocument/2006/relationships" xmlns:p="http://schemas.openxmlformats.org/presentationml/2006/main" showMasterSp="0" showMasterPhAnim="0">
   <p:cSld>
     <p:spTree>
       <p:nvGrpSpPr>
-        <p:cNvPr id="118" name="Shape 118"/>
+        <p:cNvPr id="1" name="Shape 118"/>
         <p:cNvGrpSpPr/>
         <p:nvPr/>
       </p:nvGrpSpPr>
@@ -2704,20 +2766,26 @@
       <p:sp>
         <p:nvSpPr>
           <p:cNvPr id="119" name="Google Shape;119;g7432387db7_1_8:notes"/>
-          <p:cNvSpPr/>
+          <p:cNvSpPr>
+            <a:spLocks noGrp="1" noRot="1" noChangeAspect="1"/>
+          </p:cNvSpPr>
           <p:nvPr>
-            <p:ph idx="2" type="sldImg"/>
+            <p:ph type="sldImg" idx="2"/>
           </p:nvPr>
         </p:nvSpPr>
         <p:spPr>
           <a:xfrm>
-            <a:off x="381300" y="685800"/>
+            <a:off x="381000" y="685800"/>
             <a:ext cx="6096000" cy="3429000"/>
           </a:xfrm>
           <a:custGeom>
-            <a:rect b="b" l="l" r="r" t="t"/>
+            <a:avLst/>
+            <a:gdLst/>
+            <a:ahLst/>
+            <a:cxnLst/>
+            <a:rect l="l" t="t" r="r" b="b"/>
             <a:pathLst>
-              <a:path extrusionOk="0" h="120000" w="120000">
+              <a:path w="120000" h="120000" extrusionOk="0">
                 <a:moveTo>
                   <a:pt x="0" y="0"/>
                 </a:moveTo>
@@ -2739,9 +2807,11 @@
       <p:sp>
         <p:nvSpPr>
           <p:cNvPr id="120" name="Google Shape;120;g7432387db7_1_8:notes"/>
-          <p:cNvSpPr txBox="1"/>
+          <p:cNvSpPr txBox="1">
+            <a:spLocks noGrp="1"/>
+          </p:cNvSpPr>
           <p:nvPr>
-            <p:ph idx="1" type="body"/>
+            <p:ph type="body" idx="1"/>
           </p:nvPr>
         </p:nvSpPr>
         <p:spPr>
@@ -2754,12 +2824,12 @@
           </a:prstGeom>
         </p:spPr>
         <p:txBody>
-          <a:bodyPr anchorCtr="0" anchor="t" bIns="91425" lIns="91425" spcFirstLastPara="1" rIns="91425" wrap="square" tIns="91425">
+          <a:bodyPr spcFirstLastPara="1" wrap="square" lIns="91425" tIns="91425" rIns="91425" bIns="91425" anchor="t" anchorCtr="0">
             <a:noAutofit/>
           </a:bodyPr>
           <a:lstStyle/>
           <a:p>
-            <a:pPr indent="0" lvl="0" marL="457200" rtl="0" algn="l">
+            <a:pPr marL="457200" lvl="0" indent="0" algn="l" rtl="0">
               <a:spcBef>
                 <a:spcPts val="0"/>
               </a:spcBef>
@@ -2775,7 +2845,7 @@
             <a:endParaRPr/>
           </a:p>
           <a:p>
-            <a:pPr indent="-317500" lvl="0" marL="457200" rtl="0" algn="l">
+            <a:pPr marL="457200" lvl="0" indent="-317500" algn="l" rtl="0">
               <a:spcBef>
                 <a:spcPts val="0"/>
               </a:spcBef>
@@ -2792,7 +2862,7 @@
             <a:endParaRPr/>
           </a:p>
           <a:p>
-            <a:pPr indent="-317500" lvl="0" marL="457200" rtl="0" algn="l">
+            <a:pPr marL="457200" lvl="0" indent="-317500" algn="l" rtl="0">
               <a:spcBef>
                 <a:spcPts val="0"/>
               </a:spcBef>
@@ -2809,7 +2879,7 @@
             <a:endParaRPr/>
           </a:p>
           <a:p>
-            <a:pPr indent="-317500" lvl="0" marL="457200" rtl="0" algn="l">
+            <a:pPr marL="457200" lvl="0" indent="-317500" algn="l" rtl="0">
               <a:spcBef>
                 <a:spcPts val="0"/>
               </a:spcBef>
@@ -2826,7 +2896,7 @@
             <a:endParaRPr/>
           </a:p>
           <a:p>
-            <a:pPr indent="-317500" lvl="0" marL="457200" rtl="0" algn="l">
+            <a:pPr marL="457200" lvl="0" indent="-317500" algn="l" rtl="0">
               <a:spcBef>
                 <a:spcPts val="0"/>
               </a:spcBef>
@@ -2838,15 +2908,7 @@
             </a:pPr>
             <a:r>
               <a:rPr lang="en"/>
-              <a:t>Finally due to a lack of complete information in the antarctic we only examined one city in a temperate environment and that was the city of Sydney. Again, a major reason for </a:t>
-            </a:r>
-            <a:r>
-              <a:rPr lang="en"/>
-              <a:t>choosing</a:t>
-            </a:r>
-            <a:r>
-              <a:rPr lang="en"/>
-              <a:t> this city was the abundance of available data. </a:t>
+              <a:t>Finally due to a lack of complete information in the antarctic we only examined one city in a temperate environment and that was the city of Sydney. Again, a major reason for choosing this city was the abundance of available data. </a:t>
             </a:r>
             <a:endParaRPr/>
           </a:p>
@@ -2861,11 +2923,11 @@
 </file>
 
 <file path=ppt/notesSlides/notesSlide9.xml><?xml version="1.0" encoding="utf-8"?>
-<p:notes xmlns:a="http://schemas.openxmlformats.org/drawingml/2006/main" xmlns:r="http://schemas.openxmlformats.org/officeDocument/2006/relationships" xmlns:mc="http://schemas.openxmlformats.org/markup-compatibility/2006" xmlns:mv="urn:schemas-microsoft-com:mac:vml" xmlns:p="http://schemas.openxmlformats.org/presentationml/2006/main" xmlns:c="http://schemas.openxmlformats.org/drawingml/2006/chart" xmlns:dgm="http://schemas.openxmlformats.org/drawingml/2006/diagram" xmlns:o="urn:schemas-microsoft-com:office:office" xmlns:v="urn:schemas-microsoft-com:vml" xmlns:pvml="urn:schemas-microsoft-com:office:powerpoint" xmlns:com="http://schemas.openxmlformats.org/drawingml/2006/compatibility" xmlns:p14="http://schemas.microsoft.com/office/powerpoint/2010/main" xmlns:p15="http://schemas.microsoft.com/office/powerpoint/2012/main" showMasterPhAnim="0" showMasterSp="0">
+<p:notes xmlns:a="http://schemas.openxmlformats.org/drawingml/2006/main" xmlns:r="http://schemas.openxmlformats.org/officeDocument/2006/relationships" xmlns:p="http://schemas.openxmlformats.org/presentationml/2006/main" showMasterSp="0" showMasterPhAnim="0">
   <p:cSld>
     <p:spTree>
       <p:nvGrpSpPr>
-        <p:cNvPr id="125" name="Shape 125"/>
+        <p:cNvPr id="1" name="Shape 125"/>
         <p:cNvGrpSpPr/>
         <p:nvPr/>
       </p:nvGrpSpPr>
@@ -2880,9 +2942,11 @@
       <p:sp>
         <p:nvSpPr>
           <p:cNvPr id="126" name="Google Shape;126;g743ab513b6_1_16:notes"/>
-          <p:cNvSpPr/>
+          <p:cNvSpPr>
+            <a:spLocks noGrp="1" noRot="1" noChangeAspect="1"/>
+          </p:cNvSpPr>
           <p:nvPr>
-            <p:ph idx="2" type="sldImg"/>
+            <p:ph type="sldImg" idx="2"/>
           </p:nvPr>
         </p:nvSpPr>
         <p:spPr>
@@ -2891,9 +2955,13 @@
             <a:ext cx="6096000" cy="3429000"/>
           </a:xfrm>
           <a:custGeom>
-            <a:rect b="b" l="l" r="r" t="t"/>
+            <a:avLst/>
+            <a:gdLst/>
+            <a:ahLst/>
+            <a:cxnLst/>
+            <a:rect l="l" t="t" r="r" b="b"/>
             <a:pathLst>
-              <a:path extrusionOk="0" h="120000" w="120000">
+              <a:path w="120000" h="120000" extrusionOk="0">
                 <a:moveTo>
                   <a:pt x="0" y="0"/>
                 </a:moveTo>
@@ -2915,9 +2983,11 @@
       <p:sp>
         <p:nvSpPr>
           <p:cNvPr id="127" name="Google Shape;127;g743ab513b6_1_16:notes"/>
-          <p:cNvSpPr txBox="1"/>
+          <p:cNvSpPr txBox="1">
+            <a:spLocks noGrp="1"/>
+          </p:cNvSpPr>
           <p:nvPr>
-            <p:ph idx="1" type="body"/>
+            <p:ph type="body" idx="1"/>
           </p:nvPr>
         </p:nvSpPr>
         <p:spPr>
@@ -2930,12 +3000,12 @@
           </a:prstGeom>
         </p:spPr>
         <p:txBody>
-          <a:bodyPr anchorCtr="0" anchor="t" bIns="91425" lIns="91425" spcFirstLastPara="1" rIns="91425" wrap="square" tIns="91425">
+          <a:bodyPr spcFirstLastPara="1" wrap="square" lIns="91425" tIns="91425" rIns="91425" bIns="91425" anchor="t" anchorCtr="0">
             <a:noAutofit/>
           </a:bodyPr>
           <a:lstStyle/>
           <a:p>
-            <a:pPr indent="0" lvl="0" marL="0" rtl="0" algn="l">
+            <a:pPr marL="0" lvl="0" indent="0" algn="l" rtl="0">
               <a:spcBef>
                 <a:spcPts val="0"/>
               </a:spcBef>
@@ -2953,14 +3023,14 @@
                 <a:solidFill>
                   <a:schemeClr val="hlink"/>
                 </a:solidFill>
-                <a:hlinkClick r:id="rId2"/>
+                <a:hlinkClick r:id="rId3"/>
               </a:rPr>
               <a:t>http://enduringice.com/wp-content/uploads/2017/06/Arctic_albedo.jpg</a:t>
             </a:r>
             <a:endParaRPr/>
           </a:p>
           <a:p>
-            <a:pPr indent="0" lvl="0" marL="0" rtl="0" algn="l">
+            <a:pPr marL="0" lvl="0" indent="0" algn="l" rtl="0">
               <a:spcBef>
                 <a:spcPts val="0"/>
               </a:spcBef>
@@ -2976,7 +3046,7 @@
             <a:endParaRPr/>
           </a:p>
           <a:p>
-            <a:pPr indent="0" lvl="0" marL="0" rtl="0" algn="l">
+            <a:pPr marL="0" lvl="0" indent="0" algn="l" rtl="0">
               <a:spcBef>
                 <a:spcPts val="0"/>
               </a:spcBef>
@@ -2992,7 +3062,7 @@
             <a:endParaRPr/>
           </a:p>
           <a:p>
-            <a:pPr indent="0" lvl="0" marL="0" rtl="0" algn="l">
+            <a:pPr marL="0" lvl="0" indent="0" algn="l" rtl="0">
               <a:spcBef>
                 <a:spcPts val="0"/>
               </a:spcBef>
@@ -3008,7 +3078,7 @@
             <a:endParaRPr/>
           </a:p>
           <a:p>
-            <a:pPr indent="0" lvl="0" marL="0" rtl="0" algn="l">
+            <a:pPr marL="0" lvl="0" indent="0" algn="l" rtl="0">
               <a:spcBef>
                 <a:spcPts val="0"/>
               </a:spcBef>
@@ -3034,18 +3104,19 @@
 </file>
 
 <file path=ppt/slideLayouts/slideLayout1.xml><?xml version="1.0" encoding="utf-8"?>
-<p:sldLayout xmlns:a="http://schemas.openxmlformats.org/drawingml/2006/main" xmlns:r="http://schemas.openxmlformats.org/officeDocument/2006/relationships" xmlns:mc="http://schemas.openxmlformats.org/markup-compatibility/2006" xmlns:mv="urn:schemas-microsoft-com:mac:vml" xmlns:p="http://schemas.openxmlformats.org/presentationml/2006/main" xmlns:c="http://schemas.openxmlformats.org/drawingml/2006/chart" xmlns:dgm="http://schemas.openxmlformats.org/drawingml/2006/diagram" xmlns:o="urn:schemas-microsoft-com:office:office" xmlns:v="urn:schemas-microsoft-com:vml" xmlns:pvml="urn:schemas-microsoft-com:office:powerpoint" xmlns:com="http://schemas.openxmlformats.org/drawingml/2006/compatibility" xmlns:p14="http://schemas.microsoft.com/office/powerpoint/2010/main" xmlns:p15="http://schemas.microsoft.com/office/powerpoint/2012/main" matchingName="Title slide" type="title">
+<p:sldLayout xmlns:a="http://schemas.openxmlformats.org/drawingml/2006/main" xmlns:r="http://schemas.openxmlformats.org/officeDocument/2006/relationships" xmlns:p="http://schemas.openxmlformats.org/presentationml/2006/main" matchingName="Title slide" type="title">
   <p:cSld name="TITLE">
     <p:bg>
       <p:bgPr>
         <a:solidFill>
           <a:schemeClr val="dk1"/>
         </a:solidFill>
+        <a:effectLst/>
       </p:bgPr>
     </p:bg>
     <p:spTree>
       <p:nvGrpSpPr>
-        <p:cNvPr id="9" name="Shape 9"/>
+        <p:cNvPr id="1" name="Shape 9"/>
         <p:cNvGrpSpPr/>
         <p:nvPr/>
       </p:nvGrpSpPr>
@@ -3072,14 +3143,14 @@
             <a:avLst/>
           </a:prstGeom>
           <a:noFill/>
-          <a:ln cap="flat" cmpd="sng" w="38100">
+          <a:ln w="38100" cap="flat" cmpd="sng">
             <a:solidFill>
               <a:schemeClr val="lt1"/>
             </a:solidFill>
             <a:prstDash val="solid"/>
             <a:round/>
-            <a:headEnd len="sm" w="sm" type="none"/>
-            <a:tailEnd len="sm" w="sm" type="none"/>
+            <a:headEnd type="none" w="sm" len="sm"/>
+            <a:tailEnd type="none" w="sm" len="sm"/>
           </a:ln>
         </p:spPr>
       </p:cxnSp>
@@ -3098,14 +3169,14 @@
             <a:avLst/>
           </a:prstGeom>
           <a:noFill/>
-          <a:ln cap="flat" cmpd="sng" w="19050">
+          <a:ln w="19050" cap="flat" cmpd="sng">
             <a:solidFill>
               <a:schemeClr val="lt1"/>
             </a:solidFill>
             <a:prstDash val="solid"/>
             <a:round/>
-            <a:headEnd len="sm" w="sm" type="none"/>
-            <a:tailEnd len="sm" w="sm" type="none"/>
+            <a:headEnd type="none" w="sm" len="sm"/>
+            <a:tailEnd type="none" w="sm" len="sm"/>
           </a:ln>
         </p:spPr>
       </p:cxnSp>
@@ -3124,21 +3195,23 @@
             <a:avLst/>
           </a:prstGeom>
           <a:noFill/>
-          <a:ln cap="flat" cmpd="sng" w="19050">
+          <a:ln w="19050" cap="flat" cmpd="sng">
             <a:solidFill>
               <a:schemeClr val="lt1"/>
             </a:solidFill>
             <a:prstDash val="solid"/>
             <a:round/>
-            <a:headEnd len="sm" w="sm" type="none"/>
-            <a:tailEnd len="sm" w="sm" type="none"/>
+            <a:headEnd type="none" w="sm" len="sm"/>
+            <a:tailEnd type="none" w="sm" len="sm"/>
           </a:ln>
         </p:spPr>
       </p:cxnSp>
       <p:sp>
         <p:nvSpPr>
           <p:cNvPr id="13" name="Google Shape;13;p2"/>
-          <p:cNvSpPr txBox="1"/>
+          <p:cNvSpPr txBox="1">
+            <a:spLocks noGrp="1"/>
+          </p:cNvSpPr>
           <p:nvPr>
             <p:ph type="ctrTitle"/>
           </p:nvPr>
@@ -3153,7 +3226,7 @@
           </a:prstGeom>
         </p:spPr>
         <p:txBody>
-          <a:bodyPr anchorCtr="0" anchor="t" bIns="91425" lIns="91425" spcFirstLastPara="1" rIns="91425" wrap="square" tIns="91425">
+          <a:bodyPr spcFirstLastPara="1" wrap="square" lIns="91425" tIns="91425" rIns="91425" bIns="91425" anchor="t" anchorCtr="0">
             <a:noAutofit/>
           </a:bodyPr>
           <a:lstStyle>
@@ -3320,15 +3393,19 @@
               </a:defRPr>
             </a:lvl9pPr>
           </a:lstStyle>
-          <a:p/>
+          <a:p>
+            <a:endParaRPr/>
+          </a:p>
         </p:txBody>
       </p:sp>
       <p:sp>
         <p:nvSpPr>
           <p:cNvPr id="14" name="Google Shape;14;p2"/>
-          <p:cNvSpPr txBox="1"/>
+          <p:cNvSpPr txBox="1">
+            <a:spLocks noGrp="1"/>
+          </p:cNvSpPr>
           <p:nvPr>
-            <p:ph idx="1" type="subTitle"/>
+            <p:ph type="subTitle" idx="1"/>
           </p:nvPr>
         </p:nvSpPr>
         <p:spPr>
@@ -3341,7 +3418,7 @@
           </a:prstGeom>
         </p:spPr>
         <p:txBody>
-          <a:bodyPr anchorCtr="0" anchor="b" bIns="91425" lIns="91425" spcFirstLastPara="1" rIns="91425" wrap="square" tIns="91425">
+          <a:bodyPr spcFirstLastPara="1" wrap="square" lIns="91425" tIns="91425" rIns="91425" bIns="91425" anchor="b" anchorCtr="0">
             <a:noAutofit/>
           </a:bodyPr>
           <a:lstStyle>
@@ -3535,15 +3612,19 @@
               </a:defRPr>
             </a:lvl9pPr>
           </a:lstStyle>
-          <a:p/>
+          <a:p>
+            <a:endParaRPr/>
+          </a:p>
         </p:txBody>
       </p:sp>
       <p:sp>
         <p:nvSpPr>
           <p:cNvPr id="15" name="Google Shape;15;p2"/>
-          <p:cNvSpPr txBox="1"/>
+          <p:cNvSpPr txBox="1">
+            <a:spLocks noGrp="1"/>
+          </p:cNvSpPr>
           <p:nvPr>
-            <p:ph idx="12" type="sldNum"/>
+            <p:ph type="sldNum" idx="12"/>
           </p:nvPr>
         </p:nvSpPr>
         <p:spPr>
@@ -3556,7 +3637,7 @@
           </a:prstGeom>
         </p:spPr>
         <p:txBody>
-          <a:bodyPr anchorCtr="0" anchor="ctr" bIns="91425" lIns="91425" spcFirstLastPara="1" rIns="91425" wrap="square" tIns="91425">
+          <a:bodyPr spcFirstLastPara="1" wrap="square" lIns="91425" tIns="91425" rIns="91425" bIns="91425" anchor="ctr" anchorCtr="0">
             <a:noAutofit/>
           </a:bodyPr>
           <a:lstStyle>
@@ -3634,7 +3715,7 @@
             </a:lvl9pPr>
           </a:lstStyle>
           <a:p>
-            <a:pPr indent="0" lvl="0" marL="0" rtl="0" algn="r">
+            <a:pPr marL="0" lvl="0" indent="0" algn="r" rtl="0">
               <a:spcBef>
                 <a:spcPts val="0"/>
               </a:spcBef>
@@ -3660,11 +3741,11 @@
 </file>
 
 <file path=ppt/slideLayouts/slideLayout10.xml><?xml version="1.0" encoding="utf-8"?>
-<p:sldLayout xmlns:a="http://schemas.openxmlformats.org/drawingml/2006/main" xmlns:r="http://schemas.openxmlformats.org/officeDocument/2006/relationships" xmlns:mc="http://schemas.openxmlformats.org/markup-compatibility/2006" xmlns:mv="urn:schemas-microsoft-com:mac:vml" xmlns:p="http://schemas.openxmlformats.org/presentationml/2006/main" xmlns:c="http://schemas.openxmlformats.org/drawingml/2006/chart" xmlns:dgm="http://schemas.openxmlformats.org/drawingml/2006/diagram" xmlns:o="urn:schemas-microsoft-com:office:office" xmlns:v="urn:schemas-microsoft-com:vml" xmlns:pvml="urn:schemas-microsoft-com:office:powerpoint" xmlns:com="http://schemas.openxmlformats.org/drawingml/2006/compatibility" xmlns:p14="http://schemas.microsoft.com/office/powerpoint/2010/main" xmlns:p15="http://schemas.microsoft.com/office/powerpoint/2012/main" matchingName="Big number">
+<p:sldLayout xmlns:a="http://schemas.openxmlformats.org/drawingml/2006/main" xmlns:r="http://schemas.openxmlformats.org/officeDocument/2006/relationships" xmlns:p="http://schemas.openxmlformats.org/presentationml/2006/main" matchingName="Big number">
   <p:cSld name="BIG_NUMBER">
     <p:spTree>
       <p:nvGrpSpPr>
-        <p:cNvPr id="60" name="Shape 60"/>
+        <p:cNvPr id="1" name="Shape 60"/>
         <p:cNvGrpSpPr/>
         <p:nvPr/>
       </p:nvGrpSpPr>
@@ -3691,14 +3772,14 @@
             <a:avLst/>
           </a:prstGeom>
           <a:noFill/>
-          <a:ln cap="flat" cmpd="sng" w="19050">
+          <a:ln w="19050" cap="flat" cmpd="sng">
             <a:solidFill>
               <a:schemeClr val="dk2"/>
             </a:solidFill>
             <a:prstDash val="solid"/>
             <a:round/>
-            <a:headEnd len="sm" w="sm" type="none"/>
-            <a:tailEnd len="sm" w="sm" type="none"/>
+            <a:headEnd type="none" w="sm" len="sm"/>
+            <a:tailEnd type="none" w="sm" len="sm"/>
           </a:ln>
         </p:spPr>
       </p:cxnSp>
@@ -3717,23 +3798,25 @@
             <a:avLst/>
           </a:prstGeom>
           <a:noFill/>
-          <a:ln cap="flat" cmpd="sng" w="38100">
+          <a:ln w="38100" cap="flat" cmpd="sng">
             <a:solidFill>
               <a:schemeClr val="dk2"/>
             </a:solidFill>
             <a:prstDash val="solid"/>
             <a:round/>
-            <a:headEnd len="sm" w="sm" type="none"/>
-            <a:tailEnd len="sm" w="sm" type="none"/>
+            <a:headEnd type="none" w="sm" len="sm"/>
+            <a:tailEnd type="none" w="sm" len="sm"/>
           </a:ln>
         </p:spPr>
       </p:cxnSp>
       <p:sp>
         <p:nvSpPr>
           <p:cNvPr id="63" name="Google Shape;63;p11"/>
-          <p:cNvSpPr txBox="1"/>
+          <p:cNvSpPr txBox="1">
+            <a:spLocks noGrp="1"/>
+          </p:cNvSpPr>
           <p:nvPr>
-            <p:ph hasCustomPrompt="1" type="title"/>
+            <p:ph type="title" hasCustomPrompt="1"/>
           </p:nvPr>
         </p:nvSpPr>
         <p:spPr>
@@ -3746,11 +3829,11 @@
           </a:prstGeom>
         </p:spPr>
         <p:txBody>
-          <a:bodyPr anchorCtr="0" anchor="ctr" bIns="91425" lIns="91425" spcFirstLastPara="1" rIns="91425" wrap="square" tIns="91425">
+          <a:bodyPr spcFirstLastPara="1" wrap="square" lIns="91425" tIns="91425" rIns="91425" bIns="91425" anchor="ctr" anchorCtr="0">
             <a:noAutofit/>
           </a:bodyPr>
           <a:lstStyle>
-            <a:lvl1pPr lvl="0" rtl="0" algn="ctr">
+            <a:lvl1pPr lvl="0" algn="ctr" rtl="0">
               <a:spcBef>
                 <a:spcPts val="0"/>
               </a:spcBef>
@@ -3773,7 +3856,7 @@
                 <a:sym typeface="Lato"/>
               </a:defRPr>
             </a:lvl1pPr>
-            <a:lvl2pPr lvl="1" rtl="0" algn="ctr">
+            <a:lvl2pPr lvl="1" algn="ctr" rtl="0">
               <a:spcBef>
                 <a:spcPts val="0"/>
               </a:spcBef>
@@ -3796,7 +3879,7 @@
                 <a:sym typeface="Lato"/>
               </a:defRPr>
             </a:lvl2pPr>
-            <a:lvl3pPr lvl="2" rtl="0" algn="ctr">
+            <a:lvl3pPr lvl="2" algn="ctr" rtl="0">
               <a:spcBef>
                 <a:spcPts val="0"/>
               </a:spcBef>
@@ -3819,7 +3902,7 @@
                 <a:sym typeface="Lato"/>
               </a:defRPr>
             </a:lvl3pPr>
-            <a:lvl4pPr lvl="3" rtl="0" algn="ctr">
+            <a:lvl4pPr lvl="3" algn="ctr" rtl="0">
               <a:spcBef>
                 <a:spcPts val="0"/>
               </a:spcBef>
@@ -3842,7 +3925,7 @@
                 <a:sym typeface="Lato"/>
               </a:defRPr>
             </a:lvl4pPr>
-            <a:lvl5pPr lvl="4" rtl="0" algn="ctr">
+            <a:lvl5pPr lvl="4" algn="ctr" rtl="0">
               <a:spcBef>
                 <a:spcPts val="0"/>
               </a:spcBef>
@@ -3865,7 +3948,7 @@
                 <a:sym typeface="Lato"/>
               </a:defRPr>
             </a:lvl5pPr>
-            <a:lvl6pPr lvl="5" rtl="0" algn="ctr">
+            <a:lvl6pPr lvl="5" algn="ctr" rtl="0">
               <a:spcBef>
                 <a:spcPts val="0"/>
               </a:spcBef>
@@ -3888,7 +3971,7 @@
                 <a:sym typeface="Lato"/>
               </a:defRPr>
             </a:lvl6pPr>
-            <a:lvl7pPr lvl="6" rtl="0" algn="ctr">
+            <a:lvl7pPr lvl="6" algn="ctr" rtl="0">
               <a:spcBef>
                 <a:spcPts val="0"/>
               </a:spcBef>
@@ -3911,7 +3994,7 @@
                 <a:sym typeface="Lato"/>
               </a:defRPr>
             </a:lvl7pPr>
-            <a:lvl8pPr lvl="7" rtl="0" algn="ctr">
+            <a:lvl8pPr lvl="7" algn="ctr" rtl="0">
               <a:spcBef>
                 <a:spcPts val="0"/>
               </a:spcBef>
@@ -3934,7 +4017,7 @@
                 <a:sym typeface="Lato"/>
               </a:defRPr>
             </a:lvl8pPr>
-            <a:lvl9pPr lvl="8" rtl="0" algn="ctr">
+            <a:lvl9pPr lvl="8" algn="ctr" rtl="0">
               <a:spcBef>
                 <a:spcPts val="0"/>
               </a:spcBef>
@@ -3968,9 +4051,11 @@
       <p:sp>
         <p:nvSpPr>
           <p:cNvPr id="64" name="Google Shape;64;p11"/>
-          <p:cNvSpPr txBox="1"/>
+          <p:cNvSpPr txBox="1">
+            <a:spLocks noGrp="1"/>
+          </p:cNvSpPr>
           <p:nvPr>
-            <p:ph idx="1" type="body"/>
+            <p:ph type="body" idx="1"/>
           </p:nvPr>
         </p:nvSpPr>
         <p:spPr>
@@ -3983,11 +4068,11 @@
           </a:prstGeom>
         </p:spPr>
         <p:txBody>
-          <a:bodyPr anchorCtr="0" anchor="t" bIns="91425" lIns="91425" spcFirstLastPara="1" rIns="91425" wrap="square" tIns="91425">
+          <a:bodyPr spcFirstLastPara="1" wrap="square" lIns="91425" tIns="91425" rIns="91425" bIns="91425" anchor="t" anchorCtr="0">
             <a:noAutofit/>
           </a:bodyPr>
           <a:lstStyle>
-            <a:lvl1pPr indent="-342900" lvl="0" marL="457200" rtl="0" algn="ctr">
+            <a:lvl1pPr marL="457200" lvl="0" indent="-342900" algn="ctr" rtl="0">
               <a:spcBef>
                 <a:spcPts val="0"/>
               </a:spcBef>
@@ -3998,7 +4083,7 @@
               <a:buChar char="●"/>
               <a:defRPr/>
             </a:lvl1pPr>
-            <a:lvl2pPr indent="-317500" lvl="1" marL="914400" rtl="0" algn="ctr">
+            <a:lvl2pPr marL="914400" lvl="1" indent="-317500" algn="ctr" rtl="0">
               <a:spcBef>
                 <a:spcPts val="1600"/>
               </a:spcBef>
@@ -4009,7 +4094,7 @@
               <a:buChar char="○"/>
               <a:defRPr/>
             </a:lvl2pPr>
-            <a:lvl3pPr indent="-317500" lvl="2" marL="1371600" rtl="0" algn="ctr">
+            <a:lvl3pPr marL="1371600" lvl="2" indent="-317500" algn="ctr" rtl="0">
               <a:spcBef>
                 <a:spcPts val="1600"/>
               </a:spcBef>
@@ -4020,7 +4105,7 @@
               <a:buChar char="■"/>
               <a:defRPr/>
             </a:lvl3pPr>
-            <a:lvl4pPr indent="-317500" lvl="3" marL="1828800" rtl="0" algn="ctr">
+            <a:lvl4pPr marL="1828800" lvl="3" indent="-317500" algn="ctr" rtl="0">
               <a:spcBef>
                 <a:spcPts val="1600"/>
               </a:spcBef>
@@ -4031,7 +4116,7 @@
               <a:buChar char="●"/>
               <a:defRPr/>
             </a:lvl4pPr>
-            <a:lvl5pPr indent="-317500" lvl="4" marL="2286000" rtl="0" algn="ctr">
+            <a:lvl5pPr marL="2286000" lvl="4" indent="-317500" algn="ctr" rtl="0">
               <a:spcBef>
                 <a:spcPts val="1600"/>
               </a:spcBef>
@@ -4042,7 +4127,7 @@
               <a:buChar char="○"/>
               <a:defRPr/>
             </a:lvl5pPr>
-            <a:lvl6pPr indent="-317500" lvl="5" marL="2743200" rtl="0" algn="ctr">
+            <a:lvl6pPr marL="2743200" lvl="5" indent="-317500" algn="ctr" rtl="0">
               <a:spcBef>
                 <a:spcPts val="1600"/>
               </a:spcBef>
@@ -4053,7 +4138,7 @@
               <a:buChar char="■"/>
               <a:defRPr/>
             </a:lvl6pPr>
-            <a:lvl7pPr indent="-317500" lvl="6" marL="3200400" rtl="0" algn="ctr">
+            <a:lvl7pPr marL="3200400" lvl="6" indent="-317500" algn="ctr" rtl="0">
               <a:spcBef>
                 <a:spcPts val="1600"/>
               </a:spcBef>
@@ -4064,7 +4149,7 @@
               <a:buChar char="●"/>
               <a:defRPr/>
             </a:lvl7pPr>
-            <a:lvl8pPr indent="-317500" lvl="7" marL="3657600" rtl="0" algn="ctr">
+            <a:lvl8pPr marL="3657600" lvl="7" indent="-317500" algn="ctr" rtl="0">
               <a:spcBef>
                 <a:spcPts val="1600"/>
               </a:spcBef>
@@ -4075,7 +4160,7 @@
               <a:buChar char="○"/>
               <a:defRPr/>
             </a:lvl8pPr>
-            <a:lvl9pPr indent="-317500" lvl="8" marL="4114800" rtl="0" algn="ctr">
+            <a:lvl9pPr marL="4114800" lvl="8" indent="-317500" algn="ctr" rtl="0">
               <a:spcBef>
                 <a:spcPts val="1600"/>
               </a:spcBef>
@@ -4087,15 +4172,19 @@
               <a:defRPr/>
             </a:lvl9pPr>
           </a:lstStyle>
-          <a:p/>
+          <a:p>
+            <a:endParaRPr/>
+          </a:p>
         </p:txBody>
       </p:sp>
       <p:sp>
         <p:nvSpPr>
           <p:cNvPr id="65" name="Google Shape;65;p11"/>
-          <p:cNvSpPr txBox="1"/>
+          <p:cNvSpPr txBox="1">
+            <a:spLocks noGrp="1"/>
+          </p:cNvSpPr>
           <p:nvPr>
-            <p:ph idx="12" type="sldNum"/>
+            <p:ph type="sldNum" idx="12"/>
           </p:nvPr>
         </p:nvSpPr>
         <p:spPr>
@@ -4108,7 +4197,7 @@
           </a:prstGeom>
         </p:spPr>
         <p:txBody>
-          <a:bodyPr anchorCtr="0" anchor="ctr" bIns="91425" lIns="91425" spcFirstLastPara="1" rIns="91425" wrap="square" tIns="91425">
+          <a:bodyPr spcFirstLastPara="1" wrap="square" lIns="91425" tIns="91425" rIns="91425" bIns="91425" anchor="ctr" anchorCtr="0">
             <a:noAutofit/>
           </a:bodyPr>
           <a:lstStyle>
@@ -4150,7 +4239,7 @@
             </a:lvl9pPr>
           </a:lstStyle>
           <a:p>
-            <a:pPr indent="0" lvl="0" marL="0" rtl="0" algn="r">
+            <a:pPr marL="0" lvl="0" indent="0" algn="r" rtl="0">
               <a:spcBef>
                 <a:spcPts val="0"/>
               </a:spcBef>
@@ -4176,11 +4265,11 @@
 </file>
 
 <file path=ppt/slideLayouts/slideLayout11.xml><?xml version="1.0" encoding="utf-8"?>
-<p:sldLayout xmlns:a="http://schemas.openxmlformats.org/drawingml/2006/main" xmlns:r="http://schemas.openxmlformats.org/officeDocument/2006/relationships" xmlns:mc="http://schemas.openxmlformats.org/markup-compatibility/2006" xmlns:mv="urn:schemas-microsoft-com:mac:vml" xmlns:p="http://schemas.openxmlformats.org/presentationml/2006/main" xmlns:c="http://schemas.openxmlformats.org/drawingml/2006/chart" xmlns:dgm="http://schemas.openxmlformats.org/drawingml/2006/diagram" xmlns:o="urn:schemas-microsoft-com:office:office" xmlns:v="urn:schemas-microsoft-com:vml" xmlns:pvml="urn:schemas-microsoft-com:office:powerpoint" xmlns:com="http://schemas.openxmlformats.org/drawingml/2006/compatibility" xmlns:p14="http://schemas.microsoft.com/office/powerpoint/2010/main" xmlns:p15="http://schemas.microsoft.com/office/powerpoint/2012/main" matchingName="Blank" type="blank">
+<p:sldLayout xmlns:a="http://schemas.openxmlformats.org/drawingml/2006/main" xmlns:r="http://schemas.openxmlformats.org/officeDocument/2006/relationships" xmlns:p="http://schemas.openxmlformats.org/presentationml/2006/main" matchingName="Blank" type="blank">
   <p:cSld name="BLANK">
     <p:spTree>
       <p:nvGrpSpPr>
-        <p:cNvPr id="66" name="Shape 66"/>
+        <p:cNvPr id="1" name="Shape 66"/>
         <p:cNvGrpSpPr/>
         <p:nvPr/>
       </p:nvGrpSpPr>
@@ -4195,9 +4284,11 @@
       <p:sp>
         <p:nvSpPr>
           <p:cNvPr id="67" name="Google Shape;67;p12"/>
-          <p:cNvSpPr txBox="1"/>
+          <p:cNvSpPr txBox="1">
+            <a:spLocks noGrp="1"/>
+          </p:cNvSpPr>
           <p:nvPr>
-            <p:ph idx="12" type="sldNum"/>
+            <p:ph type="sldNum" idx="12"/>
           </p:nvPr>
         </p:nvSpPr>
         <p:spPr>
@@ -4210,7 +4301,7 @@
           </a:prstGeom>
         </p:spPr>
         <p:txBody>
-          <a:bodyPr anchorCtr="0" anchor="ctr" bIns="91425" lIns="91425" spcFirstLastPara="1" rIns="91425" wrap="square" tIns="91425">
+          <a:bodyPr spcFirstLastPara="1" wrap="square" lIns="91425" tIns="91425" rIns="91425" bIns="91425" anchor="ctr" anchorCtr="0">
             <a:noAutofit/>
           </a:bodyPr>
           <a:lstStyle>
@@ -4252,7 +4343,7 @@
             </a:lvl9pPr>
           </a:lstStyle>
           <a:p>
-            <a:pPr indent="0" lvl="0" marL="0" rtl="0" algn="r">
+            <a:pPr marL="0" lvl="0" indent="0" algn="r" rtl="0">
               <a:spcBef>
                 <a:spcPts val="0"/>
               </a:spcBef>
@@ -4278,18 +4369,19 @@
 </file>
 
 <file path=ppt/slideLayouts/slideLayout2.xml><?xml version="1.0" encoding="utf-8"?>
-<p:sldLayout xmlns:a="http://schemas.openxmlformats.org/drawingml/2006/main" xmlns:r="http://schemas.openxmlformats.org/officeDocument/2006/relationships" xmlns:mc="http://schemas.openxmlformats.org/markup-compatibility/2006" xmlns:mv="urn:schemas-microsoft-com:mac:vml" xmlns:p="http://schemas.openxmlformats.org/presentationml/2006/main" xmlns:c="http://schemas.openxmlformats.org/drawingml/2006/chart" xmlns:dgm="http://schemas.openxmlformats.org/drawingml/2006/diagram" xmlns:o="urn:schemas-microsoft-com:office:office" xmlns:v="urn:schemas-microsoft-com:vml" xmlns:pvml="urn:schemas-microsoft-com:office:powerpoint" xmlns:com="http://schemas.openxmlformats.org/drawingml/2006/compatibility" xmlns:p14="http://schemas.microsoft.com/office/powerpoint/2010/main" xmlns:p15="http://schemas.microsoft.com/office/powerpoint/2012/main" matchingName="Section header" type="secHead">
+<p:sldLayout xmlns:a="http://schemas.openxmlformats.org/drawingml/2006/main" xmlns:r="http://schemas.openxmlformats.org/officeDocument/2006/relationships" xmlns:p="http://schemas.openxmlformats.org/presentationml/2006/main" matchingName="Section header" type="secHead">
   <p:cSld name="SECTION_HEADER">
     <p:bg>
       <p:bgPr>
         <a:solidFill>
           <a:schemeClr val="dk1"/>
         </a:solidFill>
+        <a:effectLst/>
       </p:bgPr>
     </p:bg>
     <p:spTree>
       <p:nvGrpSpPr>
-        <p:cNvPr id="16" name="Shape 16"/>
+        <p:cNvPr id="1" name="Shape 16"/>
         <p:cNvGrpSpPr/>
         <p:nvPr/>
       </p:nvGrpSpPr>
@@ -4316,14 +4408,14 @@
             <a:avLst/>
           </a:prstGeom>
           <a:noFill/>
-          <a:ln cap="flat" cmpd="sng" w="38100">
+          <a:ln w="38100" cap="flat" cmpd="sng">
             <a:solidFill>
               <a:schemeClr val="lt1"/>
             </a:solidFill>
             <a:prstDash val="solid"/>
             <a:round/>
-            <a:headEnd len="sm" w="sm" type="none"/>
-            <a:tailEnd len="sm" w="sm" type="none"/>
+            <a:headEnd type="none" w="sm" len="sm"/>
+            <a:tailEnd type="none" w="sm" len="sm"/>
           </a:ln>
         </p:spPr>
       </p:cxnSp>
@@ -4342,21 +4434,23 @@
             <a:avLst/>
           </a:prstGeom>
           <a:noFill/>
-          <a:ln cap="flat" cmpd="sng" w="19050">
+          <a:ln w="19050" cap="flat" cmpd="sng">
             <a:solidFill>
               <a:schemeClr val="lt1"/>
             </a:solidFill>
             <a:prstDash val="solid"/>
             <a:round/>
-            <a:headEnd len="sm" w="sm" type="none"/>
-            <a:tailEnd len="sm" w="sm" type="none"/>
+            <a:headEnd type="none" w="sm" len="sm"/>
+            <a:tailEnd type="none" w="sm" len="sm"/>
           </a:ln>
         </p:spPr>
       </p:cxnSp>
       <p:sp>
         <p:nvSpPr>
           <p:cNvPr id="19" name="Google Shape;19;p3"/>
-          <p:cNvSpPr txBox="1"/>
+          <p:cNvSpPr txBox="1">
+            <a:spLocks noGrp="1"/>
+          </p:cNvSpPr>
           <p:nvPr>
             <p:ph type="title"/>
           </p:nvPr>
@@ -4371,11 +4465,11 @@
           </a:prstGeom>
         </p:spPr>
         <p:txBody>
-          <a:bodyPr anchorCtr="0" anchor="ctr" bIns="91425" lIns="91425" spcFirstLastPara="1" rIns="91425" wrap="square" tIns="91425">
+          <a:bodyPr spcFirstLastPara="1" wrap="square" lIns="91425" tIns="91425" rIns="91425" bIns="91425" anchor="ctr" anchorCtr="0">
             <a:noAutofit/>
           </a:bodyPr>
           <a:lstStyle>
-            <a:lvl1pPr lvl="0" rtl="0" algn="ctr">
+            <a:lvl1pPr lvl="0" algn="ctr" rtl="0">
               <a:spcBef>
                 <a:spcPts val="0"/>
               </a:spcBef>
@@ -4393,7 +4487,7 @@
                 </a:solidFill>
               </a:defRPr>
             </a:lvl1pPr>
-            <a:lvl2pPr lvl="1" rtl="0" algn="ctr">
+            <a:lvl2pPr lvl="1" algn="ctr" rtl="0">
               <a:spcBef>
                 <a:spcPts val="0"/>
               </a:spcBef>
@@ -4411,7 +4505,7 @@
                 </a:solidFill>
               </a:defRPr>
             </a:lvl2pPr>
-            <a:lvl3pPr lvl="2" rtl="0" algn="ctr">
+            <a:lvl3pPr lvl="2" algn="ctr" rtl="0">
               <a:spcBef>
                 <a:spcPts val="0"/>
               </a:spcBef>
@@ -4429,7 +4523,7 @@
                 </a:solidFill>
               </a:defRPr>
             </a:lvl3pPr>
-            <a:lvl4pPr lvl="3" rtl="0" algn="ctr">
+            <a:lvl4pPr lvl="3" algn="ctr" rtl="0">
               <a:spcBef>
                 <a:spcPts val="0"/>
               </a:spcBef>
@@ -4447,7 +4541,7 @@
                 </a:solidFill>
               </a:defRPr>
             </a:lvl4pPr>
-            <a:lvl5pPr lvl="4" rtl="0" algn="ctr">
+            <a:lvl5pPr lvl="4" algn="ctr" rtl="0">
               <a:spcBef>
                 <a:spcPts val="0"/>
               </a:spcBef>
@@ -4465,7 +4559,7 @@
                 </a:solidFill>
               </a:defRPr>
             </a:lvl5pPr>
-            <a:lvl6pPr lvl="5" rtl="0" algn="ctr">
+            <a:lvl6pPr lvl="5" algn="ctr" rtl="0">
               <a:spcBef>
                 <a:spcPts val="0"/>
               </a:spcBef>
@@ -4483,7 +4577,7 @@
                 </a:solidFill>
               </a:defRPr>
             </a:lvl6pPr>
-            <a:lvl7pPr lvl="6" rtl="0" algn="ctr">
+            <a:lvl7pPr lvl="6" algn="ctr" rtl="0">
               <a:spcBef>
                 <a:spcPts val="0"/>
               </a:spcBef>
@@ -4501,7 +4595,7 @@
                 </a:solidFill>
               </a:defRPr>
             </a:lvl7pPr>
-            <a:lvl8pPr lvl="7" rtl="0" algn="ctr">
+            <a:lvl8pPr lvl="7" algn="ctr" rtl="0">
               <a:spcBef>
                 <a:spcPts val="0"/>
               </a:spcBef>
@@ -4519,7 +4613,7 @@
                 </a:solidFill>
               </a:defRPr>
             </a:lvl8pPr>
-            <a:lvl9pPr lvl="8" rtl="0" algn="ctr">
+            <a:lvl9pPr lvl="8" algn="ctr" rtl="0">
               <a:spcBef>
                 <a:spcPts val="0"/>
               </a:spcBef>
@@ -4538,15 +4632,19 @@
               </a:defRPr>
             </a:lvl9pPr>
           </a:lstStyle>
-          <a:p/>
+          <a:p>
+            <a:endParaRPr/>
+          </a:p>
         </p:txBody>
       </p:sp>
       <p:sp>
         <p:nvSpPr>
           <p:cNvPr id="20" name="Google Shape;20;p3"/>
-          <p:cNvSpPr txBox="1"/>
+          <p:cNvSpPr txBox="1">
+            <a:spLocks noGrp="1"/>
+          </p:cNvSpPr>
           <p:nvPr>
-            <p:ph idx="12" type="sldNum"/>
+            <p:ph type="sldNum" idx="12"/>
           </p:nvPr>
         </p:nvSpPr>
         <p:spPr>
@@ -4559,7 +4657,7 @@
           </a:prstGeom>
         </p:spPr>
         <p:txBody>
-          <a:bodyPr anchorCtr="0" anchor="ctr" bIns="91425" lIns="91425" spcFirstLastPara="1" rIns="91425" wrap="square" tIns="91425">
+          <a:bodyPr spcFirstLastPara="1" wrap="square" lIns="91425" tIns="91425" rIns="91425" bIns="91425" anchor="ctr" anchorCtr="0">
             <a:noAutofit/>
           </a:bodyPr>
           <a:lstStyle>
@@ -4637,7 +4735,7 @@
             </a:lvl9pPr>
           </a:lstStyle>
           <a:p>
-            <a:pPr indent="0" lvl="0" marL="0" rtl="0" algn="r">
+            <a:pPr marL="0" lvl="0" indent="0" algn="r" rtl="0">
               <a:spcBef>
                 <a:spcPts val="0"/>
               </a:spcBef>
@@ -4663,11 +4761,11 @@
 </file>
 
 <file path=ppt/slideLayouts/slideLayout3.xml><?xml version="1.0" encoding="utf-8"?>
-<p:sldLayout xmlns:a="http://schemas.openxmlformats.org/drawingml/2006/main" xmlns:r="http://schemas.openxmlformats.org/officeDocument/2006/relationships" xmlns:mc="http://schemas.openxmlformats.org/markup-compatibility/2006" xmlns:mv="urn:schemas-microsoft-com:mac:vml" xmlns:p="http://schemas.openxmlformats.org/presentationml/2006/main" xmlns:c="http://schemas.openxmlformats.org/drawingml/2006/chart" xmlns:dgm="http://schemas.openxmlformats.org/drawingml/2006/diagram" xmlns:o="urn:schemas-microsoft-com:office:office" xmlns:v="urn:schemas-microsoft-com:vml" xmlns:pvml="urn:schemas-microsoft-com:office:powerpoint" xmlns:com="http://schemas.openxmlformats.org/drawingml/2006/compatibility" xmlns:p14="http://schemas.microsoft.com/office/powerpoint/2010/main" xmlns:p15="http://schemas.microsoft.com/office/powerpoint/2012/main" matchingName="Title and body" type="tx">
+<p:sldLayout xmlns:a="http://schemas.openxmlformats.org/drawingml/2006/main" xmlns:r="http://schemas.openxmlformats.org/officeDocument/2006/relationships" xmlns:p="http://schemas.openxmlformats.org/presentationml/2006/main" matchingName="Title and body" type="tx">
   <p:cSld name="TITLE_AND_BODY">
     <p:spTree>
       <p:nvGrpSpPr>
-        <p:cNvPr id="21" name="Shape 21"/>
+        <p:cNvPr id="1" name="Shape 21"/>
         <p:cNvGrpSpPr/>
         <p:nvPr/>
       </p:nvGrpSpPr>
@@ -4694,14 +4792,14 @@
             <a:avLst/>
           </a:prstGeom>
           <a:noFill/>
-          <a:ln cap="flat" cmpd="sng" w="38100">
+          <a:ln w="38100" cap="flat" cmpd="sng">
             <a:solidFill>
               <a:schemeClr val="dk2"/>
             </a:solidFill>
             <a:prstDash val="solid"/>
             <a:round/>
-            <a:headEnd len="sm" w="sm" type="none"/>
-            <a:tailEnd len="sm" w="sm" type="none"/>
+            <a:headEnd type="none" w="sm" len="sm"/>
+            <a:tailEnd type="none" w="sm" len="sm"/>
           </a:ln>
         </p:spPr>
       </p:cxnSp>
@@ -4720,14 +4818,14 @@
             <a:avLst/>
           </a:prstGeom>
           <a:noFill/>
-          <a:ln cap="flat" cmpd="sng" w="19050">
+          <a:ln w="19050" cap="flat" cmpd="sng">
             <a:solidFill>
               <a:schemeClr val="dk2"/>
             </a:solidFill>
             <a:prstDash val="solid"/>
             <a:round/>
-            <a:headEnd len="sm" w="sm" type="none"/>
-            <a:tailEnd len="sm" w="sm" type="none"/>
+            <a:headEnd type="none" w="sm" len="sm"/>
+            <a:tailEnd type="none" w="sm" len="sm"/>
           </a:ln>
         </p:spPr>
       </p:cxnSp>
@@ -4746,21 +4844,23 @@
             <a:avLst/>
           </a:prstGeom>
           <a:noFill/>
-          <a:ln cap="flat" cmpd="sng" w="19050">
+          <a:ln w="19050" cap="flat" cmpd="sng">
             <a:solidFill>
               <a:schemeClr val="dk2"/>
             </a:solidFill>
             <a:prstDash val="solid"/>
             <a:round/>
-            <a:headEnd len="sm" w="sm" type="none"/>
-            <a:tailEnd len="sm" w="sm" type="none"/>
+            <a:headEnd type="none" w="sm" len="sm"/>
+            <a:tailEnd type="none" w="sm" len="sm"/>
           </a:ln>
         </p:spPr>
       </p:cxnSp>
       <p:sp>
         <p:nvSpPr>
           <p:cNvPr id="25" name="Google Shape;25;p4"/>
-          <p:cNvSpPr txBox="1"/>
+          <p:cNvSpPr txBox="1">
+            <a:spLocks noGrp="1"/>
+          </p:cNvSpPr>
           <p:nvPr>
             <p:ph type="title"/>
           </p:nvPr>
@@ -4775,7 +4875,7 @@
           </a:prstGeom>
         </p:spPr>
         <p:txBody>
-          <a:bodyPr anchorCtr="0" anchor="t" bIns="91425" lIns="91425" spcFirstLastPara="1" rIns="91425" wrap="square" tIns="91425">
+          <a:bodyPr spcFirstLastPara="1" wrap="square" lIns="91425" tIns="91425" rIns="91425" bIns="91425" anchor="t" anchorCtr="0">
             <a:noAutofit/>
           </a:bodyPr>
           <a:lstStyle>
@@ -4879,15 +4979,19 @@
               <a:defRPr/>
             </a:lvl9pPr>
           </a:lstStyle>
-          <a:p/>
+          <a:p>
+            <a:endParaRPr/>
+          </a:p>
         </p:txBody>
       </p:sp>
       <p:sp>
         <p:nvSpPr>
           <p:cNvPr id="26" name="Google Shape;26;p4"/>
-          <p:cNvSpPr txBox="1"/>
+          <p:cNvSpPr txBox="1">
+            <a:spLocks noGrp="1"/>
+          </p:cNvSpPr>
           <p:nvPr>
-            <p:ph idx="1" type="body"/>
+            <p:ph type="body" idx="1"/>
           </p:nvPr>
         </p:nvSpPr>
         <p:spPr>
@@ -4900,11 +5004,11 @@
           </a:prstGeom>
         </p:spPr>
         <p:txBody>
-          <a:bodyPr anchorCtr="0" anchor="t" bIns="91425" lIns="91425" spcFirstLastPara="1" rIns="91425" wrap="square" tIns="91425">
+          <a:bodyPr spcFirstLastPara="1" wrap="square" lIns="91425" tIns="91425" rIns="91425" bIns="91425" anchor="t" anchorCtr="0">
             <a:noAutofit/>
           </a:bodyPr>
           <a:lstStyle>
-            <a:lvl1pPr indent="-342900" lvl="0" marL="457200" rtl="0">
+            <a:lvl1pPr marL="457200" lvl="0" indent="-342900" rtl="0">
               <a:spcBef>
                 <a:spcPts val="0"/>
               </a:spcBef>
@@ -4915,7 +5019,7 @@
               <a:buChar char="●"/>
               <a:defRPr/>
             </a:lvl1pPr>
-            <a:lvl2pPr indent="-317500" lvl="1" marL="914400" rtl="0">
+            <a:lvl2pPr marL="914400" lvl="1" indent="-317500" rtl="0">
               <a:spcBef>
                 <a:spcPts val="1600"/>
               </a:spcBef>
@@ -4926,7 +5030,7 @@
               <a:buChar char="○"/>
               <a:defRPr/>
             </a:lvl2pPr>
-            <a:lvl3pPr indent="-317500" lvl="2" marL="1371600" rtl="0">
+            <a:lvl3pPr marL="1371600" lvl="2" indent="-317500" rtl="0">
               <a:spcBef>
                 <a:spcPts val="1600"/>
               </a:spcBef>
@@ -4937,7 +5041,7 @@
               <a:buChar char="■"/>
               <a:defRPr/>
             </a:lvl3pPr>
-            <a:lvl4pPr indent="-317500" lvl="3" marL="1828800" rtl="0">
+            <a:lvl4pPr marL="1828800" lvl="3" indent="-317500" rtl="0">
               <a:spcBef>
                 <a:spcPts val="1600"/>
               </a:spcBef>
@@ -4948,7 +5052,7 @@
               <a:buChar char="●"/>
               <a:defRPr/>
             </a:lvl4pPr>
-            <a:lvl5pPr indent="-317500" lvl="4" marL="2286000" rtl="0">
+            <a:lvl5pPr marL="2286000" lvl="4" indent="-317500" rtl="0">
               <a:spcBef>
                 <a:spcPts val="1600"/>
               </a:spcBef>
@@ -4959,7 +5063,7 @@
               <a:buChar char="○"/>
               <a:defRPr/>
             </a:lvl5pPr>
-            <a:lvl6pPr indent="-317500" lvl="5" marL="2743200" rtl="0">
+            <a:lvl6pPr marL="2743200" lvl="5" indent="-317500" rtl="0">
               <a:spcBef>
                 <a:spcPts val="1600"/>
               </a:spcBef>
@@ -4970,7 +5074,7 @@
               <a:buChar char="■"/>
               <a:defRPr/>
             </a:lvl6pPr>
-            <a:lvl7pPr indent="-317500" lvl="6" marL="3200400" rtl="0">
+            <a:lvl7pPr marL="3200400" lvl="6" indent="-317500" rtl="0">
               <a:spcBef>
                 <a:spcPts val="1600"/>
               </a:spcBef>
@@ -4981,7 +5085,7 @@
               <a:buChar char="●"/>
               <a:defRPr/>
             </a:lvl7pPr>
-            <a:lvl8pPr indent="-317500" lvl="7" marL="3657600" rtl="0">
+            <a:lvl8pPr marL="3657600" lvl="7" indent="-317500" rtl="0">
               <a:spcBef>
                 <a:spcPts val="1600"/>
               </a:spcBef>
@@ -4992,7 +5096,7 @@
               <a:buChar char="○"/>
               <a:defRPr/>
             </a:lvl8pPr>
-            <a:lvl9pPr indent="-317500" lvl="8" marL="4114800" rtl="0">
+            <a:lvl9pPr marL="4114800" lvl="8" indent="-317500" rtl="0">
               <a:spcBef>
                 <a:spcPts val="1600"/>
               </a:spcBef>
@@ -5004,15 +5108,19 @@
               <a:defRPr/>
             </a:lvl9pPr>
           </a:lstStyle>
-          <a:p/>
+          <a:p>
+            <a:endParaRPr/>
+          </a:p>
         </p:txBody>
       </p:sp>
       <p:sp>
         <p:nvSpPr>
           <p:cNvPr id="27" name="Google Shape;27;p4"/>
-          <p:cNvSpPr txBox="1"/>
+          <p:cNvSpPr txBox="1">
+            <a:spLocks noGrp="1"/>
+          </p:cNvSpPr>
           <p:nvPr>
-            <p:ph idx="12" type="sldNum"/>
+            <p:ph type="sldNum" idx="12"/>
           </p:nvPr>
         </p:nvSpPr>
         <p:spPr>
@@ -5025,7 +5133,7 @@
           </a:prstGeom>
         </p:spPr>
         <p:txBody>
-          <a:bodyPr anchorCtr="0" anchor="ctr" bIns="91425" lIns="91425" spcFirstLastPara="1" rIns="91425" wrap="square" tIns="91425">
+          <a:bodyPr spcFirstLastPara="1" wrap="square" lIns="91425" tIns="91425" rIns="91425" bIns="91425" anchor="ctr" anchorCtr="0">
             <a:noAutofit/>
           </a:bodyPr>
           <a:lstStyle>
@@ -5067,7 +5175,7 @@
             </a:lvl9pPr>
           </a:lstStyle>
           <a:p>
-            <a:pPr indent="0" lvl="0" marL="0" rtl="0" algn="r">
+            <a:pPr marL="0" lvl="0" indent="0" algn="r" rtl="0">
               <a:spcBef>
                 <a:spcPts val="0"/>
               </a:spcBef>
@@ -5093,11 +5201,11 @@
 </file>
 
 <file path=ppt/slideLayouts/slideLayout4.xml><?xml version="1.0" encoding="utf-8"?>
-<p:sldLayout xmlns:a="http://schemas.openxmlformats.org/drawingml/2006/main" xmlns:r="http://schemas.openxmlformats.org/officeDocument/2006/relationships" xmlns:mc="http://schemas.openxmlformats.org/markup-compatibility/2006" xmlns:mv="urn:schemas-microsoft-com:mac:vml" xmlns:p="http://schemas.openxmlformats.org/presentationml/2006/main" xmlns:c="http://schemas.openxmlformats.org/drawingml/2006/chart" xmlns:dgm="http://schemas.openxmlformats.org/drawingml/2006/diagram" xmlns:o="urn:schemas-microsoft-com:office:office" xmlns:v="urn:schemas-microsoft-com:vml" xmlns:pvml="urn:schemas-microsoft-com:office:powerpoint" xmlns:com="http://schemas.openxmlformats.org/drawingml/2006/compatibility" xmlns:p14="http://schemas.microsoft.com/office/powerpoint/2010/main" xmlns:p15="http://schemas.microsoft.com/office/powerpoint/2012/main" matchingName="Title and two columns" type="twoColTx">
+<p:sldLayout xmlns:a="http://schemas.openxmlformats.org/drawingml/2006/main" xmlns:r="http://schemas.openxmlformats.org/officeDocument/2006/relationships" xmlns:p="http://schemas.openxmlformats.org/presentationml/2006/main" matchingName="Title and two columns" type="twoColTx">
   <p:cSld name="TITLE_AND_TWO_COLUMNS">
     <p:spTree>
       <p:nvGrpSpPr>
-        <p:cNvPr id="28" name="Shape 28"/>
+        <p:cNvPr id="1" name="Shape 28"/>
         <p:cNvGrpSpPr/>
         <p:nvPr/>
       </p:nvGrpSpPr>
@@ -5124,14 +5232,14 @@
             <a:avLst/>
           </a:prstGeom>
           <a:noFill/>
-          <a:ln cap="flat" cmpd="sng" w="38100">
+          <a:ln w="38100" cap="flat" cmpd="sng">
             <a:solidFill>
               <a:schemeClr val="dk2"/>
             </a:solidFill>
             <a:prstDash val="solid"/>
             <a:round/>
-            <a:headEnd len="sm" w="sm" type="none"/>
-            <a:tailEnd len="sm" w="sm" type="none"/>
+            <a:headEnd type="none" w="sm" len="sm"/>
+            <a:tailEnd type="none" w="sm" len="sm"/>
           </a:ln>
         </p:spPr>
       </p:cxnSp>
@@ -5150,14 +5258,14 @@
             <a:avLst/>
           </a:prstGeom>
           <a:noFill/>
-          <a:ln cap="flat" cmpd="sng" w="19050">
+          <a:ln w="19050" cap="flat" cmpd="sng">
             <a:solidFill>
               <a:schemeClr val="dk2"/>
             </a:solidFill>
             <a:prstDash val="solid"/>
             <a:round/>
-            <a:headEnd len="sm" w="sm" type="none"/>
-            <a:tailEnd len="sm" w="sm" type="none"/>
+            <a:headEnd type="none" w="sm" len="sm"/>
+            <a:tailEnd type="none" w="sm" len="sm"/>
           </a:ln>
         </p:spPr>
       </p:cxnSp>
@@ -5176,21 +5284,23 @@
             <a:avLst/>
           </a:prstGeom>
           <a:noFill/>
-          <a:ln cap="flat" cmpd="sng" w="19050">
+          <a:ln w="19050" cap="flat" cmpd="sng">
             <a:solidFill>
               <a:schemeClr val="dk2"/>
             </a:solidFill>
             <a:prstDash val="solid"/>
             <a:round/>
-            <a:headEnd len="sm" w="sm" type="none"/>
-            <a:tailEnd len="sm" w="sm" type="none"/>
+            <a:headEnd type="none" w="sm" len="sm"/>
+            <a:tailEnd type="none" w="sm" len="sm"/>
           </a:ln>
         </p:spPr>
       </p:cxnSp>
       <p:sp>
         <p:nvSpPr>
           <p:cNvPr id="32" name="Google Shape;32;p5"/>
-          <p:cNvSpPr txBox="1"/>
+          <p:cNvSpPr txBox="1">
+            <a:spLocks noGrp="1"/>
+          </p:cNvSpPr>
           <p:nvPr>
             <p:ph type="title"/>
           </p:nvPr>
@@ -5205,7 +5315,7 @@
           </a:prstGeom>
         </p:spPr>
         <p:txBody>
-          <a:bodyPr anchorCtr="0" anchor="t" bIns="91425" lIns="91425" spcFirstLastPara="1" rIns="91425" wrap="square" tIns="91425">
+          <a:bodyPr spcFirstLastPara="1" wrap="square" lIns="91425" tIns="91425" rIns="91425" bIns="91425" anchor="t" anchorCtr="0">
             <a:noAutofit/>
           </a:bodyPr>
           <a:lstStyle>
@@ -5309,15 +5419,19 @@
               <a:defRPr/>
             </a:lvl9pPr>
           </a:lstStyle>
-          <a:p/>
+          <a:p>
+            <a:endParaRPr/>
+          </a:p>
         </p:txBody>
       </p:sp>
       <p:sp>
         <p:nvSpPr>
           <p:cNvPr id="33" name="Google Shape;33;p5"/>
-          <p:cNvSpPr txBox="1"/>
+          <p:cNvSpPr txBox="1">
+            <a:spLocks noGrp="1"/>
+          </p:cNvSpPr>
           <p:nvPr>
-            <p:ph idx="1" type="body"/>
+            <p:ph type="body" idx="1"/>
           </p:nvPr>
         </p:nvSpPr>
         <p:spPr>
@@ -5330,11 +5444,11 @@
           </a:prstGeom>
         </p:spPr>
         <p:txBody>
-          <a:bodyPr anchorCtr="0" anchor="t" bIns="91425" lIns="91425" spcFirstLastPara="1" rIns="91425" wrap="square" tIns="91425">
+          <a:bodyPr spcFirstLastPara="1" wrap="square" lIns="91425" tIns="91425" rIns="91425" bIns="91425" anchor="t" anchorCtr="0">
             <a:noAutofit/>
           </a:bodyPr>
           <a:lstStyle>
-            <a:lvl1pPr indent="-317500" lvl="0" marL="457200" rtl="0">
+            <a:lvl1pPr marL="457200" lvl="0" indent="-317500" rtl="0">
               <a:spcBef>
                 <a:spcPts val="0"/>
               </a:spcBef>
@@ -5345,7 +5459,7 @@
               <a:buChar char="●"/>
               <a:defRPr sz="1400"/>
             </a:lvl1pPr>
-            <a:lvl2pPr indent="-304800" lvl="1" marL="914400" rtl="0">
+            <a:lvl2pPr marL="914400" lvl="1" indent="-304800" rtl="0">
               <a:spcBef>
                 <a:spcPts val="1600"/>
               </a:spcBef>
@@ -5356,7 +5470,7 @@
               <a:buChar char="○"/>
               <a:defRPr sz="1200"/>
             </a:lvl2pPr>
-            <a:lvl3pPr indent="-304800" lvl="2" marL="1371600" rtl="0">
+            <a:lvl3pPr marL="1371600" lvl="2" indent="-304800" rtl="0">
               <a:spcBef>
                 <a:spcPts val="1600"/>
               </a:spcBef>
@@ -5367,7 +5481,7 @@
               <a:buChar char="■"/>
               <a:defRPr sz="1200"/>
             </a:lvl3pPr>
-            <a:lvl4pPr indent="-304800" lvl="3" marL="1828800" rtl="0">
+            <a:lvl4pPr marL="1828800" lvl="3" indent="-304800" rtl="0">
               <a:spcBef>
                 <a:spcPts val="1600"/>
               </a:spcBef>
@@ -5378,7 +5492,7 @@
               <a:buChar char="●"/>
               <a:defRPr sz="1200"/>
             </a:lvl4pPr>
-            <a:lvl5pPr indent="-304800" lvl="4" marL="2286000" rtl="0">
+            <a:lvl5pPr marL="2286000" lvl="4" indent="-304800" rtl="0">
               <a:spcBef>
                 <a:spcPts val="1600"/>
               </a:spcBef>
@@ -5389,7 +5503,7 @@
               <a:buChar char="○"/>
               <a:defRPr sz="1200"/>
             </a:lvl5pPr>
-            <a:lvl6pPr indent="-304800" lvl="5" marL="2743200" rtl="0">
+            <a:lvl6pPr marL="2743200" lvl="5" indent="-304800" rtl="0">
               <a:spcBef>
                 <a:spcPts val="1600"/>
               </a:spcBef>
@@ -5400,7 +5514,7 @@
               <a:buChar char="■"/>
               <a:defRPr sz="1200"/>
             </a:lvl6pPr>
-            <a:lvl7pPr indent="-304800" lvl="6" marL="3200400" rtl="0">
+            <a:lvl7pPr marL="3200400" lvl="6" indent="-304800" rtl="0">
               <a:spcBef>
                 <a:spcPts val="1600"/>
               </a:spcBef>
@@ -5411,7 +5525,7 @@
               <a:buChar char="●"/>
               <a:defRPr sz="1200"/>
             </a:lvl7pPr>
-            <a:lvl8pPr indent="-304800" lvl="7" marL="3657600" rtl="0">
+            <a:lvl8pPr marL="3657600" lvl="7" indent="-304800" rtl="0">
               <a:spcBef>
                 <a:spcPts val="1600"/>
               </a:spcBef>
@@ -5422,7 +5536,7 @@
               <a:buChar char="○"/>
               <a:defRPr sz="1200"/>
             </a:lvl8pPr>
-            <a:lvl9pPr indent="-304800" lvl="8" marL="4114800" rtl="0">
+            <a:lvl9pPr marL="4114800" lvl="8" indent="-304800" rtl="0">
               <a:spcBef>
                 <a:spcPts val="1600"/>
               </a:spcBef>
@@ -5434,15 +5548,19 @@
               <a:defRPr sz="1200"/>
             </a:lvl9pPr>
           </a:lstStyle>
-          <a:p/>
+          <a:p>
+            <a:endParaRPr/>
+          </a:p>
         </p:txBody>
       </p:sp>
       <p:sp>
         <p:nvSpPr>
           <p:cNvPr id="34" name="Google Shape;34;p5"/>
-          <p:cNvSpPr txBox="1"/>
+          <p:cNvSpPr txBox="1">
+            <a:spLocks noGrp="1"/>
+          </p:cNvSpPr>
           <p:nvPr>
-            <p:ph idx="2" type="body"/>
+            <p:ph type="body" idx="2"/>
           </p:nvPr>
         </p:nvSpPr>
         <p:spPr>
@@ -5455,11 +5573,11 @@
           </a:prstGeom>
         </p:spPr>
         <p:txBody>
-          <a:bodyPr anchorCtr="0" anchor="t" bIns="91425" lIns="91425" spcFirstLastPara="1" rIns="91425" wrap="square" tIns="91425">
+          <a:bodyPr spcFirstLastPara="1" wrap="square" lIns="91425" tIns="91425" rIns="91425" bIns="91425" anchor="t" anchorCtr="0">
             <a:noAutofit/>
           </a:bodyPr>
           <a:lstStyle>
-            <a:lvl1pPr indent="-317500" lvl="0" marL="457200" rtl="0">
+            <a:lvl1pPr marL="457200" lvl="0" indent="-317500" rtl="0">
               <a:spcBef>
                 <a:spcPts val="0"/>
               </a:spcBef>
@@ -5470,7 +5588,7 @@
               <a:buChar char="●"/>
               <a:defRPr sz="1400"/>
             </a:lvl1pPr>
-            <a:lvl2pPr indent="-304800" lvl="1" marL="914400" rtl="0">
+            <a:lvl2pPr marL="914400" lvl="1" indent="-304800" rtl="0">
               <a:spcBef>
                 <a:spcPts val="1600"/>
               </a:spcBef>
@@ -5481,7 +5599,7 @@
               <a:buChar char="○"/>
               <a:defRPr sz="1200"/>
             </a:lvl2pPr>
-            <a:lvl3pPr indent="-304800" lvl="2" marL="1371600" rtl="0">
+            <a:lvl3pPr marL="1371600" lvl="2" indent="-304800" rtl="0">
               <a:spcBef>
                 <a:spcPts val="1600"/>
               </a:spcBef>
@@ -5492,7 +5610,7 @@
               <a:buChar char="■"/>
               <a:defRPr sz="1200"/>
             </a:lvl3pPr>
-            <a:lvl4pPr indent="-304800" lvl="3" marL="1828800" rtl="0">
+            <a:lvl4pPr marL="1828800" lvl="3" indent="-304800" rtl="0">
               <a:spcBef>
                 <a:spcPts val="1600"/>
               </a:spcBef>
@@ -5503,7 +5621,7 @@
               <a:buChar char="●"/>
               <a:defRPr sz="1200"/>
             </a:lvl4pPr>
-            <a:lvl5pPr indent="-304800" lvl="4" marL="2286000" rtl="0">
+            <a:lvl5pPr marL="2286000" lvl="4" indent="-304800" rtl="0">
               <a:spcBef>
                 <a:spcPts val="1600"/>
               </a:spcBef>
@@ -5514,7 +5632,7 @@
               <a:buChar char="○"/>
               <a:defRPr sz="1200"/>
             </a:lvl5pPr>
-            <a:lvl6pPr indent="-304800" lvl="5" marL="2743200" rtl="0">
+            <a:lvl6pPr marL="2743200" lvl="5" indent="-304800" rtl="0">
               <a:spcBef>
                 <a:spcPts val="1600"/>
               </a:spcBef>
@@ -5525,7 +5643,7 @@
               <a:buChar char="■"/>
               <a:defRPr sz="1200"/>
             </a:lvl6pPr>
-            <a:lvl7pPr indent="-304800" lvl="6" marL="3200400" rtl="0">
+            <a:lvl7pPr marL="3200400" lvl="6" indent="-304800" rtl="0">
               <a:spcBef>
                 <a:spcPts val="1600"/>
               </a:spcBef>
@@ -5536,7 +5654,7 @@
               <a:buChar char="●"/>
               <a:defRPr sz="1200"/>
             </a:lvl7pPr>
-            <a:lvl8pPr indent="-304800" lvl="7" marL="3657600" rtl="0">
+            <a:lvl8pPr marL="3657600" lvl="7" indent="-304800" rtl="0">
               <a:spcBef>
                 <a:spcPts val="1600"/>
               </a:spcBef>
@@ -5547,7 +5665,7 @@
               <a:buChar char="○"/>
               <a:defRPr sz="1200"/>
             </a:lvl8pPr>
-            <a:lvl9pPr indent="-304800" lvl="8" marL="4114800" rtl="0">
+            <a:lvl9pPr marL="4114800" lvl="8" indent="-304800" rtl="0">
               <a:spcBef>
                 <a:spcPts val="1600"/>
               </a:spcBef>
@@ -5559,15 +5677,19 @@
               <a:defRPr sz="1200"/>
             </a:lvl9pPr>
           </a:lstStyle>
-          <a:p/>
+          <a:p>
+            <a:endParaRPr/>
+          </a:p>
         </p:txBody>
       </p:sp>
       <p:sp>
         <p:nvSpPr>
           <p:cNvPr id="35" name="Google Shape;35;p5"/>
-          <p:cNvSpPr txBox="1"/>
+          <p:cNvSpPr txBox="1">
+            <a:spLocks noGrp="1"/>
+          </p:cNvSpPr>
           <p:nvPr>
-            <p:ph idx="12" type="sldNum"/>
+            <p:ph type="sldNum" idx="12"/>
           </p:nvPr>
         </p:nvSpPr>
         <p:spPr>
@@ -5580,7 +5702,7 @@
           </a:prstGeom>
         </p:spPr>
         <p:txBody>
-          <a:bodyPr anchorCtr="0" anchor="ctr" bIns="91425" lIns="91425" spcFirstLastPara="1" rIns="91425" wrap="square" tIns="91425">
+          <a:bodyPr spcFirstLastPara="1" wrap="square" lIns="91425" tIns="91425" rIns="91425" bIns="91425" anchor="ctr" anchorCtr="0">
             <a:noAutofit/>
           </a:bodyPr>
           <a:lstStyle>
@@ -5622,7 +5744,7 @@
             </a:lvl9pPr>
           </a:lstStyle>
           <a:p>
-            <a:pPr indent="0" lvl="0" marL="0" rtl="0" algn="r">
+            <a:pPr marL="0" lvl="0" indent="0" algn="r" rtl="0">
               <a:spcBef>
                 <a:spcPts val="0"/>
               </a:spcBef>
@@ -5648,11 +5770,11 @@
 </file>
 
 <file path=ppt/slideLayouts/slideLayout5.xml><?xml version="1.0" encoding="utf-8"?>
-<p:sldLayout xmlns:a="http://schemas.openxmlformats.org/drawingml/2006/main" xmlns:r="http://schemas.openxmlformats.org/officeDocument/2006/relationships" xmlns:mc="http://schemas.openxmlformats.org/markup-compatibility/2006" xmlns:mv="urn:schemas-microsoft-com:mac:vml" xmlns:p="http://schemas.openxmlformats.org/presentationml/2006/main" xmlns:c="http://schemas.openxmlformats.org/drawingml/2006/chart" xmlns:dgm="http://schemas.openxmlformats.org/drawingml/2006/diagram" xmlns:o="urn:schemas-microsoft-com:office:office" xmlns:v="urn:schemas-microsoft-com:vml" xmlns:pvml="urn:schemas-microsoft-com:office:powerpoint" xmlns:com="http://schemas.openxmlformats.org/drawingml/2006/compatibility" xmlns:p14="http://schemas.microsoft.com/office/powerpoint/2010/main" xmlns:p15="http://schemas.microsoft.com/office/powerpoint/2012/main" matchingName="Title only" type="titleOnly">
+<p:sldLayout xmlns:a="http://schemas.openxmlformats.org/drawingml/2006/main" xmlns:r="http://schemas.openxmlformats.org/officeDocument/2006/relationships" xmlns:p="http://schemas.openxmlformats.org/presentationml/2006/main" matchingName="Title only" type="titleOnly">
   <p:cSld name="TITLE_ONLY">
     <p:spTree>
       <p:nvGrpSpPr>
-        <p:cNvPr id="36" name="Shape 36"/>
+        <p:cNvPr id="1" name="Shape 36"/>
         <p:cNvGrpSpPr/>
         <p:nvPr/>
       </p:nvGrpSpPr>
@@ -5667,7 +5789,9 @@
       <p:sp>
         <p:nvSpPr>
           <p:cNvPr id="37" name="Google Shape;37;p6"/>
-          <p:cNvSpPr txBox="1"/>
+          <p:cNvSpPr txBox="1">
+            <a:spLocks noGrp="1"/>
+          </p:cNvSpPr>
           <p:nvPr>
             <p:ph type="title"/>
           </p:nvPr>
@@ -5682,7 +5806,7 @@
           </a:prstGeom>
         </p:spPr>
         <p:txBody>
-          <a:bodyPr anchorCtr="0" anchor="t" bIns="91425" lIns="91425" spcFirstLastPara="1" rIns="91425" wrap="square" tIns="91425">
+          <a:bodyPr spcFirstLastPara="1" wrap="square" lIns="91425" tIns="91425" rIns="91425" bIns="91425" anchor="t" anchorCtr="0">
             <a:noAutofit/>
           </a:bodyPr>
           <a:lstStyle>
@@ -5786,15 +5910,19 @@
               <a:defRPr/>
             </a:lvl9pPr>
           </a:lstStyle>
-          <a:p/>
+          <a:p>
+            <a:endParaRPr/>
+          </a:p>
         </p:txBody>
       </p:sp>
       <p:sp>
         <p:nvSpPr>
           <p:cNvPr id="38" name="Google Shape;38;p6"/>
-          <p:cNvSpPr txBox="1"/>
+          <p:cNvSpPr txBox="1">
+            <a:spLocks noGrp="1"/>
+          </p:cNvSpPr>
           <p:nvPr>
-            <p:ph idx="12" type="sldNum"/>
+            <p:ph type="sldNum" idx="12"/>
           </p:nvPr>
         </p:nvSpPr>
         <p:spPr>
@@ -5807,7 +5935,7 @@
           </a:prstGeom>
         </p:spPr>
         <p:txBody>
-          <a:bodyPr anchorCtr="0" anchor="ctr" bIns="91425" lIns="91425" spcFirstLastPara="1" rIns="91425" wrap="square" tIns="91425">
+          <a:bodyPr spcFirstLastPara="1" wrap="square" lIns="91425" tIns="91425" rIns="91425" bIns="91425" anchor="ctr" anchorCtr="0">
             <a:noAutofit/>
           </a:bodyPr>
           <a:lstStyle>
@@ -5849,7 +5977,7 @@
             </a:lvl9pPr>
           </a:lstStyle>
           <a:p>
-            <a:pPr indent="0" lvl="0" marL="0" rtl="0" algn="r">
+            <a:pPr marL="0" lvl="0" indent="0" algn="r" rtl="0">
               <a:spcBef>
                 <a:spcPts val="0"/>
               </a:spcBef>
@@ -5875,11 +6003,11 @@
 </file>
 
 <file path=ppt/slideLayouts/slideLayout6.xml><?xml version="1.0" encoding="utf-8"?>
-<p:sldLayout xmlns:a="http://schemas.openxmlformats.org/drawingml/2006/main" xmlns:r="http://schemas.openxmlformats.org/officeDocument/2006/relationships" xmlns:mc="http://schemas.openxmlformats.org/markup-compatibility/2006" xmlns:mv="urn:schemas-microsoft-com:mac:vml" xmlns:p="http://schemas.openxmlformats.org/presentationml/2006/main" xmlns:c="http://schemas.openxmlformats.org/drawingml/2006/chart" xmlns:dgm="http://schemas.openxmlformats.org/drawingml/2006/diagram" xmlns:o="urn:schemas-microsoft-com:office:office" xmlns:v="urn:schemas-microsoft-com:vml" xmlns:pvml="urn:schemas-microsoft-com:office:powerpoint" xmlns:com="http://schemas.openxmlformats.org/drawingml/2006/compatibility" xmlns:p14="http://schemas.microsoft.com/office/powerpoint/2010/main" xmlns:p15="http://schemas.microsoft.com/office/powerpoint/2012/main" matchingName="One column text">
+<p:sldLayout xmlns:a="http://schemas.openxmlformats.org/drawingml/2006/main" xmlns:r="http://schemas.openxmlformats.org/officeDocument/2006/relationships" xmlns:p="http://schemas.openxmlformats.org/presentationml/2006/main" matchingName="One column text">
   <p:cSld name="ONE_COLUMN_TEXT">
     <p:spTree>
       <p:nvGrpSpPr>
-        <p:cNvPr id="39" name="Shape 39"/>
+        <p:cNvPr id="1" name="Shape 39"/>
         <p:cNvGrpSpPr/>
         <p:nvPr/>
       </p:nvGrpSpPr>
@@ -5906,21 +6034,23 @@
             <a:avLst/>
           </a:prstGeom>
           <a:noFill/>
-          <a:ln cap="flat" cmpd="sng" w="19050">
+          <a:ln w="19050" cap="flat" cmpd="sng">
             <a:solidFill>
               <a:schemeClr val="dk2"/>
             </a:solidFill>
             <a:prstDash val="solid"/>
             <a:round/>
-            <a:headEnd len="sm" w="sm" type="none"/>
-            <a:tailEnd len="sm" w="sm" type="none"/>
+            <a:headEnd type="none" w="sm" len="sm"/>
+            <a:tailEnd type="none" w="sm" len="sm"/>
           </a:ln>
         </p:spPr>
       </p:cxnSp>
       <p:sp>
         <p:nvSpPr>
           <p:cNvPr id="41" name="Google Shape;41;p7"/>
-          <p:cNvSpPr txBox="1"/>
+          <p:cNvSpPr txBox="1">
+            <a:spLocks noGrp="1"/>
+          </p:cNvSpPr>
           <p:nvPr>
             <p:ph type="title"/>
           </p:nvPr>
@@ -5935,7 +6065,7 @@
           </a:prstGeom>
         </p:spPr>
         <p:txBody>
-          <a:bodyPr anchorCtr="0" anchor="b" bIns="91425" lIns="91425" spcFirstLastPara="1" rIns="91425" wrap="square" tIns="91425">
+          <a:bodyPr spcFirstLastPara="1" wrap="square" lIns="91425" tIns="91425" rIns="91425" bIns="91425" anchor="b" anchorCtr="0">
             <a:noAutofit/>
           </a:bodyPr>
           <a:lstStyle>
@@ -6039,15 +6169,19 @@
               <a:defRPr sz="2400"/>
             </a:lvl9pPr>
           </a:lstStyle>
-          <a:p/>
+          <a:p>
+            <a:endParaRPr/>
+          </a:p>
         </p:txBody>
       </p:sp>
       <p:sp>
         <p:nvSpPr>
           <p:cNvPr id="42" name="Google Shape;42;p7"/>
-          <p:cNvSpPr txBox="1"/>
+          <p:cNvSpPr txBox="1">
+            <a:spLocks noGrp="1"/>
+          </p:cNvSpPr>
           <p:nvPr>
-            <p:ph idx="1" type="body"/>
+            <p:ph type="body" idx="1"/>
           </p:nvPr>
         </p:nvSpPr>
         <p:spPr>
@@ -6060,11 +6194,11 @@
           </a:prstGeom>
         </p:spPr>
         <p:txBody>
-          <a:bodyPr anchorCtr="0" anchor="t" bIns="91425" lIns="91425" spcFirstLastPara="1" rIns="91425" wrap="square" tIns="91425">
+          <a:bodyPr spcFirstLastPara="1" wrap="square" lIns="91425" tIns="91425" rIns="91425" bIns="91425" anchor="t" anchorCtr="0">
             <a:noAutofit/>
           </a:bodyPr>
           <a:lstStyle>
-            <a:lvl1pPr indent="-304800" lvl="0" marL="457200" rtl="0">
+            <a:lvl1pPr marL="457200" lvl="0" indent="-304800" rtl="0">
               <a:spcBef>
                 <a:spcPts val="0"/>
               </a:spcBef>
@@ -6075,7 +6209,7 @@
               <a:buChar char="●"/>
               <a:defRPr sz="1200"/>
             </a:lvl1pPr>
-            <a:lvl2pPr indent="-304800" lvl="1" marL="914400" rtl="0">
+            <a:lvl2pPr marL="914400" lvl="1" indent="-304800" rtl="0">
               <a:spcBef>
                 <a:spcPts val="1600"/>
               </a:spcBef>
@@ -6086,7 +6220,7 @@
               <a:buChar char="○"/>
               <a:defRPr sz="1200"/>
             </a:lvl2pPr>
-            <a:lvl3pPr indent="-304800" lvl="2" marL="1371600" rtl="0">
+            <a:lvl3pPr marL="1371600" lvl="2" indent="-304800" rtl="0">
               <a:spcBef>
                 <a:spcPts val="1600"/>
               </a:spcBef>
@@ -6097,7 +6231,7 @@
               <a:buChar char="■"/>
               <a:defRPr sz="1200"/>
             </a:lvl3pPr>
-            <a:lvl4pPr indent="-304800" lvl="3" marL="1828800" rtl="0">
+            <a:lvl4pPr marL="1828800" lvl="3" indent="-304800" rtl="0">
               <a:spcBef>
                 <a:spcPts val="1600"/>
               </a:spcBef>
@@ -6108,7 +6242,7 @@
               <a:buChar char="●"/>
               <a:defRPr sz="1200"/>
             </a:lvl4pPr>
-            <a:lvl5pPr indent="-304800" lvl="4" marL="2286000" rtl="0">
+            <a:lvl5pPr marL="2286000" lvl="4" indent="-304800" rtl="0">
               <a:spcBef>
                 <a:spcPts val="1600"/>
               </a:spcBef>
@@ -6119,7 +6253,7 @@
               <a:buChar char="○"/>
               <a:defRPr sz="1200"/>
             </a:lvl5pPr>
-            <a:lvl6pPr indent="-304800" lvl="5" marL="2743200" rtl="0">
+            <a:lvl6pPr marL="2743200" lvl="5" indent="-304800" rtl="0">
               <a:spcBef>
                 <a:spcPts val="1600"/>
               </a:spcBef>
@@ -6130,7 +6264,7 @@
               <a:buChar char="■"/>
               <a:defRPr sz="1200"/>
             </a:lvl6pPr>
-            <a:lvl7pPr indent="-304800" lvl="6" marL="3200400" rtl="0">
+            <a:lvl7pPr marL="3200400" lvl="6" indent="-304800" rtl="0">
               <a:spcBef>
                 <a:spcPts val="1600"/>
               </a:spcBef>
@@ -6141,7 +6275,7 @@
               <a:buChar char="●"/>
               <a:defRPr sz="1200"/>
             </a:lvl7pPr>
-            <a:lvl8pPr indent="-304800" lvl="7" marL="3657600" rtl="0">
+            <a:lvl8pPr marL="3657600" lvl="7" indent="-304800" rtl="0">
               <a:spcBef>
                 <a:spcPts val="1600"/>
               </a:spcBef>
@@ -6152,7 +6286,7 @@
               <a:buChar char="○"/>
               <a:defRPr sz="1200"/>
             </a:lvl8pPr>
-            <a:lvl9pPr indent="-304800" lvl="8" marL="4114800" rtl="0">
+            <a:lvl9pPr marL="4114800" lvl="8" indent="-304800" rtl="0">
               <a:spcBef>
                 <a:spcPts val="1600"/>
               </a:spcBef>
@@ -6164,15 +6298,19 @@
               <a:defRPr sz="1200"/>
             </a:lvl9pPr>
           </a:lstStyle>
-          <a:p/>
+          <a:p>
+            <a:endParaRPr/>
+          </a:p>
         </p:txBody>
       </p:sp>
       <p:sp>
         <p:nvSpPr>
           <p:cNvPr id="43" name="Google Shape;43;p7"/>
-          <p:cNvSpPr txBox="1"/>
+          <p:cNvSpPr txBox="1">
+            <a:spLocks noGrp="1"/>
+          </p:cNvSpPr>
           <p:nvPr>
-            <p:ph idx="12" type="sldNum"/>
+            <p:ph type="sldNum" idx="12"/>
           </p:nvPr>
         </p:nvSpPr>
         <p:spPr>
@@ -6185,7 +6323,7 @@
           </a:prstGeom>
         </p:spPr>
         <p:txBody>
-          <a:bodyPr anchorCtr="0" anchor="ctr" bIns="91425" lIns="91425" spcFirstLastPara="1" rIns="91425" wrap="square" tIns="91425">
+          <a:bodyPr spcFirstLastPara="1" wrap="square" lIns="91425" tIns="91425" rIns="91425" bIns="91425" anchor="ctr" anchorCtr="0">
             <a:noAutofit/>
           </a:bodyPr>
           <a:lstStyle>
@@ -6227,7 +6365,7 @@
             </a:lvl9pPr>
           </a:lstStyle>
           <a:p>
-            <a:pPr indent="0" lvl="0" marL="0" rtl="0" algn="r">
+            <a:pPr marL="0" lvl="0" indent="0" algn="r" rtl="0">
               <a:spcBef>
                 <a:spcPts val="0"/>
               </a:spcBef>
@@ -6253,18 +6391,19 @@
 </file>
 
 <file path=ppt/slideLayouts/slideLayout7.xml><?xml version="1.0" encoding="utf-8"?>
-<p:sldLayout xmlns:a="http://schemas.openxmlformats.org/drawingml/2006/main" xmlns:r="http://schemas.openxmlformats.org/officeDocument/2006/relationships" xmlns:mc="http://schemas.openxmlformats.org/markup-compatibility/2006" xmlns:mv="urn:schemas-microsoft-com:mac:vml" xmlns:p="http://schemas.openxmlformats.org/presentationml/2006/main" xmlns:c="http://schemas.openxmlformats.org/drawingml/2006/chart" xmlns:dgm="http://schemas.openxmlformats.org/drawingml/2006/diagram" xmlns:o="urn:schemas-microsoft-com:office:office" xmlns:v="urn:schemas-microsoft-com:vml" xmlns:pvml="urn:schemas-microsoft-com:office:powerpoint" xmlns:com="http://schemas.openxmlformats.org/drawingml/2006/compatibility" xmlns:p14="http://schemas.microsoft.com/office/powerpoint/2010/main" xmlns:p15="http://schemas.microsoft.com/office/powerpoint/2012/main" matchingName="Main point">
+<p:sldLayout xmlns:a="http://schemas.openxmlformats.org/drawingml/2006/main" xmlns:r="http://schemas.openxmlformats.org/officeDocument/2006/relationships" xmlns:p="http://schemas.openxmlformats.org/presentationml/2006/main" matchingName="Main point">
   <p:cSld name="MAIN_POINT">
     <p:bg>
       <p:bgPr>
         <a:solidFill>
           <a:srgbClr val="353535"/>
         </a:solidFill>
+        <a:effectLst/>
       </p:bgPr>
     </p:bg>
     <p:spTree>
       <p:nvGrpSpPr>
-        <p:cNvPr id="44" name="Shape 44"/>
+        <p:cNvPr id="1" name="Shape 44"/>
         <p:cNvGrpSpPr/>
         <p:nvPr/>
       </p:nvGrpSpPr>
@@ -6291,21 +6430,23 @@
             <a:avLst/>
           </a:prstGeom>
           <a:noFill/>
-          <a:ln cap="flat" cmpd="sng" w="19050">
+          <a:ln w="19050" cap="flat" cmpd="sng">
             <a:solidFill>
               <a:schemeClr val="lt1"/>
             </a:solidFill>
             <a:prstDash val="solid"/>
             <a:round/>
-            <a:headEnd len="sm" w="sm" type="none"/>
-            <a:tailEnd len="sm" w="sm" type="none"/>
+            <a:headEnd type="none" w="sm" len="sm"/>
+            <a:tailEnd type="none" w="sm" len="sm"/>
           </a:ln>
         </p:spPr>
       </p:cxnSp>
       <p:sp>
         <p:nvSpPr>
           <p:cNvPr id="46" name="Google Shape;46;p8"/>
-          <p:cNvSpPr txBox="1"/>
+          <p:cNvSpPr txBox="1">
+            <a:spLocks noGrp="1"/>
+          </p:cNvSpPr>
           <p:nvPr>
             <p:ph type="title"/>
           </p:nvPr>
@@ -6320,7 +6461,7 @@
           </a:prstGeom>
         </p:spPr>
         <p:txBody>
-          <a:bodyPr anchorCtr="0" anchor="ctr" bIns="91425" lIns="91425" spcFirstLastPara="1" rIns="91425" wrap="square" tIns="91425">
+          <a:bodyPr spcFirstLastPara="1" wrap="square" lIns="91425" tIns="91425" rIns="91425" bIns="91425" anchor="ctr" anchorCtr="0">
             <a:noAutofit/>
           </a:bodyPr>
           <a:lstStyle>
@@ -6487,15 +6628,19 @@
               </a:defRPr>
             </a:lvl9pPr>
           </a:lstStyle>
-          <a:p/>
+          <a:p>
+            <a:endParaRPr/>
+          </a:p>
         </p:txBody>
       </p:sp>
       <p:sp>
         <p:nvSpPr>
           <p:cNvPr id="47" name="Google Shape;47;p8"/>
-          <p:cNvSpPr txBox="1"/>
+          <p:cNvSpPr txBox="1">
+            <a:spLocks noGrp="1"/>
+          </p:cNvSpPr>
           <p:nvPr>
-            <p:ph idx="12" type="sldNum"/>
+            <p:ph type="sldNum" idx="12"/>
           </p:nvPr>
         </p:nvSpPr>
         <p:spPr>
@@ -6508,7 +6653,7 @@
           </a:prstGeom>
         </p:spPr>
         <p:txBody>
-          <a:bodyPr anchorCtr="0" anchor="ctr" bIns="91425" lIns="91425" spcFirstLastPara="1" rIns="91425" wrap="square" tIns="91425">
+          <a:bodyPr spcFirstLastPara="1" wrap="square" lIns="91425" tIns="91425" rIns="91425" bIns="91425" anchor="ctr" anchorCtr="0">
             <a:noAutofit/>
           </a:bodyPr>
           <a:lstStyle>
@@ -6586,7 +6731,7 @@
             </a:lvl9pPr>
           </a:lstStyle>
           <a:p>
-            <a:pPr indent="0" lvl="0" marL="0" rtl="0" algn="r">
+            <a:pPr marL="0" lvl="0" indent="0" algn="r" rtl="0">
               <a:spcBef>
                 <a:spcPts val="0"/>
               </a:spcBef>
@@ -6612,11 +6757,11 @@
 </file>
 
 <file path=ppt/slideLayouts/slideLayout8.xml><?xml version="1.0" encoding="utf-8"?>
-<p:sldLayout xmlns:a="http://schemas.openxmlformats.org/drawingml/2006/main" xmlns:r="http://schemas.openxmlformats.org/officeDocument/2006/relationships" xmlns:mc="http://schemas.openxmlformats.org/markup-compatibility/2006" xmlns:mv="urn:schemas-microsoft-com:mac:vml" xmlns:p="http://schemas.openxmlformats.org/presentationml/2006/main" xmlns:c="http://schemas.openxmlformats.org/drawingml/2006/chart" xmlns:dgm="http://schemas.openxmlformats.org/drawingml/2006/diagram" xmlns:o="urn:schemas-microsoft-com:office:office" xmlns:v="urn:schemas-microsoft-com:vml" xmlns:pvml="urn:schemas-microsoft-com:office:powerpoint" xmlns:com="http://schemas.openxmlformats.org/drawingml/2006/compatibility" xmlns:p14="http://schemas.microsoft.com/office/powerpoint/2010/main" xmlns:p15="http://schemas.microsoft.com/office/powerpoint/2012/main" matchingName="Section title and description">
+<p:sldLayout xmlns:a="http://schemas.openxmlformats.org/drawingml/2006/main" xmlns:r="http://schemas.openxmlformats.org/officeDocument/2006/relationships" xmlns:p="http://schemas.openxmlformats.org/presentationml/2006/main" matchingName="Section title and description">
   <p:cSld name="SECTION_TITLE_AND_DESCRIPTION">
     <p:spTree>
       <p:nvGrpSpPr>
-        <p:cNvPr id="48" name="Shape 48"/>
+        <p:cNvPr id="1" name="Shape 48"/>
         <p:cNvGrpSpPr/>
         <p:nvPr/>
       </p:nvGrpSpPr>
@@ -6650,23 +6795,20 @@
           </a:ln>
         </p:spPr>
         <p:txBody>
-          <a:bodyPr anchorCtr="0" anchor="ctr" bIns="91425" lIns="91425" spcFirstLastPara="1" rIns="91425" wrap="square" tIns="91425">
+          <a:bodyPr spcFirstLastPara="1" wrap="square" lIns="91425" tIns="91425" rIns="91425" bIns="91425" anchor="ctr" anchorCtr="0">
             <a:noAutofit/>
           </a:bodyPr>
           <a:lstStyle/>
           <a:p>
-            <a:pPr indent="0" lvl="0" marL="0" rtl="0" algn="l">
-              <a:spcBef>
-                <a:spcPts val="0"/>
-              </a:spcBef>
-              <a:spcAft>
-                <a:spcPts val="0"/>
-              </a:spcAft>
-              <a:buNone/>
-            </a:pPr>
-            <a:r>
-              <a:t/>
-            </a:r>
+            <a:pPr marL="0" lvl="0" indent="0" algn="l" rtl="0">
+              <a:spcBef>
+                <a:spcPts val="0"/>
+              </a:spcBef>
+              <a:spcAft>
+                <a:spcPts val="0"/>
+              </a:spcAft>
+              <a:buNone/>
+            </a:pPr>
             <a:endParaRPr/>
           </a:p>
         </p:txBody>
@@ -6686,21 +6828,23 @@
             <a:avLst/>
           </a:prstGeom>
           <a:noFill/>
-          <a:ln cap="flat" cmpd="sng" w="19050">
+          <a:ln w="19050" cap="flat" cmpd="sng">
             <a:solidFill>
               <a:schemeClr val="lt1"/>
             </a:solidFill>
             <a:prstDash val="solid"/>
             <a:round/>
-            <a:headEnd len="sm" w="sm" type="none"/>
-            <a:tailEnd len="sm" w="sm" type="none"/>
+            <a:headEnd type="none" w="sm" len="sm"/>
+            <a:tailEnd type="none" w="sm" len="sm"/>
           </a:ln>
         </p:spPr>
       </p:cxnSp>
       <p:sp>
         <p:nvSpPr>
           <p:cNvPr id="51" name="Google Shape;51;p9"/>
-          <p:cNvSpPr txBox="1"/>
+          <p:cNvSpPr txBox="1">
+            <a:spLocks noGrp="1"/>
+          </p:cNvSpPr>
           <p:nvPr>
             <p:ph type="title"/>
           </p:nvPr>
@@ -6715,11 +6859,11 @@
           </a:prstGeom>
         </p:spPr>
         <p:txBody>
-          <a:bodyPr anchorCtr="0" anchor="b" bIns="91425" lIns="91425" spcFirstLastPara="1" rIns="91425" wrap="square" tIns="91425">
+          <a:bodyPr spcFirstLastPara="1" wrap="square" lIns="91425" tIns="91425" rIns="91425" bIns="91425" anchor="b" anchorCtr="0">
             <a:noAutofit/>
           </a:bodyPr>
           <a:lstStyle>
-            <a:lvl1pPr lvl="0" rtl="0" algn="ctr">
+            <a:lvl1pPr lvl="0" algn="ctr" rtl="0">
               <a:spcBef>
                 <a:spcPts val="0"/>
               </a:spcBef>
@@ -6737,7 +6881,7 @@
                 </a:solidFill>
               </a:defRPr>
             </a:lvl1pPr>
-            <a:lvl2pPr lvl="1" rtl="0" algn="ctr">
+            <a:lvl2pPr lvl="1" algn="ctr" rtl="0">
               <a:spcBef>
                 <a:spcPts val="0"/>
               </a:spcBef>
@@ -6755,7 +6899,7 @@
                 </a:solidFill>
               </a:defRPr>
             </a:lvl2pPr>
-            <a:lvl3pPr lvl="2" rtl="0" algn="ctr">
+            <a:lvl3pPr lvl="2" algn="ctr" rtl="0">
               <a:spcBef>
                 <a:spcPts val="0"/>
               </a:spcBef>
@@ -6773,7 +6917,7 @@
                 </a:solidFill>
               </a:defRPr>
             </a:lvl3pPr>
-            <a:lvl4pPr lvl="3" rtl="0" algn="ctr">
+            <a:lvl4pPr lvl="3" algn="ctr" rtl="0">
               <a:spcBef>
                 <a:spcPts val="0"/>
               </a:spcBef>
@@ -6791,7 +6935,7 @@
                 </a:solidFill>
               </a:defRPr>
             </a:lvl4pPr>
-            <a:lvl5pPr lvl="4" rtl="0" algn="ctr">
+            <a:lvl5pPr lvl="4" algn="ctr" rtl="0">
               <a:spcBef>
                 <a:spcPts val="0"/>
               </a:spcBef>
@@ -6809,7 +6953,7 @@
                 </a:solidFill>
               </a:defRPr>
             </a:lvl5pPr>
-            <a:lvl6pPr lvl="5" rtl="0" algn="ctr">
+            <a:lvl6pPr lvl="5" algn="ctr" rtl="0">
               <a:spcBef>
                 <a:spcPts val="0"/>
               </a:spcBef>
@@ -6827,7 +6971,7 @@
                 </a:solidFill>
               </a:defRPr>
             </a:lvl6pPr>
-            <a:lvl7pPr lvl="6" rtl="0" algn="ctr">
+            <a:lvl7pPr lvl="6" algn="ctr" rtl="0">
               <a:spcBef>
                 <a:spcPts val="0"/>
               </a:spcBef>
@@ -6845,7 +6989,7 @@
                 </a:solidFill>
               </a:defRPr>
             </a:lvl7pPr>
-            <a:lvl8pPr lvl="7" rtl="0" algn="ctr">
+            <a:lvl8pPr lvl="7" algn="ctr" rtl="0">
               <a:spcBef>
                 <a:spcPts val="0"/>
               </a:spcBef>
@@ -6863,7 +7007,7 @@
                 </a:solidFill>
               </a:defRPr>
             </a:lvl8pPr>
-            <a:lvl9pPr lvl="8" rtl="0" algn="ctr">
+            <a:lvl9pPr lvl="8" algn="ctr" rtl="0">
               <a:spcBef>
                 <a:spcPts val="0"/>
               </a:spcBef>
@@ -6882,15 +7026,19 @@
               </a:defRPr>
             </a:lvl9pPr>
           </a:lstStyle>
-          <a:p/>
+          <a:p>
+            <a:endParaRPr/>
+          </a:p>
         </p:txBody>
       </p:sp>
       <p:sp>
         <p:nvSpPr>
           <p:cNvPr id="52" name="Google Shape;52;p9"/>
-          <p:cNvSpPr txBox="1"/>
+          <p:cNvSpPr txBox="1">
+            <a:spLocks noGrp="1"/>
+          </p:cNvSpPr>
           <p:nvPr>
-            <p:ph idx="1" type="subTitle"/>
+            <p:ph type="subTitle" idx="1"/>
           </p:nvPr>
         </p:nvSpPr>
         <p:spPr>
@@ -6903,11 +7051,11 @@
           </a:prstGeom>
         </p:spPr>
         <p:txBody>
-          <a:bodyPr anchorCtr="0" anchor="t" bIns="91425" lIns="91425" spcFirstLastPara="1" rIns="91425" wrap="square" tIns="91425">
+          <a:bodyPr spcFirstLastPara="1" wrap="square" lIns="91425" tIns="91425" rIns="91425" bIns="91425" anchor="t" anchorCtr="0">
             <a:noAutofit/>
           </a:bodyPr>
           <a:lstStyle>
-            <a:lvl1pPr lvl="0" rtl="0" algn="ctr">
+            <a:lvl1pPr lvl="0" algn="ctr" rtl="0">
               <a:lnSpc>
                 <a:spcPct val="100000"/>
               </a:lnSpc>
@@ -6921,7 +7069,7 @@
               <a:buNone/>
               <a:defRPr sz="2100"/>
             </a:lvl1pPr>
-            <a:lvl2pPr lvl="1" rtl="0" algn="ctr">
+            <a:lvl2pPr lvl="1" algn="ctr" rtl="0">
               <a:lnSpc>
                 <a:spcPct val="100000"/>
               </a:lnSpc>
@@ -6935,7 +7083,7 @@
               <a:buNone/>
               <a:defRPr sz="2100"/>
             </a:lvl2pPr>
-            <a:lvl3pPr lvl="2" rtl="0" algn="ctr">
+            <a:lvl3pPr lvl="2" algn="ctr" rtl="0">
               <a:lnSpc>
                 <a:spcPct val="100000"/>
               </a:lnSpc>
@@ -6949,7 +7097,7 @@
               <a:buNone/>
               <a:defRPr sz="2100"/>
             </a:lvl3pPr>
-            <a:lvl4pPr lvl="3" rtl="0" algn="ctr">
+            <a:lvl4pPr lvl="3" algn="ctr" rtl="0">
               <a:lnSpc>
                 <a:spcPct val="100000"/>
               </a:lnSpc>
@@ -6963,7 +7111,7 @@
               <a:buNone/>
               <a:defRPr sz="2100"/>
             </a:lvl4pPr>
-            <a:lvl5pPr lvl="4" rtl="0" algn="ctr">
+            <a:lvl5pPr lvl="4" algn="ctr" rtl="0">
               <a:lnSpc>
                 <a:spcPct val="100000"/>
               </a:lnSpc>
@@ -6977,7 +7125,7 @@
               <a:buNone/>
               <a:defRPr sz="2100"/>
             </a:lvl5pPr>
-            <a:lvl6pPr lvl="5" rtl="0" algn="ctr">
+            <a:lvl6pPr lvl="5" algn="ctr" rtl="0">
               <a:lnSpc>
                 <a:spcPct val="100000"/>
               </a:lnSpc>
@@ -6991,7 +7139,7 @@
               <a:buNone/>
               <a:defRPr sz="2100"/>
             </a:lvl6pPr>
-            <a:lvl7pPr lvl="6" rtl="0" algn="ctr">
+            <a:lvl7pPr lvl="6" algn="ctr" rtl="0">
               <a:lnSpc>
                 <a:spcPct val="100000"/>
               </a:lnSpc>
@@ -7005,7 +7153,7 @@
               <a:buNone/>
               <a:defRPr sz="2100"/>
             </a:lvl7pPr>
-            <a:lvl8pPr lvl="7" rtl="0" algn="ctr">
+            <a:lvl8pPr lvl="7" algn="ctr" rtl="0">
               <a:lnSpc>
                 <a:spcPct val="100000"/>
               </a:lnSpc>
@@ -7019,7 +7167,7 @@
               <a:buNone/>
               <a:defRPr sz="2100"/>
             </a:lvl8pPr>
-            <a:lvl9pPr lvl="8" rtl="0" algn="ctr">
+            <a:lvl9pPr lvl="8" algn="ctr" rtl="0">
               <a:lnSpc>
                 <a:spcPct val="100000"/>
               </a:lnSpc>
@@ -7034,15 +7182,19 @@
               <a:defRPr sz="2100"/>
             </a:lvl9pPr>
           </a:lstStyle>
-          <a:p/>
+          <a:p>
+            <a:endParaRPr/>
+          </a:p>
         </p:txBody>
       </p:sp>
       <p:sp>
         <p:nvSpPr>
           <p:cNvPr id="53" name="Google Shape;53;p9"/>
-          <p:cNvSpPr txBox="1"/>
+          <p:cNvSpPr txBox="1">
+            <a:spLocks noGrp="1"/>
+          </p:cNvSpPr>
           <p:nvPr>
-            <p:ph idx="2" type="body"/>
+            <p:ph type="body" idx="2"/>
           </p:nvPr>
         </p:nvSpPr>
         <p:spPr>
@@ -7055,11 +7207,11 @@
           </a:prstGeom>
         </p:spPr>
         <p:txBody>
-          <a:bodyPr anchorCtr="0" anchor="ctr" bIns="91425" lIns="91425" spcFirstLastPara="1" rIns="91425" wrap="square" tIns="91425">
+          <a:bodyPr spcFirstLastPara="1" wrap="square" lIns="91425" tIns="91425" rIns="91425" bIns="91425" anchor="ctr" anchorCtr="0">
             <a:noAutofit/>
           </a:bodyPr>
           <a:lstStyle>
-            <a:lvl1pPr indent="-342900" lvl="0" marL="457200" rtl="0">
+            <a:lvl1pPr marL="457200" lvl="0" indent="-342900" rtl="0">
               <a:spcBef>
                 <a:spcPts val="0"/>
               </a:spcBef>
@@ -7077,7 +7229,7 @@
                 </a:solidFill>
               </a:defRPr>
             </a:lvl1pPr>
-            <a:lvl2pPr indent="-317500" lvl="1" marL="914400" rtl="0">
+            <a:lvl2pPr marL="914400" lvl="1" indent="-317500" rtl="0">
               <a:spcBef>
                 <a:spcPts val="1600"/>
               </a:spcBef>
@@ -7095,7 +7247,7 @@
                 </a:solidFill>
               </a:defRPr>
             </a:lvl2pPr>
-            <a:lvl3pPr indent="-317500" lvl="2" marL="1371600" rtl="0">
+            <a:lvl3pPr marL="1371600" lvl="2" indent="-317500" rtl="0">
               <a:spcBef>
                 <a:spcPts val="1600"/>
               </a:spcBef>
@@ -7113,7 +7265,7 @@
                 </a:solidFill>
               </a:defRPr>
             </a:lvl3pPr>
-            <a:lvl4pPr indent="-317500" lvl="3" marL="1828800" rtl="0">
+            <a:lvl4pPr marL="1828800" lvl="3" indent="-317500" rtl="0">
               <a:spcBef>
                 <a:spcPts val="1600"/>
               </a:spcBef>
@@ -7131,7 +7283,7 @@
                 </a:solidFill>
               </a:defRPr>
             </a:lvl4pPr>
-            <a:lvl5pPr indent="-317500" lvl="4" marL="2286000" rtl="0">
+            <a:lvl5pPr marL="2286000" lvl="4" indent="-317500" rtl="0">
               <a:spcBef>
                 <a:spcPts val="1600"/>
               </a:spcBef>
@@ -7149,7 +7301,7 @@
                 </a:solidFill>
               </a:defRPr>
             </a:lvl5pPr>
-            <a:lvl6pPr indent="-317500" lvl="5" marL="2743200" rtl="0">
+            <a:lvl6pPr marL="2743200" lvl="5" indent="-317500" rtl="0">
               <a:spcBef>
                 <a:spcPts val="1600"/>
               </a:spcBef>
@@ -7167,7 +7319,7 @@
                 </a:solidFill>
               </a:defRPr>
             </a:lvl6pPr>
-            <a:lvl7pPr indent="-317500" lvl="6" marL="3200400" rtl="0">
+            <a:lvl7pPr marL="3200400" lvl="6" indent="-317500" rtl="0">
               <a:spcBef>
                 <a:spcPts val="1600"/>
               </a:spcBef>
@@ -7185,7 +7337,7 @@
                 </a:solidFill>
               </a:defRPr>
             </a:lvl7pPr>
-            <a:lvl8pPr indent="-317500" lvl="7" marL="3657600" rtl="0">
+            <a:lvl8pPr marL="3657600" lvl="7" indent="-317500" rtl="0">
               <a:spcBef>
                 <a:spcPts val="1600"/>
               </a:spcBef>
@@ -7203,7 +7355,7 @@
                 </a:solidFill>
               </a:defRPr>
             </a:lvl8pPr>
-            <a:lvl9pPr indent="-317500" lvl="8" marL="4114800" rtl="0">
+            <a:lvl9pPr marL="4114800" lvl="8" indent="-317500" rtl="0">
               <a:spcBef>
                 <a:spcPts val="1600"/>
               </a:spcBef>
@@ -7222,15 +7374,19 @@
               </a:defRPr>
             </a:lvl9pPr>
           </a:lstStyle>
-          <a:p/>
+          <a:p>
+            <a:endParaRPr/>
+          </a:p>
         </p:txBody>
       </p:sp>
       <p:sp>
         <p:nvSpPr>
           <p:cNvPr id="54" name="Google Shape;54;p9"/>
-          <p:cNvSpPr txBox="1"/>
+          <p:cNvSpPr txBox="1">
+            <a:spLocks noGrp="1"/>
+          </p:cNvSpPr>
           <p:nvPr>
-            <p:ph idx="12" type="sldNum"/>
+            <p:ph type="sldNum" idx="12"/>
           </p:nvPr>
         </p:nvSpPr>
         <p:spPr>
@@ -7243,7 +7399,7 @@
           </a:prstGeom>
         </p:spPr>
         <p:txBody>
-          <a:bodyPr anchorCtr="0" anchor="ctr" bIns="91425" lIns="91425" spcFirstLastPara="1" rIns="91425" wrap="square" tIns="91425">
+          <a:bodyPr spcFirstLastPara="1" wrap="square" lIns="91425" tIns="91425" rIns="91425" bIns="91425" anchor="ctr" anchorCtr="0">
             <a:noAutofit/>
           </a:bodyPr>
           <a:lstStyle>
@@ -7321,7 +7477,7 @@
             </a:lvl9pPr>
           </a:lstStyle>
           <a:p>
-            <a:pPr indent="0" lvl="0" marL="0" rtl="0" algn="r">
+            <a:pPr marL="0" lvl="0" indent="0" algn="r" rtl="0">
               <a:spcBef>
                 <a:spcPts val="0"/>
               </a:spcBef>
@@ -7347,11 +7503,11 @@
 </file>
 
 <file path=ppt/slideLayouts/slideLayout9.xml><?xml version="1.0" encoding="utf-8"?>
-<p:sldLayout xmlns:a="http://schemas.openxmlformats.org/drawingml/2006/main" xmlns:r="http://schemas.openxmlformats.org/officeDocument/2006/relationships" xmlns:mc="http://schemas.openxmlformats.org/markup-compatibility/2006" xmlns:mv="urn:schemas-microsoft-com:mac:vml" xmlns:p="http://schemas.openxmlformats.org/presentationml/2006/main" xmlns:c="http://schemas.openxmlformats.org/drawingml/2006/chart" xmlns:dgm="http://schemas.openxmlformats.org/drawingml/2006/diagram" xmlns:o="urn:schemas-microsoft-com:office:office" xmlns:v="urn:schemas-microsoft-com:vml" xmlns:pvml="urn:schemas-microsoft-com:office:powerpoint" xmlns:com="http://schemas.openxmlformats.org/drawingml/2006/compatibility" xmlns:p14="http://schemas.microsoft.com/office/powerpoint/2010/main" xmlns:p15="http://schemas.microsoft.com/office/powerpoint/2012/main" matchingName="Caption">
+<p:sldLayout xmlns:a="http://schemas.openxmlformats.org/drawingml/2006/main" xmlns:r="http://schemas.openxmlformats.org/officeDocument/2006/relationships" xmlns:p="http://schemas.openxmlformats.org/presentationml/2006/main" matchingName="Caption">
   <p:cSld name="CAPTION_ONLY">
     <p:spTree>
       <p:nvGrpSpPr>
-        <p:cNvPr id="55" name="Shape 55"/>
+        <p:cNvPr id="1" name="Shape 55"/>
         <p:cNvGrpSpPr/>
         <p:nvPr/>
       </p:nvGrpSpPr>
@@ -7378,14 +7534,14 @@
             <a:avLst/>
           </a:prstGeom>
           <a:noFill/>
-          <a:ln cap="flat" cmpd="sng" w="19050">
+          <a:ln w="19050" cap="flat" cmpd="sng">
             <a:solidFill>
               <a:schemeClr val="dk2"/>
             </a:solidFill>
             <a:prstDash val="solid"/>
             <a:round/>
-            <a:headEnd len="sm" w="sm" type="none"/>
-            <a:tailEnd len="sm" w="sm" type="none"/>
+            <a:headEnd type="none" w="sm" len="sm"/>
+            <a:tailEnd type="none" w="sm" len="sm"/>
           </a:ln>
         </p:spPr>
       </p:cxnSp>
@@ -7404,23 +7560,25 @@
             <a:avLst/>
           </a:prstGeom>
           <a:noFill/>
-          <a:ln cap="flat" cmpd="sng" w="19050">
+          <a:ln w="19050" cap="flat" cmpd="sng">
             <a:solidFill>
               <a:schemeClr val="dk2"/>
             </a:solidFill>
             <a:prstDash val="solid"/>
             <a:round/>
-            <a:headEnd len="sm" w="sm" type="none"/>
-            <a:tailEnd len="sm" w="sm" type="none"/>
+            <a:headEnd type="none" w="sm" len="sm"/>
+            <a:tailEnd type="none" w="sm" len="sm"/>
           </a:ln>
         </p:spPr>
       </p:cxnSp>
       <p:sp>
         <p:nvSpPr>
           <p:cNvPr id="58" name="Google Shape;58;p10"/>
-          <p:cNvSpPr txBox="1"/>
+          <p:cNvSpPr txBox="1">
+            <a:spLocks noGrp="1"/>
+          </p:cNvSpPr>
           <p:nvPr>
-            <p:ph idx="1" type="body"/>
+            <p:ph type="body" idx="1"/>
           </p:nvPr>
         </p:nvSpPr>
         <p:spPr>
@@ -7433,11 +7591,11 @@
           </a:prstGeom>
         </p:spPr>
         <p:txBody>
-          <a:bodyPr anchorCtr="0" anchor="ctr" bIns="91425" lIns="91425" spcFirstLastPara="1" rIns="91425" wrap="square" tIns="91425">
+          <a:bodyPr spcFirstLastPara="1" wrap="square" lIns="91425" tIns="91425" rIns="91425" bIns="91425" anchor="ctr" anchorCtr="0">
             <a:noAutofit/>
           </a:bodyPr>
           <a:lstStyle>
-            <a:lvl1pPr indent="-228600" lvl="0" marL="457200" rtl="0">
+            <a:lvl1pPr marL="457200" lvl="0" indent="-228600" rtl="0">
               <a:lnSpc>
                 <a:spcPct val="100000"/>
               </a:lnSpc>
@@ -7452,15 +7610,19 @@
               <a:defRPr/>
             </a:lvl1pPr>
           </a:lstStyle>
-          <a:p/>
+          <a:p>
+            <a:endParaRPr/>
+          </a:p>
         </p:txBody>
       </p:sp>
       <p:sp>
         <p:nvSpPr>
           <p:cNvPr id="59" name="Google Shape;59;p10"/>
-          <p:cNvSpPr txBox="1"/>
+          <p:cNvSpPr txBox="1">
+            <a:spLocks noGrp="1"/>
+          </p:cNvSpPr>
           <p:nvPr>
-            <p:ph idx="12" type="sldNum"/>
+            <p:ph type="sldNum" idx="12"/>
           </p:nvPr>
         </p:nvSpPr>
         <p:spPr>
@@ -7473,7 +7635,7 @@
           </a:prstGeom>
         </p:spPr>
         <p:txBody>
-          <a:bodyPr anchorCtr="0" anchor="ctr" bIns="91425" lIns="91425" spcFirstLastPara="1" rIns="91425" wrap="square" tIns="91425">
+          <a:bodyPr spcFirstLastPara="1" wrap="square" lIns="91425" tIns="91425" rIns="91425" bIns="91425" anchor="ctr" anchorCtr="0">
             <a:noAutofit/>
           </a:bodyPr>
           <a:lstStyle>
@@ -7515,7 +7677,7 @@
             </a:lvl9pPr>
           </a:lstStyle>
           <a:p>
-            <a:pPr indent="0" lvl="0" marL="0" rtl="0" algn="r">
+            <a:pPr marL="0" lvl="0" indent="0" algn="r" rtl="0">
               <a:spcBef>
                 <a:spcPts val="0"/>
               </a:spcBef>
@@ -7541,18 +7703,19 @@
 </file>
 
 <file path=ppt/slideMasters/slideMaster1.xml><?xml version="1.0" encoding="utf-8"?>
-<p:sldMaster xmlns:a="http://schemas.openxmlformats.org/drawingml/2006/main" xmlns:r="http://schemas.openxmlformats.org/officeDocument/2006/relationships" xmlns:mc="http://schemas.openxmlformats.org/markup-compatibility/2006" xmlns:mv="urn:schemas-microsoft-com:mac:vml" xmlns:p="http://schemas.openxmlformats.org/presentationml/2006/main" xmlns:c="http://schemas.openxmlformats.org/drawingml/2006/chart" xmlns:dgm="http://schemas.openxmlformats.org/drawingml/2006/diagram" xmlns:o="urn:schemas-microsoft-com:office:office" xmlns:v="urn:schemas-microsoft-com:vml" xmlns:pvml="urn:schemas-microsoft-com:office:powerpoint" xmlns:com="http://schemas.openxmlformats.org/drawingml/2006/compatibility" xmlns:p14="http://schemas.microsoft.com/office/powerpoint/2010/main" xmlns:p15="http://schemas.microsoft.com/office/powerpoint/2012/main">
+<p:sldMaster xmlns:a="http://schemas.openxmlformats.org/drawingml/2006/main" xmlns:r="http://schemas.openxmlformats.org/officeDocument/2006/relationships" xmlns:p="http://schemas.openxmlformats.org/presentationml/2006/main">
   <p:cSld name="swiss-2">
     <p:bg>
       <p:bgPr>
         <a:solidFill>
           <a:schemeClr val="lt1"/>
         </a:solidFill>
+        <a:effectLst/>
       </p:bgPr>
     </p:bg>
     <p:spTree>
       <p:nvGrpSpPr>
-        <p:cNvPr id="5" name="Shape 5"/>
+        <p:cNvPr id="1" name="Shape 5"/>
         <p:cNvGrpSpPr/>
         <p:nvPr/>
       </p:nvGrpSpPr>
@@ -7567,7 +7730,9 @@
       <p:sp>
         <p:nvSpPr>
           <p:cNvPr id="6" name="Google Shape;6;p1"/>
-          <p:cNvSpPr txBox="1"/>
+          <p:cNvSpPr txBox="1">
+            <a:spLocks noGrp="1"/>
+          </p:cNvSpPr>
           <p:nvPr>
             <p:ph type="title"/>
           </p:nvPr>
@@ -7586,7 +7751,7 @@
           </a:ln>
         </p:spPr>
         <p:txBody>
-          <a:bodyPr anchorCtr="0" anchor="t" bIns="91425" lIns="91425" spcFirstLastPara="1" rIns="91425" wrap="square" tIns="91425">
+          <a:bodyPr spcFirstLastPara="1" wrap="square" lIns="91425" tIns="91425" rIns="91425" bIns="91425" anchor="t" anchorCtr="0">
             <a:noAutofit/>
           </a:bodyPr>
           <a:lstStyle>
@@ -7603,7 +7768,7 @@
               <a:buSzPts val="3000"/>
               <a:buFont typeface="Raleway"/>
               <a:buNone/>
-              <a:defRPr b="1" sz="3000">
+              <a:defRPr sz="3000" b="1">
                 <a:solidFill>
                   <a:schemeClr val="dk2"/>
                 </a:solidFill>
@@ -7626,7 +7791,7 @@
               <a:buSzPts val="3000"/>
               <a:buFont typeface="Raleway"/>
               <a:buNone/>
-              <a:defRPr b="1" sz="3000">
+              <a:defRPr sz="3000" b="1">
                 <a:solidFill>
                   <a:schemeClr val="dk2"/>
                 </a:solidFill>
@@ -7649,7 +7814,7 @@
               <a:buSzPts val="3000"/>
               <a:buFont typeface="Raleway"/>
               <a:buNone/>
-              <a:defRPr b="1" sz="3000">
+              <a:defRPr sz="3000" b="1">
                 <a:solidFill>
                   <a:schemeClr val="dk2"/>
                 </a:solidFill>
@@ -7672,7 +7837,7 @@
               <a:buSzPts val="3000"/>
               <a:buFont typeface="Raleway"/>
               <a:buNone/>
-              <a:defRPr b="1" sz="3000">
+              <a:defRPr sz="3000" b="1">
                 <a:solidFill>
                   <a:schemeClr val="dk2"/>
                 </a:solidFill>
@@ -7695,7 +7860,7 @@
               <a:buSzPts val="3000"/>
               <a:buFont typeface="Raleway"/>
               <a:buNone/>
-              <a:defRPr b="1" sz="3000">
+              <a:defRPr sz="3000" b="1">
                 <a:solidFill>
                   <a:schemeClr val="dk2"/>
                 </a:solidFill>
@@ -7718,7 +7883,7 @@
               <a:buSzPts val="3000"/>
               <a:buFont typeface="Raleway"/>
               <a:buNone/>
-              <a:defRPr b="1" sz="3000">
+              <a:defRPr sz="3000" b="1">
                 <a:solidFill>
                   <a:schemeClr val="dk2"/>
                 </a:solidFill>
@@ -7741,7 +7906,7 @@
               <a:buSzPts val="3000"/>
               <a:buFont typeface="Raleway"/>
               <a:buNone/>
-              <a:defRPr b="1" sz="3000">
+              <a:defRPr sz="3000" b="1">
                 <a:solidFill>
                   <a:schemeClr val="dk2"/>
                 </a:solidFill>
@@ -7764,7 +7929,7 @@
               <a:buSzPts val="3000"/>
               <a:buFont typeface="Raleway"/>
               <a:buNone/>
-              <a:defRPr b="1" sz="3000">
+              <a:defRPr sz="3000" b="1">
                 <a:solidFill>
                   <a:schemeClr val="dk2"/>
                 </a:solidFill>
@@ -7787,7 +7952,7 @@
               <a:buSzPts val="3000"/>
               <a:buFont typeface="Raleway"/>
               <a:buNone/>
-              <a:defRPr b="1" sz="3000">
+              <a:defRPr sz="3000" b="1">
                 <a:solidFill>
                   <a:schemeClr val="dk2"/>
                 </a:solidFill>
@@ -7798,15 +7963,19 @@
               </a:defRPr>
             </a:lvl9pPr>
           </a:lstStyle>
-          <a:p/>
+          <a:p>
+            <a:endParaRPr/>
+          </a:p>
         </p:txBody>
       </p:sp>
       <p:sp>
         <p:nvSpPr>
           <p:cNvPr id="7" name="Google Shape;7;p1"/>
-          <p:cNvSpPr txBox="1"/>
+          <p:cNvSpPr txBox="1">
+            <a:spLocks noGrp="1"/>
+          </p:cNvSpPr>
           <p:nvPr>
-            <p:ph idx="1" type="body"/>
+            <p:ph type="body" idx="1"/>
           </p:nvPr>
         </p:nvSpPr>
         <p:spPr>
@@ -7823,11 +7992,11 @@
           </a:ln>
         </p:spPr>
         <p:txBody>
-          <a:bodyPr anchorCtr="0" anchor="t" bIns="91425" lIns="91425" spcFirstLastPara="1" rIns="91425" wrap="square" tIns="91425">
+          <a:bodyPr spcFirstLastPara="1" wrap="square" lIns="91425" tIns="91425" rIns="91425" bIns="91425" anchor="t" anchorCtr="0">
             <a:noAutofit/>
           </a:bodyPr>
           <a:lstStyle>
-            <a:lvl1pPr indent="-342900" lvl="0" marL="457200" rtl="0">
+            <a:lvl1pPr marL="457200" lvl="0" indent="-342900" rtl="0">
               <a:lnSpc>
                 <a:spcPct val="115000"/>
               </a:lnSpc>
@@ -7853,7 +8022,7 @@
                 <a:sym typeface="Lato"/>
               </a:defRPr>
             </a:lvl1pPr>
-            <a:lvl2pPr indent="-317500" lvl="1" marL="914400" rtl="0">
+            <a:lvl2pPr marL="914400" lvl="1" indent="-317500" rtl="0">
               <a:lnSpc>
                 <a:spcPct val="115000"/>
               </a:lnSpc>
@@ -7879,7 +8048,7 @@
                 <a:sym typeface="Lato"/>
               </a:defRPr>
             </a:lvl2pPr>
-            <a:lvl3pPr indent="-317500" lvl="2" marL="1371600" rtl="0">
+            <a:lvl3pPr marL="1371600" lvl="2" indent="-317500" rtl="0">
               <a:lnSpc>
                 <a:spcPct val="115000"/>
               </a:lnSpc>
@@ -7905,7 +8074,7 @@
                 <a:sym typeface="Lato"/>
               </a:defRPr>
             </a:lvl3pPr>
-            <a:lvl4pPr indent="-317500" lvl="3" marL="1828800" rtl="0">
+            <a:lvl4pPr marL="1828800" lvl="3" indent="-317500" rtl="0">
               <a:lnSpc>
                 <a:spcPct val="115000"/>
               </a:lnSpc>
@@ -7931,7 +8100,7 @@
                 <a:sym typeface="Lato"/>
               </a:defRPr>
             </a:lvl4pPr>
-            <a:lvl5pPr indent="-317500" lvl="4" marL="2286000" rtl="0">
+            <a:lvl5pPr marL="2286000" lvl="4" indent="-317500" rtl="0">
               <a:lnSpc>
                 <a:spcPct val="115000"/>
               </a:lnSpc>
@@ -7957,7 +8126,7 @@
                 <a:sym typeface="Lato"/>
               </a:defRPr>
             </a:lvl5pPr>
-            <a:lvl6pPr indent="-317500" lvl="5" marL="2743200" rtl="0">
+            <a:lvl6pPr marL="2743200" lvl="5" indent="-317500" rtl="0">
               <a:lnSpc>
                 <a:spcPct val="115000"/>
               </a:lnSpc>
@@ -7983,7 +8152,7 @@
                 <a:sym typeface="Lato"/>
               </a:defRPr>
             </a:lvl6pPr>
-            <a:lvl7pPr indent="-317500" lvl="6" marL="3200400" rtl="0">
+            <a:lvl7pPr marL="3200400" lvl="6" indent="-317500" rtl="0">
               <a:lnSpc>
                 <a:spcPct val="115000"/>
               </a:lnSpc>
@@ -8009,7 +8178,7 @@
                 <a:sym typeface="Lato"/>
               </a:defRPr>
             </a:lvl7pPr>
-            <a:lvl8pPr indent="-317500" lvl="7" marL="3657600" rtl="0">
+            <a:lvl8pPr marL="3657600" lvl="7" indent="-317500" rtl="0">
               <a:lnSpc>
                 <a:spcPct val="115000"/>
               </a:lnSpc>
@@ -8035,7 +8204,7 @@
                 <a:sym typeface="Lato"/>
               </a:defRPr>
             </a:lvl8pPr>
-            <a:lvl9pPr indent="-317500" lvl="8" marL="4114800" rtl="0">
+            <a:lvl9pPr marL="4114800" lvl="8" indent="-317500" rtl="0">
               <a:lnSpc>
                 <a:spcPct val="115000"/>
               </a:lnSpc>
@@ -8062,15 +8231,19 @@
               </a:defRPr>
             </a:lvl9pPr>
           </a:lstStyle>
-          <a:p/>
+          <a:p>
+            <a:endParaRPr/>
+          </a:p>
         </p:txBody>
       </p:sp>
       <p:sp>
         <p:nvSpPr>
           <p:cNvPr id="8" name="Google Shape;8;p1"/>
-          <p:cNvSpPr txBox="1"/>
+          <p:cNvSpPr txBox="1">
+            <a:spLocks noGrp="1"/>
+          </p:cNvSpPr>
           <p:nvPr>
-            <p:ph idx="12" type="sldNum"/>
+            <p:ph type="sldNum" idx="12"/>
           </p:nvPr>
         </p:nvSpPr>
         <p:spPr>
@@ -8087,11 +8260,11 @@
           </a:ln>
         </p:spPr>
         <p:txBody>
-          <a:bodyPr anchorCtr="0" anchor="ctr" bIns="91425" lIns="91425" spcFirstLastPara="1" rIns="91425" wrap="square" tIns="91425">
+          <a:bodyPr spcFirstLastPara="1" wrap="square" lIns="91425" tIns="91425" rIns="91425" bIns="91425" anchor="ctr" anchorCtr="0">
             <a:noAutofit/>
           </a:bodyPr>
           <a:lstStyle>
-            <a:lvl1pPr lvl="0" rtl="0" algn="r">
+            <a:lvl1pPr lvl="0" algn="r" rtl="0">
               <a:buNone/>
               <a:defRPr sz="1000">
                 <a:solidFill>
@@ -8103,7 +8276,7 @@
                 <a:sym typeface="Lato"/>
               </a:defRPr>
             </a:lvl1pPr>
-            <a:lvl2pPr lvl="1" rtl="0" algn="r">
+            <a:lvl2pPr lvl="1" algn="r" rtl="0">
               <a:buNone/>
               <a:defRPr sz="1000">
                 <a:solidFill>
@@ -8115,7 +8288,7 @@
                 <a:sym typeface="Lato"/>
               </a:defRPr>
             </a:lvl2pPr>
-            <a:lvl3pPr lvl="2" rtl="0" algn="r">
+            <a:lvl3pPr lvl="2" algn="r" rtl="0">
               <a:buNone/>
               <a:defRPr sz="1000">
                 <a:solidFill>
@@ -8127,7 +8300,7 @@
                 <a:sym typeface="Lato"/>
               </a:defRPr>
             </a:lvl3pPr>
-            <a:lvl4pPr lvl="3" rtl="0" algn="r">
+            <a:lvl4pPr lvl="3" algn="r" rtl="0">
               <a:buNone/>
               <a:defRPr sz="1000">
                 <a:solidFill>
@@ -8139,7 +8312,7 @@
                 <a:sym typeface="Lato"/>
               </a:defRPr>
             </a:lvl4pPr>
-            <a:lvl5pPr lvl="4" rtl="0" algn="r">
+            <a:lvl5pPr lvl="4" algn="r" rtl="0">
               <a:buNone/>
               <a:defRPr sz="1000">
                 <a:solidFill>
@@ -8151,7 +8324,7 @@
                 <a:sym typeface="Lato"/>
               </a:defRPr>
             </a:lvl5pPr>
-            <a:lvl6pPr lvl="5" rtl="0" algn="r">
+            <a:lvl6pPr lvl="5" algn="r" rtl="0">
               <a:buNone/>
               <a:defRPr sz="1000">
                 <a:solidFill>
@@ -8163,7 +8336,7 @@
                 <a:sym typeface="Lato"/>
               </a:defRPr>
             </a:lvl6pPr>
-            <a:lvl7pPr lvl="6" rtl="0" algn="r">
+            <a:lvl7pPr lvl="6" algn="r" rtl="0">
               <a:buNone/>
               <a:defRPr sz="1000">
                 <a:solidFill>
@@ -8175,7 +8348,7 @@
                 <a:sym typeface="Lato"/>
               </a:defRPr>
             </a:lvl7pPr>
-            <a:lvl8pPr lvl="7" rtl="0" algn="r">
+            <a:lvl8pPr lvl="7" algn="r" rtl="0">
               <a:buNone/>
               <a:defRPr sz="1000">
                 <a:solidFill>
@@ -8187,7 +8360,7 @@
                 <a:sym typeface="Lato"/>
               </a:defRPr>
             </a:lvl8pPr>
-            <a:lvl9pPr lvl="8" rtl="0" algn="r">
+            <a:lvl9pPr lvl="8" algn="r" rtl="0">
               <a:buNone/>
               <a:defRPr sz="1000">
                 <a:solidFill>
@@ -8201,7 +8374,7 @@
             </a:lvl9pPr>
           </a:lstStyle>
           <a:p>
-            <a:pPr indent="0" lvl="0" marL="0" rtl="0" algn="r">
+            <a:pPr marL="0" lvl="0" indent="0" algn="r" rtl="0">
               <a:spcBef>
                 <a:spcPts val="0"/>
               </a:spcBef>
@@ -8220,7 +8393,7 @@
       </p:sp>
     </p:spTree>
   </p:cSld>
-  <p:clrMap accent1="accent1" accent2="accent2" accent3="accent3" accent4="accent4" accent5="accent5" accent6="accent6" bg1="lt1" bg2="dk2" tx1="dk1" tx2="lt2" folHlink="folHlink" hlink="hlink"/>
+  <p:clrMap bg1="lt1" tx1="dk1" bg2="dk2" tx2="lt2" accent1="accent1" accent2="accent2" accent3="accent3" accent4="accent4" accent5="accent5" accent6="accent6" hlink="hlink" folHlink="folHlink"/>
   <p:sldLayoutIdLst>
     <p:sldLayoutId id="2147483648" r:id="rId1"/>
     <p:sldLayoutId id="2147483649" r:id="rId2"/>
@@ -8234,10 +8407,10 @@
     <p:sldLayoutId id="2147483657" r:id="rId10"/>
     <p:sldLayoutId id="2147483658" r:id="rId11"/>
   </p:sldLayoutIdLst>
-  <p:hf dt="0" ftr="0" hdr="0"/>
+  <p:hf hdr="0" ftr="0" dt="0"/>
   <p:txStyles>
     <p:titleStyle>
-      <a:defPPr lvl="0" marR="0" rtl="0" algn="l">
+      <a:defPPr marR="0" lvl="0" algn="l" rtl="0">
         <a:lnSpc>
           <a:spcPct val="100000"/>
         </a:lnSpc>
@@ -8248,7 +8421,7 @@
           <a:spcPts val="0"/>
         </a:spcAft>
       </a:defPPr>
-      <a:lvl1pPr lvl="0" marR="0" rtl="0" algn="l">
+      <a:lvl1pPr marR="0" lvl="0" algn="l" rtl="0">
         <a:lnSpc>
           <a:spcPct val="100000"/>
         </a:lnSpc>
@@ -8262,7 +8435,7 @@
           <a:srgbClr val="000000"/>
         </a:buClr>
         <a:buFont typeface="Arial"/>
-        <a:defRPr b="0" i="0" sz="1400" u="none" cap="none" strike="noStrike">
+        <a:defRPr sz="1400" b="0" i="0" u="none" strike="noStrike" cap="none">
           <a:solidFill>
             <a:srgbClr val="000000"/>
           </a:solidFill>
@@ -8272,7 +8445,7 @@
           <a:sym typeface="Arial"/>
         </a:defRPr>
       </a:lvl1pPr>
-      <a:lvl2pPr lvl="1" marR="0" rtl="0" algn="l">
+      <a:lvl2pPr marR="0" lvl="1" algn="l" rtl="0">
         <a:lnSpc>
           <a:spcPct val="100000"/>
         </a:lnSpc>
@@ -8286,7 +8459,7 @@
           <a:srgbClr val="000000"/>
         </a:buClr>
         <a:buFont typeface="Arial"/>
-        <a:defRPr b="0" i="0" sz="1400" u="none" cap="none" strike="noStrike">
+        <a:defRPr sz="1400" b="0" i="0" u="none" strike="noStrike" cap="none">
           <a:solidFill>
             <a:srgbClr val="000000"/>
           </a:solidFill>
@@ -8296,7 +8469,7 @@
           <a:sym typeface="Arial"/>
         </a:defRPr>
       </a:lvl2pPr>
-      <a:lvl3pPr lvl="2" marR="0" rtl="0" algn="l">
+      <a:lvl3pPr marR="0" lvl="2" algn="l" rtl="0">
         <a:lnSpc>
           <a:spcPct val="100000"/>
         </a:lnSpc>
@@ -8310,7 +8483,7 @@
           <a:srgbClr val="000000"/>
         </a:buClr>
         <a:buFont typeface="Arial"/>
-        <a:defRPr b="0" i="0" sz="1400" u="none" cap="none" strike="noStrike">
+        <a:defRPr sz="1400" b="0" i="0" u="none" strike="noStrike" cap="none">
           <a:solidFill>
             <a:srgbClr val="000000"/>
           </a:solidFill>
@@ -8320,7 +8493,7 @@
           <a:sym typeface="Arial"/>
         </a:defRPr>
       </a:lvl3pPr>
-      <a:lvl4pPr lvl="3" marR="0" rtl="0" algn="l">
+      <a:lvl4pPr marR="0" lvl="3" algn="l" rtl="0">
         <a:lnSpc>
           <a:spcPct val="100000"/>
         </a:lnSpc>
@@ -8334,7 +8507,7 @@
           <a:srgbClr val="000000"/>
         </a:buClr>
         <a:buFont typeface="Arial"/>
-        <a:defRPr b="0" i="0" sz="1400" u="none" cap="none" strike="noStrike">
+        <a:defRPr sz="1400" b="0" i="0" u="none" strike="noStrike" cap="none">
           <a:solidFill>
             <a:srgbClr val="000000"/>
           </a:solidFill>
@@ -8344,7 +8517,7 @@
           <a:sym typeface="Arial"/>
         </a:defRPr>
       </a:lvl4pPr>
-      <a:lvl5pPr lvl="4" marR="0" rtl="0" algn="l">
+      <a:lvl5pPr marR="0" lvl="4" algn="l" rtl="0">
         <a:lnSpc>
           <a:spcPct val="100000"/>
         </a:lnSpc>
@@ -8358,7 +8531,7 @@
           <a:srgbClr val="000000"/>
         </a:buClr>
         <a:buFont typeface="Arial"/>
-        <a:defRPr b="0" i="0" sz="1400" u="none" cap="none" strike="noStrike">
+        <a:defRPr sz="1400" b="0" i="0" u="none" strike="noStrike" cap="none">
           <a:solidFill>
             <a:srgbClr val="000000"/>
           </a:solidFill>
@@ -8368,7 +8541,7 @@
           <a:sym typeface="Arial"/>
         </a:defRPr>
       </a:lvl5pPr>
-      <a:lvl6pPr lvl="5" marR="0" rtl="0" algn="l">
+      <a:lvl6pPr marR="0" lvl="5" algn="l" rtl="0">
         <a:lnSpc>
           <a:spcPct val="100000"/>
         </a:lnSpc>
@@ -8382,7 +8555,7 @@
           <a:srgbClr val="000000"/>
         </a:buClr>
         <a:buFont typeface="Arial"/>
-        <a:defRPr b="0" i="0" sz="1400" u="none" cap="none" strike="noStrike">
+        <a:defRPr sz="1400" b="0" i="0" u="none" strike="noStrike" cap="none">
           <a:solidFill>
             <a:srgbClr val="000000"/>
           </a:solidFill>
@@ -8392,7 +8565,7 @@
           <a:sym typeface="Arial"/>
         </a:defRPr>
       </a:lvl6pPr>
-      <a:lvl7pPr lvl="6" marR="0" rtl="0" algn="l">
+      <a:lvl7pPr marR="0" lvl="6" algn="l" rtl="0">
         <a:lnSpc>
           <a:spcPct val="100000"/>
         </a:lnSpc>
@@ -8406,7 +8579,7 @@
           <a:srgbClr val="000000"/>
         </a:buClr>
         <a:buFont typeface="Arial"/>
-        <a:defRPr b="0" i="0" sz="1400" u="none" cap="none" strike="noStrike">
+        <a:defRPr sz="1400" b="0" i="0" u="none" strike="noStrike" cap="none">
           <a:solidFill>
             <a:srgbClr val="000000"/>
           </a:solidFill>
@@ -8416,7 +8589,7 @@
           <a:sym typeface="Arial"/>
         </a:defRPr>
       </a:lvl7pPr>
-      <a:lvl8pPr lvl="7" marR="0" rtl="0" algn="l">
+      <a:lvl8pPr marR="0" lvl="7" algn="l" rtl="0">
         <a:lnSpc>
           <a:spcPct val="100000"/>
         </a:lnSpc>
@@ -8430,7 +8603,7 @@
           <a:srgbClr val="000000"/>
         </a:buClr>
         <a:buFont typeface="Arial"/>
-        <a:defRPr b="0" i="0" sz="1400" u="none" cap="none" strike="noStrike">
+        <a:defRPr sz="1400" b="0" i="0" u="none" strike="noStrike" cap="none">
           <a:solidFill>
             <a:srgbClr val="000000"/>
           </a:solidFill>
@@ -8440,7 +8613,7 @@
           <a:sym typeface="Arial"/>
         </a:defRPr>
       </a:lvl8pPr>
-      <a:lvl9pPr lvl="8" marR="0" rtl="0" algn="l">
+      <a:lvl9pPr marR="0" lvl="8" algn="l" rtl="0">
         <a:lnSpc>
           <a:spcPct val="100000"/>
         </a:lnSpc>
@@ -8454,7 +8627,7 @@
           <a:srgbClr val="000000"/>
         </a:buClr>
         <a:buFont typeface="Arial"/>
-        <a:defRPr b="0" i="0" sz="1400" u="none" cap="none" strike="noStrike">
+        <a:defRPr sz="1400" b="0" i="0" u="none" strike="noStrike" cap="none">
           <a:solidFill>
             <a:srgbClr val="000000"/>
           </a:solidFill>
@@ -8466,7 +8639,7 @@
       </a:lvl9pPr>
     </p:titleStyle>
     <p:bodyStyle>
-      <a:defPPr lvl="0" marR="0" rtl="0" algn="l">
+      <a:defPPr marR="0" lvl="0" algn="l" rtl="0">
         <a:lnSpc>
           <a:spcPct val="100000"/>
         </a:lnSpc>
@@ -8477,7 +8650,7 @@
           <a:spcPts val="0"/>
         </a:spcAft>
       </a:defPPr>
-      <a:lvl1pPr lvl="0" marR="0" rtl="0" algn="l">
+      <a:lvl1pPr marR="0" lvl="0" algn="l" rtl="0">
         <a:lnSpc>
           <a:spcPct val="100000"/>
         </a:lnSpc>
@@ -8491,7 +8664,7 @@
           <a:srgbClr val="000000"/>
         </a:buClr>
         <a:buFont typeface="Arial"/>
-        <a:defRPr b="0" i="0" sz="1400" u="none" cap="none" strike="noStrike">
+        <a:defRPr sz="1400" b="0" i="0" u="none" strike="noStrike" cap="none">
           <a:solidFill>
             <a:srgbClr val="000000"/>
           </a:solidFill>
@@ -8501,7 +8674,7 @@
           <a:sym typeface="Arial"/>
         </a:defRPr>
       </a:lvl1pPr>
-      <a:lvl2pPr lvl="1" marR="0" rtl="0" algn="l">
+      <a:lvl2pPr marR="0" lvl="1" algn="l" rtl="0">
         <a:lnSpc>
           <a:spcPct val="100000"/>
         </a:lnSpc>
@@ -8515,7 +8688,7 @@
           <a:srgbClr val="000000"/>
         </a:buClr>
         <a:buFont typeface="Arial"/>
-        <a:defRPr b="0" i="0" sz="1400" u="none" cap="none" strike="noStrike">
+        <a:defRPr sz="1400" b="0" i="0" u="none" strike="noStrike" cap="none">
           <a:solidFill>
             <a:srgbClr val="000000"/>
           </a:solidFill>
@@ -8525,7 +8698,7 @@
           <a:sym typeface="Arial"/>
         </a:defRPr>
       </a:lvl2pPr>
-      <a:lvl3pPr lvl="2" marR="0" rtl="0" algn="l">
+      <a:lvl3pPr marR="0" lvl="2" algn="l" rtl="0">
         <a:lnSpc>
           <a:spcPct val="100000"/>
         </a:lnSpc>
@@ -8539,7 +8712,7 @@
           <a:srgbClr val="000000"/>
         </a:buClr>
         <a:buFont typeface="Arial"/>
-        <a:defRPr b="0" i="0" sz="1400" u="none" cap="none" strike="noStrike">
+        <a:defRPr sz="1400" b="0" i="0" u="none" strike="noStrike" cap="none">
           <a:solidFill>
             <a:srgbClr val="000000"/>
           </a:solidFill>
@@ -8549,7 +8722,7 @@
           <a:sym typeface="Arial"/>
         </a:defRPr>
       </a:lvl3pPr>
-      <a:lvl4pPr lvl="3" marR="0" rtl="0" algn="l">
+      <a:lvl4pPr marR="0" lvl="3" algn="l" rtl="0">
         <a:lnSpc>
           <a:spcPct val="100000"/>
         </a:lnSpc>
@@ -8563,7 +8736,7 @@
           <a:srgbClr val="000000"/>
         </a:buClr>
         <a:buFont typeface="Arial"/>
-        <a:defRPr b="0" i="0" sz="1400" u="none" cap="none" strike="noStrike">
+        <a:defRPr sz="1400" b="0" i="0" u="none" strike="noStrike" cap="none">
           <a:solidFill>
             <a:srgbClr val="000000"/>
           </a:solidFill>
@@ -8573,7 +8746,7 @@
           <a:sym typeface="Arial"/>
         </a:defRPr>
       </a:lvl4pPr>
-      <a:lvl5pPr lvl="4" marR="0" rtl="0" algn="l">
+      <a:lvl5pPr marR="0" lvl="4" algn="l" rtl="0">
         <a:lnSpc>
           <a:spcPct val="100000"/>
         </a:lnSpc>
@@ -8587,7 +8760,7 @@
           <a:srgbClr val="000000"/>
         </a:buClr>
         <a:buFont typeface="Arial"/>
-        <a:defRPr b="0" i="0" sz="1400" u="none" cap="none" strike="noStrike">
+        <a:defRPr sz="1400" b="0" i="0" u="none" strike="noStrike" cap="none">
           <a:solidFill>
             <a:srgbClr val="000000"/>
           </a:solidFill>
@@ -8597,7 +8770,7 @@
           <a:sym typeface="Arial"/>
         </a:defRPr>
       </a:lvl5pPr>
-      <a:lvl6pPr lvl="5" marR="0" rtl="0" algn="l">
+      <a:lvl6pPr marR="0" lvl="5" algn="l" rtl="0">
         <a:lnSpc>
           <a:spcPct val="100000"/>
         </a:lnSpc>
@@ -8611,7 +8784,7 @@
           <a:srgbClr val="000000"/>
         </a:buClr>
         <a:buFont typeface="Arial"/>
-        <a:defRPr b="0" i="0" sz="1400" u="none" cap="none" strike="noStrike">
+        <a:defRPr sz="1400" b="0" i="0" u="none" strike="noStrike" cap="none">
           <a:solidFill>
             <a:srgbClr val="000000"/>
           </a:solidFill>
@@ -8621,7 +8794,7 @@
           <a:sym typeface="Arial"/>
         </a:defRPr>
       </a:lvl6pPr>
-      <a:lvl7pPr lvl="6" marR="0" rtl="0" algn="l">
+      <a:lvl7pPr marR="0" lvl="6" algn="l" rtl="0">
         <a:lnSpc>
           <a:spcPct val="100000"/>
         </a:lnSpc>
@@ -8635,7 +8808,7 @@
           <a:srgbClr val="000000"/>
         </a:buClr>
         <a:buFont typeface="Arial"/>
-        <a:defRPr b="0" i="0" sz="1400" u="none" cap="none" strike="noStrike">
+        <a:defRPr sz="1400" b="0" i="0" u="none" strike="noStrike" cap="none">
           <a:solidFill>
             <a:srgbClr val="000000"/>
           </a:solidFill>
@@ -8645,7 +8818,7 @@
           <a:sym typeface="Arial"/>
         </a:defRPr>
       </a:lvl7pPr>
-      <a:lvl8pPr lvl="7" marR="0" rtl="0" algn="l">
+      <a:lvl8pPr marR="0" lvl="7" algn="l" rtl="0">
         <a:lnSpc>
           <a:spcPct val="100000"/>
         </a:lnSpc>
@@ -8659,7 +8832,7 @@
           <a:srgbClr val="000000"/>
         </a:buClr>
         <a:buFont typeface="Arial"/>
-        <a:defRPr b="0" i="0" sz="1400" u="none" cap="none" strike="noStrike">
+        <a:defRPr sz="1400" b="0" i="0" u="none" strike="noStrike" cap="none">
           <a:solidFill>
             <a:srgbClr val="000000"/>
           </a:solidFill>
@@ -8669,7 +8842,7 @@
           <a:sym typeface="Arial"/>
         </a:defRPr>
       </a:lvl8pPr>
-      <a:lvl9pPr lvl="8" marR="0" rtl="0" algn="l">
+      <a:lvl9pPr marR="0" lvl="8" algn="l" rtl="0">
         <a:lnSpc>
           <a:spcPct val="100000"/>
         </a:lnSpc>
@@ -8683,7 +8856,7 @@
           <a:srgbClr val="000000"/>
         </a:buClr>
         <a:buFont typeface="Arial"/>
-        <a:defRPr b="0" i="0" sz="1400" u="none" cap="none" strike="noStrike">
+        <a:defRPr sz="1400" b="0" i="0" u="none" strike="noStrike" cap="none">
           <a:solidFill>
             <a:srgbClr val="000000"/>
           </a:solidFill>
@@ -8695,7 +8868,7 @@
       </a:lvl9pPr>
     </p:bodyStyle>
     <p:otherStyle>
-      <a:defPPr lvl="0" marR="0" rtl="0" algn="l">
+      <a:defPPr marR="0" lvl="0" algn="l" rtl="0">
         <a:lnSpc>
           <a:spcPct val="100000"/>
         </a:lnSpc>
@@ -8706,7 +8879,7 @@
           <a:spcPts val="0"/>
         </a:spcAft>
       </a:defPPr>
-      <a:lvl1pPr lvl="0" marR="0" rtl="0" algn="l">
+      <a:lvl1pPr marR="0" lvl="0" algn="l" rtl="0">
         <a:lnSpc>
           <a:spcPct val="100000"/>
         </a:lnSpc>
@@ -8720,7 +8893,7 @@
           <a:srgbClr val="000000"/>
         </a:buClr>
         <a:buFont typeface="Arial"/>
-        <a:defRPr b="0" i="0" sz="1400" u="none" cap="none" strike="noStrike">
+        <a:defRPr sz="1400" b="0" i="0" u="none" strike="noStrike" cap="none">
           <a:solidFill>
             <a:srgbClr val="000000"/>
           </a:solidFill>
@@ -8730,7 +8903,7 @@
           <a:sym typeface="Arial"/>
         </a:defRPr>
       </a:lvl1pPr>
-      <a:lvl2pPr lvl="1" marR="0" rtl="0" algn="l">
+      <a:lvl2pPr marR="0" lvl="1" algn="l" rtl="0">
         <a:lnSpc>
           <a:spcPct val="100000"/>
         </a:lnSpc>
@@ -8744,7 +8917,7 @@
           <a:srgbClr val="000000"/>
         </a:buClr>
         <a:buFont typeface="Arial"/>
-        <a:defRPr b="0" i="0" sz="1400" u="none" cap="none" strike="noStrike">
+        <a:defRPr sz="1400" b="0" i="0" u="none" strike="noStrike" cap="none">
           <a:solidFill>
             <a:srgbClr val="000000"/>
           </a:solidFill>
@@ -8754,7 +8927,7 @@
           <a:sym typeface="Arial"/>
         </a:defRPr>
       </a:lvl2pPr>
-      <a:lvl3pPr lvl="2" marR="0" rtl="0" algn="l">
+      <a:lvl3pPr marR="0" lvl="2" algn="l" rtl="0">
         <a:lnSpc>
           <a:spcPct val="100000"/>
         </a:lnSpc>
@@ -8768,7 +8941,7 @@
           <a:srgbClr val="000000"/>
         </a:buClr>
         <a:buFont typeface="Arial"/>
-        <a:defRPr b="0" i="0" sz="1400" u="none" cap="none" strike="noStrike">
+        <a:defRPr sz="1400" b="0" i="0" u="none" strike="noStrike" cap="none">
           <a:solidFill>
             <a:srgbClr val="000000"/>
           </a:solidFill>
@@ -8778,7 +8951,7 @@
           <a:sym typeface="Arial"/>
         </a:defRPr>
       </a:lvl3pPr>
-      <a:lvl4pPr lvl="3" marR="0" rtl="0" algn="l">
+      <a:lvl4pPr marR="0" lvl="3" algn="l" rtl="0">
         <a:lnSpc>
           <a:spcPct val="100000"/>
         </a:lnSpc>
@@ -8792,7 +8965,7 @@
           <a:srgbClr val="000000"/>
         </a:buClr>
         <a:buFont typeface="Arial"/>
-        <a:defRPr b="0" i="0" sz="1400" u="none" cap="none" strike="noStrike">
+        <a:defRPr sz="1400" b="0" i="0" u="none" strike="noStrike" cap="none">
           <a:solidFill>
             <a:srgbClr val="000000"/>
           </a:solidFill>
@@ -8802,7 +8975,7 @@
           <a:sym typeface="Arial"/>
         </a:defRPr>
       </a:lvl4pPr>
-      <a:lvl5pPr lvl="4" marR="0" rtl="0" algn="l">
+      <a:lvl5pPr marR="0" lvl="4" algn="l" rtl="0">
         <a:lnSpc>
           <a:spcPct val="100000"/>
         </a:lnSpc>
@@ -8816,7 +8989,7 @@
           <a:srgbClr val="000000"/>
         </a:buClr>
         <a:buFont typeface="Arial"/>
-        <a:defRPr b="0" i="0" sz="1400" u="none" cap="none" strike="noStrike">
+        <a:defRPr sz="1400" b="0" i="0" u="none" strike="noStrike" cap="none">
           <a:solidFill>
             <a:srgbClr val="000000"/>
           </a:solidFill>
@@ -8826,7 +8999,7 @@
           <a:sym typeface="Arial"/>
         </a:defRPr>
       </a:lvl5pPr>
-      <a:lvl6pPr lvl="5" marR="0" rtl="0" algn="l">
+      <a:lvl6pPr marR="0" lvl="5" algn="l" rtl="0">
         <a:lnSpc>
           <a:spcPct val="100000"/>
         </a:lnSpc>
@@ -8840,7 +9013,7 @@
           <a:srgbClr val="000000"/>
         </a:buClr>
         <a:buFont typeface="Arial"/>
-        <a:defRPr b="0" i="0" sz="1400" u="none" cap="none" strike="noStrike">
+        <a:defRPr sz="1400" b="0" i="0" u="none" strike="noStrike" cap="none">
           <a:solidFill>
             <a:srgbClr val="000000"/>
           </a:solidFill>
@@ -8850,7 +9023,7 @@
           <a:sym typeface="Arial"/>
         </a:defRPr>
       </a:lvl6pPr>
-      <a:lvl7pPr lvl="6" marR="0" rtl="0" algn="l">
+      <a:lvl7pPr marR="0" lvl="6" algn="l" rtl="0">
         <a:lnSpc>
           <a:spcPct val="100000"/>
         </a:lnSpc>
@@ -8864,7 +9037,7 @@
           <a:srgbClr val="000000"/>
         </a:buClr>
         <a:buFont typeface="Arial"/>
-        <a:defRPr b="0" i="0" sz="1400" u="none" cap="none" strike="noStrike">
+        <a:defRPr sz="1400" b="0" i="0" u="none" strike="noStrike" cap="none">
           <a:solidFill>
             <a:srgbClr val="000000"/>
           </a:solidFill>
@@ -8874,7 +9047,7 @@
           <a:sym typeface="Arial"/>
         </a:defRPr>
       </a:lvl7pPr>
-      <a:lvl8pPr lvl="7" marR="0" rtl="0" algn="l">
+      <a:lvl8pPr marR="0" lvl="7" algn="l" rtl="0">
         <a:lnSpc>
           <a:spcPct val="100000"/>
         </a:lnSpc>
@@ -8888,7 +9061,7 @@
           <a:srgbClr val="000000"/>
         </a:buClr>
         <a:buFont typeface="Arial"/>
-        <a:defRPr b="0" i="0" sz="1400" u="none" cap="none" strike="noStrike">
+        <a:defRPr sz="1400" b="0" i="0" u="none" strike="noStrike" cap="none">
           <a:solidFill>
             <a:srgbClr val="000000"/>
           </a:solidFill>
@@ -8898,7 +9071,7 @@
           <a:sym typeface="Arial"/>
         </a:defRPr>
       </a:lvl8pPr>
-      <a:lvl9pPr lvl="8" marR="0" rtl="0" algn="l">
+      <a:lvl9pPr marR="0" lvl="8" algn="l" rtl="0">
         <a:lnSpc>
           <a:spcPct val="100000"/>
         </a:lnSpc>
@@ -8912,7 +9085,7 @@
           <a:srgbClr val="000000"/>
         </a:buClr>
         <a:buFont typeface="Arial"/>
-        <a:defRPr b="0" i="0" sz="1400" u="none" cap="none" strike="noStrike">
+        <a:defRPr sz="1400" b="0" i="0" u="none" strike="noStrike" cap="none">
           <a:solidFill>
             <a:srgbClr val="000000"/>
           </a:solidFill>
@@ -8928,18 +9101,19 @@
 </file>
 
 <file path=ppt/slides/slide1.xml><?xml version="1.0" encoding="utf-8"?>
-<p:sld xmlns:a="http://schemas.openxmlformats.org/drawingml/2006/main" xmlns:r="http://schemas.openxmlformats.org/officeDocument/2006/relationships" xmlns:mc="http://schemas.openxmlformats.org/markup-compatibility/2006" xmlns:mv="urn:schemas-microsoft-com:mac:vml" xmlns:p="http://schemas.openxmlformats.org/presentationml/2006/main" xmlns:c="http://schemas.openxmlformats.org/drawingml/2006/chart" xmlns:dgm="http://schemas.openxmlformats.org/drawingml/2006/diagram" xmlns:o="urn:schemas-microsoft-com:office:office" xmlns:v="urn:schemas-microsoft-com:vml" xmlns:pvml="urn:schemas-microsoft-com:office:powerpoint" xmlns:com="http://schemas.openxmlformats.org/drawingml/2006/compatibility" xmlns:p14="http://schemas.microsoft.com/office/powerpoint/2010/main" xmlns:p15="http://schemas.microsoft.com/office/powerpoint/2012/main">
+<p:sld xmlns:a="http://schemas.openxmlformats.org/drawingml/2006/main" xmlns:r="http://schemas.openxmlformats.org/officeDocument/2006/relationships" xmlns:p="http://schemas.openxmlformats.org/presentationml/2006/main">
   <p:cSld>
     <p:bg>
       <p:bgPr>
         <a:solidFill>
           <a:srgbClr val="93C47D"/>
         </a:solidFill>
+        <a:effectLst/>
       </p:bgPr>
     </p:bg>
     <p:spTree>
       <p:nvGrpSpPr>
-        <p:cNvPr id="71" name="Shape 71"/>
+        <p:cNvPr id="1" name="Shape 71"/>
         <p:cNvGrpSpPr/>
         <p:nvPr/>
       </p:nvGrpSpPr>
@@ -8954,7 +9128,9 @@
       <p:sp>
         <p:nvSpPr>
           <p:cNvPr id="72" name="Google Shape;72;p13"/>
-          <p:cNvSpPr txBox="1"/>
+          <p:cNvSpPr txBox="1">
+            <a:spLocks noGrp="1"/>
+          </p:cNvSpPr>
           <p:nvPr>
             <p:ph type="ctrTitle"/>
           </p:nvPr>
@@ -8969,12 +9145,12 @@
           </a:prstGeom>
         </p:spPr>
         <p:txBody>
-          <a:bodyPr anchorCtr="0" anchor="t" bIns="91425" lIns="91425" spcFirstLastPara="1" rIns="91425" wrap="square" tIns="91425">
+          <a:bodyPr spcFirstLastPara="1" wrap="square" lIns="91425" tIns="91425" rIns="91425" bIns="91425" anchor="t" anchorCtr="0">
             <a:noAutofit/>
           </a:bodyPr>
           <a:lstStyle/>
           <a:p>
-            <a:pPr indent="0" lvl="0" marL="0" rtl="0" algn="l">
+            <a:pPr marL="0" lvl="0" indent="0" algn="l" rtl="0">
               <a:spcBef>
                 <a:spcPts val="0"/>
               </a:spcBef>
@@ -8994,9 +9170,11 @@
       <p:sp>
         <p:nvSpPr>
           <p:cNvPr id="73" name="Google Shape;73;p13"/>
-          <p:cNvSpPr txBox="1"/>
+          <p:cNvSpPr txBox="1">
+            <a:spLocks noGrp="1"/>
+          </p:cNvSpPr>
           <p:nvPr>
-            <p:ph idx="1" type="subTitle"/>
+            <p:ph type="subTitle" idx="1"/>
           </p:nvPr>
         </p:nvSpPr>
         <p:spPr>
@@ -9009,12 +9187,12 @@
           </a:prstGeom>
         </p:spPr>
         <p:txBody>
-          <a:bodyPr anchorCtr="0" anchor="b" bIns="91425" lIns="91425" spcFirstLastPara="1" rIns="91425" wrap="square" tIns="91425">
+          <a:bodyPr spcFirstLastPara="1" wrap="square" lIns="91425" tIns="91425" rIns="91425" bIns="91425" anchor="b" anchorCtr="0">
             <a:noAutofit/>
           </a:bodyPr>
           <a:lstStyle/>
           <a:p>
-            <a:pPr indent="0" lvl="0" marL="0" rtl="0" algn="r">
+            <a:pPr marL="0" lvl="0" indent="0" algn="r" rtl="0">
               <a:spcBef>
                 <a:spcPts val="0"/>
               </a:spcBef>
@@ -9024,13 +9202,13 @@
               <a:buNone/>
             </a:pPr>
             <a:r>
-              <a:rPr b="1" lang="en" sz="2400"/>
+              <a:rPr lang="en" sz="2400" b="1"/>
               <a:t> Dave Eum</a:t>
             </a:r>
-            <a:endParaRPr b="1" sz="2400"/>
-          </a:p>
-          <a:p>
-            <a:pPr indent="0" lvl="0" marL="0" rtl="0" algn="r">
+            <a:endParaRPr sz="2400" b="1"/>
+          </a:p>
+          <a:p>
+            <a:pPr marL="0" lvl="0" indent="0" algn="r" rtl="0">
               <a:spcBef>
                 <a:spcPts val="0"/>
               </a:spcBef>
@@ -9040,13 +9218,13 @@
               <a:buNone/>
             </a:pPr>
             <a:r>
-              <a:rPr b="1" lang="en" sz="2400"/>
+              <a:rPr lang="en" sz="2400" b="1"/>
               <a:t>Ekamjit Deol</a:t>
             </a:r>
-            <a:endParaRPr b="1" sz="2400"/>
-          </a:p>
-          <a:p>
-            <a:pPr indent="0" lvl="0" marL="0" rtl="0" algn="r">
+            <a:endParaRPr sz="2400" b="1"/>
+          </a:p>
+          <a:p>
+            <a:pPr marL="0" lvl="0" indent="0" algn="r" rtl="0">
               <a:spcBef>
                 <a:spcPts val="0"/>
               </a:spcBef>
@@ -9056,13 +9234,13 @@
               <a:buNone/>
             </a:pPr>
             <a:r>
-              <a:rPr b="1" lang="en" sz="2400"/>
+              <a:rPr lang="en" sz="2400" b="1"/>
               <a:t>Jennifer Huynh</a:t>
             </a:r>
-            <a:endParaRPr b="1" sz="2400"/>
-          </a:p>
-          <a:p>
-            <a:pPr indent="0" lvl="0" marL="0" rtl="0" algn="r">
+            <a:endParaRPr sz="2400" b="1"/>
+          </a:p>
+          <a:p>
+            <a:pPr marL="0" lvl="0" indent="0" algn="r" rtl="0">
               <a:spcBef>
                 <a:spcPts val="0"/>
               </a:spcBef>
@@ -9072,19 +9250,21 @@
               <a:buNone/>
             </a:pPr>
             <a:r>
-              <a:rPr b="1" lang="en" sz="2400"/>
+              <a:rPr lang="en" sz="2400" b="1"/>
               <a:t>Omar Colmenares</a:t>
             </a:r>
-            <a:endParaRPr b="1" sz="2400"/>
+            <a:endParaRPr sz="2400" b="1"/>
           </a:p>
         </p:txBody>
       </p:sp>
       <p:sp>
         <p:nvSpPr>
           <p:cNvPr id="74" name="Google Shape;74;p13"/>
-          <p:cNvSpPr txBox="1"/>
+          <p:cNvSpPr txBox="1">
+            <a:spLocks noGrp="1"/>
+          </p:cNvSpPr>
           <p:nvPr>
-            <p:ph idx="12" type="sldNum"/>
+            <p:ph type="sldNum" idx="12"/>
           </p:nvPr>
         </p:nvSpPr>
         <p:spPr>
@@ -9097,12 +9277,12 @@
           </a:prstGeom>
         </p:spPr>
         <p:txBody>
-          <a:bodyPr anchorCtr="0" anchor="ctr" bIns="91425" lIns="91425" spcFirstLastPara="1" rIns="91425" wrap="square" tIns="91425">
+          <a:bodyPr spcFirstLastPara="1" wrap="square" lIns="91425" tIns="91425" rIns="91425" bIns="91425" anchor="ctr" anchorCtr="0">
             <a:noAutofit/>
           </a:bodyPr>
           <a:lstStyle/>
           <a:p>
-            <a:pPr indent="0" lvl="0" marL="0" rtl="0" algn="r">
+            <a:pPr marL="0" lvl="0" indent="0" algn="r" rtl="0">
               <a:spcBef>
                 <a:spcPts val="0"/>
               </a:spcBef>
@@ -9113,7 +9293,7 @@
             </a:pPr>
             <a:fld id="{00000000-1234-1234-1234-123412341234}" type="slidenum">
               <a:rPr lang="en"/>
-              <a:t>‹#›</a:t>
+              <a:t>1</a:t>
             </a:fld>
             <a:endParaRPr/>
           </a:p>
@@ -9128,11 +9308,11 @@
 </file>
 
 <file path=ppt/slides/slide10.xml><?xml version="1.0" encoding="utf-8"?>
-<p:sld xmlns:a="http://schemas.openxmlformats.org/drawingml/2006/main" xmlns:r="http://schemas.openxmlformats.org/officeDocument/2006/relationships" xmlns:mc="http://schemas.openxmlformats.org/markup-compatibility/2006" xmlns:mv="urn:schemas-microsoft-com:mac:vml" xmlns:p="http://schemas.openxmlformats.org/presentationml/2006/main" xmlns:c="http://schemas.openxmlformats.org/drawingml/2006/chart" xmlns:dgm="http://schemas.openxmlformats.org/drawingml/2006/diagram" xmlns:o="urn:schemas-microsoft-com:office:office" xmlns:v="urn:schemas-microsoft-com:vml" xmlns:pvml="urn:schemas-microsoft-com:office:powerpoint" xmlns:com="http://schemas.openxmlformats.org/drawingml/2006/compatibility" xmlns:p14="http://schemas.microsoft.com/office/powerpoint/2010/main" xmlns:p15="http://schemas.microsoft.com/office/powerpoint/2012/main">
+<p:sld xmlns:a="http://schemas.openxmlformats.org/drawingml/2006/main" xmlns:r="http://schemas.openxmlformats.org/officeDocument/2006/relationships" xmlns:p="http://schemas.openxmlformats.org/presentationml/2006/main">
   <p:cSld>
     <p:spTree>
       <p:nvGrpSpPr>
-        <p:cNvPr id="135" name="Shape 135"/>
+        <p:cNvPr id="1" name="Shape 135"/>
         <p:cNvGrpSpPr/>
         <p:nvPr/>
       </p:nvGrpSpPr>
@@ -9147,7 +9327,9 @@
       <p:sp>
         <p:nvSpPr>
           <p:cNvPr id="136" name="Google Shape;136;p22"/>
-          <p:cNvSpPr txBox="1"/>
+          <p:cNvSpPr txBox="1">
+            <a:spLocks noGrp="1"/>
+          </p:cNvSpPr>
           <p:nvPr>
             <p:ph type="title"/>
           </p:nvPr>
@@ -9162,12 +9344,12 @@
           </a:prstGeom>
         </p:spPr>
         <p:txBody>
-          <a:bodyPr anchorCtr="0" anchor="t" bIns="91425" lIns="91425" spcFirstLastPara="1" rIns="91425" wrap="square" tIns="91425">
+          <a:bodyPr spcFirstLastPara="1" wrap="square" lIns="91425" tIns="91425" rIns="91425" bIns="91425" anchor="t" anchorCtr="0">
             <a:noAutofit/>
           </a:bodyPr>
           <a:lstStyle/>
           <a:p>
-            <a:pPr indent="0" lvl="0" marL="0" rtl="0" algn="l">
+            <a:pPr marL="0" lvl="0" indent="0" algn="l" rtl="0">
               <a:spcBef>
                 <a:spcPts val="0"/>
               </a:spcBef>
@@ -9183,7 +9365,7 @@
             <a:endParaRPr/>
           </a:p>
           <a:p>
-            <a:pPr indent="-381000" lvl="0" marL="457200" rtl="0" algn="l">
+            <a:pPr marL="457200" lvl="0" indent="-381000" algn="l" rtl="0">
               <a:lnSpc>
                 <a:spcPct val="115000"/>
               </a:lnSpc>
@@ -9209,7 +9391,7 @@
               <a:t>Meteostat API (</a:t>
             </a:r>
             <a:r>
-              <a:rPr b="0" lang="en" sz="1800" u="sng">
+              <a:rPr lang="en" sz="1800" b="0" u="sng">
                 <a:solidFill>
                   <a:srgbClr val="93C47D"/>
                 </a:solidFill>
@@ -9236,7 +9418,7 @@
             </a:endParaRPr>
           </a:p>
           <a:p>
-            <a:pPr indent="-381000" lvl="0" marL="457200" rtl="0" algn="l">
+            <a:pPr marL="457200" lvl="0" indent="-381000" algn="l" rtl="0">
               <a:lnSpc>
                 <a:spcPct val="115000"/>
               </a:lnSpc>
@@ -9268,7 +9450,7 @@
             </a:endParaRPr>
           </a:p>
           <a:p>
-            <a:pPr indent="-381000" lvl="0" marL="457200" rtl="0" algn="l">
+            <a:pPr marL="457200" lvl="0" indent="-381000" algn="l" rtl="0">
               <a:lnSpc>
                 <a:spcPct val="115000"/>
               </a:lnSpc>
@@ -9304,9 +9486,11 @@
       <p:sp>
         <p:nvSpPr>
           <p:cNvPr id="137" name="Google Shape;137;p22"/>
-          <p:cNvSpPr txBox="1"/>
+          <p:cNvSpPr txBox="1">
+            <a:spLocks noGrp="1"/>
+          </p:cNvSpPr>
           <p:nvPr>
-            <p:ph idx="12" type="sldNum"/>
+            <p:ph type="sldNum" idx="12"/>
           </p:nvPr>
         </p:nvSpPr>
         <p:spPr>
@@ -9319,12 +9503,12 @@
           </a:prstGeom>
         </p:spPr>
         <p:txBody>
-          <a:bodyPr anchorCtr="0" anchor="ctr" bIns="91425" lIns="91425" spcFirstLastPara="1" rIns="91425" wrap="square" tIns="91425">
+          <a:bodyPr spcFirstLastPara="1" wrap="square" lIns="91425" tIns="91425" rIns="91425" bIns="91425" anchor="ctr" anchorCtr="0">
             <a:noAutofit/>
           </a:bodyPr>
           <a:lstStyle/>
           <a:p>
-            <a:pPr indent="0" lvl="0" marL="0" rtl="0" algn="r">
+            <a:pPr marL="0" lvl="0" indent="0" algn="r" rtl="0">
               <a:spcBef>
                 <a:spcPts val="0"/>
               </a:spcBef>
@@ -9335,7 +9519,7 @@
             </a:pPr>
             <a:fld id="{00000000-1234-1234-1234-123412341234}" type="slidenum">
               <a:rPr lang="en"/>
-              <a:t>‹#›</a:t>
+              <a:t>10</a:t>
             </a:fld>
             <a:endParaRPr/>
           </a:p>
@@ -9350,11 +9534,11 @@
 </file>
 
 <file path=ppt/slides/slide11.xml><?xml version="1.0" encoding="utf-8"?>
-<p:sld xmlns:a="http://schemas.openxmlformats.org/drawingml/2006/main" xmlns:r="http://schemas.openxmlformats.org/officeDocument/2006/relationships" xmlns:mc="http://schemas.openxmlformats.org/markup-compatibility/2006" xmlns:mv="urn:schemas-microsoft-com:mac:vml" xmlns:p="http://schemas.openxmlformats.org/presentationml/2006/main" xmlns:c="http://schemas.openxmlformats.org/drawingml/2006/chart" xmlns:dgm="http://schemas.openxmlformats.org/drawingml/2006/diagram" xmlns:o="urn:schemas-microsoft-com:office:office" xmlns:v="urn:schemas-microsoft-com:vml" xmlns:pvml="urn:schemas-microsoft-com:office:powerpoint" xmlns:com="http://schemas.openxmlformats.org/drawingml/2006/compatibility" xmlns:p14="http://schemas.microsoft.com/office/powerpoint/2010/main" xmlns:p15="http://schemas.microsoft.com/office/powerpoint/2012/main">
+<p:sld xmlns:a="http://schemas.openxmlformats.org/drawingml/2006/main" xmlns:r="http://schemas.openxmlformats.org/officeDocument/2006/relationships" xmlns:p="http://schemas.openxmlformats.org/presentationml/2006/main">
   <p:cSld>
     <p:spTree>
       <p:nvGrpSpPr>
-        <p:cNvPr id="141" name="Shape 141"/>
+        <p:cNvPr id="1" name="Shape 141"/>
         <p:cNvGrpSpPr/>
         <p:nvPr/>
       </p:nvGrpSpPr>
@@ -9369,7 +9553,9 @@
       <p:sp>
         <p:nvSpPr>
           <p:cNvPr id="142" name="Google Shape;142;p23"/>
-          <p:cNvSpPr txBox="1"/>
+          <p:cNvSpPr txBox="1">
+            <a:spLocks noGrp="1"/>
+          </p:cNvSpPr>
           <p:nvPr>
             <p:ph type="title"/>
           </p:nvPr>
@@ -9384,12 +9570,12 @@
           </a:prstGeom>
         </p:spPr>
         <p:txBody>
-          <a:bodyPr anchorCtr="0" anchor="t" bIns="91425" lIns="91425" spcFirstLastPara="1" rIns="91425" wrap="square" tIns="91425">
+          <a:bodyPr spcFirstLastPara="1" wrap="square" lIns="91425" tIns="91425" rIns="91425" bIns="91425" anchor="t" anchorCtr="0">
             <a:noAutofit/>
           </a:bodyPr>
           <a:lstStyle/>
           <a:p>
-            <a:pPr indent="0" lvl="0" marL="0" rtl="0" algn="l">
+            <a:pPr marL="0" lvl="0" indent="0" algn="l" rtl="0">
               <a:spcBef>
                 <a:spcPts val="0"/>
               </a:spcBef>
@@ -9413,7 +9599,7 @@
             <a:endParaRPr/>
           </a:p>
           <a:p>
-            <a:pPr indent="0" lvl="0" marL="0" rtl="0" algn="l">
+            <a:pPr marL="0" lvl="0" indent="0" algn="l" rtl="0">
               <a:lnSpc>
                 <a:spcPct val="115000"/>
               </a:lnSpc>
@@ -9425,9 +9611,6 @@
               </a:spcAft>
               <a:buNone/>
             </a:pPr>
-            <a:r>
-              <a:t/>
-            </a:r>
             <a:endParaRPr sz="1400">
               <a:solidFill>
                 <a:srgbClr val="93C47D"/>
@@ -9435,7 +9618,7 @@
             </a:endParaRPr>
           </a:p>
           <a:p>
-            <a:pPr indent="0" lvl="0" marL="0" rtl="0" algn="l">
+            <a:pPr marL="0" lvl="0" indent="0" algn="l" rtl="0">
               <a:lnSpc>
                 <a:spcPct val="115000"/>
               </a:lnSpc>
@@ -9447,9 +9630,6 @@
               </a:spcAft>
               <a:buNone/>
             </a:pPr>
-            <a:r>
-              <a:t/>
-            </a:r>
             <a:endParaRPr sz="1400">
               <a:solidFill>
                 <a:srgbClr val="93C47D"/>
@@ -9506,12 +9686,12 @@
           </a:ln>
         </p:spPr>
         <p:txBody>
-          <a:bodyPr anchorCtr="0" anchor="t" bIns="91425" lIns="91425" spcFirstLastPara="1" rIns="91425" wrap="square" tIns="91425">
+          <a:bodyPr spcFirstLastPara="1" wrap="square" lIns="91425" tIns="91425" rIns="91425" bIns="91425" anchor="t" anchorCtr="0">
             <a:noAutofit/>
           </a:bodyPr>
           <a:lstStyle/>
           <a:p>
-            <a:pPr indent="-317500" lvl="0" marL="457200" rtl="0" algn="l">
+            <a:pPr marL="457200" lvl="0" indent="-317500" algn="l" rtl="0">
               <a:spcBef>
                 <a:spcPts val="0"/>
               </a:spcBef>
@@ -9548,18 +9728,15 @@
             </a:endParaRPr>
           </a:p>
           <a:p>
-            <a:pPr indent="0" lvl="0" marL="457200" rtl="0" algn="l">
-              <a:spcBef>
-                <a:spcPts val="0"/>
-              </a:spcBef>
-              <a:spcAft>
-                <a:spcPts val="0"/>
-              </a:spcAft>
-              <a:buNone/>
-            </a:pPr>
-            <a:r>
-              <a:t/>
-            </a:r>
+            <a:pPr marL="457200" lvl="0" indent="0" algn="l" rtl="0">
+              <a:spcBef>
+                <a:spcPts val="0"/>
+              </a:spcBef>
+              <a:spcAft>
+                <a:spcPts val="0"/>
+              </a:spcAft>
+              <a:buNone/>
+            </a:pPr>
             <a:endParaRPr>
               <a:solidFill>
                 <a:srgbClr val="FFFFFF"/>
@@ -9571,7 +9748,7 @@
             </a:endParaRPr>
           </a:p>
           <a:p>
-            <a:pPr indent="-317500" lvl="0" marL="457200" rtl="0" algn="l">
+            <a:pPr marL="457200" lvl="0" indent="-317500" algn="l" rtl="0">
               <a:spcBef>
                 <a:spcPts val="0"/>
               </a:spcBef>
@@ -9608,18 +9785,15 @@
             </a:endParaRPr>
           </a:p>
           <a:p>
-            <a:pPr indent="0" lvl="0" marL="0" rtl="0" algn="l">
-              <a:spcBef>
-                <a:spcPts val="0"/>
-              </a:spcBef>
-              <a:spcAft>
-                <a:spcPts val="0"/>
-              </a:spcAft>
-              <a:buNone/>
-            </a:pPr>
-            <a:r>
-              <a:t/>
-            </a:r>
+            <a:pPr marL="0" lvl="0" indent="0" algn="l" rtl="0">
+              <a:spcBef>
+                <a:spcPts val="0"/>
+              </a:spcBef>
+              <a:spcAft>
+                <a:spcPts val="0"/>
+              </a:spcAft>
+              <a:buNone/>
+            </a:pPr>
             <a:endParaRPr>
               <a:solidFill>
                 <a:srgbClr val="FFFFFF"/>
@@ -9631,18 +9805,15 @@
             </a:endParaRPr>
           </a:p>
           <a:p>
-            <a:pPr indent="0" lvl="0" marL="457200" rtl="0" algn="l">
-              <a:spcBef>
-                <a:spcPts val="0"/>
-              </a:spcBef>
-              <a:spcAft>
-                <a:spcPts val="0"/>
-              </a:spcAft>
-              <a:buNone/>
-            </a:pPr>
-            <a:r>
-              <a:t/>
-            </a:r>
+            <a:pPr marL="457200" lvl="0" indent="0" algn="l" rtl="0">
+              <a:spcBef>
+                <a:spcPts val="0"/>
+              </a:spcBef>
+              <a:spcAft>
+                <a:spcPts val="0"/>
+              </a:spcAft>
+              <a:buNone/>
+            </a:pPr>
             <a:endParaRPr>
               <a:solidFill>
                 <a:srgbClr val="FFFFFF"/>
@@ -9654,18 +9825,15 @@
             </a:endParaRPr>
           </a:p>
           <a:p>
-            <a:pPr indent="0" lvl="0" marL="457200" rtl="0" algn="l">
-              <a:spcBef>
-                <a:spcPts val="0"/>
-              </a:spcBef>
-              <a:spcAft>
-                <a:spcPts val="0"/>
-              </a:spcAft>
-              <a:buNone/>
-            </a:pPr>
-            <a:r>
-              <a:t/>
-            </a:r>
+            <a:pPr marL="457200" lvl="0" indent="0" algn="l" rtl="0">
+              <a:spcBef>
+                <a:spcPts val="0"/>
+              </a:spcBef>
+              <a:spcAft>
+                <a:spcPts val="0"/>
+              </a:spcAft>
+              <a:buNone/>
+            </a:pPr>
             <a:endParaRPr>
               <a:solidFill>
                 <a:srgbClr val="FFFFFF"/>
@@ -9681,9 +9849,11 @@
       <p:sp>
         <p:nvSpPr>
           <p:cNvPr id="145" name="Google Shape;145;p23"/>
-          <p:cNvSpPr txBox="1"/>
+          <p:cNvSpPr txBox="1">
+            <a:spLocks noGrp="1"/>
+          </p:cNvSpPr>
           <p:nvPr>
-            <p:ph idx="12" type="sldNum"/>
+            <p:ph type="sldNum" idx="12"/>
           </p:nvPr>
         </p:nvSpPr>
         <p:spPr>
@@ -9696,12 +9866,12 @@
           </a:prstGeom>
         </p:spPr>
         <p:txBody>
-          <a:bodyPr anchorCtr="0" anchor="ctr" bIns="91425" lIns="91425" spcFirstLastPara="1" rIns="91425" wrap="square" tIns="91425">
+          <a:bodyPr spcFirstLastPara="1" wrap="square" lIns="91425" tIns="91425" rIns="91425" bIns="91425" anchor="ctr" anchorCtr="0">
             <a:noAutofit/>
           </a:bodyPr>
           <a:lstStyle/>
           <a:p>
-            <a:pPr indent="0" lvl="0" marL="0" rtl="0" algn="r">
+            <a:pPr marL="0" lvl="0" indent="0" algn="r" rtl="0">
               <a:spcBef>
                 <a:spcPts val="0"/>
               </a:spcBef>
@@ -9712,7 +9882,7 @@
             </a:pPr>
             <a:fld id="{00000000-1234-1234-1234-123412341234}" type="slidenum">
               <a:rPr lang="en"/>
-              <a:t>‹#›</a:t>
+              <a:t>11</a:t>
             </a:fld>
             <a:endParaRPr/>
           </a:p>
@@ -9727,11 +9897,11 @@
 </file>
 
 <file path=ppt/slides/slide12.xml><?xml version="1.0" encoding="utf-8"?>
-<p:sld xmlns:a="http://schemas.openxmlformats.org/drawingml/2006/main" xmlns:r="http://schemas.openxmlformats.org/officeDocument/2006/relationships" xmlns:mc="http://schemas.openxmlformats.org/markup-compatibility/2006" xmlns:mv="urn:schemas-microsoft-com:mac:vml" xmlns:p="http://schemas.openxmlformats.org/presentationml/2006/main" xmlns:c="http://schemas.openxmlformats.org/drawingml/2006/chart" xmlns:dgm="http://schemas.openxmlformats.org/drawingml/2006/diagram" xmlns:o="urn:schemas-microsoft-com:office:office" xmlns:v="urn:schemas-microsoft-com:vml" xmlns:pvml="urn:schemas-microsoft-com:office:powerpoint" xmlns:com="http://schemas.openxmlformats.org/drawingml/2006/compatibility" xmlns:p14="http://schemas.microsoft.com/office/powerpoint/2010/main" xmlns:p15="http://schemas.microsoft.com/office/powerpoint/2012/main">
+<p:sld xmlns:a="http://schemas.openxmlformats.org/drawingml/2006/main" xmlns:r="http://schemas.openxmlformats.org/officeDocument/2006/relationships" xmlns:p="http://schemas.openxmlformats.org/presentationml/2006/main">
   <p:cSld>
     <p:spTree>
       <p:nvGrpSpPr>
-        <p:cNvPr id="149" name="Shape 149"/>
+        <p:cNvPr id="1" name="Shape 149"/>
         <p:cNvGrpSpPr/>
         <p:nvPr/>
       </p:nvGrpSpPr>
@@ -9746,7 +9916,9 @@
       <p:sp>
         <p:nvSpPr>
           <p:cNvPr id="150" name="Google Shape;150;p24"/>
-          <p:cNvSpPr txBox="1"/>
+          <p:cNvSpPr txBox="1">
+            <a:spLocks noGrp="1"/>
+          </p:cNvSpPr>
           <p:nvPr>
             <p:ph type="title"/>
           </p:nvPr>
@@ -9761,12 +9933,12 @@
           </a:prstGeom>
         </p:spPr>
         <p:txBody>
-          <a:bodyPr anchorCtr="0" anchor="t" bIns="91425" lIns="91425" spcFirstLastPara="1" rIns="91425" wrap="square" tIns="91425">
+          <a:bodyPr spcFirstLastPara="1" wrap="square" lIns="91425" tIns="91425" rIns="91425" bIns="91425" anchor="t" anchorCtr="0">
             <a:noAutofit/>
           </a:bodyPr>
           <a:lstStyle/>
           <a:p>
-            <a:pPr indent="0" lvl="0" marL="0" rtl="0" algn="l">
+            <a:pPr marL="0" lvl="0" indent="0" algn="l" rtl="0">
               <a:spcBef>
                 <a:spcPts val="0"/>
               </a:spcBef>
@@ -9785,16 +9957,12 @@
             </a:r>
             <a:r>
               <a:rPr lang="en"/>
-              <a:t>- </a:t>
-            </a:r>
-            <a:r>
-              <a:rPr lang="en"/>
-              <a:t>Murmansk</a:t>
+              <a:t>- Murmansk</a:t>
             </a:r>
             <a:endParaRPr/>
           </a:p>
           <a:p>
-            <a:pPr indent="0" lvl="0" marL="457200" rtl="0" algn="l">
+            <a:pPr marL="457200" lvl="0" indent="0" algn="l" rtl="0">
               <a:lnSpc>
                 <a:spcPct val="115000"/>
               </a:lnSpc>
@@ -9806,9 +9974,6 @@
               </a:spcAft>
               <a:buNone/>
             </a:pPr>
-            <a:r>
-              <a:t/>
-            </a:r>
             <a:endParaRPr sz="2400">
               <a:solidFill>
                 <a:srgbClr val="93C47D"/>
@@ -9865,12 +10030,12 @@
           </a:ln>
         </p:spPr>
         <p:txBody>
-          <a:bodyPr anchorCtr="0" anchor="t" bIns="91425" lIns="91425" spcFirstLastPara="1" rIns="91425" wrap="square" tIns="91425">
+          <a:bodyPr spcFirstLastPara="1" wrap="square" lIns="91425" tIns="91425" rIns="91425" bIns="91425" anchor="t" anchorCtr="0">
             <a:noAutofit/>
           </a:bodyPr>
           <a:lstStyle/>
           <a:p>
-            <a:pPr indent="-317500" lvl="0" marL="457200" rtl="0" algn="l">
+            <a:pPr marL="457200" lvl="0" indent="-317500" algn="l" rtl="0">
               <a:spcBef>
                 <a:spcPts val="0"/>
               </a:spcBef>
@@ -9907,18 +10072,15 @@
             </a:endParaRPr>
           </a:p>
           <a:p>
-            <a:pPr indent="0" lvl="0" marL="457200" rtl="0" algn="l">
-              <a:spcBef>
-                <a:spcPts val="0"/>
-              </a:spcBef>
-              <a:spcAft>
-                <a:spcPts val="0"/>
-              </a:spcAft>
-              <a:buNone/>
-            </a:pPr>
-            <a:r>
-              <a:t/>
-            </a:r>
+            <a:pPr marL="457200" lvl="0" indent="0" algn="l" rtl="0">
+              <a:spcBef>
+                <a:spcPts val="0"/>
+              </a:spcBef>
+              <a:spcAft>
+                <a:spcPts val="0"/>
+              </a:spcAft>
+              <a:buNone/>
+            </a:pPr>
             <a:endParaRPr>
               <a:solidFill>
                 <a:srgbClr val="FFFFFF"/>
@@ -9930,7 +10092,7 @@
             </a:endParaRPr>
           </a:p>
           <a:p>
-            <a:pPr indent="-317500" lvl="0" marL="457200" rtl="0" algn="l">
+            <a:pPr marL="457200" lvl="0" indent="-317500" algn="l" rtl="0">
               <a:spcBef>
                 <a:spcPts val="0"/>
               </a:spcBef>
@@ -9967,17 +10129,51 @@
             </a:endParaRPr>
           </a:p>
           <a:p>
-            <a:pPr indent="0" lvl="0" marL="0" rtl="0" algn="l">
-              <a:spcBef>
-                <a:spcPts val="0"/>
-              </a:spcBef>
-              <a:spcAft>
-                <a:spcPts val="0"/>
-              </a:spcAft>
-              <a:buNone/>
+            <a:pPr marL="0" lvl="0" indent="0" algn="l" rtl="0">
+              <a:spcBef>
+                <a:spcPts val="0"/>
+              </a:spcBef>
+              <a:spcAft>
+                <a:spcPts val="0"/>
+              </a:spcAft>
+              <a:buNone/>
+            </a:pPr>
+            <a:endParaRPr>
+              <a:solidFill>
+                <a:srgbClr val="FFFFFF"/>
+              </a:solidFill>
+              <a:latin typeface="Lato"/>
+              <a:ea typeface="Lato"/>
+              <a:cs typeface="Lato"/>
+              <a:sym typeface="Lato"/>
+            </a:endParaRPr>
+          </a:p>
+          <a:p>
+            <a:pPr marL="457200" lvl="0" indent="-317500" algn="l" rtl="0">
+              <a:spcBef>
+                <a:spcPts val="0"/>
+              </a:spcBef>
+              <a:spcAft>
+                <a:spcPts val="0"/>
+              </a:spcAft>
+              <a:buClr>
+                <a:srgbClr val="FFFFFF"/>
+              </a:buClr>
+              <a:buSzPts val="1400"/>
+              <a:buFont typeface="Lato"/>
+              <a:buChar char="●"/>
             </a:pPr>
             <a:r>
-              <a:t/>
+              <a:rPr lang="en">
+                <a:solidFill>
+                  <a:srgbClr val="FFFFFF"/>
+                </a:solidFill>
+                <a:latin typeface="Lato"/>
+                <a:ea typeface="Lato"/>
+                <a:cs typeface="Lato"/>
+                <a:sym typeface="Lato"/>
+              </a:rPr>
+              <a:t>Coincidentally, both localities in the northern hemisphere show a significant peak and drop between 2016-2018, indicating that it is not a local event</a:t>
             </a:r>
             <a:endParaRPr>
               <a:solidFill>
@@ -9990,44 +10186,15 @@
             </a:endParaRPr>
           </a:p>
           <a:p>
-            <a:pPr indent="-317500" lvl="0" marL="457200" rtl="0" algn="l">
-              <a:spcBef>
-                <a:spcPts val="0"/>
-              </a:spcBef>
-              <a:spcAft>
-                <a:spcPts val="0"/>
-              </a:spcAft>
-              <a:buClr>
-                <a:srgbClr val="FFFFFF"/>
-              </a:buClr>
-              <a:buSzPts val="1400"/>
-              <a:buFont typeface="Lato"/>
-              <a:buChar char="●"/>
-            </a:pPr>
-            <a:r>
-              <a:rPr lang="en">
-                <a:solidFill>
-                  <a:srgbClr val="FFFFFF"/>
-                </a:solidFill>
-                <a:latin typeface="Lato"/>
-                <a:ea typeface="Lato"/>
-                <a:cs typeface="Lato"/>
-                <a:sym typeface="Lato"/>
-              </a:rPr>
-              <a:t>Coincidentally</a:t>
-            </a:r>
-            <a:r>
-              <a:rPr lang="en">
-                <a:solidFill>
-                  <a:srgbClr val="FFFFFF"/>
-                </a:solidFill>
-                <a:latin typeface="Lato"/>
-                <a:ea typeface="Lato"/>
-                <a:cs typeface="Lato"/>
-                <a:sym typeface="Lato"/>
-              </a:rPr>
-              <a:t>, both localities in the northern hemisphere show a significant peak and drop between 2016-2018, indicating that it is not a local event</a:t>
-            </a:r>
+            <a:pPr marL="0" lvl="0" indent="0" algn="l" rtl="0">
+              <a:spcBef>
+                <a:spcPts val="0"/>
+              </a:spcBef>
+              <a:spcAft>
+                <a:spcPts val="0"/>
+              </a:spcAft>
+              <a:buNone/>
+            </a:pPr>
             <a:endParaRPr>
               <a:solidFill>
                 <a:srgbClr val="FFFFFF"/>
@@ -10039,18 +10206,15 @@
             </a:endParaRPr>
           </a:p>
           <a:p>
-            <a:pPr indent="0" lvl="0" marL="0" rtl="0" algn="l">
-              <a:spcBef>
-                <a:spcPts val="0"/>
-              </a:spcBef>
-              <a:spcAft>
-                <a:spcPts val="0"/>
-              </a:spcAft>
-              <a:buNone/>
-            </a:pPr>
-            <a:r>
-              <a:t/>
-            </a:r>
+            <a:pPr marL="457200" lvl="0" indent="0" algn="l" rtl="0">
+              <a:spcBef>
+                <a:spcPts val="0"/>
+              </a:spcBef>
+              <a:spcAft>
+                <a:spcPts val="0"/>
+              </a:spcAft>
+              <a:buNone/>
+            </a:pPr>
             <a:endParaRPr>
               <a:solidFill>
                 <a:srgbClr val="FFFFFF"/>
@@ -10062,18 +10226,15 @@
             </a:endParaRPr>
           </a:p>
           <a:p>
-            <a:pPr indent="0" lvl="0" marL="457200" rtl="0" algn="l">
-              <a:spcBef>
-                <a:spcPts val="0"/>
-              </a:spcBef>
-              <a:spcAft>
-                <a:spcPts val="0"/>
-              </a:spcAft>
-              <a:buNone/>
-            </a:pPr>
-            <a:r>
-              <a:t/>
-            </a:r>
+            <a:pPr marL="457200" lvl="0" indent="0" algn="l" rtl="0">
+              <a:spcBef>
+                <a:spcPts val="0"/>
+              </a:spcBef>
+              <a:spcAft>
+                <a:spcPts val="0"/>
+              </a:spcAft>
+              <a:buNone/>
+            </a:pPr>
             <a:endParaRPr>
               <a:solidFill>
                 <a:srgbClr val="FFFFFF"/>
@@ -10084,37 +10245,16 @@
               <a:sym typeface="Lato"/>
             </a:endParaRPr>
           </a:p>
-          <a:p>
-            <a:pPr indent="0" lvl="0" marL="457200" rtl="0" algn="l">
-              <a:spcBef>
-                <a:spcPts val="0"/>
-              </a:spcBef>
-              <a:spcAft>
-                <a:spcPts val="0"/>
-              </a:spcAft>
-              <a:buNone/>
-            </a:pPr>
-            <a:r>
-              <a:t/>
-            </a:r>
-            <a:endParaRPr>
-              <a:solidFill>
-                <a:srgbClr val="FFFFFF"/>
-              </a:solidFill>
-              <a:latin typeface="Lato"/>
-              <a:ea typeface="Lato"/>
-              <a:cs typeface="Lato"/>
-              <a:sym typeface="Lato"/>
-            </a:endParaRPr>
-          </a:p>
         </p:txBody>
       </p:sp>
       <p:sp>
         <p:nvSpPr>
           <p:cNvPr id="153" name="Google Shape;153;p24"/>
-          <p:cNvSpPr txBox="1"/>
+          <p:cNvSpPr txBox="1">
+            <a:spLocks noGrp="1"/>
+          </p:cNvSpPr>
           <p:nvPr>
-            <p:ph idx="12" type="sldNum"/>
+            <p:ph type="sldNum" idx="12"/>
           </p:nvPr>
         </p:nvSpPr>
         <p:spPr>
@@ -10127,12 +10267,12 @@
           </a:prstGeom>
         </p:spPr>
         <p:txBody>
-          <a:bodyPr anchorCtr="0" anchor="ctr" bIns="91425" lIns="91425" spcFirstLastPara="1" rIns="91425" wrap="square" tIns="91425">
+          <a:bodyPr spcFirstLastPara="1" wrap="square" lIns="91425" tIns="91425" rIns="91425" bIns="91425" anchor="ctr" anchorCtr="0">
             <a:noAutofit/>
           </a:bodyPr>
           <a:lstStyle/>
           <a:p>
-            <a:pPr indent="0" lvl="0" marL="0" rtl="0" algn="r">
+            <a:pPr marL="0" lvl="0" indent="0" algn="r" rtl="0">
               <a:spcBef>
                 <a:spcPts val="0"/>
               </a:spcBef>
@@ -10143,7 +10283,7 @@
             </a:pPr>
             <a:fld id="{00000000-1234-1234-1234-123412341234}" type="slidenum">
               <a:rPr lang="en"/>
-              <a:t>‹#›</a:t>
+              <a:t>12</a:t>
             </a:fld>
             <a:endParaRPr/>
           </a:p>
@@ -10158,11 +10298,11 @@
 </file>
 
 <file path=ppt/slides/slide13.xml><?xml version="1.0" encoding="utf-8"?>
-<p:sld xmlns:a="http://schemas.openxmlformats.org/drawingml/2006/main" xmlns:r="http://schemas.openxmlformats.org/officeDocument/2006/relationships" xmlns:mc="http://schemas.openxmlformats.org/markup-compatibility/2006" xmlns:mv="urn:schemas-microsoft-com:mac:vml" xmlns:p="http://schemas.openxmlformats.org/presentationml/2006/main" xmlns:c="http://schemas.openxmlformats.org/drawingml/2006/chart" xmlns:dgm="http://schemas.openxmlformats.org/drawingml/2006/diagram" xmlns:o="urn:schemas-microsoft-com:office:office" xmlns:v="urn:schemas-microsoft-com:vml" xmlns:pvml="urn:schemas-microsoft-com:office:powerpoint" xmlns:com="http://schemas.openxmlformats.org/drawingml/2006/compatibility" xmlns:p14="http://schemas.microsoft.com/office/powerpoint/2010/main" xmlns:p15="http://schemas.microsoft.com/office/powerpoint/2012/main">
+<p:sld xmlns:a="http://schemas.openxmlformats.org/drawingml/2006/main" xmlns:r="http://schemas.openxmlformats.org/officeDocument/2006/relationships" xmlns:p="http://schemas.openxmlformats.org/presentationml/2006/main">
   <p:cSld>
     <p:spTree>
       <p:nvGrpSpPr>
-        <p:cNvPr id="157" name="Shape 157"/>
+        <p:cNvPr id="1" name="Shape 157"/>
         <p:cNvGrpSpPr/>
         <p:nvPr/>
       </p:nvGrpSpPr>
@@ -10177,7 +10317,9 @@
       <p:sp>
         <p:nvSpPr>
           <p:cNvPr id="158" name="Google Shape;158;p25"/>
-          <p:cNvSpPr txBox="1"/>
+          <p:cNvSpPr txBox="1">
+            <a:spLocks noGrp="1"/>
+          </p:cNvSpPr>
           <p:nvPr>
             <p:ph type="title"/>
           </p:nvPr>
@@ -10192,12 +10334,12 @@
           </a:prstGeom>
         </p:spPr>
         <p:txBody>
-          <a:bodyPr anchorCtr="0" anchor="t" bIns="91425" lIns="91425" spcFirstLastPara="1" rIns="91425" wrap="square" tIns="91425">
+          <a:bodyPr spcFirstLastPara="1" wrap="square" lIns="91425" tIns="91425" rIns="91425" bIns="91425" anchor="t" anchorCtr="0">
             <a:noAutofit/>
           </a:bodyPr>
           <a:lstStyle/>
           <a:p>
-            <a:pPr indent="0" lvl="0" marL="0" rtl="0" algn="l">
+            <a:pPr marL="0" lvl="0" indent="0" algn="l" rtl="0">
               <a:spcBef>
                 <a:spcPts val="0"/>
               </a:spcBef>
@@ -10216,16 +10358,12 @@
             </a:r>
             <a:r>
               <a:rPr lang="en"/>
-              <a:t>- </a:t>
-            </a:r>
-            <a:r>
-              <a:rPr lang="en"/>
-              <a:t>Singapore</a:t>
+              <a:t>- Singapore</a:t>
             </a:r>
             <a:endParaRPr/>
           </a:p>
           <a:p>
-            <a:pPr indent="0" lvl="0" marL="457200" rtl="0" algn="l">
+            <a:pPr marL="457200" lvl="0" indent="0" algn="l" rtl="0">
               <a:lnSpc>
                 <a:spcPct val="115000"/>
               </a:lnSpc>
@@ -10237,9 +10375,6 @@
               </a:spcAft>
               <a:buNone/>
             </a:pPr>
-            <a:r>
-              <a:t/>
-            </a:r>
             <a:endParaRPr sz="2400">
               <a:solidFill>
                 <a:srgbClr val="93C47D"/>
@@ -10296,12 +10431,12 @@
           </a:ln>
         </p:spPr>
         <p:txBody>
-          <a:bodyPr anchorCtr="0" anchor="t" bIns="91425" lIns="91425" spcFirstLastPara="1" rIns="91425" wrap="square" tIns="91425">
+          <a:bodyPr spcFirstLastPara="1" wrap="square" lIns="91425" tIns="91425" rIns="91425" bIns="91425" anchor="t" anchorCtr="0">
             <a:noAutofit/>
           </a:bodyPr>
           <a:lstStyle/>
           <a:p>
-            <a:pPr indent="-317500" lvl="0" marL="457200" rtl="0" algn="l">
+            <a:pPr marL="457200" lvl="0" indent="-317500" algn="l" rtl="0">
               <a:spcBef>
                 <a:spcPts val="0"/>
               </a:spcBef>
@@ -10338,18 +10473,15 @@
             </a:endParaRPr>
           </a:p>
           <a:p>
-            <a:pPr indent="0" lvl="0" marL="0" rtl="0" algn="l">
-              <a:spcBef>
-                <a:spcPts val="0"/>
-              </a:spcBef>
-              <a:spcAft>
-                <a:spcPts val="0"/>
-              </a:spcAft>
-              <a:buNone/>
-            </a:pPr>
-            <a:r>
-              <a:t/>
-            </a:r>
+            <a:pPr marL="0" lvl="0" indent="0" algn="l" rtl="0">
+              <a:spcBef>
+                <a:spcPts val="0"/>
+              </a:spcBef>
+              <a:spcAft>
+                <a:spcPts val="0"/>
+              </a:spcAft>
+              <a:buNone/>
+            </a:pPr>
             <a:endParaRPr>
               <a:solidFill>
                 <a:srgbClr val="FFFFFF"/>
@@ -10361,7 +10493,7 @@
             </a:endParaRPr>
           </a:p>
           <a:p>
-            <a:pPr indent="-317500" lvl="0" marL="457200" rtl="0" algn="l">
+            <a:pPr marL="457200" lvl="0" indent="-317500" algn="l" rtl="0">
               <a:spcBef>
                 <a:spcPts val="0"/>
               </a:spcBef>
@@ -10398,18 +10530,15 @@
             </a:endParaRPr>
           </a:p>
           <a:p>
-            <a:pPr indent="0" lvl="0" marL="0" rtl="0" algn="l">
-              <a:spcBef>
-                <a:spcPts val="0"/>
-              </a:spcBef>
-              <a:spcAft>
-                <a:spcPts val="0"/>
-              </a:spcAft>
-              <a:buNone/>
-            </a:pPr>
-            <a:r>
-              <a:t/>
-            </a:r>
+            <a:pPr marL="0" lvl="0" indent="0" algn="l" rtl="0">
+              <a:spcBef>
+                <a:spcPts val="0"/>
+              </a:spcBef>
+              <a:spcAft>
+                <a:spcPts val="0"/>
+              </a:spcAft>
+              <a:buNone/>
+            </a:pPr>
             <a:endParaRPr>
               <a:solidFill>
                 <a:srgbClr val="FFFFFF"/>
@@ -10421,18 +10550,15 @@
             </a:endParaRPr>
           </a:p>
           <a:p>
-            <a:pPr indent="0" lvl="0" marL="457200" rtl="0" algn="l">
-              <a:spcBef>
-                <a:spcPts val="0"/>
-              </a:spcBef>
-              <a:spcAft>
-                <a:spcPts val="0"/>
-              </a:spcAft>
-              <a:buNone/>
-            </a:pPr>
-            <a:r>
-              <a:t/>
-            </a:r>
+            <a:pPr marL="457200" lvl="0" indent="0" algn="l" rtl="0">
+              <a:spcBef>
+                <a:spcPts val="0"/>
+              </a:spcBef>
+              <a:spcAft>
+                <a:spcPts val="0"/>
+              </a:spcAft>
+              <a:buNone/>
+            </a:pPr>
             <a:endParaRPr>
               <a:solidFill>
                 <a:srgbClr val="FFFFFF"/>
@@ -10444,18 +10570,15 @@
             </a:endParaRPr>
           </a:p>
           <a:p>
-            <a:pPr indent="0" lvl="0" marL="457200" rtl="0" algn="l">
-              <a:spcBef>
-                <a:spcPts val="0"/>
-              </a:spcBef>
-              <a:spcAft>
-                <a:spcPts val="0"/>
-              </a:spcAft>
-              <a:buNone/>
-            </a:pPr>
-            <a:r>
-              <a:t/>
-            </a:r>
+            <a:pPr marL="457200" lvl="0" indent="0" algn="l" rtl="0">
+              <a:spcBef>
+                <a:spcPts val="0"/>
+              </a:spcBef>
+              <a:spcAft>
+                <a:spcPts val="0"/>
+              </a:spcAft>
+              <a:buNone/>
+            </a:pPr>
             <a:endParaRPr>
               <a:solidFill>
                 <a:srgbClr val="FFFFFF"/>
@@ -10471,9 +10594,11 @@
       <p:sp>
         <p:nvSpPr>
           <p:cNvPr id="161" name="Google Shape;161;p25"/>
-          <p:cNvSpPr txBox="1"/>
+          <p:cNvSpPr txBox="1">
+            <a:spLocks noGrp="1"/>
+          </p:cNvSpPr>
           <p:nvPr>
-            <p:ph idx="12" type="sldNum"/>
+            <p:ph type="sldNum" idx="12"/>
           </p:nvPr>
         </p:nvSpPr>
         <p:spPr>
@@ -10486,12 +10611,12 @@
           </a:prstGeom>
         </p:spPr>
         <p:txBody>
-          <a:bodyPr anchorCtr="0" anchor="ctr" bIns="91425" lIns="91425" spcFirstLastPara="1" rIns="91425" wrap="square" tIns="91425">
+          <a:bodyPr spcFirstLastPara="1" wrap="square" lIns="91425" tIns="91425" rIns="91425" bIns="91425" anchor="ctr" anchorCtr="0">
             <a:noAutofit/>
           </a:bodyPr>
           <a:lstStyle/>
           <a:p>
-            <a:pPr indent="0" lvl="0" marL="0" rtl="0" algn="r">
+            <a:pPr marL="0" lvl="0" indent="0" algn="r" rtl="0">
               <a:spcBef>
                 <a:spcPts val="0"/>
               </a:spcBef>
@@ -10502,7 +10627,7 @@
             </a:pPr>
             <a:fld id="{00000000-1234-1234-1234-123412341234}" type="slidenum">
               <a:rPr lang="en"/>
-              <a:t>‹#›</a:t>
+              <a:t>13</a:t>
             </a:fld>
             <a:endParaRPr/>
           </a:p>
@@ -10517,11 +10642,11 @@
 </file>
 
 <file path=ppt/slides/slide14.xml><?xml version="1.0" encoding="utf-8"?>
-<p:sld xmlns:a="http://schemas.openxmlformats.org/drawingml/2006/main" xmlns:r="http://schemas.openxmlformats.org/officeDocument/2006/relationships" xmlns:mc="http://schemas.openxmlformats.org/markup-compatibility/2006" xmlns:mv="urn:schemas-microsoft-com:mac:vml" xmlns:p="http://schemas.openxmlformats.org/presentationml/2006/main" xmlns:c="http://schemas.openxmlformats.org/drawingml/2006/chart" xmlns:dgm="http://schemas.openxmlformats.org/drawingml/2006/diagram" xmlns:o="urn:schemas-microsoft-com:office:office" xmlns:v="urn:schemas-microsoft-com:vml" xmlns:pvml="urn:schemas-microsoft-com:office:powerpoint" xmlns:com="http://schemas.openxmlformats.org/drawingml/2006/compatibility" xmlns:p14="http://schemas.microsoft.com/office/powerpoint/2010/main" xmlns:p15="http://schemas.microsoft.com/office/powerpoint/2012/main">
+<p:sld xmlns:a="http://schemas.openxmlformats.org/drawingml/2006/main" xmlns:r="http://schemas.openxmlformats.org/officeDocument/2006/relationships" xmlns:p="http://schemas.openxmlformats.org/presentationml/2006/main">
   <p:cSld>
     <p:spTree>
       <p:nvGrpSpPr>
-        <p:cNvPr id="165" name="Shape 165"/>
+        <p:cNvPr id="1" name="Shape 165"/>
         <p:cNvGrpSpPr/>
         <p:nvPr/>
       </p:nvGrpSpPr>
@@ -10536,7 +10661,9 @@
       <p:sp>
         <p:nvSpPr>
           <p:cNvPr id="166" name="Google Shape;166;p26"/>
-          <p:cNvSpPr txBox="1"/>
+          <p:cNvSpPr txBox="1">
+            <a:spLocks noGrp="1"/>
+          </p:cNvSpPr>
           <p:nvPr>
             <p:ph type="title"/>
           </p:nvPr>
@@ -10551,12 +10678,12 @@
           </a:prstGeom>
         </p:spPr>
         <p:txBody>
-          <a:bodyPr anchorCtr="0" anchor="t" bIns="91425" lIns="91425" spcFirstLastPara="1" rIns="91425" wrap="square" tIns="91425">
+          <a:bodyPr spcFirstLastPara="1" wrap="square" lIns="91425" tIns="91425" rIns="91425" bIns="91425" anchor="t" anchorCtr="0">
             <a:noAutofit/>
           </a:bodyPr>
           <a:lstStyle/>
           <a:p>
-            <a:pPr indent="0" lvl="0" marL="0" rtl="0" algn="l">
+            <a:pPr marL="0" lvl="0" indent="0" algn="l" rtl="0">
               <a:spcBef>
                 <a:spcPts val="0"/>
               </a:spcBef>
@@ -10575,16 +10702,12 @@
             </a:r>
             <a:r>
               <a:rPr lang="en"/>
-              <a:t>- </a:t>
-            </a:r>
-            <a:r>
-              <a:rPr lang="en"/>
-              <a:t>Sydney</a:t>
+              <a:t>- Sydney</a:t>
             </a:r>
             <a:endParaRPr/>
           </a:p>
           <a:p>
-            <a:pPr indent="0" lvl="0" marL="457200" rtl="0" algn="l">
+            <a:pPr marL="457200" lvl="0" indent="0" algn="l" rtl="0">
               <a:lnSpc>
                 <a:spcPct val="115000"/>
               </a:lnSpc>
@@ -10596,9 +10719,6 @@
               </a:spcAft>
               <a:buNone/>
             </a:pPr>
-            <a:r>
-              <a:t/>
-            </a:r>
             <a:endParaRPr sz="2400">
               <a:solidFill>
                 <a:srgbClr val="93C47D"/>
@@ -10655,12 +10775,12 @@
           </a:ln>
         </p:spPr>
         <p:txBody>
-          <a:bodyPr anchorCtr="0" anchor="t" bIns="91425" lIns="91425" spcFirstLastPara="1" rIns="91425" wrap="square" tIns="91425">
+          <a:bodyPr spcFirstLastPara="1" wrap="square" lIns="91425" tIns="91425" rIns="91425" bIns="91425" anchor="t" anchorCtr="0">
             <a:noAutofit/>
           </a:bodyPr>
           <a:lstStyle/>
           <a:p>
-            <a:pPr indent="-317500" lvl="0" marL="457200" rtl="0" algn="l">
+            <a:pPr marL="457200" lvl="0" indent="-317500" algn="l" rtl="0">
               <a:spcBef>
                 <a:spcPts val="0"/>
               </a:spcBef>
@@ -10697,18 +10817,15 @@
             </a:endParaRPr>
           </a:p>
           <a:p>
-            <a:pPr indent="0" lvl="0" marL="0" rtl="0" algn="l">
-              <a:spcBef>
-                <a:spcPts val="0"/>
-              </a:spcBef>
-              <a:spcAft>
-                <a:spcPts val="0"/>
-              </a:spcAft>
-              <a:buNone/>
-            </a:pPr>
-            <a:r>
-              <a:t/>
-            </a:r>
+            <a:pPr marL="0" lvl="0" indent="0" algn="l" rtl="0">
+              <a:spcBef>
+                <a:spcPts val="0"/>
+              </a:spcBef>
+              <a:spcAft>
+                <a:spcPts val="0"/>
+              </a:spcAft>
+              <a:buNone/>
+            </a:pPr>
             <a:endParaRPr>
               <a:solidFill>
                 <a:srgbClr val="FFFFFF"/>
@@ -10720,7 +10837,7 @@
             </a:endParaRPr>
           </a:p>
           <a:p>
-            <a:pPr indent="-317500" lvl="0" marL="457200" rtl="0" algn="l">
+            <a:pPr marL="457200" lvl="0" indent="-317500" algn="l" rtl="0">
               <a:spcBef>
                 <a:spcPts val="0"/>
               </a:spcBef>
@@ -10757,18 +10874,15 @@
             </a:endParaRPr>
           </a:p>
           <a:p>
-            <a:pPr indent="0" lvl="0" marL="0" rtl="0" algn="l">
-              <a:spcBef>
-                <a:spcPts val="0"/>
-              </a:spcBef>
-              <a:spcAft>
-                <a:spcPts val="0"/>
-              </a:spcAft>
-              <a:buNone/>
-            </a:pPr>
-            <a:r>
-              <a:t/>
-            </a:r>
+            <a:pPr marL="0" lvl="0" indent="0" algn="l" rtl="0">
+              <a:spcBef>
+                <a:spcPts val="0"/>
+              </a:spcBef>
+              <a:spcAft>
+                <a:spcPts val="0"/>
+              </a:spcAft>
+              <a:buNone/>
+            </a:pPr>
             <a:endParaRPr>
               <a:solidFill>
                 <a:srgbClr val="FFFFFF"/>
@@ -10780,18 +10894,15 @@
             </a:endParaRPr>
           </a:p>
           <a:p>
-            <a:pPr indent="0" lvl="0" marL="457200" rtl="0" algn="l">
-              <a:spcBef>
-                <a:spcPts val="0"/>
-              </a:spcBef>
-              <a:spcAft>
-                <a:spcPts val="0"/>
-              </a:spcAft>
-              <a:buNone/>
-            </a:pPr>
-            <a:r>
-              <a:t/>
-            </a:r>
+            <a:pPr marL="457200" lvl="0" indent="0" algn="l" rtl="0">
+              <a:spcBef>
+                <a:spcPts val="0"/>
+              </a:spcBef>
+              <a:spcAft>
+                <a:spcPts val="0"/>
+              </a:spcAft>
+              <a:buNone/>
+            </a:pPr>
             <a:endParaRPr>
               <a:solidFill>
                 <a:srgbClr val="FFFFFF"/>
@@ -10803,18 +10914,15 @@
             </a:endParaRPr>
           </a:p>
           <a:p>
-            <a:pPr indent="0" lvl="0" marL="457200" rtl="0" algn="l">
-              <a:spcBef>
-                <a:spcPts val="0"/>
-              </a:spcBef>
-              <a:spcAft>
-                <a:spcPts val="0"/>
-              </a:spcAft>
-              <a:buNone/>
-            </a:pPr>
-            <a:r>
-              <a:t/>
-            </a:r>
+            <a:pPr marL="457200" lvl="0" indent="0" algn="l" rtl="0">
+              <a:spcBef>
+                <a:spcPts val="0"/>
+              </a:spcBef>
+              <a:spcAft>
+                <a:spcPts val="0"/>
+              </a:spcAft>
+              <a:buNone/>
+            </a:pPr>
             <a:endParaRPr>
               <a:solidFill>
                 <a:srgbClr val="FFFFFF"/>
@@ -10830,9 +10938,11 @@
       <p:sp>
         <p:nvSpPr>
           <p:cNvPr id="169" name="Google Shape;169;p26"/>
-          <p:cNvSpPr txBox="1"/>
+          <p:cNvSpPr txBox="1">
+            <a:spLocks noGrp="1"/>
+          </p:cNvSpPr>
           <p:nvPr>
-            <p:ph idx="12" type="sldNum"/>
+            <p:ph type="sldNum" idx="12"/>
           </p:nvPr>
         </p:nvSpPr>
         <p:spPr>
@@ -10845,12 +10955,12 @@
           </a:prstGeom>
         </p:spPr>
         <p:txBody>
-          <a:bodyPr anchorCtr="0" anchor="ctr" bIns="91425" lIns="91425" spcFirstLastPara="1" rIns="91425" wrap="square" tIns="91425">
+          <a:bodyPr spcFirstLastPara="1" wrap="square" lIns="91425" tIns="91425" rIns="91425" bIns="91425" anchor="ctr" anchorCtr="0">
             <a:noAutofit/>
           </a:bodyPr>
           <a:lstStyle/>
           <a:p>
-            <a:pPr indent="0" lvl="0" marL="0" rtl="0" algn="r">
+            <a:pPr marL="0" lvl="0" indent="0" algn="r" rtl="0">
               <a:spcBef>
                 <a:spcPts val="0"/>
               </a:spcBef>
@@ -10861,7 +10971,7 @@
             </a:pPr>
             <a:fld id="{00000000-1234-1234-1234-123412341234}" type="slidenum">
               <a:rPr lang="en"/>
-              <a:t>‹#›</a:t>
+              <a:t>14</a:t>
             </a:fld>
             <a:endParaRPr/>
           </a:p>
@@ -10876,11 +10986,11 @@
 </file>
 
 <file path=ppt/slides/slide15.xml><?xml version="1.0" encoding="utf-8"?>
-<p:sld xmlns:a="http://schemas.openxmlformats.org/drawingml/2006/main" xmlns:r="http://schemas.openxmlformats.org/officeDocument/2006/relationships" xmlns:mc="http://schemas.openxmlformats.org/markup-compatibility/2006" xmlns:mv="urn:schemas-microsoft-com:mac:vml" xmlns:p="http://schemas.openxmlformats.org/presentationml/2006/main" xmlns:c="http://schemas.openxmlformats.org/drawingml/2006/chart" xmlns:dgm="http://schemas.openxmlformats.org/drawingml/2006/diagram" xmlns:o="urn:schemas-microsoft-com:office:office" xmlns:v="urn:schemas-microsoft-com:vml" xmlns:pvml="urn:schemas-microsoft-com:office:powerpoint" xmlns:com="http://schemas.openxmlformats.org/drawingml/2006/compatibility" xmlns:p14="http://schemas.microsoft.com/office/powerpoint/2010/main" xmlns:p15="http://schemas.microsoft.com/office/powerpoint/2012/main">
+<p:sld xmlns:a="http://schemas.openxmlformats.org/drawingml/2006/main" xmlns:r="http://schemas.openxmlformats.org/officeDocument/2006/relationships" xmlns:p="http://schemas.openxmlformats.org/presentationml/2006/main">
   <p:cSld>
     <p:spTree>
       <p:nvGrpSpPr>
-        <p:cNvPr id="173" name="Shape 173"/>
+        <p:cNvPr id="1" name="Shape 173"/>
         <p:cNvGrpSpPr/>
         <p:nvPr/>
       </p:nvGrpSpPr>
@@ -10895,7 +11005,9 @@
       <p:sp>
         <p:nvSpPr>
           <p:cNvPr id="174" name="Google Shape;174;p27"/>
-          <p:cNvSpPr txBox="1"/>
+          <p:cNvSpPr txBox="1">
+            <a:spLocks noGrp="1"/>
+          </p:cNvSpPr>
           <p:nvPr>
             <p:ph type="title"/>
           </p:nvPr>
@@ -10910,12 +11022,12 @@
           </a:prstGeom>
         </p:spPr>
         <p:txBody>
-          <a:bodyPr anchorCtr="0" anchor="t" bIns="91425" lIns="91425" spcFirstLastPara="1" rIns="91425" wrap="square" tIns="91425">
+          <a:bodyPr spcFirstLastPara="1" wrap="square" lIns="91425" tIns="91425" rIns="91425" bIns="91425" anchor="t" anchorCtr="0">
             <a:noAutofit/>
           </a:bodyPr>
           <a:lstStyle/>
           <a:p>
-            <a:pPr indent="0" lvl="0" marL="0" rtl="0" algn="l">
+            <a:pPr marL="0" lvl="0" indent="0" algn="l" rtl="0">
               <a:spcBef>
                 <a:spcPts val="0"/>
               </a:spcBef>
@@ -10935,7 +11047,7 @@
             </a:endParaRPr>
           </a:p>
           <a:p>
-            <a:pPr indent="-342900" lvl="0" marL="457200" rtl="0" algn="l">
+            <a:pPr marL="457200" lvl="0" indent="-342900" algn="l" rtl="0">
               <a:lnSpc>
                 <a:spcPct val="115000"/>
               </a:lnSpc>
@@ -10967,7 +11079,7 @@
             </a:endParaRPr>
           </a:p>
           <a:p>
-            <a:pPr indent="-317500" lvl="1" marL="914400" rtl="0" algn="l">
+            <a:pPr marL="914400" lvl="1" indent="-317500" algn="l" rtl="0">
               <a:lnSpc>
                 <a:spcPct val="115000"/>
               </a:lnSpc>
@@ -10999,7 +11111,7 @@
             </a:endParaRPr>
           </a:p>
           <a:p>
-            <a:pPr indent="-342900" lvl="0" marL="457200" rtl="0" algn="l">
+            <a:pPr marL="457200" lvl="0" indent="-342900" algn="l" rtl="0">
               <a:lnSpc>
                 <a:spcPct val="115000"/>
               </a:lnSpc>
@@ -11031,7 +11143,7 @@
             </a:endParaRPr>
           </a:p>
           <a:p>
-            <a:pPr indent="-342900" lvl="0" marL="457200" rtl="0" algn="l">
+            <a:pPr marL="457200" lvl="0" indent="-342900" algn="l" rtl="0">
               <a:lnSpc>
                 <a:spcPct val="115000"/>
               </a:lnSpc>
@@ -11057,7 +11169,7 @@
               <a:t>Also, Sydney has more temperate weather (33</a:t>
             </a:r>
             <a:r>
-              <a:rPr baseline="30000" lang="en" sz="1800">
+              <a:rPr lang="en" sz="1800" baseline="30000">
                 <a:solidFill>
                   <a:srgbClr val="FFFFFF"/>
                 </a:solidFill>
@@ -11073,7 +11185,7 @@
               <a:t>S latitude) than Toronto (42</a:t>
             </a:r>
             <a:r>
-              <a:rPr baseline="30000" lang="en" sz="1800">
+              <a:rPr lang="en" sz="1800" baseline="30000">
                 <a:solidFill>
                   <a:srgbClr val="FFFFFF"/>
                 </a:solidFill>
@@ -11095,7 +11207,7 @@
             </a:endParaRPr>
           </a:p>
           <a:p>
-            <a:pPr indent="0" lvl="0" marL="0" rtl="0" algn="l">
+            <a:pPr marL="0" lvl="0" indent="0" algn="l" rtl="0">
               <a:lnSpc>
                 <a:spcPct val="115000"/>
               </a:lnSpc>
@@ -11107,9 +11219,6 @@
               </a:spcAft>
               <a:buNone/>
             </a:pPr>
-            <a:r>
-              <a:t/>
-            </a:r>
             <a:endParaRPr sz="1400">
               <a:solidFill>
                 <a:srgbClr val="93C47D"/>
@@ -11149,9 +11258,11 @@
       <p:sp>
         <p:nvSpPr>
           <p:cNvPr id="176" name="Google Shape;176;p27"/>
-          <p:cNvSpPr txBox="1"/>
+          <p:cNvSpPr txBox="1">
+            <a:spLocks noGrp="1"/>
+          </p:cNvSpPr>
           <p:nvPr>
-            <p:ph idx="12" type="sldNum"/>
+            <p:ph type="sldNum" idx="12"/>
           </p:nvPr>
         </p:nvSpPr>
         <p:spPr>
@@ -11164,12 +11275,12 @@
           </a:prstGeom>
         </p:spPr>
         <p:txBody>
-          <a:bodyPr anchorCtr="0" anchor="ctr" bIns="91425" lIns="91425" spcFirstLastPara="1" rIns="91425" wrap="square" tIns="91425">
+          <a:bodyPr spcFirstLastPara="1" wrap="square" lIns="91425" tIns="91425" rIns="91425" bIns="91425" anchor="ctr" anchorCtr="0">
             <a:noAutofit/>
           </a:bodyPr>
           <a:lstStyle/>
           <a:p>
-            <a:pPr indent="0" lvl="0" marL="0" rtl="0" algn="r">
+            <a:pPr marL="0" lvl="0" indent="0" algn="r" rtl="0">
               <a:spcBef>
                 <a:spcPts val="0"/>
               </a:spcBef>
@@ -11180,7 +11291,7 @@
             </a:pPr>
             <a:fld id="{00000000-1234-1234-1234-123412341234}" type="slidenum">
               <a:rPr lang="en"/>
-              <a:t>‹#›</a:t>
+              <a:t>15</a:t>
             </a:fld>
             <a:endParaRPr/>
           </a:p>
@@ -11195,11 +11306,11 @@
 </file>
 
 <file path=ppt/slides/slide16.xml><?xml version="1.0" encoding="utf-8"?>
-<p:sld xmlns:a="http://schemas.openxmlformats.org/drawingml/2006/main" xmlns:r="http://schemas.openxmlformats.org/officeDocument/2006/relationships" xmlns:mc="http://schemas.openxmlformats.org/markup-compatibility/2006" xmlns:mv="urn:schemas-microsoft-com:mac:vml" xmlns:p="http://schemas.openxmlformats.org/presentationml/2006/main" xmlns:c="http://schemas.openxmlformats.org/drawingml/2006/chart" xmlns:dgm="http://schemas.openxmlformats.org/drawingml/2006/diagram" xmlns:o="urn:schemas-microsoft-com:office:office" xmlns:v="urn:schemas-microsoft-com:vml" xmlns:pvml="urn:schemas-microsoft-com:office:powerpoint" xmlns:com="http://schemas.openxmlformats.org/drawingml/2006/compatibility" xmlns:p14="http://schemas.microsoft.com/office/powerpoint/2010/main" xmlns:p15="http://schemas.microsoft.com/office/powerpoint/2012/main">
+<p:sld xmlns:a="http://schemas.openxmlformats.org/drawingml/2006/main" xmlns:r="http://schemas.openxmlformats.org/officeDocument/2006/relationships" xmlns:p="http://schemas.openxmlformats.org/presentationml/2006/main">
   <p:cSld>
     <p:spTree>
       <p:nvGrpSpPr>
-        <p:cNvPr id="180" name="Shape 180"/>
+        <p:cNvPr id="1" name="Shape 180"/>
         <p:cNvGrpSpPr/>
         <p:nvPr/>
       </p:nvGrpSpPr>
@@ -11214,7 +11325,9 @@
       <p:sp>
         <p:nvSpPr>
           <p:cNvPr id="181" name="Google Shape;181;p28"/>
-          <p:cNvSpPr txBox="1"/>
+          <p:cNvSpPr txBox="1">
+            <a:spLocks noGrp="1"/>
+          </p:cNvSpPr>
           <p:nvPr>
             <p:ph type="title"/>
           </p:nvPr>
@@ -11229,12 +11342,12 @@
           </a:prstGeom>
         </p:spPr>
         <p:txBody>
-          <a:bodyPr anchorCtr="0" anchor="t" bIns="91425" lIns="91425" spcFirstLastPara="1" rIns="91425" wrap="square" tIns="91425">
+          <a:bodyPr spcFirstLastPara="1" wrap="square" lIns="91425" tIns="91425" rIns="91425" bIns="91425" anchor="t" anchorCtr="0">
             <a:noAutofit/>
           </a:bodyPr>
           <a:lstStyle/>
           <a:p>
-            <a:pPr indent="0" lvl="0" marL="0" rtl="0" algn="l">
+            <a:pPr marL="0" lvl="0" indent="0" algn="l" rtl="0">
               <a:spcBef>
                 <a:spcPts val="0"/>
               </a:spcBef>
@@ -11250,18 +11363,15 @@
             <a:endParaRPr/>
           </a:p>
           <a:p>
-            <a:pPr indent="0" lvl="0" marL="0" rtl="0" algn="l">
-              <a:spcBef>
-                <a:spcPts val="0"/>
-              </a:spcBef>
-              <a:spcAft>
-                <a:spcPts val="0"/>
-              </a:spcAft>
-              <a:buNone/>
-            </a:pPr>
-            <a:r>
-              <a:t/>
-            </a:r>
+            <a:pPr marL="0" lvl="0" indent="0" algn="l" rtl="0">
+              <a:spcBef>
+                <a:spcPts val="0"/>
+              </a:spcBef>
+              <a:spcAft>
+                <a:spcPts val="0"/>
+              </a:spcAft>
+              <a:buNone/>
+            </a:pPr>
             <a:endParaRPr sz="1800">
               <a:solidFill>
                 <a:srgbClr val="B6D7A8"/>
@@ -11269,7 +11379,7 @@
             </a:endParaRPr>
           </a:p>
           <a:p>
-            <a:pPr indent="-330200" lvl="0" marL="457200" rtl="0" algn="l">
+            <a:pPr marL="457200" lvl="0" indent="-330200" algn="l" rtl="0">
               <a:spcBef>
                 <a:spcPts val="0"/>
               </a:spcBef>
@@ -11297,18 +11407,15 @@
             </a:endParaRPr>
           </a:p>
           <a:p>
-            <a:pPr indent="0" lvl="0" marL="457200" rtl="0" algn="l">
-              <a:spcBef>
-                <a:spcPts val="0"/>
-              </a:spcBef>
-              <a:spcAft>
-                <a:spcPts val="0"/>
-              </a:spcAft>
-              <a:buNone/>
-            </a:pPr>
-            <a:r>
-              <a:t/>
-            </a:r>
+            <a:pPr marL="457200" lvl="0" indent="0" algn="l" rtl="0">
+              <a:spcBef>
+                <a:spcPts val="0"/>
+              </a:spcBef>
+              <a:spcAft>
+                <a:spcPts val="0"/>
+              </a:spcAft>
+              <a:buNone/>
+            </a:pPr>
             <a:endParaRPr sz="1600">
               <a:solidFill>
                 <a:srgbClr val="B6D7A8"/>
@@ -11316,7 +11423,7 @@
             </a:endParaRPr>
           </a:p>
           <a:p>
-            <a:pPr indent="-330200" lvl="0" marL="457200" rtl="0" algn="l">
+            <a:pPr marL="457200" lvl="0" indent="-330200" algn="l" rtl="0">
               <a:spcBef>
                 <a:spcPts val="0"/>
               </a:spcBef>
@@ -11344,7 +11451,7 @@
             </a:endParaRPr>
           </a:p>
           <a:p>
-            <a:pPr indent="0" lvl="0" marL="457200" rtl="0" algn="l">
+            <a:pPr marL="457200" lvl="0" indent="0" algn="l" rtl="0">
               <a:spcBef>
                 <a:spcPts val="0"/>
               </a:spcBef>
@@ -11368,7 +11475,7 @@
             </a:endParaRPr>
           </a:p>
           <a:p>
-            <a:pPr indent="-330200" lvl="0" marL="457200" rtl="0" algn="l">
+            <a:pPr marL="457200" lvl="0" indent="-330200" algn="l" rtl="0">
               <a:spcBef>
                 <a:spcPts val="0"/>
               </a:spcBef>
@@ -11396,18 +11503,15 @@
             </a:endParaRPr>
           </a:p>
           <a:p>
-            <a:pPr indent="0" lvl="0" marL="457200" rtl="0" algn="l">
-              <a:spcBef>
-                <a:spcPts val="0"/>
-              </a:spcBef>
-              <a:spcAft>
-                <a:spcPts val="0"/>
-              </a:spcAft>
-              <a:buNone/>
-            </a:pPr>
-            <a:r>
-              <a:t/>
-            </a:r>
+            <a:pPr marL="457200" lvl="0" indent="0" algn="l" rtl="0">
+              <a:spcBef>
+                <a:spcPts val="0"/>
+              </a:spcBef>
+              <a:spcAft>
+                <a:spcPts val="0"/>
+              </a:spcAft>
+              <a:buNone/>
+            </a:pPr>
             <a:endParaRPr sz="1600">
               <a:solidFill>
                 <a:srgbClr val="B6D7A8"/>
@@ -11415,7 +11519,7 @@
             </a:endParaRPr>
           </a:p>
           <a:p>
-            <a:pPr indent="-330200" lvl="0" marL="457200" rtl="0" algn="l">
+            <a:pPr marL="457200" lvl="0" indent="-330200" algn="l" rtl="0">
               <a:spcBef>
                 <a:spcPts val="0"/>
               </a:spcBef>
@@ -11443,7 +11547,7 @@
             </a:endParaRPr>
           </a:p>
           <a:p>
-            <a:pPr indent="0" lvl="0" marL="457200" rtl="0" algn="l">
+            <a:pPr marL="457200" lvl="0" indent="0" algn="l" rtl="0">
               <a:lnSpc>
                 <a:spcPct val="115000"/>
               </a:lnSpc>
@@ -11455,9 +11559,6 @@
               </a:spcAft>
               <a:buNone/>
             </a:pPr>
-            <a:r>
-              <a:t/>
-            </a:r>
             <a:endParaRPr sz="2400">
               <a:solidFill>
                 <a:srgbClr val="93C47D"/>
@@ -11469,9 +11570,11 @@
       <p:sp>
         <p:nvSpPr>
           <p:cNvPr id="182" name="Google Shape;182;p28"/>
-          <p:cNvSpPr txBox="1"/>
+          <p:cNvSpPr txBox="1">
+            <a:spLocks noGrp="1"/>
+          </p:cNvSpPr>
           <p:nvPr>
-            <p:ph idx="12" type="sldNum"/>
+            <p:ph type="sldNum" idx="12"/>
           </p:nvPr>
         </p:nvSpPr>
         <p:spPr>
@@ -11484,12 +11587,12 @@
           </a:prstGeom>
         </p:spPr>
         <p:txBody>
-          <a:bodyPr anchorCtr="0" anchor="ctr" bIns="91425" lIns="91425" spcFirstLastPara="1" rIns="91425" wrap="square" tIns="91425">
+          <a:bodyPr spcFirstLastPara="1" wrap="square" lIns="91425" tIns="91425" rIns="91425" bIns="91425" anchor="ctr" anchorCtr="0">
             <a:noAutofit/>
           </a:bodyPr>
           <a:lstStyle/>
           <a:p>
-            <a:pPr indent="0" lvl="0" marL="0" rtl="0" algn="r">
+            <a:pPr marL="0" lvl="0" indent="0" algn="r" rtl="0">
               <a:spcBef>
                 <a:spcPts val="0"/>
               </a:spcBef>
@@ -11500,7 +11603,7 @@
             </a:pPr>
             <a:fld id="{00000000-1234-1234-1234-123412341234}" type="slidenum">
               <a:rPr lang="en"/>
-              <a:t>‹#›</a:t>
+              <a:t>16</a:t>
             </a:fld>
             <a:endParaRPr/>
           </a:p>
@@ -11515,11 +11618,11 @@
 </file>
 
 <file path=ppt/slides/slide17.xml><?xml version="1.0" encoding="utf-8"?>
-<p:sld xmlns:a="http://schemas.openxmlformats.org/drawingml/2006/main" xmlns:r="http://schemas.openxmlformats.org/officeDocument/2006/relationships" xmlns:mc="http://schemas.openxmlformats.org/markup-compatibility/2006" xmlns:mv="urn:schemas-microsoft-com:mac:vml" xmlns:p="http://schemas.openxmlformats.org/presentationml/2006/main" xmlns:c="http://schemas.openxmlformats.org/drawingml/2006/chart" xmlns:dgm="http://schemas.openxmlformats.org/drawingml/2006/diagram" xmlns:o="urn:schemas-microsoft-com:office:office" xmlns:v="urn:schemas-microsoft-com:vml" xmlns:pvml="urn:schemas-microsoft-com:office:powerpoint" xmlns:com="http://schemas.openxmlformats.org/drawingml/2006/compatibility" xmlns:p14="http://schemas.microsoft.com/office/powerpoint/2010/main" xmlns:p15="http://schemas.microsoft.com/office/powerpoint/2012/main">
+<p:sld xmlns:a="http://schemas.openxmlformats.org/drawingml/2006/main" xmlns:r="http://schemas.openxmlformats.org/officeDocument/2006/relationships" xmlns:p="http://schemas.openxmlformats.org/presentationml/2006/main">
   <p:cSld>
     <p:spTree>
       <p:nvGrpSpPr>
-        <p:cNvPr id="186" name="Shape 186"/>
+        <p:cNvPr id="1" name="Shape 186"/>
         <p:cNvGrpSpPr/>
         <p:nvPr/>
       </p:nvGrpSpPr>
@@ -11534,7 +11637,9 @@
       <p:sp>
         <p:nvSpPr>
           <p:cNvPr id="187" name="Google Shape;187;p29"/>
-          <p:cNvSpPr txBox="1"/>
+          <p:cNvSpPr txBox="1">
+            <a:spLocks noGrp="1"/>
+          </p:cNvSpPr>
           <p:nvPr>
             <p:ph type="title"/>
           </p:nvPr>
@@ -11549,12 +11654,12 @@
           </a:prstGeom>
         </p:spPr>
         <p:txBody>
-          <a:bodyPr anchorCtr="0" anchor="t" bIns="91425" lIns="91425" spcFirstLastPara="1" rIns="91425" wrap="square" tIns="91425">
+          <a:bodyPr spcFirstLastPara="1" wrap="square" lIns="91425" tIns="91425" rIns="91425" bIns="91425" anchor="t" anchorCtr="0">
             <a:noAutofit/>
           </a:bodyPr>
           <a:lstStyle/>
           <a:p>
-            <a:pPr indent="0" lvl="0" marL="0" rtl="0" algn="l">
+            <a:pPr marL="0" lvl="0" indent="0" algn="l" rtl="0">
               <a:spcBef>
                 <a:spcPts val="0"/>
               </a:spcBef>
@@ -11578,18 +11683,15 @@
             </a:endParaRPr>
           </a:p>
           <a:p>
-            <a:pPr indent="0" lvl="0" marL="0" rtl="0" algn="l">
-              <a:spcBef>
-                <a:spcPts val="0"/>
-              </a:spcBef>
-              <a:spcAft>
-                <a:spcPts val="0"/>
-              </a:spcAft>
-              <a:buNone/>
-            </a:pPr>
-            <a:r>
-              <a:t/>
-            </a:r>
+            <a:pPr marL="0" lvl="0" indent="0" algn="l" rtl="0">
+              <a:spcBef>
+                <a:spcPts val="0"/>
+              </a:spcBef>
+              <a:spcAft>
+                <a:spcPts val="0"/>
+              </a:spcAft>
+              <a:buNone/>
+            </a:pPr>
             <a:endParaRPr>
               <a:solidFill>
                 <a:srgbClr val="B6D7A8"/>
@@ -11597,7 +11699,7 @@
             </a:endParaRPr>
           </a:p>
           <a:p>
-            <a:pPr indent="0" lvl="0" marL="457200" rtl="0" algn="l">
+            <a:pPr marL="457200" lvl="0" indent="0" algn="l" rtl="0">
               <a:lnSpc>
                 <a:spcPct val="115000"/>
               </a:lnSpc>
@@ -11609,9 +11711,6 @@
               </a:spcAft>
               <a:buNone/>
             </a:pPr>
-            <a:r>
-              <a:t/>
-            </a:r>
             <a:endParaRPr sz="2400">
               <a:solidFill>
                 <a:srgbClr val="93C47D"/>
@@ -11640,12 +11739,12 @@
           </a:ln>
         </p:spPr>
         <p:txBody>
-          <a:bodyPr anchorCtr="0" anchor="t" bIns="91425" lIns="91425" spcFirstLastPara="1" rIns="91425" wrap="square" tIns="91425">
+          <a:bodyPr spcFirstLastPara="1" wrap="square" lIns="91425" tIns="91425" rIns="91425" bIns="91425" anchor="t" anchorCtr="0">
             <a:noAutofit/>
           </a:bodyPr>
           <a:lstStyle/>
           <a:p>
-            <a:pPr indent="-304800" lvl="0" marL="457200" rtl="0" algn="l">
+            <a:pPr marL="457200" lvl="0" indent="-304800" algn="l" rtl="0">
               <a:spcBef>
                 <a:spcPts val="0"/>
               </a:spcBef>
@@ -11659,7 +11758,7 @@
               <a:buChar char="●"/>
             </a:pPr>
             <a:r>
-              <a:rPr lang="en" sz="1200" u="sng">
+              <a:rPr lang="en" sz="1200" u="sng" dirty="0">
                 <a:solidFill>
                   <a:srgbClr val="FFFFFF"/>
                 </a:solidFill>
@@ -11668,7 +11767,7 @@
               <a:t>http://enduringice.com/wp-content/uploads/2017/06/Arctic_albedo.jpg</a:t>
             </a:r>
             <a:r>
-              <a:rPr lang="en" sz="1200">
+              <a:rPr lang="en" sz="1200" dirty="0">
                 <a:solidFill>
                   <a:srgbClr val="FFFFFF"/>
                 </a:solidFill>
@@ -11679,7 +11778,7 @@
               </a:rPr>
               <a:t> -- [slide 9]</a:t>
             </a:r>
-            <a:endParaRPr sz="1200">
+            <a:endParaRPr sz="1200" dirty="0">
               <a:solidFill>
                 <a:srgbClr val="FFFFFF"/>
               </a:solidFill>
@@ -11690,7 +11789,7 @@
             </a:endParaRPr>
           </a:p>
           <a:p>
-            <a:pPr indent="-298450" lvl="0" marL="457200" rtl="0" algn="l">
+            <a:pPr marL="457200" lvl="0" indent="-298450" algn="l" rtl="0">
               <a:spcBef>
                 <a:spcPts val="0"/>
               </a:spcBef>
@@ -11704,7 +11803,7 @@
               <a:buChar char="●"/>
             </a:pPr>
             <a:r>
-              <a:rPr lang="en" sz="1100" u="sng">
+              <a:rPr lang="en" sz="1100" u="sng" dirty="0">
                 <a:solidFill>
                   <a:srgbClr val="FFFFFF"/>
                 </a:solidFill>
@@ -11713,7 +11812,7 @@
               <a:t>http://www.biocab.org/carbon_dioxide_geological_timescale.html</a:t>
             </a:r>
             <a:r>
-              <a:rPr lang="en" sz="1200">
+              <a:rPr lang="en" sz="1200" dirty="0">
                 <a:solidFill>
                   <a:srgbClr val="FFFFFF"/>
                 </a:solidFill>
@@ -11724,7 +11823,7 @@
               </a:rPr>
               <a:t>  - [slide 5]</a:t>
             </a:r>
-            <a:endParaRPr sz="1200">
+            <a:endParaRPr sz="1200" dirty="0">
               <a:solidFill>
                 <a:srgbClr val="FFFFFF"/>
               </a:solidFill>
@@ -11735,7 +11834,7 @@
             </a:endParaRPr>
           </a:p>
           <a:p>
-            <a:pPr indent="-298450" lvl="0" marL="457200" rtl="0" algn="l">
+            <a:pPr marL="457200" lvl="0" indent="-298450" algn="l" rtl="0">
               <a:spcBef>
                 <a:spcPts val="0"/>
               </a:spcBef>
@@ -11750,7 +11849,7 @@
               <a:buChar char="●"/>
             </a:pPr>
             <a:r>
-              <a:rPr lang="en" sz="1100" u="sng">
+              <a:rPr lang="en" sz="1100" u="sng" dirty="0">
                 <a:solidFill>
                   <a:schemeClr val="lt1"/>
                 </a:solidFill>
@@ -11759,7 +11858,7 @@
               <a:t>https://api.meteostat.net/</a:t>
             </a:r>
             <a:r>
-              <a:rPr b="1" lang="en" sz="1100">
+              <a:rPr lang="en" sz="1100" b="1" dirty="0">
                 <a:solidFill>
                   <a:schemeClr val="lt1"/>
                 </a:solidFill>
@@ -11768,7 +11867,31 @@
                 <a:cs typeface="Raleway"/>
                 <a:sym typeface="Raleway"/>
               </a:rPr>
-              <a:t>) - </a:t>
+              <a:t>) – </a:t>
+            </a:r>
+            <a:r>
+              <a:rPr lang="en-CA" sz="1100" b="1" dirty="0">
+                <a:solidFill>
+                  <a:schemeClr val="lt1"/>
+                </a:solidFill>
+                <a:latin typeface="Raleway"/>
+                <a:ea typeface="Raleway"/>
+                <a:cs typeface="Raleway"/>
+                <a:sym typeface="Raleway"/>
+              </a:rPr>
+              <a:t>data </a:t>
+            </a:r>
+            <a:r>
+              <a:rPr lang="en-CA" sz="1100" b="1">
+                <a:solidFill>
+                  <a:schemeClr val="lt1"/>
+                </a:solidFill>
+                <a:latin typeface="Raleway"/>
+                <a:ea typeface="Raleway"/>
+                <a:cs typeface="Raleway"/>
+                <a:sym typeface="Raleway"/>
+              </a:rPr>
+              <a:t>for API</a:t>
             </a:r>
             <a:endParaRPr sz="1100">
               <a:solidFill>
@@ -11781,7 +11904,7 @@
             </a:endParaRPr>
           </a:p>
           <a:p>
-            <a:pPr indent="-304800" lvl="0" marL="457200" rtl="0" algn="l">
+            <a:pPr marL="457200" lvl="0" indent="-304800" algn="l" rtl="0">
               <a:spcBef>
                 <a:spcPts val="0"/>
               </a:spcBef>
@@ -11795,10 +11918,7 @@
               <a:buFont typeface="Lato"/>
               <a:buChar char="●"/>
             </a:pPr>
-            <a:r>
-              <a:t/>
-            </a:r>
-            <a:endParaRPr sz="1200">
+            <a:endParaRPr sz="1200" dirty="0">
               <a:solidFill>
                 <a:srgbClr val="FFFFFF"/>
               </a:solidFill>
@@ -11809,19 +11929,16 @@
             </a:endParaRPr>
           </a:p>
           <a:p>
-            <a:pPr indent="0" lvl="0" marL="0" rtl="0" algn="l">
-              <a:spcBef>
-                <a:spcPts val="0"/>
-              </a:spcBef>
-              <a:spcAft>
-                <a:spcPts val="0"/>
-              </a:spcAft>
-              <a:buNone/>
-            </a:pPr>
-            <a:r>
-              <a:t/>
-            </a:r>
-            <a:endParaRPr sz="1200">
+            <a:pPr marL="0" lvl="0" indent="0" algn="l" rtl="0">
+              <a:spcBef>
+                <a:spcPts val="0"/>
+              </a:spcBef>
+              <a:spcAft>
+                <a:spcPts val="0"/>
+              </a:spcAft>
+              <a:buNone/>
+            </a:pPr>
+            <a:endParaRPr sz="1200" dirty="0">
               <a:solidFill>
                 <a:srgbClr val="FFFFFF"/>
               </a:solidFill>
@@ -11832,7 +11949,7 @@
             </a:endParaRPr>
           </a:p>
           <a:p>
-            <a:pPr indent="0" lvl="0" marL="0" rtl="0" algn="l">
+            <a:pPr marL="0" lvl="0" indent="0" algn="l" rtl="0">
               <a:spcBef>
                 <a:spcPts val="0"/>
               </a:spcBef>
@@ -11846,10 +11963,7 @@
               <a:buFont typeface="Arial"/>
               <a:buNone/>
             </a:pPr>
-            <a:r>
-              <a:t/>
-            </a:r>
-            <a:endParaRPr sz="1200">
+            <a:endParaRPr sz="1200" dirty="0">
               <a:solidFill>
                 <a:srgbClr val="FFFFFF"/>
               </a:solidFill>
@@ -11864,9 +11978,11 @@
       <p:sp>
         <p:nvSpPr>
           <p:cNvPr id="189" name="Google Shape;189;p29"/>
-          <p:cNvSpPr txBox="1"/>
+          <p:cNvSpPr txBox="1">
+            <a:spLocks noGrp="1"/>
+          </p:cNvSpPr>
           <p:nvPr>
-            <p:ph idx="12" type="sldNum"/>
+            <p:ph type="sldNum" idx="12"/>
           </p:nvPr>
         </p:nvSpPr>
         <p:spPr>
@@ -11879,12 +11995,12 @@
           </a:prstGeom>
         </p:spPr>
         <p:txBody>
-          <a:bodyPr anchorCtr="0" anchor="ctr" bIns="91425" lIns="91425" spcFirstLastPara="1" rIns="91425" wrap="square" tIns="91425">
+          <a:bodyPr spcFirstLastPara="1" wrap="square" lIns="91425" tIns="91425" rIns="91425" bIns="91425" anchor="ctr" anchorCtr="0">
             <a:noAutofit/>
           </a:bodyPr>
           <a:lstStyle/>
           <a:p>
-            <a:pPr indent="0" lvl="0" marL="0" rtl="0" algn="r">
+            <a:pPr marL="0" lvl="0" indent="0" algn="r" rtl="0">
               <a:spcBef>
                 <a:spcPts val="0"/>
               </a:spcBef>
@@ -11895,7 +12011,7 @@
             </a:pPr>
             <a:fld id="{00000000-1234-1234-1234-123412341234}" type="slidenum">
               <a:rPr lang="en"/>
-              <a:t>‹#›</a:t>
+              <a:t>17</a:t>
             </a:fld>
             <a:endParaRPr/>
           </a:p>
@@ -11910,11 +12026,11 @@
 </file>
 
 <file path=ppt/slides/slide2.xml><?xml version="1.0" encoding="utf-8"?>
-<p:sld xmlns:a="http://schemas.openxmlformats.org/drawingml/2006/main" xmlns:r="http://schemas.openxmlformats.org/officeDocument/2006/relationships" xmlns:mc="http://schemas.openxmlformats.org/markup-compatibility/2006" xmlns:mv="urn:schemas-microsoft-com:mac:vml" xmlns:p="http://schemas.openxmlformats.org/presentationml/2006/main" xmlns:c="http://schemas.openxmlformats.org/drawingml/2006/chart" xmlns:dgm="http://schemas.openxmlformats.org/drawingml/2006/diagram" xmlns:o="urn:schemas-microsoft-com:office:office" xmlns:v="urn:schemas-microsoft-com:vml" xmlns:pvml="urn:schemas-microsoft-com:office:powerpoint" xmlns:com="http://schemas.openxmlformats.org/drawingml/2006/compatibility" xmlns:p14="http://schemas.microsoft.com/office/powerpoint/2010/main" xmlns:p15="http://schemas.microsoft.com/office/powerpoint/2012/main">
+<p:sld xmlns:a="http://schemas.openxmlformats.org/drawingml/2006/main" xmlns:r="http://schemas.openxmlformats.org/officeDocument/2006/relationships" xmlns:p="http://schemas.openxmlformats.org/presentationml/2006/main">
   <p:cSld>
     <p:spTree>
       <p:nvGrpSpPr>
-        <p:cNvPr id="78" name="Shape 78"/>
+        <p:cNvPr id="1" name="Shape 78"/>
         <p:cNvGrpSpPr/>
         <p:nvPr/>
       </p:nvGrpSpPr>
@@ -11929,9 +12045,11 @@
       <p:sp>
         <p:nvSpPr>
           <p:cNvPr id="79" name="Google Shape;79;p14"/>
-          <p:cNvSpPr txBox="1"/>
+          <p:cNvSpPr txBox="1">
+            <a:spLocks noGrp="1"/>
+          </p:cNvSpPr>
           <p:nvPr>
-            <p:ph idx="4294967295" type="title"/>
+            <p:ph type="title" idx="4294967295"/>
           </p:nvPr>
         </p:nvSpPr>
         <p:spPr>
@@ -11944,12 +12062,12 @@
           </a:prstGeom>
         </p:spPr>
         <p:txBody>
-          <a:bodyPr anchorCtr="0" anchor="t" bIns="91425" lIns="91425" spcFirstLastPara="1" rIns="91425" wrap="square" tIns="91425">
+          <a:bodyPr spcFirstLastPara="1" wrap="square" lIns="91425" tIns="91425" rIns="91425" bIns="91425" anchor="t" anchorCtr="0">
             <a:noAutofit/>
           </a:bodyPr>
           <a:lstStyle/>
           <a:p>
-            <a:pPr indent="0" lvl="0" marL="0" rtl="0" algn="l">
+            <a:pPr marL="0" lvl="0" indent="0" algn="l" rtl="0">
               <a:spcBef>
                 <a:spcPts val="0"/>
               </a:spcBef>
@@ -11977,9 +12095,11 @@
       <p:sp>
         <p:nvSpPr>
           <p:cNvPr id="80" name="Google Shape;80;p14"/>
-          <p:cNvSpPr txBox="1"/>
+          <p:cNvSpPr txBox="1">
+            <a:spLocks noGrp="1"/>
+          </p:cNvSpPr>
           <p:nvPr>
-            <p:ph idx="4294967295" type="title"/>
+            <p:ph type="title" idx="4294967295"/>
           </p:nvPr>
         </p:nvSpPr>
         <p:spPr>
@@ -11992,12 +12112,12 @@
           </a:prstGeom>
         </p:spPr>
         <p:txBody>
-          <a:bodyPr anchorCtr="0" anchor="t" bIns="91425" lIns="91425" spcFirstLastPara="1" rIns="91425" wrap="square" tIns="91425">
+          <a:bodyPr spcFirstLastPara="1" wrap="square" lIns="91425" tIns="91425" rIns="91425" bIns="91425" anchor="t" anchorCtr="0">
             <a:noAutofit/>
           </a:bodyPr>
           <a:lstStyle/>
           <a:p>
-            <a:pPr indent="0" lvl="0" marL="0" rtl="0" algn="l">
+            <a:pPr marL="0" lvl="0" indent="0" algn="l" rtl="0">
               <a:lnSpc>
                 <a:spcPct val="115000"/>
               </a:lnSpc>
@@ -12026,7 +12146,7 @@
             </a:endParaRPr>
           </a:p>
           <a:p>
-            <a:pPr indent="0" lvl="0" marL="0" rtl="0" algn="l">
+            <a:pPr marL="0" lvl="0" indent="0" algn="l" rtl="0">
               <a:lnSpc>
                 <a:spcPct val="115000"/>
               </a:lnSpc>
@@ -12055,7 +12175,7 @@
             </a:endParaRPr>
           </a:p>
           <a:p>
-            <a:pPr indent="0" lvl="0" marL="0" rtl="0" algn="l">
+            <a:pPr marL="0" lvl="0" indent="0" algn="l" rtl="0">
               <a:lnSpc>
                 <a:spcPct val="115000"/>
               </a:lnSpc>
@@ -12084,7 +12204,7 @@
             </a:endParaRPr>
           </a:p>
           <a:p>
-            <a:pPr indent="0" lvl="0" marL="0" rtl="0" algn="l">
+            <a:pPr marL="0" lvl="0" indent="0" algn="l" rtl="0">
               <a:lnSpc>
                 <a:spcPct val="115000"/>
               </a:lnSpc>
@@ -12113,7 +12233,7 @@
             </a:endParaRPr>
           </a:p>
           <a:p>
-            <a:pPr indent="0" lvl="0" marL="0" rtl="0" algn="l">
+            <a:pPr marL="0" lvl="0" indent="0" algn="l" rtl="0">
               <a:lnSpc>
                 <a:spcPct val="115000"/>
               </a:lnSpc>
@@ -12146,9 +12266,11 @@
       <p:sp>
         <p:nvSpPr>
           <p:cNvPr id="81" name="Google Shape;81;p14"/>
-          <p:cNvSpPr txBox="1"/>
+          <p:cNvSpPr txBox="1">
+            <a:spLocks noGrp="1"/>
+          </p:cNvSpPr>
           <p:nvPr>
-            <p:ph idx="12" type="sldNum"/>
+            <p:ph type="sldNum" idx="12"/>
           </p:nvPr>
         </p:nvSpPr>
         <p:spPr>
@@ -12161,12 +12283,12 @@
           </a:prstGeom>
         </p:spPr>
         <p:txBody>
-          <a:bodyPr anchorCtr="0" anchor="ctr" bIns="91425" lIns="91425" spcFirstLastPara="1" rIns="91425" wrap="square" tIns="91425">
+          <a:bodyPr spcFirstLastPara="1" wrap="square" lIns="91425" tIns="91425" rIns="91425" bIns="91425" anchor="ctr" anchorCtr="0">
             <a:noAutofit/>
           </a:bodyPr>
           <a:lstStyle/>
           <a:p>
-            <a:pPr indent="0" lvl="0" marL="0" rtl="0" algn="r">
+            <a:pPr marL="0" lvl="0" indent="0" algn="r" rtl="0">
               <a:spcBef>
                 <a:spcPts val="0"/>
               </a:spcBef>
@@ -12177,7 +12299,7 @@
             </a:pPr>
             <a:fld id="{00000000-1234-1234-1234-123412341234}" type="slidenum">
               <a:rPr lang="en"/>
-              <a:t>‹#›</a:t>
+              <a:t>2</a:t>
             </a:fld>
             <a:endParaRPr/>
           </a:p>
@@ -12192,18 +12314,19 @@
 </file>
 
 <file path=ppt/slides/slide3.xml><?xml version="1.0" encoding="utf-8"?>
-<p:sld xmlns:a="http://schemas.openxmlformats.org/drawingml/2006/main" xmlns:r="http://schemas.openxmlformats.org/officeDocument/2006/relationships" xmlns:mc="http://schemas.openxmlformats.org/markup-compatibility/2006" xmlns:mv="urn:schemas-microsoft-com:mac:vml" xmlns:p="http://schemas.openxmlformats.org/presentationml/2006/main" xmlns:c="http://schemas.openxmlformats.org/drawingml/2006/chart" xmlns:dgm="http://schemas.openxmlformats.org/drawingml/2006/diagram" xmlns:o="urn:schemas-microsoft-com:office:office" xmlns:v="urn:schemas-microsoft-com:vml" xmlns:pvml="urn:schemas-microsoft-com:office:powerpoint" xmlns:com="http://schemas.openxmlformats.org/drawingml/2006/compatibility" xmlns:p14="http://schemas.microsoft.com/office/powerpoint/2010/main" xmlns:p15="http://schemas.microsoft.com/office/powerpoint/2012/main">
+<p:sld xmlns:a="http://schemas.openxmlformats.org/drawingml/2006/main" xmlns:r="http://schemas.openxmlformats.org/officeDocument/2006/relationships" xmlns:p="http://schemas.openxmlformats.org/presentationml/2006/main">
   <p:cSld>
     <p:bg>
       <p:bgPr>
         <a:solidFill>
           <a:srgbClr val="93C47D"/>
         </a:solidFill>
+        <a:effectLst/>
       </p:bgPr>
     </p:bg>
     <p:spTree>
       <p:nvGrpSpPr>
-        <p:cNvPr id="85" name="Shape 85"/>
+        <p:cNvPr id="1" name="Shape 85"/>
         <p:cNvGrpSpPr/>
         <p:nvPr/>
       </p:nvGrpSpPr>
@@ -12245,7 +12368,7 @@
       </p:pic>
       <p:pic>
         <p:nvPicPr>
-          <p:cNvPr descr="Piece of duct tape sticking a note to the slide" id="87" name="Google Shape;87;p15"/>
+          <p:cNvPr id="87" name="Google Shape;87;p15" descr="Piece of duct tape sticking a note to the slide"/>
           <p:cNvPicPr preferRelativeResize="0"/>
           <p:nvPr/>
         </p:nvPicPr>
@@ -12253,7 +12376,7 @@
           <a:blip r:embed="rId4">
             <a:alphaModFix/>
           </a:blip>
-          <a:srcRect b="10011" l="9244" r="2118" t="5926"/>
+          <a:srcRect l="9244" t="5926" r="2118" b="10011"/>
           <a:stretch/>
         </p:blipFill>
         <p:spPr>
@@ -12290,12 +12413,12 @@
           </a:ln>
         </p:spPr>
         <p:txBody>
-          <a:bodyPr anchorCtr="0" anchor="b" bIns="91425" lIns="91425" spcFirstLastPara="1" rIns="91425" wrap="square" tIns="91425">
+          <a:bodyPr spcFirstLastPara="1" wrap="square" lIns="91425" tIns="91425" rIns="91425" bIns="91425" anchor="b" anchorCtr="0">
             <a:noAutofit/>
           </a:bodyPr>
           <a:lstStyle/>
           <a:p>
-            <a:pPr indent="0" lvl="0" marL="0" rtl="0" algn="l">
+            <a:pPr marL="0" lvl="0" indent="0" algn="l" rtl="0">
               <a:spcBef>
                 <a:spcPts val="0"/>
               </a:spcBef>
@@ -12305,7 +12428,7 @@
               <a:buNone/>
             </a:pPr>
             <a:r>
-              <a:rPr b="1" lang="en" sz="3000">
+              <a:rPr lang="en" sz="3000" b="1">
                 <a:solidFill>
                   <a:schemeClr val="lt2"/>
                 </a:solidFill>
@@ -12316,7 +12439,7 @@
               </a:rPr>
               <a:t>1. Intro</a:t>
             </a:r>
-            <a:endParaRPr b="1" sz="3000">
+            <a:endParaRPr sz="3000" b="1">
               <a:solidFill>
                 <a:schemeClr val="lt2"/>
               </a:solidFill>
@@ -12331,9 +12454,11 @@
       <p:sp>
         <p:nvSpPr>
           <p:cNvPr id="89" name="Google Shape;89;p15"/>
-          <p:cNvSpPr txBox="1"/>
+          <p:cNvSpPr txBox="1">
+            <a:spLocks noGrp="1"/>
+          </p:cNvSpPr>
           <p:nvPr>
-            <p:ph idx="4294967295" type="body"/>
+            <p:ph type="body" idx="4294967295"/>
           </p:nvPr>
         </p:nvSpPr>
         <p:spPr>
@@ -12346,23 +12471,20 @@
           </a:prstGeom>
         </p:spPr>
         <p:txBody>
-          <a:bodyPr anchorCtr="0" anchor="t" bIns="91425" lIns="91425" spcFirstLastPara="1" rIns="91425" wrap="square" tIns="91425">
+          <a:bodyPr spcFirstLastPara="1" wrap="square" lIns="91425" tIns="91425" rIns="91425" bIns="91425" anchor="t" anchorCtr="0">
             <a:noAutofit/>
           </a:bodyPr>
           <a:lstStyle/>
           <a:p>
-            <a:pPr indent="0" lvl="0" marL="0" rtl="0" algn="l">
-              <a:spcBef>
-                <a:spcPts val="0"/>
-              </a:spcBef>
-              <a:spcAft>
-                <a:spcPts val="0"/>
-              </a:spcAft>
-              <a:buNone/>
-            </a:pPr>
-            <a:r>
-              <a:t/>
-            </a:r>
+            <a:pPr marL="0" lvl="0" indent="0" algn="l" rtl="0">
+              <a:spcBef>
+                <a:spcPts val="0"/>
+              </a:spcBef>
+              <a:spcAft>
+                <a:spcPts val="0"/>
+              </a:spcAft>
+              <a:buNone/>
+            </a:pPr>
             <a:endParaRPr sz="1200">
               <a:solidFill>
                 <a:schemeClr val="dk2"/>
@@ -12374,7 +12496,7 @@
             </a:endParaRPr>
           </a:p>
           <a:p>
-            <a:pPr indent="-304800" lvl="0" marL="457200" rtl="0" algn="l">
+            <a:pPr marL="457200" lvl="0" indent="-304800" algn="l" rtl="0">
               <a:spcBef>
                 <a:spcPts val="1600"/>
               </a:spcBef>
@@ -12417,9 +12539,11 @@
       <p:sp>
         <p:nvSpPr>
           <p:cNvPr id="90" name="Google Shape;90;p15"/>
-          <p:cNvSpPr txBox="1"/>
+          <p:cNvSpPr txBox="1">
+            <a:spLocks noGrp="1"/>
+          </p:cNvSpPr>
           <p:nvPr>
-            <p:ph idx="12" type="sldNum"/>
+            <p:ph type="sldNum" idx="12"/>
           </p:nvPr>
         </p:nvSpPr>
         <p:spPr>
@@ -12432,12 +12556,12 @@
           </a:prstGeom>
         </p:spPr>
         <p:txBody>
-          <a:bodyPr anchorCtr="0" anchor="ctr" bIns="91425" lIns="91425" spcFirstLastPara="1" rIns="91425" wrap="square" tIns="91425">
+          <a:bodyPr spcFirstLastPara="1" wrap="square" lIns="91425" tIns="91425" rIns="91425" bIns="91425" anchor="ctr" anchorCtr="0">
             <a:noAutofit/>
           </a:bodyPr>
           <a:lstStyle/>
           <a:p>
-            <a:pPr indent="0" lvl="0" marL="0" rtl="0" algn="r">
+            <a:pPr marL="0" lvl="0" indent="0" algn="r" rtl="0">
               <a:spcBef>
                 <a:spcPts val="0"/>
               </a:spcBef>
@@ -12448,7 +12572,7 @@
             </a:pPr>
             <a:fld id="{00000000-1234-1234-1234-123412341234}" type="slidenum">
               <a:rPr lang="en"/>
-              <a:t>‹#›</a:t>
+              <a:t>3</a:t>
             </a:fld>
             <a:endParaRPr/>
           </a:p>
@@ -12463,11 +12587,11 @@
 </file>
 
 <file path=ppt/slides/slide4.xml><?xml version="1.0" encoding="utf-8"?>
-<p:sld xmlns:a="http://schemas.openxmlformats.org/drawingml/2006/main" xmlns:r="http://schemas.openxmlformats.org/officeDocument/2006/relationships" xmlns:mc="http://schemas.openxmlformats.org/markup-compatibility/2006" xmlns:mv="urn:schemas-microsoft-com:mac:vml" xmlns:p="http://schemas.openxmlformats.org/presentationml/2006/main" xmlns:c="http://schemas.openxmlformats.org/drawingml/2006/chart" xmlns:dgm="http://schemas.openxmlformats.org/drawingml/2006/diagram" xmlns:o="urn:schemas-microsoft-com:office:office" xmlns:v="urn:schemas-microsoft-com:vml" xmlns:pvml="urn:schemas-microsoft-com:office:powerpoint" xmlns:com="http://schemas.openxmlformats.org/drawingml/2006/compatibility" xmlns:p14="http://schemas.microsoft.com/office/powerpoint/2010/main" xmlns:p15="http://schemas.microsoft.com/office/powerpoint/2012/main">
+<p:sld xmlns:a="http://schemas.openxmlformats.org/drawingml/2006/main" xmlns:r="http://schemas.openxmlformats.org/officeDocument/2006/relationships" xmlns:p="http://schemas.openxmlformats.org/presentationml/2006/main">
   <p:cSld>
     <p:spTree>
       <p:nvGrpSpPr>
-        <p:cNvPr id="94" name="Shape 94"/>
+        <p:cNvPr id="1" name="Shape 94"/>
         <p:cNvGrpSpPr/>
         <p:nvPr/>
       </p:nvGrpSpPr>
@@ -12482,7 +12606,9 @@
       <p:sp>
         <p:nvSpPr>
           <p:cNvPr id="95" name="Google Shape;95;p16"/>
-          <p:cNvSpPr txBox="1"/>
+          <p:cNvSpPr txBox="1">
+            <a:spLocks noGrp="1"/>
+          </p:cNvSpPr>
           <p:nvPr>
             <p:ph type="title"/>
           </p:nvPr>
@@ -12497,12 +12623,12 @@
           </a:prstGeom>
         </p:spPr>
         <p:txBody>
-          <a:bodyPr anchorCtr="0" anchor="t" bIns="91425" lIns="91425" spcFirstLastPara="1" rIns="91425" wrap="square" tIns="91425">
+          <a:bodyPr spcFirstLastPara="1" wrap="square" lIns="91425" tIns="91425" rIns="91425" bIns="91425" anchor="t" anchorCtr="0">
             <a:noAutofit/>
           </a:bodyPr>
           <a:lstStyle/>
           <a:p>
-            <a:pPr indent="0" lvl="0" marL="0" rtl="0" algn="l">
+            <a:pPr marL="0" lvl="0" indent="0" algn="l" rtl="0">
               <a:spcBef>
                 <a:spcPts val="0"/>
               </a:spcBef>
@@ -12518,7 +12644,7 @@
             <a:endParaRPr/>
           </a:p>
           <a:p>
-            <a:pPr indent="-342900" lvl="0" marL="457200" rtl="0" algn="l">
+            <a:pPr marL="457200" lvl="0" indent="-342900" algn="l" rtl="0">
               <a:lnSpc>
                 <a:spcPct val="115000"/>
               </a:lnSpc>
@@ -12550,7 +12676,7 @@
             </a:endParaRPr>
           </a:p>
           <a:p>
-            <a:pPr indent="-342900" lvl="0" marL="457200" rtl="0" algn="l">
+            <a:pPr marL="457200" lvl="0" indent="-342900" algn="l" rtl="0">
               <a:lnSpc>
                 <a:spcPct val="115000"/>
               </a:lnSpc>
@@ -12582,7 +12708,7 @@
             </a:endParaRPr>
           </a:p>
           <a:p>
-            <a:pPr indent="0" lvl="0" marL="0" rtl="0" algn="l">
+            <a:pPr marL="0" lvl="0" indent="0" algn="l" rtl="0">
               <a:lnSpc>
                 <a:spcPct val="115000"/>
               </a:lnSpc>
@@ -12594,9 +12720,6 @@
               </a:spcAft>
               <a:buNone/>
             </a:pPr>
-            <a:r>
-              <a:t/>
-            </a:r>
             <a:endParaRPr sz="1400">
               <a:solidFill>
                 <a:srgbClr val="93C47D"/>
@@ -12608,9 +12731,11 @@
       <p:sp>
         <p:nvSpPr>
           <p:cNvPr id="96" name="Google Shape;96;p16"/>
-          <p:cNvSpPr txBox="1"/>
+          <p:cNvSpPr txBox="1">
+            <a:spLocks noGrp="1"/>
+          </p:cNvSpPr>
           <p:nvPr>
-            <p:ph idx="12" type="sldNum"/>
+            <p:ph type="sldNum" idx="12"/>
           </p:nvPr>
         </p:nvSpPr>
         <p:spPr>
@@ -12623,12 +12748,12 @@
           </a:prstGeom>
         </p:spPr>
         <p:txBody>
-          <a:bodyPr anchorCtr="0" anchor="ctr" bIns="91425" lIns="91425" spcFirstLastPara="1" rIns="91425" wrap="square" tIns="91425">
+          <a:bodyPr spcFirstLastPara="1" wrap="square" lIns="91425" tIns="91425" rIns="91425" bIns="91425" anchor="ctr" anchorCtr="0">
             <a:noAutofit/>
           </a:bodyPr>
           <a:lstStyle/>
           <a:p>
-            <a:pPr indent="0" lvl="0" marL="0" rtl="0" algn="r">
+            <a:pPr marL="0" lvl="0" indent="0" algn="r" rtl="0">
               <a:spcBef>
                 <a:spcPts val="0"/>
               </a:spcBef>
@@ -12639,7 +12764,7 @@
             </a:pPr>
             <a:fld id="{00000000-1234-1234-1234-123412341234}" type="slidenum">
               <a:rPr lang="en"/>
-              <a:t>‹#›</a:t>
+              <a:t>4</a:t>
             </a:fld>
             <a:endParaRPr/>
           </a:p>
@@ -12654,11 +12779,11 @@
 </file>
 
 <file path=ppt/slides/slide5.xml><?xml version="1.0" encoding="utf-8"?>
-<p:sld xmlns:a="http://schemas.openxmlformats.org/drawingml/2006/main" xmlns:r="http://schemas.openxmlformats.org/officeDocument/2006/relationships" xmlns:mc="http://schemas.openxmlformats.org/markup-compatibility/2006" xmlns:mv="urn:schemas-microsoft-com:mac:vml" xmlns:p="http://schemas.openxmlformats.org/presentationml/2006/main" xmlns:c="http://schemas.openxmlformats.org/drawingml/2006/chart" xmlns:dgm="http://schemas.openxmlformats.org/drawingml/2006/diagram" xmlns:o="urn:schemas-microsoft-com:office:office" xmlns:v="urn:schemas-microsoft-com:vml" xmlns:pvml="urn:schemas-microsoft-com:office:powerpoint" xmlns:com="http://schemas.openxmlformats.org/drawingml/2006/compatibility" xmlns:p14="http://schemas.microsoft.com/office/powerpoint/2010/main" xmlns:p15="http://schemas.microsoft.com/office/powerpoint/2012/main">
+<p:sld xmlns:a="http://schemas.openxmlformats.org/drawingml/2006/main" xmlns:r="http://schemas.openxmlformats.org/officeDocument/2006/relationships" xmlns:p="http://schemas.openxmlformats.org/presentationml/2006/main">
   <p:cSld>
     <p:spTree>
       <p:nvGrpSpPr>
-        <p:cNvPr id="100" name="Shape 100"/>
+        <p:cNvPr id="1" name="Shape 100"/>
         <p:cNvGrpSpPr/>
         <p:nvPr/>
       </p:nvGrpSpPr>
@@ -12673,7 +12798,9 @@
       <p:sp>
         <p:nvSpPr>
           <p:cNvPr id="101" name="Google Shape;101;p17"/>
-          <p:cNvSpPr txBox="1"/>
+          <p:cNvSpPr txBox="1">
+            <a:spLocks noGrp="1"/>
+          </p:cNvSpPr>
           <p:nvPr>
             <p:ph type="title"/>
           </p:nvPr>
@@ -12688,12 +12815,12 @@
           </a:prstGeom>
         </p:spPr>
         <p:txBody>
-          <a:bodyPr anchorCtr="0" anchor="t" bIns="91425" lIns="91425" spcFirstLastPara="1" rIns="91425" wrap="square" tIns="91425">
+          <a:bodyPr spcFirstLastPara="1" wrap="square" lIns="91425" tIns="91425" rIns="91425" bIns="91425" anchor="t" anchorCtr="0">
             <a:noAutofit/>
           </a:bodyPr>
           <a:lstStyle/>
           <a:p>
-            <a:pPr indent="0" lvl="0" marL="0" rtl="0" algn="l">
+            <a:pPr marL="0" lvl="0" indent="0" algn="l" rtl="0">
               <a:spcBef>
                 <a:spcPts val="0"/>
               </a:spcBef>
@@ -12709,22 +12836,19 @@
             <a:endParaRPr sz="1400"/>
           </a:p>
           <a:p>
-            <a:pPr indent="0" lvl="0" marL="0" rtl="0" algn="l">
-              <a:spcBef>
-                <a:spcPts val="0"/>
-              </a:spcBef>
-              <a:spcAft>
-                <a:spcPts val="0"/>
-              </a:spcAft>
-              <a:buNone/>
-            </a:pPr>
-            <a:r>
-              <a:t/>
-            </a:r>
+            <a:pPr marL="0" lvl="0" indent="0" algn="l" rtl="0">
+              <a:spcBef>
+                <a:spcPts val="0"/>
+              </a:spcBef>
+              <a:spcAft>
+                <a:spcPts val="0"/>
+              </a:spcAft>
+              <a:buNone/>
+            </a:pPr>
             <a:endParaRPr sz="1400"/>
           </a:p>
           <a:p>
-            <a:pPr indent="-317500" lvl="0" marL="457200" rtl="0" algn="l">
+            <a:pPr marL="457200" lvl="0" indent="-317500" algn="l" rtl="0">
               <a:spcBef>
                 <a:spcPts val="0"/>
               </a:spcBef>
@@ -12752,18 +12876,15 @@
             </a:endParaRPr>
           </a:p>
           <a:p>
-            <a:pPr indent="0" lvl="0" marL="457200" rtl="0" algn="l">
-              <a:spcBef>
-                <a:spcPts val="0"/>
-              </a:spcBef>
-              <a:spcAft>
-                <a:spcPts val="0"/>
-              </a:spcAft>
-              <a:buNone/>
-            </a:pPr>
-            <a:r>
-              <a:t/>
-            </a:r>
+            <a:pPr marL="457200" lvl="0" indent="0" algn="l" rtl="0">
+              <a:spcBef>
+                <a:spcPts val="0"/>
+              </a:spcBef>
+              <a:spcAft>
+                <a:spcPts val="0"/>
+              </a:spcAft>
+              <a:buNone/>
+            </a:pPr>
             <a:endParaRPr sz="1400">
               <a:solidFill>
                 <a:srgbClr val="93C47D"/>
@@ -12771,7 +12892,7 @@
             </a:endParaRPr>
           </a:p>
           <a:p>
-            <a:pPr indent="-317500" lvl="0" marL="457200" rtl="0" algn="l">
+            <a:pPr marL="457200" lvl="0" indent="-317500" algn="l" rtl="0">
               <a:spcBef>
                 <a:spcPts val="0"/>
               </a:spcBef>
@@ -12799,18 +12920,15 @@
             </a:endParaRPr>
           </a:p>
           <a:p>
-            <a:pPr indent="0" lvl="0" marL="0" rtl="0" algn="l">
-              <a:spcBef>
-                <a:spcPts val="0"/>
-              </a:spcBef>
-              <a:spcAft>
-                <a:spcPts val="0"/>
-              </a:spcAft>
-              <a:buNone/>
-            </a:pPr>
-            <a:r>
-              <a:t/>
-            </a:r>
+            <a:pPr marL="0" lvl="0" indent="0" algn="l" rtl="0">
+              <a:spcBef>
+                <a:spcPts val="0"/>
+              </a:spcBef>
+              <a:spcAft>
+                <a:spcPts val="0"/>
+              </a:spcAft>
+              <a:buNone/>
+            </a:pPr>
             <a:endParaRPr sz="1400">
               <a:solidFill>
                 <a:srgbClr val="93C47D"/>
@@ -12818,7 +12936,7 @@
             </a:endParaRPr>
           </a:p>
           <a:p>
-            <a:pPr indent="0" lvl="0" marL="914400" rtl="0" algn="l">
+            <a:pPr marL="914400" lvl="0" indent="0" algn="l" rtl="0">
               <a:lnSpc>
                 <a:spcPct val="115000"/>
               </a:lnSpc>
@@ -12830,9 +12948,6 @@
               </a:spcAft>
               <a:buNone/>
             </a:pPr>
-            <a:r>
-              <a:t/>
-            </a:r>
             <a:endParaRPr sz="1400">
               <a:solidFill>
                 <a:srgbClr val="93C47D"/>
@@ -12872,9 +12987,11 @@
       <p:sp>
         <p:nvSpPr>
           <p:cNvPr id="103" name="Google Shape;103;p17"/>
-          <p:cNvSpPr txBox="1"/>
+          <p:cNvSpPr txBox="1">
+            <a:spLocks noGrp="1"/>
+          </p:cNvSpPr>
           <p:nvPr>
-            <p:ph idx="12" type="sldNum"/>
+            <p:ph type="sldNum" idx="12"/>
           </p:nvPr>
         </p:nvSpPr>
         <p:spPr>
@@ -12887,12 +13004,12 @@
           </a:prstGeom>
         </p:spPr>
         <p:txBody>
-          <a:bodyPr anchorCtr="0" anchor="ctr" bIns="91425" lIns="91425" spcFirstLastPara="1" rIns="91425" wrap="square" tIns="91425">
+          <a:bodyPr spcFirstLastPara="1" wrap="square" lIns="91425" tIns="91425" rIns="91425" bIns="91425" anchor="ctr" anchorCtr="0">
             <a:noAutofit/>
           </a:bodyPr>
           <a:lstStyle/>
           <a:p>
-            <a:pPr indent="0" lvl="0" marL="0" rtl="0" algn="r">
+            <a:pPr marL="0" lvl="0" indent="0" algn="r" rtl="0">
               <a:spcBef>
                 <a:spcPts val="0"/>
               </a:spcBef>
@@ -12903,7 +13020,7 @@
             </a:pPr>
             <a:fld id="{00000000-1234-1234-1234-123412341234}" type="slidenum">
               <a:rPr lang="en"/>
-              <a:t>‹#›</a:t>
+              <a:t>5</a:t>
             </a:fld>
             <a:endParaRPr/>
           </a:p>
@@ -12918,11 +13035,11 @@
 </file>
 
 <file path=ppt/slides/slide6.xml><?xml version="1.0" encoding="utf-8"?>
-<p:sld xmlns:a="http://schemas.openxmlformats.org/drawingml/2006/main" xmlns:r="http://schemas.openxmlformats.org/officeDocument/2006/relationships" xmlns:mc="http://schemas.openxmlformats.org/markup-compatibility/2006" xmlns:mv="urn:schemas-microsoft-com:mac:vml" xmlns:p="http://schemas.openxmlformats.org/presentationml/2006/main" xmlns:c="http://schemas.openxmlformats.org/drawingml/2006/chart" xmlns:dgm="http://schemas.openxmlformats.org/drawingml/2006/diagram" xmlns:o="urn:schemas-microsoft-com:office:office" xmlns:v="urn:schemas-microsoft-com:vml" xmlns:pvml="urn:schemas-microsoft-com:office:powerpoint" xmlns:com="http://schemas.openxmlformats.org/drawingml/2006/compatibility" xmlns:p14="http://schemas.microsoft.com/office/powerpoint/2010/main" xmlns:p15="http://schemas.microsoft.com/office/powerpoint/2012/main">
+<p:sld xmlns:a="http://schemas.openxmlformats.org/drawingml/2006/main" xmlns:r="http://schemas.openxmlformats.org/officeDocument/2006/relationships" xmlns:p="http://schemas.openxmlformats.org/presentationml/2006/main">
   <p:cSld>
     <p:spTree>
       <p:nvGrpSpPr>
-        <p:cNvPr id="107" name="Shape 107"/>
+        <p:cNvPr id="1" name="Shape 107"/>
         <p:cNvGrpSpPr/>
         <p:nvPr/>
       </p:nvGrpSpPr>
@@ -12937,7 +13054,9 @@
       <p:sp>
         <p:nvSpPr>
           <p:cNvPr id="108" name="Google Shape;108;p18"/>
-          <p:cNvSpPr txBox="1"/>
+          <p:cNvSpPr txBox="1">
+            <a:spLocks noGrp="1"/>
+          </p:cNvSpPr>
           <p:nvPr>
             <p:ph type="title"/>
           </p:nvPr>
@@ -12952,12 +13071,12 @@
           </a:prstGeom>
         </p:spPr>
         <p:txBody>
-          <a:bodyPr anchorCtr="0" anchor="t" bIns="91425" lIns="91425" spcFirstLastPara="1" rIns="91425" wrap="square" tIns="91425">
+          <a:bodyPr spcFirstLastPara="1" wrap="square" lIns="91425" tIns="91425" rIns="91425" bIns="91425" anchor="t" anchorCtr="0">
             <a:noAutofit/>
           </a:bodyPr>
           <a:lstStyle/>
           <a:p>
-            <a:pPr indent="0" lvl="0" marL="0" rtl="0" algn="l">
+            <a:pPr marL="0" lvl="0" indent="0" algn="l" rtl="0">
               <a:spcBef>
                 <a:spcPts val="0"/>
               </a:spcBef>
@@ -12973,22 +13092,19 @@
             <a:endParaRPr sz="1800"/>
           </a:p>
           <a:p>
-            <a:pPr indent="0" lvl="0" marL="0" rtl="0" algn="l">
-              <a:spcBef>
-                <a:spcPts val="0"/>
-              </a:spcBef>
-              <a:spcAft>
-                <a:spcPts val="0"/>
-              </a:spcAft>
-              <a:buNone/>
-            </a:pPr>
-            <a:r>
-              <a:t/>
-            </a:r>
+            <a:pPr marL="0" lvl="0" indent="0" algn="l" rtl="0">
+              <a:spcBef>
+                <a:spcPts val="0"/>
+              </a:spcBef>
+              <a:spcAft>
+                <a:spcPts val="0"/>
+              </a:spcAft>
+              <a:buNone/>
+            </a:pPr>
             <a:endParaRPr sz="1800"/>
           </a:p>
           <a:p>
-            <a:pPr indent="0" lvl="0" marL="0" rtl="0" algn="l">
+            <a:pPr marL="0" lvl="0" indent="0" algn="l" rtl="0">
               <a:spcBef>
                 <a:spcPts val="0"/>
               </a:spcBef>
@@ -13002,7 +13118,7 @@
               <a:t>Take a look at the temperature data we pulled from Meteostat API for Toronto (</a:t>
             </a:r>
             <a:r>
-              <a:rPr b="0" lang="en" sz="1800" u="sng">
+              <a:rPr lang="en" sz="1800" b="0" u="sng">
                 <a:latin typeface="Arial"/>
                 <a:ea typeface="Arial"/>
                 <a:cs typeface="Arial"/>
@@ -13018,18 +13134,15 @@
             <a:endParaRPr sz="1800"/>
           </a:p>
           <a:p>
-            <a:pPr indent="0" lvl="0" marL="0" rtl="0" algn="l">
-              <a:spcBef>
-                <a:spcPts val="0"/>
-              </a:spcBef>
-              <a:spcAft>
-                <a:spcPts val="0"/>
-              </a:spcAft>
-              <a:buNone/>
-            </a:pPr>
-            <a:r>
-              <a:t/>
-            </a:r>
+            <a:pPr marL="0" lvl="0" indent="0" algn="l" rtl="0">
+              <a:spcBef>
+                <a:spcPts val="0"/>
+              </a:spcBef>
+              <a:spcAft>
+                <a:spcPts val="0"/>
+              </a:spcAft>
+              <a:buNone/>
+            </a:pPr>
             <a:endParaRPr sz="1800">
               <a:solidFill>
                 <a:srgbClr val="93C47D"/>
@@ -13037,7 +13150,7 @@
             </a:endParaRPr>
           </a:p>
           <a:p>
-            <a:pPr indent="0" lvl="0" marL="0" rtl="0" algn="l">
+            <a:pPr marL="0" lvl="0" indent="0" algn="l" rtl="0">
               <a:spcBef>
                 <a:spcPts val="0"/>
               </a:spcBef>
@@ -13061,18 +13174,15 @@
             </a:endParaRPr>
           </a:p>
           <a:p>
-            <a:pPr indent="0" lvl="0" marL="0" rtl="0" algn="l">
-              <a:spcBef>
-                <a:spcPts val="0"/>
-              </a:spcBef>
-              <a:spcAft>
-                <a:spcPts val="0"/>
-              </a:spcAft>
-              <a:buNone/>
-            </a:pPr>
-            <a:r>
-              <a:t/>
-            </a:r>
+            <a:pPr marL="0" lvl="0" indent="0" algn="l" rtl="0">
+              <a:spcBef>
+                <a:spcPts val="0"/>
+              </a:spcBef>
+              <a:spcAft>
+                <a:spcPts val="0"/>
+              </a:spcAft>
+              <a:buNone/>
+            </a:pPr>
             <a:endParaRPr sz="1800">
               <a:solidFill>
                 <a:srgbClr val="93C47D"/>
@@ -13080,7 +13190,7 @@
             </a:endParaRPr>
           </a:p>
           <a:p>
-            <a:pPr indent="0" lvl="0" marL="914400" rtl="0" algn="l">
+            <a:pPr marL="914400" lvl="0" indent="0" algn="l" rtl="0">
               <a:lnSpc>
                 <a:spcPct val="115000"/>
               </a:lnSpc>
@@ -13092,9 +13202,6 @@
               </a:spcAft>
               <a:buNone/>
             </a:pPr>
-            <a:r>
-              <a:t/>
-            </a:r>
             <a:endParaRPr sz="1800">
               <a:solidFill>
                 <a:srgbClr val="93C47D"/>
@@ -13134,9 +13241,11 @@
       <p:sp>
         <p:nvSpPr>
           <p:cNvPr id="110" name="Google Shape;110;p18"/>
-          <p:cNvSpPr txBox="1"/>
+          <p:cNvSpPr txBox="1">
+            <a:spLocks noGrp="1"/>
+          </p:cNvSpPr>
           <p:nvPr>
-            <p:ph idx="12" type="sldNum"/>
+            <p:ph type="sldNum" idx="12"/>
           </p:nvPr>
         </p:nvSpPr>
         <p:spPr>
@@ -13149,12 +13258,12 @@
           </a:prstGeom>
         </p:spPr>
         <p:txBody>
-          <a:bodyPr anchorCtr="0" anchor="ctr" bIns="91425" lIns="91425" spcFirstLastPara="1" rIns="91425" wrap="square" tIns="91425">
+          <a:bodyPr spcFirstLastPara="1" wrap="square" lIns="91425" tIns="91425" rIns="91425" bIns="91425" anchor="ctr" anchorCtr="0">
             <a:noAutofit/>
           </a:bodyPr>
           <a:lstStyle/>
           <a:p>
-            <a:pPr indent="0" lvl="0" marL="0" rtl="0" algn="r">
+            <a:pPr marL="0" lvl="0" indent="0" algn="r" rtl="0">
               <a:spcBef>
                 <a:spcPts val="0"/>
               </a:spcBef>
@@ -13165,7 +13274,7 @@
             </a:pPr>
             <a:fld id="{00000000-1234-1234-1234-123412341234}" type="slidenum">
               <a:rPr lang="en"/>
-              <a:t>‹#›</a:t>
+              <a:t>6</a:t>
             </a:fld>
             <a:endParaRPr/>
           </a:p>
@@ -13180,11 +13289,11 @@
 </file>
 
 <file path=ppt/slides/slide7.xml><?xml version="1.0" encoding="utf-8"?>
-<p:sld xmlns:a="http://schemas.openxmlformats.org/drawingml/2006/main" xmlns:r="http://schemas.openxmlformats.org/officeDocument/2006/relationships" xmlns:mc="http://schemas.openxmlformats.org/markup-compatibility/2006" xmlns:mv="urn:schemas-microsoft-com:mac:vml" xmlns:p="http://schemas.openxmlformats.org/presentationml/2006/main" xmlns:c="http://schemas.openxmlformats.org/drawingml/2006/chart" xmlns:dgm="http://schemas.openxmlformats.org/drawingml/2006/diagram" xmlns:o="urn:schemas-microsoft-com:office:office" xmlns:v="urn:schemas-microsoft-com:vml" xmlns:pvml="urn:schemas-microsoft-com:office:powerpoint" xmlns:com="http://schemas.openxmlformats.org/drawingml/2006/compatibility" xmlns:p14="http://schemas.microsoft.com/office/powerpoint/2010/main" xmlns:p15="http://schemas.microsoft.com/office/powerpoint/2012/main">
+<p:sld xmlns:a="http://schemas.openxmlformats.org/drawingml/2006/main" xmlns:r="http://schemas.openxmlformats.org/officeDocument/2006/relationships" xmlns:p="http://schemas.openxmlformats.org/presentationml/2006/main">
   <p:cSld>
     <p:spTree>
       <p:nvGrpSpPr>
-        <p:cNvPr id="114" name="Shape 114"/>
+        <p:cNvPr id="1" name="Shape 114"/>
         <p:cNvGrpSpPr/>
         <p:nvPr/>
       </p:nvGrpSpPr>
@@ -13199,7 +13308,9 @@
       <p:sp>
         <p:nvSpPr>
           <p:cNvPr id="115" name="Google Shape;115;p19"/>
-          <p:cNvSpPr txBox="1"/>
+          <p:cNvSpPr txBox="1">
+            <a:spLocks noGrp="1"/>
+          </p:cNvSpPr>
           <p:nvPr>
             <p:ph type="title"/>
           </p:nvPr>
@@ -13214,12 +13325,12 @@
           </a:prstGeom>
         </p:spPr>
         <p:txBody>
-          <a:bodyPr anchorCtr="0" anchor="t" bIns="91425" lIns="91425" spcFirstLastPara="1" rIns="91425" wrap="square" tIns="91425">
+          <a:bodyPr spcFirstLastPara="1" wrap="square" lIns="91425" tIns="91425" rIns="91425" bIns="91425" anchor="t" anchorCtr="0">
             <a:noAutofit/>
           </a:bodyPr>
           <a:lstStyle/>
           <a:p>
-            <a:pPr indent="0" lvl="0" marL="0" rtl="0" algn="l">
+            <a:pPr marL="0" lvl="0" indent="0" algn="l" rtl="0">
               <a:spcBef>
                 <a:spcPts val="0"/>
               </a:spcBef>
@@ -13230,15 +13341,7 @@
             </a:pPr>
             <a:r>
               <a:rPr lang="en" sz="2400"/>
-              <a:t>How to answer </a:t>
-            </a:r>
-            <a:r>
-              <a:rPr lang="en" sz="2400"/>
-              <a:t>the</a:t>
-            </a:r>
-            <a:r>
-              <a:rPr lang="en" sz="2400"/>
-              <a:t> research question</a:t>
+              <a:t>How to answer the research question</a:t>
             </a:r>
             <a:r>
               <a:rPr lang="en" sz="1800"/>
@@ -13247,22 +13350,19 @@
             <a:endParaRPr sz="1800"/>
           </a:p>
           <a:p>
-            <a:pPr indent="0" lvl="0" marL="0" rtl="0" algn="l">
-              <a:spcBef>
-                <a:spcPts val="0"/>
-              </a:spcBef>
-              <a:spcAft>
-                <a:spcPts val="0"/>
-              </a:spcAft>
-              <a:buNone/>
-            </a:pPr>
-            <a:r>
-              <a:t/>
-            </a:r>
+            <a:pPr marL="0" lvl="0" indent="0" algn="l" rtl="0">
+              <a:spcBef>
+                <a:spcPts val="0"/>
+              </a:spcBef>
+              <a:spcAft>
+                <a:spcPts val="0"/>
+              </a:spcAft>
+              <a:buNone/>
+            </a:pPr>
             <a:endParaRPr sz="1800"/>
           </a:p>
           <a:p>
-            <a:pPr indent="0" lvl="0" marL="0" rtl="0" algn="l">
+            <a:pPr marL="0" lvl="0" indent="0" algn="l" rtl="0">
               <a:spcBef>
                 <a:spcPts val="0"/>
               </a:spcBef>
@@ -13290,18 +13390,15 @@
             <a:endParaRPr sz="1800"/>
           </a:p>
           <a:p>
-            <a:pPr indent="0" lvl="0" marL="0" rtl="0" algn="l">
-              <a:spcBef>
-                <a:spcPts val="0"/>
-              </a:spcBef>
-              <a:spcAft>
-                <a:spcPts val="0"/>
-              </a:spcAft>
-              <a:buNone/>
-            </a:pPr>
-            <a:r>
-              <a:t/>
-            </a:r>
+            <a:pPr marL="0" lvl="0" indent="0" algn="l" rtl="0">
+              <a:spcBef>
+                <a:spcPts val="0"/>
+              </a:spcBef>
+              <a:spcAft>
+                <a:spcPts val="0"/>
+              </a:spcAft>
+              <a:buNone/>
+            </a:pPr>
             <a:endParaRPr sz="1800">
               <a:solidFill>
                 <a:srgbClr val="93C47D"/>
@@ -13309,18 +13406,15 @@
             </a:endParaRPr>
           </a:p>
           <a:p>
-            <a:pPr indent="0" lvl="0" marL="0" rtl="0" algn="l">
-              <a:spcBef>
-                <a:spcPts val="0"/>
-              </a:spcBef>
-              <a:spcAft>
-                <a:spcPts val="0"/>
-              </a:spcAft>
-              <a:buNone/>
-            </a:pPr>
-            <a:r>
-              <a:t/>
-            </a:r>
+            <a:pPr marL="0" lvl="0" indent="0" algn="l" rtl="0">
+              <a:spcBef>
+                <a:spcPts val="0"/>
+              </a:spcBef>
+              <a:spcAft>
+                <a:spcPts val="0"/>
+              </a:spcAft>
+              <a:buNone/>
+            </a:pPr>
             <a:endParaRPr sz="1800">
               <a:solidFill>
                 <a:srgbClr val="93C47D"/>
@@ -13328,7 +13422,7 @@
             </a:endParaRPr>
           </a:p>
           <a:p>
-            <a:pPr indent="0" lvl="0" marL="914400" rtl="0" algn="l">
+            <a:pPr marL="914400" lvl="0" indent="0" algn="l" rtl="0">
               <a:lnSpc>
                 <a:spcPct val="115000"/>
               </a:lnSpc>
@@ -13340,9 +13434,6 @@
               </a:spcAft>
               <a:buNone/>
             </a:pPr>
-            <a:r>
-              <a:t/>
-            </a:r>
             <a:endParaRPr sz="1800">
               <a:solidFill>
                 <a:srgbClr val="93C47D"/>
@@ -13358,7 +13449,7 @@
           <p:nvPr/>
         </p:nvPicPr>
         <p:blipFill>
-          <a:blip r:embed="rId4">
+          <a:blip r:embed="rId3">
             <a:alphaModFix/>
           </a:blip>
           <a:stretch>
@@ -13382,9 +13473,11 @@
       <p:sp>
         <p:nvSpPr>
           <p:cNvPr id="117" name="Google Shape;117;p19"/>
-          <p:cNvSpPr txBox="1"/>
+          <p:cNvSpPr txBox="1">
+            <a:spLocks noGrp="1"/>
+          </p:cNvSpPr>
           <p:nvPr>
-            <p:ph idx="12" type="sldNum"/>
+            <p:ph type="sldNum" idx="12"/>
           </p:nvPr>
         </p:nvSpPr>
         <p:spPr>
@@ -13397,12 +13490,12 @@
           </a:prstGeom>
         </p:spPr>
         <p:txBody>
-          <a:bodyPr anchorCtr="0" anchor="ctr" bIns="91425" lIns="91425" spcFirstLastPara="1" rIns="91425" wrap="square" tIns="91425">
+          <a:bodyPr spcFirstLastPara="1" wrap="square" lIns="91425" tIns="91425" rIns="91425" bIns="91425" anchor="ctr" anchorCtr="0">
             <a:noAutofit/>
           </a:bodyPr>
           <a:lstStyle/>
           <a:p>
-            <a:pPr indent="0" lvl="0" marL="0" rtl="0" algn="r">
+            <a:pPr marL="0" lvl="0" indent="0" algn="r" rtl="0">
               <a:spcBef>
                 <a:spcPts val="0"/>
               </a:spcBef>
@@ -13413,7 +13506,7 @@
             </a:pPr>
             <a:fld id="{00000000-1234-1234-1234-123412341234}" type="slidenum">
               <a:rPr lang="en"/>
-              <a:t>‹#›</a:t>
+              <a:t>7</a:t>
             </a:fld>
             <a:endParaRPr/>
           </a:p>
@@ -13428,11 +13521,11 @@
 </file>
 
 <file path=ppt/slides/slide8.xml><?xml version="1.0" encoding="utf-8"?>
-<p:sld xmlns:a="http://schemas.openxmlformats.org/drawingml/2006/main" xmlns:r="http://schemas.openxmlformats.org/officeDocument/2006/relationships" xmlns:mc="http://schemas.openxmlformats.org/markup-compatibility/2006" xmlns:mv="urn:schemas-microsoft-com:mac:vml" xmlns:p="http://schemas.openxmlformats.org/presentationml/2006/main" xmlns:c="http://schemas.openxmlformats.org/drawingml/2006/chart" xmlns:dgm="http://schemas.openxmlformats.org/drawingml/2006/diagram" xmlns:o="urn:schemas-microsoft-com:office:office" xmlns:v="urn:schemas-microsoft-com:vml" xmlns:pvml="urn:schemas-microsoft-com:office:powerpoint" xmlns:com="http://schemas.openxmlformats.org/drawingml/2006/compatibility" xmlns:p14="http://schemas.microsoft.com/office/powerpoint/2010/main" xmlns:p15="http://schemas.microsoft.com/office/powerpoint/2012/main">
+<p:sld xmlns:a="http://schemas.openxmlformats.org/drawingml/2006/main" xmlns:r="http://schemas.openxmlformats.org/officeDocument/2006/relationships" xmlns:p="http://schemas.openxmlformats.org/presentationml/2006/main">
   <p:cSld>
     <p:spTree>
       <p:nvGrpSpPr>
-        <p:cNvPr id="121" name="Shape 121"/>
+        <p:cNvPr id="1" name="Shape 121"/>
         <p:cNvGrpSpPr/>
         <p:nvPr/>
       </p:nvGrpSpPr>
@@ -13447,7 +13540,9 @@
       <p:sp>
         <p:nvSpPr>
           <p:cNvPr id="122" name="Google Shape;122;p20"/>
-          <p:cNvSpPr txBox="1"/>
+          <p:cNvSpPr txBox="1">
+            <a:spLocks noGrp="1"/>
+          </p:cNvSpPr>
           <p:nvPr>
             <p:ph type="title"/>
           </p:nvPr>
@@ -13462,12 +13557,12 @@
           </a:prstGeom>
         </p:spPr>
         <p:txBody>
-          <a:bodyPr anchorCtr="0" anchor="t" bIns="91425" lIns="91425" spcFirstLastPara="1" rIns="91425" wrap="square" tIns="91425">
+          <a:bodyPr spcFirstLastPara="1" wrap="square" lIns="91425" tIns="91425" rIns="91425" bIns="91425" anchor="t" anchorCtr="0">
             <a:noAutofit/>
           </a:bodyPr>
           <a:lstStyle/>
           <a:p>
-            <a:pPr indent="0" lvl="0" marL="0" rtl="0" algn="l">
+            <a:pPr marL="0" lvl="0" indent="0" algn="l" rtl="0">
               <a:spcBef>
                 <a:spcPts val="0"/>
               </a:spcBef>
@@ -13483,7 +13578,7 @@
             <a:endParaRPr/>
           </a:p>
           <a:p>
-            <a:pPr indent="-317500" lvl="0" marL="457200" rtl="0" algn="l">
+            <a:pPr marL="457200" lvl="0" indent="-317500" algn="l" rtl="0">
               <a:spcBef>
                 <a:spcPts val="0"/>
               </a:spcBef>
@@ -13504,22 +13599,19 @@
             <a:endParaRPr sz="1400"/>
           </a:p>
           <a:p>
-            <a:pPr indent="0" lvl="0" marL="457200" rtl="0" algn="l">
-              <a:spcBef>
-                <a:spcPts val="0"/>
-              </a:spcBef>
-              <a:spcAft>
-                <a:spcPts val="0"/>
-              </a:spcAft>
-              <a:buNone/>
-            </a:pPr>
-            <a:r>
-              <a:t/>
-            </a:r>
+            <a:pPr marL="457200" lvl="0" indent="0" algn="l" rtl="0">
+              <a:spcBef>
+                <a:spcPts val="0"/>
+              </a:spcBef>
+              <a:spcAft>
+                <a:spcPts val="0"/>
+              </a:spcAft>
+              <a:buNone/>
+            </a:pPr>
             <a:endParaRPr sz="1400"/>
           </a:p>
           <a:p>
-            <a:pPr indent="-342900" lvl="0" marL="457200" rtl="0" algn="l">
+            <a:pPr marL="457200" lvl="0" indent="-342900" algn="l" rtl="0">
               <a:lnSpc>
                 <a:spcPct val="115000"/>
               </a:lnSpc>
@@ -13551,7 +13643,7 @@
             </a:endParaRPr>
           </a:p>
           <a:p>
-            <a:pPr indent="-317500" lvl="1" marL="914400" rtl="0" algn="l">
+            <a:pPr marL="914400" lvl="1" indent="-317500" algn="l" rtl="0">
               <a:lnSpc>
                 <a:spcPct val="115000"/>
               </a:lnSpc>
@@ -13583,7 +13675,7 @@
             </a:endParaRPr>
           </a:p>
           <a:p>
-            <a:pPr indent="-317500" lvl="1" marL="914400" rtl="0" algn="l">
+            <a:pPr marL="914400" lvl="1" indent="-317500" algn="l" rtl="0">
               <a:lnSpc>
                 <a:spcPct val="115000"/>
               </a:lnSpc>
@@ -13615,7 +13707,7 @@
             </a:endParaRPr>
           </a:p>
           <a:p>
-            <a:pPr indent="-342900" lvl="0" marL="457200" rtl="0" algn="l">
+            <a:pPr marL="457200" lvl="0" indent="-342900" algn="l" rtl="0">
               <a:lnSpc>
                 <a:spcPct val="115000"/>
               </a:lnSpc>
@@ -13647,7 +13739,7 @@
             </a:endParaRPr>
           </a:p>
           <a:p>
-            <a:pPr indent="-317500" lvl="1" marL="914400" rtl="0" algn="l">
+            <a:pPr marL="914400" lvl="1" indent="-317500" algn="l" rtl="0">
               <a:lnSpc>
                 <a:spcPct val="115000"/>
               </a:lnSpc>
@@ -13679,7 +13771,7 @@
             </a:endParaRPr>
           </a:p>
           <a:p>
-            <a:pPr indent="-342900" lvl="0" marL="457200" rtl="0" algn="l">
+            <a:pPr marL="457200" lvl="0" indent="-342900" algn="l" rtl="0">
               <a:lnSpc>
                 <a:spcPct val="115000"/>
               </a:lnSpc>
@@ -13711,7 +13803,7 @@
             </a:endParaRPr>
           </a:p>
           <a:p>
-            <a:pPr indent="-317500" lvl="1" marL="914400" rtl="0" algn="l">
+            <a:pPr marL="914400" lvl="1" indent="-317500" algn="l" rtl="0">
               <a:lnSpc>
                 <a:spcPct val="115000"/>
               </a:lnSpc>
@@ -13743,7 +13835,7 @@
             </a:endParaRPr>
           </a:p>
           <a:p>
-            <a:pPr indent="0" lvl="0" marL="914400" rtl="0" algn="l">
+            <a:pPr marL="914400" lvl="0" indent="0" algn="l" rtl="0">
               <a:lnSpc>
                 <a:spcPct val="115000"/>
               </a:lnSpc>
@@ -13755,9 +13847,6 @@
               </a:spcAft>
               <a:buNone/>
             </a:pPr>
-            <a:r>
-              <a:t/>
-            </a:r>
             <a:endParaRPr sz="1400">
               <a:solidFill>
                 <a:srgbClr val="93C47D"/>
@@ -13766,40 +13855,14 @@
           </a:p>
         </p:txBody>
       </p:sp>
-      <p:pic>
-        <p:nvPicPr>
-          <p:cNvPr id="123" name="Google Shape;123;p20"/>
-          <p:cNvPicPr preferRelativeResize="0"/>
-          <p:nvPr/>
-        </p:nvPicPr>
-        <p:blipFill>
-          <a:blip r:embed="rId3">
-            <a:alphaModFix/>
-          </a:blip>
-          <a:stretch>
-            <a:fillRect/>
-          </a:stretch>
-        </p:blipFill>
-        <p:spPr>
-          <a:xfrm>
-            <a:off x="3269800" y="2032900"/>
-            <a:ext cx="5639475" cy="2902400"/>
-          </a:xfrm>
-          <a:prstGeom prst="rect">
-            <a:avLst/>
-          </a:prstGeom>
-          <a:noFill/>
-          <a:ln>
-            <a:noFill/>
-          </a:ln>
-        </p:spPr>
-      </p:pic>
       <p:sp>
         <p:nvSpPr>
           <p:cNvPr id="124" name="Google Shape;124;p20"/>
-          <p:cNvSpPr txBox="1"/>
+          <p:cNvSpPr txBox="1">
+            <a:spLocks noGrp="1"/>
+          </p:cNvSpPr>
           <p:nvPr>
-            <p:ph idx="12" type="sldNum"/>
+            <p:ph type="sldNum" idx="12"/>
           </p:nvPr>
         </p:nvSpPr>
         <p:spPr>
@@ -13812,12 +13875,12 @@
           </a:prstGeom>
         </p:spPr>
         <p:txBody>
-          <a:bodyPr anchorCtr="0" anchor="ctr" bIns="91425" lIns="91425" spcFirstLastPara="1" rIns="91425" wrap="square" tIns="91425">
+          <a:bodyPr spcFirstLastPara="1" wrap="square" lIns="91425" tIns="91425" rIns="91425" bIns="91425" anchor="ctr" anchorCtr="0">
             <a:noAutofit/>
           </a:bodyPr>
           <a:lstStyle/>
           <a:p>
-            <a:pPr indent="0" lvl="0" marL="0" rtl="0" algn="r">
+            <a:pPr marL="0" lvl="0" indent="0" algn="r" rtl="0">
               <a:spcBef>
                 <a:spcPts val="0"/>
               </a:spcBef>
@@ -13828,12 +13891,42 @@
             </a:pPr>
             <a:fld id="{00000000-1234-1234-1234-123412341234}" type="slidenum">
               <a:rPr lang="en"/>
-              <a:t>‹#›</a:t>
+              <a:t>8</a:t>
             </a:fld>
             <a:endParaRPr/>
           </a:p>
         </p:txBody>
       </p:sp>
+      <p:pic>
+        <p:nvPicPr>
+          <p:cNvPr id="3" name="Picture 2" descr="A close up of a map&#10;&#10;Description automatically generated">
+            <a:extLst>
+              <a:ext uri="{FF2B5EF4-FFF2-40B4-BE49-F238E27FC236}">
+                <a16:creationId xmlns:a16="http://schemas.microsoft.com/office/drawing/2014/main" id="{D5B92D27-842B-4AD5-8E95-28719E3FA359}"/>
+              </a:ext>
+            </a:extLst>
+          </p:cNvPr>
+          <p:cNvPicPr>
+            <a:picLocks noChangeAspect="1"/>
+          </p:cNvPicPr>
+          <p:nvPr/>
+        </p:nvPicPr>
+        <p:blipFill>
+          <a:blip r:embed="rId3"/>
+          <a:stretch>
+            <a:fillRect/>
+          </a:stretch>
+        </p:blipFill>
+        <p:spPr>
+          <a:xfrm>
+            <a:off x="3527179" y="1627321"/>
+            <a:ext cx="5292671" cy="3061437"/>
+          </a:xfrm>
+          <a:prstGeom prst="rect">
+            <a:avLst/>
+          </a:prstGeom>
+        </p:spPr>
+      </p:pic>
     </p:spTree>
   </p:cSld>
   <p:clrMapOvr>
@@ -13843,11 +13936,11 @@
 </file>
 
 <file path=ppt/slides/slide9.xml><?xml version="1.0" encoding="utf-8"?>
-<p:sld xmlns:a="http://schemas.openxmlformats.org/drawingml/2006/main" xmlns:r="http://schemas.openxmlformats.org/officeDocument/2006/relationships" xmlns:mc="http://schemas.openxmlformats.org/markup-compatibility/2006" xmlns:mv="urn:schemas-microsoft-com:mac:vml" xmlns:p="http://schemas.openxmlformats.org/presentationml/2006/main" xmlns:c="http://schemas.openxmlformats.org/drawingml/2006/chart" xmlns:dgm="http://schemas.openxmlformats.org/drawingml/2006/diagram" xmlns:o="urn:schemas-microsoft-com:office:office" xmlns:v="urn:schemas-microsoft-com:vml" xmlns:pvml="urn:schemas-microsoft-com:office:powerpoint" xmlns:com="http://schemas.openxmlformats.org/drawingml/2006/compatibility" xmlns:p14="http://schemas.microsoft.com/office/powerpoint/2010/main" xmlns:p15="http://schemas.microsoft.com/office/powerpoint/2012/main">
+<p:sld xmlns:a="http://schemas.openxmlformats.org/drawingml/2006/main" xmlns:r="http://schemas.openxmlformats.org/officeDocument/2006/relationships" xmlns:p="http://schemas.openxmlformats.org/presentationml/2006/main">
   <p:cSld>
     <p:spTree>
       <p:nvGrpSpPr>
-        <p:cNvPr id="128" name="Shape 128"/>
+        <p:cNvPr id="1" name="Shape 128"/>
         <p:cNvGrpSpPr/>
         <p:nvPr/>
       </p:nvGrpSpPr>
@@ -13862,7 +13955,9 @@
       <p:sp>
         <p:nvSpPr>
           <p:cNvPr id="129" name="Google Shape;129;p21"/>
-          <p:cNvSpPr txBox="1"/>
+          <p:cNvSpPr txBox="1">
+            <a:spLocks noGrp="1"/>
+          </p:cNvSpPr>
           <p:nvPr>
             <p:ph type="title"/>
           </p:nvPr>
@@ -13877,12 +13972,12 @@
           </a:prstGeom>
         </p:spPr>
         <p:txBody>
-          <a:bodyPr anchorCtr="0" anchor="t" bIns="91425" lIns="91425" spcFirstLastPara="1" rIns="91425" wrap="square" tIns="91425">
+          <a:bodyPr spcFirstLastPara="1" wrap="square" lIns="91425" tIns="91425" rIns="91425" bIns="91425" anchor="t" anchorCtr="0">
             <a:noAutofit/>
           </a:bodyPr>
           <a:lstStyle/>
           <a:p>
-            <a:pPr indent="0" lvl="0" marL="0" rtl="0" algn="l">
+            <a:pPr marL="0" lvl="0" indent="0" algn="l" rtl="0">
               <a:spcBef>
                 <a:spcPts val="0"/>
               </a:spcBef>
@@ -13898,22 +13993,19 @@
             <a:endParaRPr sz="1800"/>
           </a:p>
           <a:p>
-            <a:pPr indent="0" lvl="0" marL="0" rtl="0" algn="l">
-              <a:spcBef>
-                <a:spcPts val="0"/>
-              </a:spcBef>
-              <a:spcAft>
-                <a:spcPts val="0"/>
-              </a:spcAft>
-              <a:buNone/>
-            </a:pPr>
-            <a:r>
-              <a:t/>
-            </a:r>
+            <a:pPr marL="0" lvl="0" indent="0" algn="l" rtl="0">
+              <a:spcBef>
+                <a:spcPts val="0"/>
+              </a:spcBef>
+              <a:spcAft>
+                <a:spcPts val="0"/>
+              </a:spcAft>
+              <a:buNone/>
+            </a:pPr>
             <a:endParaRPr sz="1800"/>
           </a:p>
           <a:p>
-            <a:pPr indent="-342900" lvl="0" marL="457200" rtl="0" algn="l">
+            <a:pPr marL="457200" lvl="0" indent="-342900" algn="l" rtl="0">
               <a:spcBef>
                 <a:spcPts val="0"/>
               </a:spcBef>
@@ -13933,7 +14025,7 @@
             <a:endParaRPr sz="1400"/>
           </a:p>
           <a:p>
-            <a:pPr indent="-317500" lvl="0" marL="457200" rtl="0" algn="l">
+            <a:pPr marL="457200" lvl="0" indent="-317500" algn="l" rtl="0">
               <a:spcBef>
                 <a:spcPts val="0"/>
               </a:spcBef>
@@ -13950,18 +14042,15 @@
             <a:endParaRPr sz="1400"/>
           </a:p>
           <a:p>
-            <a:pPr indent="0" lvl="0" marL="0" rtl="0" algn="l">
-              <a:spcBef>
-                <a:spcPts val="0"/>
-              </a:spcBef>
-              <a:spcAft>
-                <a:spcPts val="0"/>
-              </a:spcAft>
-              <a:buNone/>
-            </a:pPr>
-            <a:r>
-              <a:t/>
-            </a:r>
+            <a:pPr marL="0" lvl="0" indent="0" algn="l" rtl="0">
+              <a:spcBef>
+                <a:spcPts val="0"/>
+              </a:spcBef>
+              <a:spcAft>
+                <a:spcPts val="0"/>
+              </a:spcAft>
+              <a:buNone/>
+            </a:pPr>
             <a:endParaRPr sz="1800">
               <a:solidFill>
                 <a:srgbClr val="93C47D"/>
@@ -13969,7 +14058,7 @@
             </a:endParaRPr>
           </a:p>
           <a:p>
-            <a:pPr indent="0" lvl="0" marL="914400" rtl="0" algn="l">
+            <a:pPr marL="914400" lvl="0" indent="0" algn="l" rtl="0">
               <a:lnSpc>
                 <a:spcPct val="115000"/>
               </a:lnSpc>
@@ -13981,9 +14070,6 @@
               </a:spcAft>
               <a:buNone/>
             </a:pPr>
-            <a:r>
-              <a:t/>
-            </a:r>
             <a:endParaRPr sz="1800">
               <a:solidFill>
                 <a:srgbClr val="93C47D"/>
@@ -14023,9 +14109,11 @@
       <p:sp>
         <p:nvSpPr>
           <p:cNvPr id="131" name="Google Shape;131;p21"/>
-          <p:cNvSpPr txBox="1"/>
+          <p:cNvSpPr txBox="1">
+            <a:spLocks noGrp="1"/>
+          </p:cNvSpPr>
           <p:nvPr>
-            <p:ph idx="12" type="sldNum"/>
+            <p:ph type="sldNum" idx="12"/>
           </p:nvPr>
         </p:nvSpPr>
         <p:spPr>
@@ -14038,12 +14126,12 @@
           </a:prstGeom>
         </p:spPr>
         <p:txBody>
-          <a:bodyPr anchorCtr="0" anchor="ctr" bIns="91425" lIns="91425" spcFirstLastPara="1" rIns="91425" wrap="square" tIns="91425">
+          <a:bodyPr spcFirstLastPara="1" wrap="square" lIns="91425" tIns="91425" rIns="91425" bIns="91425" anchor="ctr" anchorCtr="0">
             <a:noAutofit/>
           </a:bodyPr>
           <a:lstStyle/>
           <a:p>
-            <a:pPr indent="0" lvl="0" marL="0" rtl="0" algn="r">
+            <a:pPr marL="0" lvl="0" indent="0" algn="r" rtl="0">
               <a:spcBef>
                 <a:spcPts val="0"/>
               </a:spcBef>
@@ -14054,7 +14142,7 @@
             </a:pPr>
             <a:fld id="{00000000-1234-1234-1234-123412341234}" type="slidenum">
               <a:rPr lang="en"/>
-              <a:t>‹#›</a:t>
+              <a:t>9</a:t>
             </a:fld>
             <a:endParaRPr/>
           </a:p>
@@ -14069,7 +14157,7 @@
 </file>
 
 <file path=ppt/theme/theme1.xml><?xml version="1.0" encoding="utf-8"?>
-<a:theme xmlns:a="http://schemas.openxmlformats.org/drawingml/2006/main" xmlns:r="http://schemas.openxmlformats.org/officeDocument/2006/relationships" name="Swiss">
+<a:theme xmlns:a="http://schemas.openxmlformats.org/drawingml/2006/main" name="Swiss">
   <a:themeElements>
     <a:clrScheme name="Swiss">
       <a:dk1>
@@ -14344,11 +14432,13 @@
       </a:bgFillStyleLst>
     </a:fmtScheme>
   </a:themeElements>
+  <a:objectDefaults/>
+  <a:extraClrSchemeLst/>
 </a:theme>
 </file>
 
 <file path=ppt/theme/theme2.xml><?xml version="1.0" encoding="utf-8"?>
-<a:theme xmlns:a="http://schemas.openxmlformats.org/drawingml/2006/main" xmlns:r="http://schemas.openxmlformats.org/officeDocument/2006/relationships">
+<a:theme xmlns:a="http://schemas.openxmlformats.org/drawingml/2006/main">
   <a:themeElements>
     <a:clrScheme name="Default">
       <a:dk1>
@@ -14623,5 +14713,7 @@
       </a:bgFillStyleLst>
     </a:fmtScheme>
   </a:themeElements>
+  <a:objectDefaults/>
+  <a:extraClrSchemeLst/>
 </a:theme>
 </file>